--- a/02_Intro_Meta-analysis_2021-07-06.pptx
+++ b/02_Intro_Meta-analysis_2021-07-06.pptx
@@ -5,7 +5,7 @@
     <p:sldMasterId id="2147483648" r:id="rId1"/>
   </p:sldMasterIdLst>
   <p:notesMasterIdLst>
-    <p:notesMasterId r:id="rId50"/>
+    <p:notesMasterId r:id="rId51"/>
   </p:notesMasterIdLst>
   <p:sldIdLst>
     <p:sldId id="256" r:id="rId2"/>
@@ -46,16 +46,17 @@
     <p:sldId id="410" r:id="rId37"/>
     <p:sldId id="391" r:id="rId38"/>
     <p:sldId id="400" r:id="rId39"/>
-    <p:sldId id="287" r:id="rId40"/>
-    <p:sldId id="386" r:id="rId41"/>
-    <p:sldId id="388" r:id="rId42"/>
-    <p:sldId id="393" r:id="rId43"/>
-    <p:sldId id="322" r:id="rId44"/>
-    <p:sldId id="310" r:id="rId45"/>
-    <p:sldId id="397" r:id="rId46"/>
-    <p:sldId id="396" r:id="rId47"/>
-    <p:sldId id="398" r:id="rId48"/>
-    <p:sldId id="377" r:id="rId49"/>
+    <p:sldId id="411" r:id="rId40"/>
+    <p:sldId id="287" r:id="rId41"/>
+    <p:sldId id="386" r:id="rId42"/>
+    <p:sldId id="388" r:id="rId43"/>
+    <p:sldId id="393" r:id="rId44"/>
+    <p:sldId id="322" r:id="rId45"/>
+    <p:sldId id="310" r:id="rId46"/>
+    <p:sldId id="397" r:id="rId47"/>
+    <p:sldId id="396" r:id="rId48"/>
+    <p:sldId id="398" r:id="rId49"/>
+    <p:sldId id="377" r:id="rId50"/>
   </p:sldIdLst>
   <p:sldSz cx="12192000" cy="6858000"/>
   <p:notesSz cx="6858000" cy="9144000"/>
@@ -660,7 +661,7 @@
           <a:p>
             <a:fld id="{700E2BA0-6B8B-7A40-9298-7B14ED4552A5}" type="slidenum">
               <a:rPr lang="en-US" smtClean="0"/>
-              <a:t>27</a:t>
+              <a:t>26</a:t>
             </a:fld>
             <a:endParaRPr lang="en-US" dirty="0"/>
           </a:p>
@@ -669,7 +670,7 @@
     </p:spTree>
     <p:extLst>
       <p:ext uri="{BB962C8B-B14F-4D97-AF65-F5344CB8AC3E}">
-        <p14:creationId xmlns:p14="http://schemas.microsoft.com/office/powerpoint/2010/main" val="3080114206"/>
+        <p14:creationId xmlns:p14="http://schemas.microsoft.com/office/powerpoint/2010/main" val="2899290946"/>
       </p:ext>
     </p:extLst>
   </p:cSld>
@@ -744,7 +745,7 @@
           <a:p>
             <a:fld id="{700E2BA0-6B8B-7A40-9298-7B14ED4552A5}" type="slidenum">
               <a:rPr lang="en-US" smtClean="0"/>
-              <a:t>28</a:t>
+              <a:t>27</a:t>
             </a:fld>
             <a:endParaRPr lang="en-US" dirty="0"/>
           </a:p>
@@ -753,7 +754,7 @@
     </p:spTree>
     <p:extLst>
       <p:ext uri="{BB962C8B-B14F-4D97-AF65-F5344CB8AC3E}">
-        <p14:creationId xmlns:p14="http://schemas.microsoft.com/office/powerpoint/2010/main" val="2044872041"/>
+        <p14:creationId xmlns:p14="http://schemas.microsoft.com/office/powerpoint/2010/main" val="3080114206"/>
       </p:ext>
     </p:extLst>
   </p:cSld>
@@ -828,7 +829,7 @@
           <a:p>
             <a:fld id="{700E2BA0-6B8B-7A40-9298-7B14ED4552A5}" type="slidenum">
               <a:rPr lang="en-US" smtClean="0"/>
-              <a:t>29</a:t>
+              <a:t>28</a:t>
             </a:fld>
             <a:endParaRPr lang="en-US" dirty="0"/>
           </a:p>
@@ -837,7 +838,7 @@
     </p:spTree>
     <p:extLst>
       <p:ext uri="{BB962C8B-B14F-4D97-AF65-F5344CB8AC3E}">
-        <p14:creationId xmlns:p14="http://schemas.microsoft.com/office/powerpoint/2010/main" val="2592311226"/>
+        <p14:creationId xmlns:p14="http://schemas.microsoft.com/office/powerpoint/2010/main" val="2044872041"/>
       </p:ext>
     </p:extLst>
   </p:cSld>
@@ -912,7 +913,7 @@
           <a:p>
             <a:fld id="{700E2BA0-6B8B-7A40-9298-7B14ED4552A5}" type="slidenum">
               <a:rPr lang="en-US" smtClean="0"/>
-              <a:t>31</a:t>
+              <a:t>29</a:t>
             </a:fld>
             <a:endParaRPr lang="en-US" dirty="0"/>
           </a:p>
@@ -921,7 +922,7 @@
     </p:spTree>
     <p:extLst>
       <p:ext uri="{BB962C8B-B14F-4D97-AF65-F5344CB8AC3E}">
-        <p14:creationId xmlns:p14="http://schemas.microsoft.com/office/powerpoint/2010/main" val="2468254401"/>
+        <p14:creationId xmlns:p14="http://schemas.microsoft.com/office/powerpoint/2010/main" val="2592311226"/>
       </p:ext>
     </p:extLst>
   </p:cSld>
@@ -996,7 +997,7 @@
           <a:p>
             <a:fld id="{700E2BA0-6B8B-7A40-9298-7B14ED4552A5}" type="slidenum">
               <a:rPr lang="en-US" smtClean="0"/>
-              <a:t>32</a:t>
+              <a:t>31</a:t>
             </a:fld>
             <a:endParaRPr lang="en-US" dirty="0"/>
           </a:p>
@@ -1005,7 +1006,7 @@
     </p:spTree>
     <p:extLst>
       <p:ext uri="{BB962C8B-B14F-4D97-AF65-F5344CB8AC3E}">
-        <p14:creationId xmlns:p14="http://schemas.microsoft.com/office/powerpoint/2010/main" val="2183780080"/>
+        <p14:creationId xmlns:p14="http://schemas.microsoft.com/office/powerpoint/2010/main" val="2468254401"/>
       </p:ext>
     </p:extLst>
   </p:cSld>
@@ -1080,7 +1081,7 @@
           <a:p>
             <a:fld id="{700E2BA0-6B8B-7A40-9298-7B14ED4552A5}" type="slidenum">
               <a:rPr lang="en-US" smtClean="0"/>
-              <a:t>33</a:t>
+              <a:t>32</a:t>
             </a:fld>
             <a:endParaRPr lang="en-US" dirty="0"/>
           </a:p>
@@ -1089,7 +1090,7 @@
     </p:spTree>
     <p:extLst>
       <p:ext uri="{BB962C8B-B14F-4D97-AF65-F5344CB8AC3E}">
-        <p14:creationId xmlns:p14="http://schemas.microsoft.com/office/powerpoint/2010/main" val="999809598"/>
+        <p14:creationId xmlns:p14="http://schemas.microsoft.com/office/powerpoint/2010/main" val="2183780080"/>
       </p:ext>
     </p:extLst>
   </p:cSld>
@@ -1164,7 +1165,7 @@
           <a:p>
             <a:fld id="{700E2BA0-6B8B-7A40-9298-7B14ED4552A5}" type="slidenum">
               <a:rPr lang="en-US" smtClean="0"/>
-              <a:t>36</a:t>
+              <a:t>33</a:t>
             </a:fld>
             <a:endParaRPr lang="en-US" dirty="0"/>
           </a:p>
@@ -1173,7 +1174,7 @@
     </p:spTree>
     <p:extLst>
       <p:ext uri="{BB962C8B-B14F-4D97-AF65-F5344CB8AC3E}">
-        <p14:creationId xmlns:p14="http://schemas.microsoft.com/office/powerpoint/2010/main" val="2262867407"/>
+        <p14:creationId xmlns:p14="http://schemas.microsoft.com/office/powerpoint/2010/main" val="999809598"/>
       </p:ext>
     </p:extLst>
   </p:cSld>
@@ -1248,7 +1249,7 @@
           <a:p>
             <a:fld id="{700E2BA0-6B8B-7A40-9298-7B14ED4552A5}" type="slidenum">
               <a:rPr lang="en-US" smtClean="0"/>
-              <a:t>39</a:t>
+              <a:t>36</a:t>
             </a:fld>
             <a:endParaRPr lang="en-US" dirty="0"/>
           </a:p>
@@ -1257,7 +1258,7 @@
     </p:spTree>
     <p:extLst>
       <p:ext uri="{BB962C8B-B14F-4D97-AF65-F5344CB8AC3E}">
-        <p14:creationId xmlns:p14="http://schemas.microsoft.com/office/powerpoint/2010/main" val="958009552"/>
+        <p14:creationId xmlns:p14="http://schemas.microsoft.com/office/powerpoint/2010/main" val="2262867407"/>
       </p:ext>
     </p:extLst>
   </p:cSld>
@@ -1332,7 +1333,7 @@
           <a:p>
             <a:fld id="{700E2BA0-6B8B-7A40-9298-7B14ED4552A5}" type="slidenum">
               <a:rPr lang="en-US" smtClean="0"/>
-              <a:t>41</a:t>
+              <a:t>40</a:t>
             </a:fld>
             <a:endParaRPr lang="en-US" dirty="0"/>
           </a:p>
@@ -1341,7 +1342,7 @@
     </p:spTree>
     <p:extLst>
       <p:ext uri="{BB962C8B-B14F-4D97-AF65-F5344CB8AC3E}">
-        <p14:creationId xmlns:p14="http://schemas.microsoft.com/office/powerpoint/2010/main" val="610728464"/>
+        <p14:creationId xmlns:p14="http://schemas.microsoft.com/office/powerpoint/2010/main" val="958009552"/>
       </p:ext>
     </p:extLst>
   </p:cSld>
@@ -1370,118 +1371,64 @@
       </p:grpSpPr>
       <p:sp>
         <p:nvSpPr>
-          <p:cNvPr id="7" name="Rectangle 7">
-            <a:extLst>
-              <a:ext uri="{FF2B5EF4-FFF2-40B4-BE49-F238E27FC236}">
-                <a16:creationId xmlns:a16="http://schemas.microsoft.com/office/drawing/2014/main" id="{01F0A50A-1EEF-D043-8490-9F626DC7F347}"/>
-              </a:ext>
-            </a:extLst>
-          </p:cNvPr>
-          <p:cNvSpPr>
-            <a:spLocks noGrp="1" noChangeArrowheads="1"/>
+          <p:cNvPr id="2" name="Slide Image Placeholder 1"/>
+          <p:cNvSpPr>
+            <a:spLocks noGrp="1" noRot="1" noChangeAspect="1"/>
+          </p:cNvSpPr>
+          <p:nvPr>
+            <p:ph type="sldImg"/>
+          </p:nvPr>
+        </p:nvSpPr>
+        <p:spPr/>
+      </p:sp>
+      <p:sp>
+        <p:nvSpPr>
+          <p:cNvPr id="3" name="Notes Placeholder 2"/>
+          <p:cNvSpPr>
+            <a:spLocks noGrp="1"/>
+          </p:cNvSpPr>
+          <p:nvPr>
+            <p:ph type="body" idx="1"/>
+          </p:nvPr>
+        </p:nvSpPr>
+        <p:spPr/>
+        <p:txBody>
+          <a:bodyPr/>
+          <a:lstStyle/>
+          <a:p>
+            <a:endParaRPr lang="en-US" dirty="0"/>
+          </a:p>
+        </p:txBody>
+      </p:sp>
+      <p:sp>
+        <p:nvSpPr>
+          <p:cNvPr id="4" name="Slide Number Placeholder 3"/>
+          <p:cNvSpPr>
+            <a:spLocks noGrp="1"/>
           </p:cNvSpPr>
           <p:nvPr>
             <p:ph type="sldNum" sz="quarter" idx="5"/>
           </p:nvPr>
         </p:nvSpPr>
-        <p:spPr>
-          <a:ln/>
-        </p:spPr>
-        <p:txBody>
-          <a:bodyPr/>
-          <a:lstStyle/>
-          <a:p>
-            <a:fld id="{09DE6CDC-0C78-884C-B7A9-8076A6825522}" type="slidenum">
-              <a:rPr lang="en-US" altLang="en-US"/>
-              <a:pPr/>
-              <a:t>43</a:t>
+        <p:spPr/>
+        <p:txBody>
+          <a:bodyPr/>
+          <a:lstStyle/>
+          <a:p>
+            <a:fld id="{700E2BA0-6B8B-7A40-9298-7B14ED4552A5}" type="slidenum">
+              <a:rPr lang="en-US" smtClean="0"/>
+              <a:t>42</a:t>
             </a:fld>
-            <a:endParaRPr lang="en-US" altLang="en-US" dirty="0"/>
-          </a:p>
-        </p:txBody>
-      </p:sp>
-      <p:sp>
-        <p:nvSpPr>
-          <p:cNvPr id="109570" name="Rectangle 2">
-            <a:extLst>
-              <a:ext uri="{FF2B5EF4-FFF2-40B4-BE49-F238E27FC236}">
-                <a16:creationId xmlns:a16="http://schemas.microsoft.com/office/drawing/2014/main" id="{60C9A799-9C5D-6645-9827-E234D732637D}"/>
-              </a:ext>
-            </a:extLst>
-          </p:cNvPr>
-          <p:cNvSpPr>
-            <a:spLocks noGrp="1" noRot="1" noChangeAspect="1" noChangeArrowheads="1"/>
-          </p:cNvSpPr>
-          <p:nvPr>
-            <p:ph type="sldImg"/>
-          </p:nvPr>
-        </p:nvSpPr>
-        <p:spPr bwMode="auto">
-          <a:xfrm>
-            <a:off x="381000" y="685800"/>
-            <a:ext cx="6096000" cy="3429000"/>
-          </a:xfrm>
-          <a:prstGeom prst="rect">
-            <a:avLst/>
-          </a:prstGeom>
-          <a:solidFill>
-            <a:srgbClr val="FFFFFF"/>
-          </a:solidFill>
-          <a:ln>
-            <a:solidFill>
-              <a:srgbClr val="000000"/>
-            </a:solidFill>
-            <a:miter lim="800000"/>
-            <a:headEnd/>
-            <a:tailEnd/>
-          </a:ln>
-        </p:spPr>
-      </p:sp>
-      <p:sp>
-        <p:nvSpPr>
-          <p:cNvPr id="109571" name="Rectangle 3">
-            <a:extLst>
-              <a:ext uri="{FF2B5EF4-FFF2-40B4-BE49-F238E27FC236}">
-                <a16:creationId xmlns:a16="http://schemas.microsoft.com/office/drawing/2014/main" id="{6C1D94F5-66AD-E744-A0DD-41083E4F0581}"/>
-              </a:ext>
-            </a:extLst>
-          </p:cNvPr>
-          <p:cNvSpPr>
-            <a:spLocks noGrp="1" noChangeArrowheads="1"/>
-          </p:cNvSpPr>
-          <p:nvPr>
-            <p:ph type="body" idx="1"/>
-          </p:nvPr>
-        </p:nvSpPr>
-        <p:spPr bwMode="auto">
-          <a:xfrm>
-            <a:off x="914400" y="4343400"/>
-            <a:ext cx="5029200" cy="4114800"/>
-          </a:xfrm>
-          <a:prstGeom prst="rect">
-            <a:avLst/>
-          </a:prstGeom>
-          <a:solidFill>
-            <a:srgbClr val="FFFFFF"/>
-          </a:solidFill>
-          <a:ln>
-            <a:solidFill>
-              <a:srgbClr val="000000"/>
-            </a:solidFill>
-            <a:miter lim="800000"/>
-            <a:headEnd/>
-            <a:tailEnd/>
-          </a:ln>
-        </p:spPr>
-        <p:txBody>
-          <a:bodyPr/>
-          <a:lstStyle/>
-          <a:p>
-            <a:endParaRPr lang="en-US" altLang="en-US" dirty="0"/>
+            <a:endParaRPr lang="en-US" dirty="0"/>
           </a:p>
         </p:txBody>
       </p:sp>
     </p:spTree>
+    <p:extLst>
+      <p:ext uri="{BB962C8B-B14F-4D97-AF65-F5344CB8AC3E}">
+        <p14:creationId xmlns:p14="http://schemas.microsoft.com/office/powerpoint/2010/main" val="610728464"/>
+      </p:ext>
+    </p:extLst>
   </p:cSld>
   <p:clrMapOvr>
     <a:masterClrMapping/>
@@ -1708,6 +1655,144 @@
         </p:txBody>
       </p:sp>
     </p:spTree>
+  </p:cSld>
+  <p:clrMapOvr>
+    <a:masterClrMapping/>
+  </p:clrMapOvr>
+</p:notes>
+</file>
+
+<file path=ppt/notesSlides/notesSlide21.xml><?xml version="1.0" encoding="utf-8"?>
+<p:notes xmlns:a="http://schemas.openxmlformats.org/drawingml/2006/main" xmlns:r="http://schemas.openxmlformats.org/officeDocument/2006/relationships" xmlns:p="http://schemas.openxmlformats.org/presentationml/2006/main">
+  <p:cSld>
+    <p:spTree>
+      <p:nvGrpSpPr>
+        <p:cNvPr id="1" name=""/>
+        <p:cNvGrpSpPr/>
+        <p:nvPr/>
+      </p:nvGrpSpPr>
+      <p:grpSpPr>
+        <a:xfrm>
+          <a:off x="0" y="0"/>
+          <a:ext cx="0" cy="0"/>
+          <a:chOff x="0" y="0"/>
+          <a:chExt cx="0" cy="0"/>
+        </a:xfrm>
+      </p:grpSpPr>
+      <p:sp>
+        <p:nvSpPr>
+          <p:cNvPr id="7" name="Rectangle 7">
+            <a:extLst>
+              <a:ext uri="{FF2B5EF4-FFF2-40B4-BE49-F238E27FC236}">
+                <a16:creationId xmlns:a16="http://schemas.microsoft.com/office/drawing/2014/main" id="{01F0A50A-1EEF-D043-8490-9F626DC7F347}"/>
+              </a:ext>
+            </a:extLst>
+          </p:cNvPr>
+          <p:cNvSpPr>
+            <a:spLocks noGrp="1" noChangeArrowheads="1"/>
+          </p:cNvSpPr>
+          <p:nvPr>
+            <p:ph type="sldNum" sz="quarter" idx="5"/>
+          </p:nvPr>
+        </p:nvSpPr>
+        <p:spPr>
+          <a:ln/>
+        </p:spPr>
+        <p:txBody>
+          <a:bodyPr/>
+          <a:lstStyle/>
+          <a:p>
+            <a:fld id="{09DE6CDC-0C78-884C-B7A9-8076A6825522}" type="slidenum">
+              <a:rPr lang="en-US" altLang="en-US"/>
+              <a:pPr/>
+              <a:t>45</a:t>
+            </a:fld>
+            <a:endParaRPr lang="en-US" altLang="en-US" dirty="0"/>
+          </a:p>
+        </p:txBody>
+      </p:sp>
+      <p:sp>
+        <p:nvSpPr>
+          <p:cNvPr id="109570" name="Rectangle 2">
+            <a:extLst>
+              <a:ext uri="{FF2B5EF4-FFF2-40B4-BE49-F238E27FC236}">
+                <a16:creationId xmlns:a16="http://schemas.microsoft.com/office/drawing/2014/main" id="{60C9A799-9C5D-6645-9827-E234D732637D}"/>
+              </a:ext>
+            </a:extLst>
+          </p:cNvPr>
+          <p:cNvSpPr>
+            <a:spLocks noGrp="1" noRot="1" noChangeAspect="1" noChangeArrowheads="1"/>
+          </p:cNvSpPr>
+          <p:nvPr>
+            <p:ph type="sldImg"/>
+          </p:nvPr>
+        </p:nvSpPr>
+        <p:spPr bwMode="auto">
+          <a:xfrm>
+            <a:off x="381000" y="685800"/>
+            <a:ext cx="6096000" cy="3429000"/>
+          </a:xfrm>
+          <a:prstGeom prst="rect">
+            <a:avLst/>
+          </a:prstGeom>
+          <a:solidFill>
+            <a:srgbClr val="FFFFFF"/>
+          </a:solidFill>
+          <a:ln>
+            <a:solidFill>
+              <a:srgbClr val="000000"/>
+            </a:solidFill>
+            <a:miter lim="800000"/>
+            <a:headEnd/>
+            <a:tailEnd/>
+          </a:ln>
+        </p:spPr>
+      </p:sp>
+      <p:sp>
+        <p:nvSpPr>
+          <p:cNvPr id="109571" name="Rectangle 3">
+            <a:extLst>
+              <a:ext uri="{FF2B5EF4-FFF2-40B4-BE49-F238E27FC236}">
+                <a16:creationId xmlns:a16="http://schemas.microsoft.com/office/drawing/2014/main" id="{6C1D94F5-66AD-E744-A0DD-41083E4F0581}"/>
+              </a:ext>
+            </a:extLst>
+          </p:cNvPr>
+          <p:cNvSpPr>
+            <a:spLocks noGrp="1" noChangeArrowheads="1"/>
+          </p:cNvSpPr>
+          <p:nvPr>
+            <p:ph type="body" idx="1"/>
+          </p:nvPr>
+        </p:nvSpPr>
+        <p:spPr bwMode="auto">
+          <a:xfrm>
+            <a:off x="914400" y="4343400"/>
+            <a:ext cx="5029200" cy="4114800"/>
+          </a:xfrm>
+          <a:prstGeom prst="rect">
+            <a:avLst/>
+          </a:prstGeom>
+          <a:solidFill>
+            <a:srgbClr val="FFFFFF"/>
+          </a:solidFill>
+          <a:ln>
+            <a:solidFill>
+              <a:srgbClr val="000000"/>
+            </a:solidFill>
+            <a:miter lim="800000"/>
+            <a:headEnd/>
+            <a:tailEnd/>
+          </a:ln>
+        </p:spPr>
+        <p:txBody>
+          <a:bodyPr/>
+          <a:lstStyle/>
+          <a:p>
+            <a:endParaRPr lang="en-US" altLang="en-US" dirty="0"/>
+          </a:p>
+        </p:txBody>
+      </p:sp>
+    </p:spTree>
     <p:extLst>
       <p:ext uri="{BB962C8B-B14F-4D97-AF65-F5344CB8AC3E}">
         <p14:creationId xmlns:p14="http://schemas.microsoft.com/office/powerpoint/2010/main" val="1617062910"/>
@@ -2182,44 +2267,7 @@
           <a:bodyPr/>
           <a:lstStyle/>
           <a:p>
-            <a:pPr marL="171450" indent="-171450">
-              <a:buFont typeface="Arial" panose="020B0604020202020204" pitchFamily="34" charset="0"/>
-              <a:buChar char="•"/>
-            </a:pPr>
-            <a:r>
-              <a:rPr lang="en-US" dirty="0"/>
-              <a:t>Depending on the scope of your analysis and the software you’re using you have a number of options</a:t>
-            </a:r>
-          </a:p>
-          <a:p>
-            <a:pPr marL="171450" indent="-171450">
-              <a:buFont typeface="Arial" panose="020B0604020202020204" pitchFamily="34" charset="0"/>
-              <a:buChar char="•"/>
-            </a:pPr>
-            <a:r>
-              <a:rPr lang="en-US" dirty="0"/>
-              <a:t>CMA (Comprehensive Meta-Analysis) allows direct entry of 100 different data formats</a:t>
-            </a:r>
-          </a:p>
-          <a:p>
-            <a:pPr marL="171450" indent="-171450">
-              <a:buFont typeface="Arial" panose="020B0604020202020204" pitchFamily="34" charset="0"/>
-              <a:buChar char="•"/>
-            </a:pPr>
-            <a:r>
-              <a:rPr lang="en-US" dirty="0"/>
-              <a:t>Online calculators can be used to hand calculate effect sizes using different data formats</a:t>
-            </a:r>
-          </a:p>
-          <a:p>
-            <a:pPr marL="171450" indent="-171450">
-              <a:buFont typeface="Arial" panose="020B0604020202020204" pitchFamily="34" charset="0"/>
-              <a:buChar char="•"/>
-            </a:pPr>
-            <a:r>
-              <a:rPr lang="en-US" dirty="0"/>
-              <a:t>R packages to compile effect sizes to prepare for analysis</a:t>
-            </a:r>
+            <a:endParaRPr lang="en-US" dirty="0"/>
           </a:p>
         </p:txBody>
       </p:sp>
@@ -2240,7 +2288,7 @@
           <a:p>
             <a:fld id="{700E2BA0-6B8B-7A40-9298-7B14ED4552A5}" type="slidenum">
               <a:rPr lang="en-US" smtClean="0"/>
-              <a:t>18</a:t>
+              <a:t>16</a:t>
             </a:fld>
             <a:endParaRPr lang="en-US" dirty="0"/>
           </a:p>
@@ -2249,7 +2297,7 @@
     </p:spTree>
     <p:extLst>
       <p:ext uri="{BB962C8B-B14F-4D97-AF65-F5344CB8AC3E}">
-        <p14:creationId xmlns:p14="http://schemas.microsoft.com/office/powerpoint/2010/main" val="2984545855"/>
+        <p14:creationId xmlns:p14="http://schemas.microsoft.com/office/powerpoint/2010/main" val="3995954578"/>
       </p:ext>
     </p:extLst>
   </p:cSld>
@@ -2303,7 +2351,44 @@
           <a:bodyPr/>
           <a:lstStyle/>
           <a:p>
-            <a:endParaRPr lang="en-US" dirty="0"/>
+            <a:pPr marL="171450" indent="-171450">
+              <a:buFont typeface="Arial" panose="020B0604020202020204" pitchFamily="34" charset="0"/>
+              <a:buChar char="•"/>
+            </a:pPr>
+            <a:r>
+              <a:rPr lang="en-US" dirty="0"/>
+              <a:t>Depending on the scope of your analysis and the software you’re using you have a number of options</a:t>
+            </a:r>
+          </a:p>
+          <a:p>
+            <a:pPr marL="171450" indent="-171450">
+              <a:buFont typeface="Arial" panose="020B0604020202020204" pitchFamily="34" charset="0"/>
+              <a:buChar char="•"/>
+            </a:pPr>
+            <a:r>
+              <a:rPr lang="en-US" dirty="0"/>
+              <a:t>CMA (Comprehensive Meta-Analysis) allows direct entry of 100 different data formats</a:t>
+            </a:r>
+          </a:p>
+          <a:p>
+            <a:pPr marL="171450" indent="-171450">
+              <a:buFont typeface="Arial" panose="020B0604020202020204" pitchFamily="34" charset="0"/>
+              <a:buChar char="•"/>
+            </a:pPr>
+            <a:r>
+              <a:rPr lang="en-US" dirty="0"/>
+              <a:t>Online calculators can be used to hand calculate effect sizes using different data formats</a:t>
+            </a:r>
+          </a:p>
+          <a:p>
+            <a:pPr marL="171450" indent="-171450">
+              <a:buFont typeface="Arial" panose="020B0604020202020204" pitchFamily="34" charset="0"/>
+              <a:buChar char="•"/>
+            </a:pPr>
+            <a:r>
+              <a:rPr lang="en-US" dirty="0"/>
+              <a:t>R packages to compile effect sizes to prepare for analysis</a:t>
+            </a:r>
           </a:p>
         </p:txBody>
       </p:sp>
@@ -2324,7 +2409,7 @@
           <a:p>
             <a:fld id="{700E2BA0-6B8B-7A40-9298-7B14ED4552A5}" type="slidenum">
               <a:rPr lang="en-US" smtClean="0"/>
-              <a:t>25</a:t>
+              <a:t>18</a:t>
             </a:fld>
             <a:endParaRPr lang="en-US" dirty="0"/>
           </a:p>
@@ -2333,7 +2418,7 @@
     </p:spTree>
     <p:extLst>
       <p:ext uri="{BB962C8B-B14F-4D97-AF65-F5344CB8AC3E}">
-        <p14:creationId xmlns:p14="http://schemas.microsoft.com/office/powerpoint/2010/main" val="3033674412"/>
+        <p14:creationId xmlns:p14="http://schemas.microsoft.com/office/powerpoint/2010/main" val="2984545855"/>
       </p:ext>
     </p:extLst>
   </p:cSld>
@@ -2408,7 +2493,7 @@
           <a:p>
             <a:fld id="{700E2BA0-6B8B-7A40-9298-7B14ED4552A5}" type="slidenum">
               <a:rPr lang="en-US" smtClean="0"/>
-              <a:t>26</a:t>
+              <a:t>25</a:t>
             </a:fld>
             <a:endParaRPr lang="en-US" dirty="0"/>
           </a:p>
@@ -2417,7 +2502,7 @@
     </p:spTree>
     <p:extLst>
       <p:ext uri="{BB962C8B-B14F-4D97-AF65-F5344CB8AC3E}">
-        <p14:creationId xmlns:p14="http://schemas.microsoft.com/office/powerpoint/2010/main" val="2899290946"/>
+        <p14:creationId xmlns:p14="http://schemas.microsoft.com/office/powerpoint/2010/main" val="3033674412"/>
       </p:ext>
     </p:extLst>
   </p:cSld>
@@ -8389,7 +8474,7 @@
 </file>
 
 <file path=ppt/slides/slide14.xml><?xml version="1.0" encoding="utf-8"?>
-<p:sld xmlns:a="http://schemas.openxmlformats.org/drawingml/2006/main" xmlns:r="http://schemas.openxmlformats.org/officeDocument/2006/relationships" xmlns:p="http://schemas.openxmlformats.org/presentationml/2006/main" show="0">
+<p:sld xmlns:a="http://schemas.openxmlformats.org/drawingml/2006/main" xmlns:r="http://schemas.openxmlformats.org/officeDocument/2006/relationships" xmlns:p="http://schemas.openxmlformats.org/presentationml/2006/main">
   <p:cSld>
     <p:spTree>
       <p:nvGrpSpPr>
@@ -8562,7 +8647,7 @@
 </file>
 
 <file path=ppt/slides/slide15.xml><?xml version="1.0" encoding="utf-8"?>
-<p:sld xmlns:a="http://schemas.openxmlformats.org/drawingml/2006/main" xmlns:r="http://schemas.openxmlformats.org/officeDocument/2006/relationships" xmlns:p="http://schemas.openxmlformats.org/presentationml/2006/main" show="0">
+<p:sld xmlns:a="http://schemas.openxmlformats.org/drawingml/2006/main" xmlns:r="http://schemas.openxmlformats.org/officeDocument/2006/relationships" xmlns:p="http://schemas.openxmlformats.org/presentationml/2006/main">
   <p:cSld>
     <p:spTree>
       <p:nvGrpSpPr>
@@ -8859,7 +8944,7 @@
 </file>
 
 <file path=ppt/slides/slide16.xml><?xml version="1.0" encoding="utf-8"?>
-<p:sld xmlns:a="http://schemas.openxmlformats.org/drawingml/2006/main" xmlns:r="http://schemas.openxmlformats.org/officeDocument/2006/relationships" xmlns:p="http://schemas.openxmlformats.org/presentationml/2006/main" show="0">
+<p:sld xmlns:a="http://schemas.openxmlformats.org/drawingml/2006/main" xmlns:r="http://schemas.openxmlformats.org/officeDocument/2006/relationships" xmlns:p="http://schemas.openxmlformats.org/presentationml/2006/main">
   <p:cSld>
     <p:spTree>
       <p:nvGrpSpPr>
@@ -9081,20 +9166,11 @@
           <a:p>
             <a:r>
               <a:rPr lang="en-AU" dirty="0"/>
-              <a:t>In the perfect world all studies are well described</a:t>
-            </a:r>
-          </a:p>
-          <a:p>
-            <a:endParaRPr lang="en-AU" dirty="0"/>
-          </a:p>
-          <a:p>
-            <a:r>
-              <a:rPr lang="en-AU" dirty="0"/>
-              <a:t>Sadly, we don’t live in a perfect world</a:t>
-            </a:r>
-          </a:p>
-          <a:p>
-            <a:endParaRPr lang="en-AU" dirty="0"/>
+              <a:t>In the perfect world all studies are well described. Sadly, this is often not the case.</a:t>
+            </a:r>
+          </a:p>
+          <a:p>
+            <a:endParaRPr lang="en-AU" sz="2200" dirty="0"/>
           </a:p>
           <a:p>
             <a:r>
@@ -9106,15 +9182,23 @@
             <a:pPr lvl="1"/>
             <a:r>
               <a:rPr lang="en-AU" dirty="0"/>
-              <a:t>You may need to use a number of formulas different to calculate effect sizes based on the information provided</a:t>
+              <a:t>Even after trying to extract maximal data from all studies you’ll often need to contact authors</a:t>
             </a:r>
           </a:p>
           <a:p>
             <a:pPr lvl="1"/>
+            <a:endParaRPr lang="en-AU" dirty="0"/>
+          </a:p>
+          <a:p>
+            <a:pPr lvl="1"/>
             <a:r>
               <a:rPr lang="en-AU" dirty="0"/>
-              <a:t>Even after trying to extract maximal data from all studies you’ll often need to contact authors</a:t>
-            </a:r>
+              <a:t>You may also need to use a number of formulas* different to calculate effect sizes based on the information provided</a:t>
+            </a:r>
+          </a:p>
+          <a:p>
+            <a:pPr lvl="1"/>
+            <a:endParaRPr lang="en-AU" dirty="0"/>
           </a:p>
           <a:p>
             <a:pPr marL="457200" lvl="1" indent="0">
@@ -9154,6 +9238,146 @@
               <a:t>16</a:t>
             </a:fld>
             <a:endParaRPr lang="en-US" dirty="0"/>
+          </a:p>
+        </p:txBody>
+      </p:sp>
+      <p:sp>
+        <p:nvSpPr>
+          <p:cNvPr id="4" name="TextBox 3">
+            <a:extLst>
+              <a:ext uri="{FF2B5EF4-FFF2-40B4-BE49-F238E27FC236}">
+                <a16:creationId xmlns:a16="http://schemas.microsoft.com/office/drawing/2014/main" id="{385876B1-08B6-214F-9CA2-52355D1C13F5}"/>
+              </a:ext>
+            </a:extLst>
+          </p:cNvPr>
+          <p:cNvSpPr txBox="1"/>
+          <p:nvPr/>
+        </p:nvSpPr>
+        <p:spPr>
+          <a:xfrm>
+            <a:off x="609600" y="6176963"/>
+            <a:ext cx="10344150" cy="584775"/>
+          </a:xfrm>
+          <a:prstGeom prst="rect">
+            <a:avLst/>
+          </a:prstGeom>
+          <a:noFill/>
+        </p:spPr>
+        <p:txBody>
+          <a:bodyPr wrap="square" rtlCol="0">
+            <a:spAutoFit/>
+          </a:bodyPr>
+          <a:lstStyle/>
+          <a:p>
+            <a:r>
+              <a:rPr lang="en-US" sz="1600" i="1" dirty="0">
+                <a:solidFill>
+                  <a:schemeClr val="tx1">
+                    <a:lumMod val="50000"/>
+                    <a:lumOff val="50000"/>
+                  </a:schemeClr>
+                </a:solidFill>
+              </a:rPr>
+              <a:t>* Useful article with formulas for doing this: </a:t>
+            </a:r>
+            <a:r>
+              <a:rPr lang="en-US" sz="1600" dirty="0" err="1">
+                <a:solidFill>
+                  <a:schemeClr val="tx1">
+                    <a:lumMod val="50000"/>
+                    <a:lumOff val="50000"/>
+                  </a:schemeClr>
+                </a:solidFill>
+              </a:rPr>
+              <a:t>Polanin</a:t>
+            </a:r>
+            <a:r>
+              <a:rPr lang="en-US" sz="1600" dirty="0">
+                <a:solidFill>
+                  <a:schemeClr val="tx1">
+                    <a:lumMod val="50000"/>
+                    <a:lumOff val="50000"/>
+                  </a:schemeClr>
+                </a:solidFill>
+              </a:rPr>
+              <a:t>, J. R., &amp; </a:t>
+            </a:r>
+            <a:r>
+              <a:rPr lang="en-US" sz="1600" dirty="0" err="1">
+                <a:solidFill>
+                  <a:schemeClr val="tx1">
+                    <a:lumMod val="50000"/>
+                    <a:lumOff val="50000"/>
+                  </a:schemeClr>
+                </a:solidFill>
+              </a:rPr>
+              <a:t>Snilstveit</a:t>
+            </a:r>
+            <a:r>
+              <a:rPr lang="en-US" sz="1600" dirty="0">
+                <a:solidFill>
+                  <a:schemeClr val="tx1">
+                    <a:lumMod val="50000"/>
+                    <a:lumOff val="50000"/>
+                  </a:schemeClr>
+                </a:solidFill>
+              </a:rPr>
+              <a:t>, B. (2016). Converting between effect sizes. </a:t>
+            </a:r>
+            <a:r>
+              <a:rPr lang="en-US" sz="1600" i="1" dirty="0">
+                <a:solidFill>
+                  <a:schemeClr val="tx1">
+                    <a:lumMod val="50000"/>
+                    <a:lumOff val="50000"/>
+                  </a:schemeClr>
+                </a:solidFill>
+              </a:rPr>
+              <a:t>Campbell Systematic Reviews</a:t>
+            </a:r>
+            <a:r>
+              <a:rPr lang="en-US" sz="1600" dirty="0">
+                <a:solidFill>
+                  <a:schemeClr val="tx1">
+                    <a:lumMod val="50000"/>
+                    <a:lumOff val="50000"/>
+                  </a:schemeClr>
+                </a:solidFill>
+              </a:rPr>
+              <a:t>, 12(1), 1-13. </a:t>
+            </a:r>
+            <a:r>
+              <a:rPr lang="en-US" sz="1600" dirty="0">
+                <a:solidFill>
+                  <a:srgbClr val="0563C1"/>
+                </a:solidFill>
+                <a:hlinkClick r:id="rId3"/>
+              </a:rPr>
+              <a:t>https://doi.org/10.4073/cmpn.</a:t>
+            </a:r>
+            <a:r>
+              <a:rPr lang="en-US" sz="1600" dirty="0">
+                <a:solidFill>
+                  <a:schemeClr val="tx1">
+                    <a:lumMod val="50000"/>
+                    <a:lumOff val="50000"/>
+                  </a:schemeClr>
+                </a:solidFill>
+                <a:hlinkClick r:id="rId3"/>
+              </a:rPr>
+              <a:t>2016.3</a:t>
+            </a:r>
+            <a:r>
+              <a:rPr lang="en-US" sz="1600" dirty="0">
+                <a:solidFill>
+                  <a:schemeClr val="tx1">
+                    <a:lumMod val="50000"/>
+                    <a:lumOff val="50000"/>
+                  </a:schemeClr>
+                </a:solidFill>
+              </a:rPr>
+              <a:t>  </a:t>
+            </a:r>
           </a:p>
         </p:txBody>
       </p:sp>
@@ -12596,7 +12820,7 @@
 </file>
 
 <file path=ppt/slides/slide31.xml><?xml version="1.0" encoding="utf-8"?>
-<p:sld xmlns:a="http://schemas.openxmlformats.org/drawingml/2006/main" xmlns:r="http://schemas.openxmlformats.org/officeDocument/2006/relationships" xmlns:p="http://schemas.openxmlformats.org/presentationml/2006/main" show="0">
+<p:sld xmlns:a="http://schemas.openxmlformats.org/drawingml/2006/main" xmlns:r="http://schemas.openxmlformats.org/officeDocument/2006/relationships" xmlns:p="http://schemas.openxmlformats.org/presentationml/2006/main">
   <p:cSld>
     <p:spTree>
       <p:nvGrpSpPr>
@@ -12658,12 +12882,108 @@
         </p:nvSpPr>
         <p:spPr/>
         <p:txBody>
-          <a:bodyPr/>
-          <a:lstStyle/>
-          <a:p>
+          <a:bodyPr>
+            <a:normAutofit/>
+          </a:bodyPr>
+          <a:lstStyle/>
+          <a:p>
+            <a:pPr>
+              <a:lnSpc>
+                <a:spcPct val="100000"/>
+              </a:lnSpc>
+              <a:spcBef>
+                <a:spcPts val="0"/>
+              </a:spcBef>
+            </a:pPr>
+            <a:r>
+              <a:rPr lang="en-US" sz="2400" dirty="0"/>
+              <a:t>To conduct the meta-analysis, you will need data properly formatted with an effect size and variance estimate for all included studies</a:t>
+            </a:r>
+          </a:p>
+          <a:p>
+            <a:pPr>
+              <a:lnSpc>
+                <a:spcPct val="100000"/>
+              </a:lnSpc>
+              <a:spcBef>
+                <a:spcPts val="0"/>
+              </a:spcBef>
+            </a:pPr>
+            <a:endParaRPr lang="en-US" sz="2200" dirty="0"/>
+          </a:p>
+          <a:p>
+            <a:pPr>
+              <a:lnSpc>
+                <a:spcPct val="100000"/>
+              </a:lnSpc>
+              <a:spcBef>
+                <a:spcPts val="0"/>
+              </a:spcBef>
+            </a:pPr>
+            <a:r>
+              <a:rPr lang="en-US" sz="2400" dirty="0"/>
+              <a:t>You will also need to consider the structure of your data and relations between effect estimates. For example,</a:t>
+            </a:r>
+          </a:p>
+          <a:p>
+            <a:pPr lvl="1">
+              <a:lnSpc>
+                <a:spcPct val="100000"/>
+              </a:lnSpc>
+              <a:spcBef>
+                <a:spcPts val="0"/>
+              </a:spcBef>
+            </a:pPr>
+            <a:r>
+              <a:rPr lang="en-US" sz="2200" dirty="0"/>
+              <a:t>Are multiple effects from the same citation?</a:t>
+            </a:r>
+          </a:p>
+          <a:p>
+            <a:pPr lvl="1">
+              <a:lnSpc>
+                <a:spcPct val="100000"/>
+              </a:lnSpc>
+              <a:spcBef>
+                <a:spcPts val="0"/>
+              </a:spcBef>
+            </a:pPr>
+            <a:r>
+              <a:rPr lang="en-US" sz="2200" dirty="0"/>
+              <a:t>Is it possible multiple effects (even from different citations) involve the same participants?</a:t>
+            </a:r>
+          </a:p>
+          <a:p>
+            <a:pPr lvl="1">
+              <a:lnSpc>
+                <a:spcPct val="100000"/>
+              </a:lnSpc>
+              <a:spcBef>
+                <a:spcPts val="0"/>
+              </a:spcBef>
+            </a:pPr>
+            <a:endParaRPr lang="en-US" sz="2200" dirty="0"/>
+          </a:p>
+          <a:p>
+            <a:pPr>
+              <a:lnSpc>
+                <a:spcPct val="100000"/>
+              </a:lnSpc>
+              <a:spcBef>
+                <a:spcPts val="0"/>
+              </a:spcBef>
+            </a:pPr>
+            <a:r>
+              <a:rPr lang="en-US" sz="2600" dirty="0"/>
+              <a:t>If there are </a:t>
+            </a:r>
             <a:r>
               <a:rPr lang="en-US" dirty="0"/>
-              <a:t>After the ma</a:t>
+              <a:t>interdependencies</a:t>
+            </a:r>
+            <a:r>
+              <a:rPr lang="en-US" sz="2600" dirty="0"/>
+              <a:t>, you will need to specify a model that handles this type of data structure</a:t>
             </a:r>
           </a:p>
         </p:txBody>
@@ -13797,8 +14117,8 @@
         </p:nvSpPr>
         <p:spPr>
           <a:xfrm>
-            <a:off x="185723" y="4905593"/>
-            <a:ext cx="3512517" cy="1815882"/>
+            <a:off x="158525" y="5461694"/>
+            <a:ext cx="3512517" cy="1077218"/>
           </a:xfrm>
           <a:prstGeom prst="rect">
             <a:avLst/>
@@ -13820,7 +14140,7 @@
                   </a:schemeClr>
                 </a:solidFill>
               </a:rPr>
-              <a:t>Forest plot on the effects of standalone mindfulness exercises on anxiety symptoms. From: Blanck, P., Perleth, S., Heidenreich, T., Kröger, P., Ditzen, B., Bents, H., &amp; Mander, J. (2018). </a:t>
+              <a:t>Blanck, P., Perleth, S., Heidenreich, T., Kröger, P., Ditzen, B., Bents, H., &amp; Mander, J. (2018). </a:t>
             </a:r>
             <a:r>
               <a:rPr lang="en-US" sz="1600" i="1" dirty="0">
@@ -14267,7 +14587,7 @@
 </file>
 
 <file path=ppt/slides/slide38.xml><?xml version="1.0" encoding="utf-8"?>
-<p:sld xmlns:a="http://schemas.openxmlformats.org/drawingml/2006/main" xmlns:r="http://schemas.openxmlformats.org/officeDocument/2006/relationships" xmlns:p="http://schemas.openxmlformats.org/presentationml/2006/main" show="0">
+<p:sld xmlns:a="http://schemas.openxmlformats.org/drawingml/2006/main" xmlns:r="http://schemas.openxmlformats.org/officeDocument/2006/relationships" xmlns:p="http://schemas.openxmlformats.org/presentationml/2006/main">
   <p:cSld>
     <p:spTree>
       <p:nvGrpSpPr>
@@ -14329,10 +14649,54 @@
         </p:nvSpPr>
         <p:spPr/>
         <p:txBody>
-          <a:bodyPr/>
-          <a:lstStyle/>
+          <a:bodyPr>
+            <a:normAutofit lnSpcReduction="10000"/>
+          </a:bodyPr>
+          <a:lstStyle/>
+          <a:p>
+            <a:r>
+              <a:rPr lang="en-US" dirty="0"/>
+              <a:t>Publication bias occurs when the outcome of a study influences the likelihood it will be published</a:t>
+            </a:r>
+          </a:p>
           <a:p>
             <a:endParaRPr lang="en-US" dirty="0"/>
+          </a:p>
+          <a:p>
+            <a:r>
+              <a:rPr lang="en-US" dirty="0"/>
+              <a:t>It is important to try to understand whether the results of a meta-analysis may be influenced by publication bias</a:t>
+            </a:r>
+          </a:p>
+          <a:p>
+            <a:endParaRPr lang="en-US" dirty="0"/>
+          </a:p>
+          <a:p>
+            <a:r>
+              <a:rPr lang="en-US" dirty="0"/>
+              <a:t>Several methods</a:t>
+            </a:r>
+          </a:p>
+          <a:p>
+            <a:pPr lvl="1"/>
+            <a:r>
+              <a:rPr lang="en-US" dirty="0"/>
+              <a:t>Egger’s test</a:t>
+            </a:r>
+          </a:p>
+          <a:p>
+            <a:pPr lvl="1"/>
+            <a:r>
+              <a:rPr lang="en-US" dirty="0"/>
+              <a:t>Rosenthal’s fail-safe N</a:t>
+            </a:r>
+          </a:p>
+          <a:p>
+            <a:pPr lvl="1"/>
+            <a:r>
+              <a:rPr lang="en-US" dirty="0"/>
+              <a:t>Trim-and-fill funnel plot</a:t>
+            </a:r>
           </a:p>
         </p:txBody>
       </p:sp>
@@ -14397,7 +14761,13 @@
       </p:grpSpPr>
       <p:sp>
         <p:nvSpPr>
-          <p:cNvPr id="2" name="Title 1"/>
+          <p:cNvPr id="2" name="Title 1">
+            <a:extLst>
+              <a:ext uri="{FF2B5EF4-FFF2-40B4-BE49-F238E27FC236}">
+                <a16:creationId xmlns:a16="http://schemas.microsoft.com/office/drawing/2014/main" id="{ED9D6FA6-326B-0147-BAE7-8741F3E6548E}"/>
+              </a:ext>
+            </a:extLst>
+          </p:cNvPr>
           <p:cNvSpPr>
             <a:spLocks noGrp="1"/>
           </p:cNvSpPr>
@@ -14412,14 +14782,20 @@
           <a:p>
             <a:r>
               <a:rPr lang="en-US" dirty="0"/>
-              <a:t>Useful R packages</a:t>
-            </a:r>
-          </a:p>
-        </p:txBody>
-      </p:sp>
-      <p:sp>
-        <p:nvSpPr>
-          <p:cNvPr id="3" name="Content Placeholder 2"/>
+              <a:t>Evaluating for publication bias</a:t>
+            </a:r>
+          </a:p>
+        </p:txBody>
+      </p:sp>
+      <p:sp>
+        <p:nvSpPr>
+          <p:cNvPr id="4" name="Content Placeholder 3">
+            <a:extLst>
+              <a:ext uri="{FF2B5EF4-FFF2-40B4-BE49-F238E27FC236}">
+                <a16:creationId xmlns:a16="http://schemas.microsoft.com/office/drawing/2014/main" id="{053840B1-C8E1-FD47-BF7A-015097CA5203}"/>
+              </a:ext>
+            </a:extLst>
+          </p:cNvPr>
           <p:cNvSpPr>
             <a:spLocks noGrp="1"/>
           </p:cNvSpPr>
@@ -14434,102 +14810,26 @@
           </a:bodyPr>
           <a:lstStyle/>
           <a:p>
-            <a:pPr>
-              <a:lnSpc>
-                <a:spcPct val="120000"/>
-              </a:lnSpc>
-              <a:spcBef>
-                <a:spcPts val="0"/>
-              </a:spcBef>
-            </a:pPr>
-            <a:r>
-              <a:rPr lang="en-US" dirty="0">
-                <a:latin typeface="Courier" pitchFamily="2" charset="0"/>
-                <a:hlinkClick r:id="rId2"/>
-              </a:rPr>
-              <a:t>metafor</a:t>
-            </a:r>
-            <a:endParaRPr lang="en-US" dirty="0">
-              <a:latin typeface="Courier" pitchFamily="2" charset="0"/>
-            </a:endParaRPr>
-          </a:p>
-          <a:p>
-            <a:pPr lvl="1">
-              <a:lnSpc>
-                <a:spcPct val="120000"/>
-              </a:lnSpc>
-              <a:spcBef>
-                <a:spcPts val="0"/>
-              </a:spcBef>
-            </a:pPr>
             <a:r>
               <a:rPr lang="en-US" dirty="0"/>
-              <a:t>Good all-round package for running meta-analysis and meta-regression</a:t>
-            </a:r>
-          </a:p>
-          <a:p>
-            <a:pPr>
-              <a:lnSpc>
-                <a:spcPct val="120000"/>
-              </a:lnSpc>
-              <a:spcBef>
-                <a:spcPts val="0"/>
-              </a:spcBef>
-            </a:pPr>
-            <a:endParaRPr lang="en-US" dirty="0"/>
-          </a:p>
-          <a:p>
-            <a:pPr>
-              <a:lnSpc>
-                <a:spcPct val="120000"/>
-              </a:lnSpc>
-              <a:spcBef>
-                <a:spcPts val="0"/>
-              </a:spcBef>
-            </a:pPr>
-            <a:r>
-              <a:rPr lang="en-US" dirty="0">
-                <a:latin typeface="Courier" pitchFamily="2" charset="0"/>
-                <a:hlinkClick r:id="rId3"/>
-              </a:rPr>
-              <a:t>robumeta</a:t>
-            </a:r>
-            <a:endParaRPr lang="en-US" dirty="0">
-              <a:latin typeface="Courier" pitchFamily="2" charset="0"/>
-            </a:endParaRPr>
-          </a:p>
-          <a:p>
-            <a:pPr lvl="1">
-              <a:lnSpc>
-                <a:spcPct val="120000"/>
-              </a:lnSpc>
-              <a:spcBef>
-                <a:spcPts val="0"/>
-              </a:spcBef>
-            </a:pPr>
+              <a:t>Funnel plot (left) and trim-and-fill funnel plot (right)</a:t>
+            </a:r>
+          </a:p>
+          <a:p>
+            <a:pPr lvl="1"/>
             <a:r>
               <a:rPr lang="en-US" dirty="0"/>
-              <a:t>Good for meta-analyses where effects have a high degree of interdependence (note that this type of can also be be conducted using </a:t>
-            </a:r>
-            <a:r>
-              <a:rPr lang="en-US" dirty="0">
-                <a:latin typeface="Courier" pitchFamily="2" charset="0"/>
-              </a:rPr>
-              <a:t>metafor</a:t>
-            </a:r>
-            <a:r>
-              <a:rPr lang="en-US" dirty="0"/>
-              <a:t>)</a:t>
-            </a:r>
-          </a:p>
-        </p:txBody>
-      </p:sp>
-      <p:sp>
-        <p:nvSpPr>
-          <p:cNvPr id="4" name="Slide Number Placeholder 3">
-            <a:extLst>
-              <a:ext uri="{FF2B5EF4-FFF2-40B4-BE49-F238E27FC236}">
-                <a16:creationId xmlns:a16="http://schemas.microsoft.com/office/drawing/2014/main" id="{586B4C11-EB79-CE43-B4F0-643D9F893A55}"/>
+              <a:t>Asymmetry may indicate publication bias</a:t>
+            </a:r>
+          </a:p>
+        </p:txBody>
+      </p:sp>
+      <p:sp>
+        <p:nvSpPr>
+          <p:cNvPr id="3" name="Slide Number Placeholder 2">
+            <a:extLst>
+              <a:ext uri="{FF2B5EF4-FFF2-40B4-BE49-F238E27FC236}">
+                <a16:creationId xmlns:a16="http://schemas.microsoft.com/office/drawing/2014/main" id="{8DEBDB40-A5DC-1540-BC3F-3EC913B7E1A4}"/>
               </a:ext>
             </a:extLst>
           </p:cNvPr>
@@ -14553,10 +14853,197 @@
           </a:p>
         </p:txBody>
       </p:sp>
+      <p:pic>
+        <p:nvPicPr>
+          <p:cNvPr id="4098" name="Picture 2">
+            <a:extLst>
+              <a:ext uri="{FF2B5EF4-FFF2-40B4-BE49-F238E27FC236}">
+                <a16:creationId xmlns:a16="http://schemas.microsoft.com/office/drawing/2014/main" id="{435894B8-ADDF-1D42-BA5F-BAAF9CB5E34A}"/>
+              </a:ext>
+            </a:extLst>
+          </p:cNvPr>
+          <p:cNvPicPr>
+            <a:picLocks noChangeAspect="1" noChangeArrowheads="1"/>
+          </p:cNvPicPr>
+          <p:nvPr/>
+        </p:nvPicPr>
+        <p:blipFill rotWithShape="1">
+          <a:blip r:embed="rId2">
+            <a:extLst>
+              <a:ext uri="{28A0092B-C50C-407E-A947-70E740481C1C}">
+                <a14:useLocalDpi xmlns:a14="http://schemas.microsoft.com/office/drawing/2010/main" val="0"/>
+              </a:ext>
+            </a:extLst>
+          </a:blip>
+          <a:srcRect b="53699"/>
+          <a:stretch/>
+        </p:blipFill>
+        <p:spPr bwMode="auto">
+          <a:xfrm>
+            <a:off x="930777" y="2959495"/>
+            <a:ext cx="4327023" cy="3217468"/>
+          </a:xfrm>
+          <a:prstGeom prst="rect">
+            <a:avLst/>
+          </a:prstGeom>
+          <a:noFill/>
+          <a:extLst>
+            <a:ext uri="{909E8E84-426E-40DD-AFC4-6F175D3DCCD1}">
+              <a14:hiddenFill xmlns:a14="http://schemas.microsoft.com/office/drawing/2010/main">
+                <a:solidFill>
+                  <a:srgbClr val="FFFFFF"/>
+                </a:solidFill>
+              </a14:hiddenFill>
+            </a:ext>
+          </a:extLst>
+        </p:spPr>
+      </p:pic>
+      <p:pic>
+        <p:nvPicPr>
+          <p:cNvPr id="6" name="Picture 2">
+            <a:extLst>
+              <a:ext uri="{FF2B5EF4-FFF2-40B4-BE49-F238E27FC236}">
+                <a16:creationId xmlns:a16="http://schemas.microsoft.com/office/drawing/2014/main" id="{6C0526F9-7BE1-B740-A98D-67F50C264FB2}"/>
+              </a:ext>
+            </a:extLst>
+          </p:cNvPr>
+          <p:cNvPicPr>
+            <a:picLocks noChangeAspect="1" noChangeArrowheads="1"/>
+          </p:cNvPicPr>
+          <p:nvPr/>
+        </p:nvPicPr>
+        <p:blipFill rotWithShape="1">
+          <a:blip r:embed="rId2">
+            <a:extLst>
+              <a:ext uri="{28A0092B-C50C-407E-A947-70E740481C1C}">
+                <a14:useLocalDpi xmlns:a14="http://schemas.microsoft.com/office/drawing/2010/main" val="0"/>
+              </a:ext>
+            </a:extLst>
+          </a:blip>
+          <a:srcRect t="50843"/>
+          <a:stretch/>
+        </p:blipFill>
+        <p:spPr bwMode="auto">
+          <a:xfrm>
+            <a:off x="6042803" y="2826171"/>
+            <a:ext cx="4195221" cy="3311898"/>
+          </a:xfrm>
+          <a:prstGeom prst="rect">
+            <a:avLst/>
+          </a:prstGeom>
+          <a:noFill/>
+          <a:extLst>
+            <a:ext uri="{909E8E84-426E-40DD-AFC4-6F175D3DCCD1}">
+              <a14:hiddenFill xmlns:a14="http://schemas.microsoft.com/office/drawing/2010/main">
+                <a:solidFill>
+                  <a:srgbClr val="FFFFFF"/>
+                </a:solidFill>
+              </a14:hiddenFill>
+            </a:ext>
+          </a:extLst>
+        </p:spPr>
+      </p:pic>
+      <p:sp>
+        <p:nvSpPr>
+          <p:cNvPr id="7" name="TextBox 6">
+            <a:extLst>
+              <a:ext uri="{FF2B5EF4-FFF2-40B4-BE49-F238E27FC236}">
+                <a16:creationId xmlns:a16="http://schemas.microsoft.com/office/drawing/2014/main" id="{2777E034-5EA0-6A49-A31F-E0173AF04FD6}"/>
+              </a:ext>
+            </a:extLst>
+          </p:cNvPr>
+          <p:cNvSpPr txBox="1"/>
+          <p:nvPr/>
+        </p:nvSpPr>
+        <p:spPr>
+          <a:xfrm>
+            <a:off x="139475" y="6176963"/>
+            <a:ext cx="10515600" cy="584775"/>
+          </a:xfrm>
+          <a:prstGeom prst="rect">
+            <a:avLst/>
+          </a:prstGeom>
+          <a:noFill/>
+        </p:spPr>
+        <p:txBody>
+          <a:bodyPr wrap="square" rtlCol="0">
+            <a:spAutoFit/>
+          </a:bodyPr>
+          <a:lstStyle/>
+          <a:p>
+            <a:r>
+              <a:rPr lang="en-US" sz="1600" dirty="0" err="1">
+                <a:solidFill>
+                  <a:schemeClr val="tx1">
+                    <a:lumMod val="50000"/>
+                    <a:lumOff val="50000"/>
+                  </a:schemeClr>
+                </a:solidFill>
+              </a:rPr>
+              <a:t>Beelmann</a:t>
+            </a:r>
+            <a:r>
+              <a:rPr lang="en-US" sz="1600" dirty="0">
+                <a:solidFill>
+                  <a:schemeClr val="tx1">
+                    <a:lumMod val="50000"/>
+                    <a:lumOff val="50000"/>
+                  </a:schemeClr>
+                </a:solidFill>
+              </a:rPr>
+              <a:t>, A., &amp; </a:t>
+            </a:r>
+            <a:r>
+              <a:rPr lang="en-US" sz="1600" dirty="0" err="1">
+                <a:solidFill>
+                  <a:schemeClr val="tx1">
+                    <a:lumMod val="50000"/>
+                    <a:lumOff val="50000"/>
+                  </a:schemeClr>
+                </a:solidFill>
+              </a:rPr>
+              <a:t>Lösel</a:t>
+            </a:r>
+            <a:r>
+              <a:rPr lang="en-US" sz="1600" dirty="0">
+                <a:solidFill>
+                  <a:schemeClr val="tx1">
+                    <a:lumMod val="50000"/>
+                    <a:lumOff val="50000"/>
+                  </a:schemeClr>
+                </a:solidFill>
+              </a:rPr>
+              <a:t>, F. (2020). A comprehensive meta-analysis of randomized evaluations of the effect of child social skills training on antisocial development. </a:t>
+            </a:r>
+            <a:r>
+              <a:rPr lang="en-US" sz="1600" i="1" dirty="0">
+                <a:solidFill>
+                  <a:schemeClr val="tx1">
+                    <a:lumMod val="50000"/>
+                    <a:lumOff val="50000"/>
+                  </a:schemeClr>
+                </a:solidFill>
+              </a:rPr>
+              <a:t>Journal of Developmental and Life-Course Criminology</a:t>
+            </a:r>
+            <a:r>
+              <a:rPr lang="en-US" sz="1600" dirty="0">
+                <a:solidFill>
+                  <a:schemeClr val="tx1">
+                    <a:lumMod val="50000"/>
+                    <a:lumOff val="50000"/>
+                  </a:schemeClr>
+                </a:solidFill>
+              </a:rPr>
+              <a:t>, 1-25.</a:t>
+            </a:r>
+          </a:p>
+        </p:txBody>
+      </p:sp>
     </p:spTree>
     <p:extLst>
       <p:ext uri="{BB962C8B-B14F-4D97-AF65-F5344CB8AC3E}">
-        <p14:creationId xmlns:p14="http://schemas.microsoft.com/office/powerpoint/2010/main" val="3728251840"/>
+        <p14:creationId xmlns:p14="http://schemas.microsoft.com/office/powerpoint/2010/main" val="241828182"/>
       </p:ext>
     </p:extLst>
   </p:cSld>
@@ -14739,7 +15226,7 @@
           <a:p>
             <a:r>
               <a:rPr lang="en-US" dirty="0"/>
-              <a:t>Other useful software</a:t>
+              <a:t>Useful R packages</a:t>
             </a:r>
           </a:p>
         </p:txBody>
@@ -14761,27 +15248,92 @@
           </a:bodyPr>
           <a:lstStyle/>
           <a:p>
+            <a:pPr>
+              <a:lnSpc>
+                <a:spcPct val="120000"/>
+              </a:lnSpc>
+              <a:spcBef>
+                <a:spcPts val="0"/>
+              </a:spcBef>
+            </a:pPr>
+            <a:r>
+              <a:rPr lang="en-US" dirty="0">
+                <a:latin typeface="Courier" pitchFamily="2" charset="0"/>
+                <a:hlinkClick r:id="rId2"/>
+              </a:rPr>
+              <a:t>metafor</a:t>
+            </a:r>
+            <a:endParaRPr lang="en-US" dirty="0">
+              <a:latin typeface="Courier" pitchFamily="2" charset="0"/>
+            </a:endParaRPr>
+          </a:p>
+          <a:p>
+            <a:pPr lvl="1">
+              <a:lnSpc>
+                <a:spcPct val="120000"/>
+              </a:lnSpc>
+              <a:spcBef>
+                <a:spcPts val="0"/>
+              </a:spcBef>
+            </a:pPr>
             <a:r>
               <a:rPr lang="en-US" dirty="0"/>
-              <a:t>STATA</a:t>
-            </a:r>
-          </a:p>
-          <a:p>
+              <a:t>Good all-round package for running meta-analysis and meta-regression</a:t>
+            </a:r>
+          </a:p>
+          <a:p>
+            <a:pPr>
+              <a:lnSpc>
+                <a:spcPct val="120000"/>
+              </a:lnSpc>
+              <a:spcBef>
+                <a:spcPts val="0"/>
+              </a:spcBef>
+            </a:pPr>
             <a:endParaRPr lang="en-US" dirty="0"/>
           </a:p>
           <a:p>
+            <a:pPr>
+              <a:lnSpc>
+                <a:spcPct val="120000"/>
+              </a:lnSpc>
+              <a:spcBef>
+                <a:spcPts val="0"/>
+              </a:spcBef>
+            </a:pPr>
+            <a:r>
+              <a:rPr lang="en-US" dirty="0">
+                <a:latin typeface="Courier" pitchFamily="2" charset="0"/>
+                <a:hlinkClick r:id="rId3"/>
+              </a:rPr>
+              <a:t>robumeta</a:t>
+            </a:r>
+            <a:endParaRPr lang="en-US" dirty="0">
+              <a:latin typeface="Courier" pitchFamily="2" charset="0"/>
+            </a:endParaRPr>
+          </a:p>
+          <a:p>
+            <a:pPr lvl="1">
+              <a:lnSpc>
+                <a:spcPct val="120000"/>
+              </a:lnSpc>
+              <a:spcBef>
+                <a:spcPts val="0"/>
+              </a:spcBef>
+            </a:pPr>
             <a:r>
               <a:rPr lang="en-US" dirty="0"/>
-              <a:t>Comprehensive Meta-analysis (CMA)</a:t>
-            </a:r>
-          </a:p>
-          <a:p>
-            <a:endParaRPr lang="en-US" dirty="0"/>
-          </a:p>
-          <a:p>
+              <a:t>Good for meta-analyses where effects have a high degree of interdependence (note that this type of can also be be conducted using </a:t>
+            </a:r>
+            <a:r>
+              <a:rPr lang="en-US" dirty="0">
+                <a:latin typeface="Courier" pitchFamily="2" charset="0"/>
+              </a:rPr>
+              <a:t>metafor</a:t>
+            </a:r>
             <a:r>
               <a:rPr lang="en-US" dirty="0"/>
-              <a:t>JASP -  Bayesian approach to meta-analysis </a:t>
+              <a:t>)</a:t>
             </a:r>
           </a:p>
         </p:txBody>
@@ -14791,7 +15343,7 @@
           <p:cNvPr id="4" name="Slide Number Placeholder 3">
             <a:extLst>
               <a:ext uri="{FF2B5EF4-FFF2-40B4-BE49-F238E27FC236}">
-                <a16:creationId xmlns:a16="http://schemas.microsoft.com/office/drawing/2014/main" id="{67E924D9-C8DD-444C-B5E6-503779B2299A}"/>
+                <a16:creationId xmlns:a16="http://schemas.microsoft.com/office/drawing/2014/main" id="{586B4C11-EB79-CE43-B4F0-643D9F893A55}"/>
               </a:ext>
             </a:extLst>
           </p:cNvPr>
@@ -14818,7 +15370,7 @@
     </p:spTree>
     <p:extLst>
       <p:ext uri="{BB962C8B-B14F-4D97-AF65-F5344CB8AC3E}">
-        <p14:creationId xmlns:p14="http://schemas.microsoft.com/office/powerpoint/2010/main" val="1791351268"/>
+        <p14:creationId xmlns:p14="http://schemas.microsoft.com/office/powerpoint/2010/main" val="3728251840"/>
       </p:ext>
     </p:extLst>
   </p:cSld>
@@ -14829,7 +15381,7 @@
 </file>
 
 <file path=ppt/slides/slide41.xml><?xml version="1.0" encoding="utf-8"?>
-<p:sld xmlns:a="http://schemas.openxmlformats.org/drawingml/2006/main" xmlns:r="http://schemas.openxmlformats.org/officeDocument/2006/relationships" xmlns:p="http://schemas.openxmlformats.org/presentationml/2006/main" show="0">
+<p:sld xmlns:a="http://schemas.openxmlformats.org/drawingml/2006/main" xmlns:r="http://schemas.openxmlformats.org/officeDocument/2006/relationships" xmlns:p="http://schemas.openxmlformats.org/presentationml/2006/main">
   <p:cSld>
     <p:spTree>
       <p:nvGrpSpPr>
@@ -14847,13 +15399,7 @@
       </p:grpSpPr>
       <p:sp>
         <p:nvSpPr>
-          <p:cNvPr id="2" name="Title 1">
-            <a:extLst>
-              <a:ext uri="{FF2B5EF4-FFF2-40B4-BE49-F238E27FC236}">
-                <a16:creationId xmlns:a16="http://schemas.microsoft.com/office/drawing/2014/main" id="{D62BDF71-27FC-1E4C-8F50-BE65A42CE678}"/>
-              </a:ext>
-            </a:extLst>
-          </p:cNvPr>
+          <p:cNvPr id="2" name="Title 1"/>
           <p:cNvSpPr>
             <a:spLocks noGrp="1"/>
           </p:cNvSpPr>
@@ -14868,20 +15414,14 @@
           <a:p>
             <a:r>
               <a:rPr lang="en-US" dirty="0"/>
-              <a:t>Activity 2: Meta-analysis</a:t>
-            </a:r>
-          </a:p>
-        </p:txBody>
-      </p:sp>
-      <p:sp>
-        <p:nvSpPr>
-          <p:cNvPr id="11" name="Content Placeholder 10">
-            <a:extLst>
-              <a:ext uri="{FF2B5EF4-FFF2-40B4-BE49-F238E27FC236}">
-                <a16:creationId xmlns:a16="http://schemas.microsoft.com/office/drawing/2014/main" id="{41927FAB-67EE-444F-9E75-8A61DD6735EA}"/>
-              </a:ext>
-            </a:extLst>
-          </p:cNvPr>
+              <a:t>Other useful software</a:t>
+            </a:r>
+          </a:p>
+        </p:txBody>
+      </p:sp>
+      <p:sp>
+        <p:nvSpPr>
+          <p:cNvPr id="3" name="Content Placeholder 2"/>
           <p:cNvSpPr>
             <a:spLocks noGrp="1"/>
           </p:cNvSpPr>
@@ -14891,48 +15431,42 @@
         </p:nvSpPr>
         <p:spPr/>
         <p:txBody>
-          <a:bodyPr/>
-          <a:lstStyle/>
+          <a:bodyPr>
+            <a:normAutofit/>
+          </a:bodyPr>
+          <a:lstStyle/>
+          <a:p>
+            <a:r>
+              <a:rPr lang="en-US" dirty="0"/>
+              <a:t>STATA</a:t>
+            </a:r>
+          </a:p>
           <a:p>
             <a:endParaRPr lang="en-US" dirty="0"/>
           </a:p>
-        </p:txBody>
-      </p:sp>
-      <p:pic>
-        <p:nvPicPr>
-          <p:cNvPr id="12" name="Content Placeholder 7">
-            <a:extLst>
-              <a:ext uri="{FF2B5EF4-FFF2-40B4-BE49-F238E27FC236}">
-                <a16:creationId xmlns:a16="http://schemas.microsoft.com/office/drawing/2014/main" id="{C9BDC661-A53A-7F45-9933-E7A705D491F1}"/>
-              </a:ext>
-            </a:extLst>
-          </p:cNvPr>
-          <p:cNvPicPr>
-            <a:picLocks noChangeAspect="1"/>
-          </p:cNvPicPr>
-          <p:nvPr/>
-        </p:nvPicPr>
-        <p:blipFill rotWithShape="1">
-          <a:blip r:embed="rId2"/>
-          <a:srcRect t="15048" b="27913"/>
-          <a:stretch/>
-        </p:blipFill>
-        <p:spPr>
-          <a:xfrm>
-            <a:off x="9838591" y="230188"/>
-            <a:ext cx="2129866" cy="1214846"/>
-          </a:xfrm>
-          <a:prstGeom prst="rect">
-            <a:avLst/>
-          </a:prstGeom>
-        </p:spPr>
-      </p:pic>
-      <p:sp>
-        <p:nvSpPr>
-          <p:cNvPr id="3" name="Slide Number Placeholder 2">
-            <a:extLst>
-              <a:ext uri="{FF2B5EF4-FFF2-40B4-BE49-F238E27FC236}">
-                <a16:creationId xmlns:a16="http://schemas.microsoft.com/office/drawing/2014/main" id="{4618D91E-575B-0F45-B2A3-08BBEEB41068}"/>
+          <a:p>
+            <a:r>
+              <a:rPr lang="en-US" dirty="0"/>
+              <a:t>Comprehensive Meta-analysis (CMA)</a:t>
+            </a:r>
+          </a:p>
+          <a:p>
+            <a:endParaRPr lang="en-US" dirty="0"/>
+          </a:p>
+          <a:p>
+            <a:r>
+              <a:rPr lang="en-US" dirty="0"/>
+              <a:t>JASP -  Bayesian approach to meta-analysis </a:t>
+            </a:r>
+          </a:p>
+        </p:txBody>
+      </p:sp>
+      <p:sp>
+        <p:nvSpPr>
+          <p:cNvPr id="4" name="Slide Number Placeholder 3">
+            <a:extLst>
+              <a:ext uri="{FF2B5EF4-FFF2-40B4-BE49-F238E27FC236}">
+                <a16:creationId xmlns:a16="http://schemas.microsoft.com/office/drawing/2014/main" id="{67E924D9-C8DD-444C-B5E6-503779B2299A}"/>
               </a:ext>
             </a:extLst>
           </p:cNvPr>
@@ -14959,7 +15493,7 @@
     </p:spTree>
     <p:extLst>
       <p:ext uri="{BB962C8B-B14F-4D97-AF65-F5344CB8AC3E}">
-        <p14:creationId xmlns:p14="http://schemas.microsoft.com/office/powerpoint/2010/main" val="1387883484"/>
+        <p14:creationId xmlns:p14="http://schemas.microsoft.com/office/powerpoint/2010/main" val="1791351268"/>
       </p:ext>
     </p:extLst>
   </p:cSld>
@@ -14991,7 +15525,7 @@
           <p:cNvPr id="2" name="Title 1">
             <a:extLst>
               <a:ext uri="{FF2B5EF4-FFF2-40B4-BE49-F238E27FC236}">
-                <a16:creationId xmlns:a16="http://schemas.microsoft.com/office/drawing/2014/main" id="{6158C228-6CC8-2B4D-B8E5-6834FF61067D}"/>
+                <a16:creationId xmlns:a16="http://schemas.microsoft.com/office/drawing/2014/main" id="{D62BDF71-27FC-1E4C-8F50-BE65A42CE678}"/>
               </a:ext>
             </a:extLst>
           </p:cNvPr>
@@ -15009,17 +15543,17 @@
           <a:p>
             <a:r>
               <a:rPr lang="en-US" dirty="0"/>
-              <a:t>Other types of meta-analyses</a:t>
-            </a:r>
-          </a:p>
-        </p:txBody>
-      </p:sp>
-      <p:sp>
-        <p:nvSpPr>
-          <p:cNvPr id="3" name="Content Placeholder 2">
-            <a:extLst>
-              <a:ext uri="{FF2B5EF4-FFF2-40B4-BE49-F238E27FC236}">
-                <a16:creationId xmlns:a16="http://schemas.microsoft.com/office/drawing/2014/main" id="{95A82C37-B8B8-464F-A8A2-4F8E525B6850}"/>
+              <a:t>Activity 2: Meta-analysis</a:t>
+            </a:r>
+          </a:p>
+        </p:txBody>
+      </p:sp>
+      <p:sp>
+        <p:nvSpPr>
+          <p:cNvPr id="11" name="Content Placeholder 10">
+            <a:extLst>
+              <a:ext uri="{FF2B5EF4-FFF2-40B4-BE49-F238E27FC236}">
+                <a16:creationId xmlns:a16="http://schemas.microsoft.com/office/drawing/2014/main" id="{41927FAB-67EE-444F-9E75-8A61DD6735EA}"/>
               </a:ext>
             </a:extLst>
           </p:cNvPr>
@@ -15037,7 +15571,45 @@
           <a:p>
             <a:r>
               <a:rPr lang="en-US" dirty="0"/>
-              <a:t>Meta-analyses can be conducted using a variety of techniques, including:</a:t>
+              <a:t>Open </a:t>
+            </a:r>
+            <a:r>
+              <a:rPr lang="en-US" i="1" dirty="0"/>
+              <a:t>R</a:t>
+            </a:r>
+            <a:r>
+              <a:rPr lang="en-US" dirty="0"/>
+              <a:t> or </a:t>
+            </a:r>
+            <a:r>
+              <a:rPr lang="en-US" i="1" dirty="0" err="1"/>
+              <a:t>Rstudio</a:t>
+            </a:r>
+            <a:r>
+              <a:rPr lang="en-US" dirty="0"/>
+              <a:t> </a:t>
+            </a:r>
+          </a:p>
+          <a:p>
+            <a:endParaRPr lang="en-US" dirty="0"/>
+          </a:p>
+          <a:p>
+            <a:r>
+              <a:rPr lang="en-US" dirty="0"/>
+              <a:t>Go to the following URL:</a:t>
+            </a:r>
+          </a:p>
+          <a:p>
+            <a:pPr lvl="1"/>
+            <a:r>
+              <a:rPr lang="en-US" dirty="0">
+                <a:hlinkClick r:id="rId2"/>
+              </a:rPr>
+              <a:t>https://tmober.github.io/meta-workshop/example-meta-script.html</a:t>
+            </a:r>
+            <a:r>
+              <a:rPr lang="en-US" dirty="0"/>
+              <a:t> </a:t>
             </a:r>
           </a:p>
           <a:p>
@@ -15045,86 +15617,48 @@
             <a:endParaRPr lang="en-US" dirty="0"/>
           </a:p>
           <a:p>
-            <a:pPr lvl="1"/>
             <a:r>
               <a:rPr lang="en-US" dirty="0"/>
-              <a:t>Longitudinal meta-analysis (</a:t>
-            </a:r>
-            <a:r>
-              <a:rPr lang="en-US" dirty="0">
-                <a:hlinkClick r:id="rId3"/>
-              </a:rPr>
-              <a:t>metafor in R</a:t>
-            </a:r>
-            <a:r>
-              <a:rPr lang="en-US" dirty="0"/>
-              <a:t>)</a:t>
-            </a:r>
-          </a:p>
-          <a:p>
-            <a:pPr lvl="1"/>
-            <a:endParaRPr lang="en-US" dirty="0"/>
-          </a:p>
-          <a:p>
-            <a:pPr lvl="1"/>
-            <a:r>
-              <a:rPr lang="en-US" dirty="0"/>
-              <a:t>Structural Equation Modeling Meta-analysis (</a:t>
-            </a:r>
-            <a:r>
-              <a:rPr lang="en-US" dirty="0">
-                <a:hlinkClick r:id="rId4"/>
-              </a:rPr>
-              <a:t>metaSEM in R</a:t>
-            </a:r>
-            <a:r>
-              <a:rPr lang="en-US" dirty="0"/>
-              <a:t>)</a:t>
-            </a:r>
-          </a:p>
-          <a:p>
-            <a:pPr lvl="1"/>
-            <a:endParaRPr lang="en-US" dirty="0"/>
-          </a:p>
-          <a:p>
-            <a:pPr lvl="1"/>
-            <a:r>
-              <a:rPr lang="en-US" dirty="0"/>
-              <a:t>Bayesian meta-analysis (</a:t>
-            </a:r>
-            <a:r>
-              <a:rPr lang="en-US" dirty="0">
-                <a:hlinkClick r:id="rId5"/>
-              </a:rPr>
-              <a:t>JASP software</a:t>
-            </a:r>
-            <a:r>
-              <a:rPr lang="en-US" dirty="0"/>
-              <a:t>)</a:t>
-            </a:r>
-          </a:p>
-          <a:p>
-            <a:pPr lvl="1"/>
-            <a:endParaRPr lang="en-US" dirty="0"/>
-          </a:p>
-          <a:p>
-            <a:r>
-              <a:rPr lang="en-US" dirty="0"/>
-              <a:t>More new methods are constantly evolving!</a:t>
-            </a:r>
-          </a:p>
-          <a:p>
-            <a:pPr lvl="1"/>
-            <a:endParaRPr lang="en-US" dirty="0"/>
-          </a:p>
-        </p:txBody>
-      </p:sp>
-      <p:sp>
-        <p:nvSpPr>
-          <p:cNvPr id="4" name="Slide Number Placeholder 3">
-            <a:extLst>
-              <a:ext uri="{FF2B5EF4-FFF2-40B4-BE49-F238E27FC236}">
-                <a16:creationId xmlns:a16="http://schemas.microsoft.com/office/drawing/2014/main" id="{DB3E25E8-E879-8B43-B4F6-5DB517A7B86B}"/>
+              <a:t>Download the script and take a moment to install/load the required packages into your R library</a:t>
+            </a:r>
+          </a:p>
+        </p:txBody>
+      </p:sp>
+      <p:pic>
+        <p:nvPicPr>
+          <p:cNvPr id="12" name="Content Placeholder 7">
+            <a:extLst>
+              <a:ext uri="{FF2B5EF4-FFF2-40B4-BE49-F238E27FC236}">
+                <a16:creationId xmlns:a16="http://schemas.microsoft.com/office/drawing/2014/main" id="{C9BDC661-A53A-7F45-9933-E7A705D491F1}"/>
+              </a:ext>
+            </a:extLst>
+          </p:cNvPr>
+          <p:cNvPicPr>
+            <a:picLocks noChangeAspect="1"/>
+          </p:cNvPicPr>
+          <p:nvPr/>
+        </p:nvPicPr>
+        <p:blipFill rotWithShape="1">
+          <a:blip r:embed="rId3"/>
+          <a:srcRect t="15048" b="27913"/>
+          <a:stretch/>
+        </p:blipFill>
+        <p:spPr>
+          <a:xfrm>
+            <a:off x="9838591" y="230188"/>
+            <a:ext cx="2129866" cy="1214846"/>
+          </a:xfrm>
+          <a:prstGeom prst="rect">
+            <a:avLst/>
+          </a:prstGeom>
+        </p:spPr>
+      </p:pic>
+      <p:sp>
+        <p:nvSpPr>
+          <p:cNvPr id="3" name="Slide Number Placeholder 2">
+            <a:extLst>
+              <a:ext uri="{FF2B5EF4-FFF2-40B4-BE49-F238E27FC236}">
+                <a16:creationId xmlns:a16="http://schemas.microsoft.com/office/drawing/2014/main" id="{4618D91E-575B-0F45-B2A3-08BBEEB41068}"/>
               </a:ext>
             </a:extLst>
           </p:cNvPr>
@@ -15151,7 +15685,7 @@
     </p:spTree>
     <p:extLst>
       <p:ext uri="{BB962C8B-B14F-4D97-AF65-F5344CB8AC3E}">
-        <p14:creationId xmlns:p14="http://schemas.microsoft.com/office/powerpoint/2010/main" val="1112766340"/>
+        <p14:creationId xmlns:p14="http://schemas.microsoft.com/office/powerpoint/2010/main" val="1387883484"/>
       </p:ext>
     </p:extLst>
   </p:cSld>
@@ -15180,7 +15714,13 @@
       </p:grpSpPr>
       <p:sp>
         <p:nvSpPr>
-          <p:cNvPr id="2" name="Title 1"/>
+          <p:cNvPr id="2" name="Title 1">
+            <a:extLst>
+              <a:ext uri="{FF2B5EF4-FFF2-40B4-BE49-F238E27FC236}">
+                <a16:creationId xmlns:a16="http://schemas.microsoft.com/office/drawing/2014/main" id="{6158C228-6CC8-2B4D-B8E5-6834FF61067D}"/>
+              </a:ext>
+            </a:extLst>
+          </p:cNvPr>
           <p:cNvSpPr>
             <a:spLocks noGrp="1"/>
           </p:cNvSpPr>
@@ -15190,45 +15730,119 @@
         </p:nvSpPr>
         <p:spPr/>
         <p:txBody>
-          <a:bodyPr>
-            <a:normAutofit/>
-          </a:bodyPr>
-          <a:lstStyle/>
-          <a:p>
-            <a:r>
-              <a:rPr lang="en-GB" dirty="0">
-                <a:ea typeface="SimSun" panose="02010600030101010101" pitchFamily="2" charset="-122"/>
-                <a:cs typeface="Times New Roman" panose="02020603050405020304" pitchFamily="18" charset="0"/>
+          <a:bodyPr/>
+          <a:lstStyle/>
+          <a:p>
+            <a:r>
+              <a:rPr lang="en-US" dirty="0"/>
+              <a:t>Other types of meta-analyses</a:t>
+            </a:r>
+          </a:p>
+        </p:txBody>
+      </p:sp>
+      <p:sp>
+        <p:nvSpPr>
+          <p:cNvPr id="3" name="Content Placeholder 2">
+            <a:extLst>
+              <a:ext uri="{FF2B5EF4-FFF2-40B4-BE49-F238E27FC236}">
+                <a16:creationId xmlns:a16="http://schemas.microsoft.com/office/drawing/2014/main" id="{95A82C37-B8B8-464F-A8A2-4F8E525B6850}"/>
+              </a:ext>
+            </a:extLst>
+          </p:cNvPr>
+          <p:cNvSpPr>
+            <a:spLocks noGrp="1"/>
+          </p:cNvSpPr>
+          <p:nvPr>
+            <p:ph idx="1"/>
+          </p:nvPr>
+        </p:nvSpPr>
+        <p:spPr/>
+        <p:txBody>
+          <a:bodyPr/>
+          <a:lstStyle/>
+          <a:p>
+            <a:r>
+              <a:rPr lang="en-US" dirty="0"/>
+              <a:t>Meta-analyses can be conducted using a variety of techniques, including:</a:t>
+            </a:r>
+          </a:p>
+          <a:p>
+            <a:pPr lvl="1"/>
+            <a:endParaRPr lang="en-US" dirty="0"/>
+          </a:p>
+          <a:p>
+            <a:pPr lvl="1"/>
+            <a:r>
+              <a:rPr lang="en-US" dirty="0"/>
+              <a:t>Longitudinal meta-analysis (</a:t>
+            </a:r>
+            <a:r>
+              <a:rPr lang="en-US" dirty="0">
+                <a:hlinkClick r:id="rId3"/>
               </a:rPr>
-              <a:t>Reporting Results</a:t>
-            </a:r>
-            <a:endParaRPr lang="en-GB" dirty="0"/>
-          </a:p>
-        </p:txBody>
-      </p:sp>
-      <p:sp>
-        <p:nvSpPr>
-          <p:cNvPr id="3" name="Text Placeholder 2">
-            <a:extLst>
-              <a:ext uri="{FF2B5EF4-FFF2-40B4-BE49-F238E27FC236}">
-                <a16:creationId xmlns:a16="http://schemas.microsoft.com/office/drawing/2014/main" id="{ECE2A6F8-6277-1F43-937B-D430DFAFA42F}"/>
-              </a:ext>
-            </a:extLst>
-          </p:cNvPr>
-          <p:cNvSpPr>
-            <a:spLocks noGrp="1"/>
-          </p:cNvSpPr>
-          <p:nvPr>
-            <p:ph type="body" idx="1"/>
-          </p:nvPr>
-        </p:nvSpPr>
-        <p:spPr/>
-        <p:txBody>
-          <a:bodyPr/>
-          <a:lstStyle/>
-          <a:p>
+              <a:t>metafor in R</a:t>
+            </a:r>
+            <a:r>
+              <a:rPr lang="en-US" dirty="0"/>
+              <a:t>)</a:t>
+            </a:r>
+          </a:p>
+          <a:p>
+            <a:pPr lvl="1"/>
             <a:endParaRPr lang="en-US" dirty="0"/>
           </a:p>
+          <a:p>
+            <a:pPr lvl="1"/>
+            <a:r>
+              <a:rPr lang="en-US" dirty="0"/>
+              <a:t>Structural Equation Modeling Meta-analysis (</a:t>
+            </a:r>
+            <a:r>
+              <a:rPr lang="en-US" dirty="0">
+                <a:hlinkClick r:id="rId4"/>
+              </a:rPr>
+              <a:t>metaSEM in R</a:t>
+            </a:r>
+            <a:r>
+              <a:rPr lang="en-US" dirty="0"/>
+              <a:t>)</a:t>
+            </a:r>
+          </a:p>
+          <a:p>
+            <a:pPr lvl="1"/>
+            <a:endParaRPr lang="en-US" dirty="0"/>
+          </a:p>
+          <a:p>
+            <a:pPr lvl="1"/>
+            <a:r>
+              <a:rPr lang="en-US" dirty="0"/>
+              <a:t>Bayesian meta-analysis (</a:t>
+            </a:r>
+            <a:r>
+              <a:rPr lang="en-US" dirty="0">
+                <a:hlinkClick r:id="rId5"/>
+              </a:rPr>
+              <a:t>JASP software</a:t>
+            </a:r>
+            <a:r>
+              <a:rPr lang="en-US" dirty="0"/>
+              <a:t>)</a:t>
+            </a:r>
+          </a:p>
+          <a:p>
+            <a:pPr lvl="1"/>
+            <a:endParaRPr lang="en-US" dirty="0"/>
+          </a:p>
+          <a:p>
+            <a:r>
+              <a:rPr lang="en-US" dirty="0"/>
+              <a:t>More new methods are constantly evolving!</a:t>
+            </a:r>
+          </a:p>
+          <a:p>
+            <a:pPr lvl="1"/>
+            <a:endParaRPr lang="en-US" dirty="0"/>
+          </a:p>
         </p:txBody>
       </p:sp>
       <p:sp>
@@ -15236,7 +15850,7 @@
           <p:cNvPr id="4" name="Slide Number Placeholder 3">
             <a:extLst>
               <a:ext uri="{FF2B5EF4-FFF2-40B4-BE49-F238E27FC236}">
-                <a16:creationId xmlns:a16="http://schemas.microsoft.com/office/drawing/2014/main" id="{9A6FB26C-7539-D14E-8C63-0A45AC60056C}"/>
+                <a16:creationId xmlns:a16="http://schemas.microsoft.com/office/drawing/2014/main" id="{DB3E25E8-E879-8B43-B4F6-5DB517A7B86B}"/>
               </a:ext>
             </a:extLst>
           </p:cNvPr>
@@ -15263,7 +15877,7 @@
     </p:spTree>
     <p:extLst>
       <p:ext uri="{BB962C8B-B14F-4D97-AF65-F5344CB8AC3E}">
-        <p14:creationId xmlns:p14="http://schemas.microsoft.com/office/powerpoint/2010/main" val="1663166079"/>
+        <p14:creationId xmlns:p14="http://schemas.microsoft.com/office/powerpoint/2010/main" val="1112766340"/>
       </p:ext>
     </p:extLst>
   </p:cSld>
@@ -15292,15 +15906,9 @@
       </p:grpSpPr>
       <p:sp>
         <p:nvSpPr>
-          <p:cNvPr id="108546" name="Rectangle 2">
-            <a:extLst>
-              <a:ext uri="{FF2B5EF4-FFF2-40B4-BE49-F238E27FC236}">
-                <a16:creationId xmlns:a16="http://schemas.microsoft.com/office/drawing/2014/main" id="{D0636248-4CC9-7F4D-9503-4297A31F8082}"/>
-              </a:ext>
-            </a:extLst>
-          </p:cNvPr>
-          <p:cNvSpPr>
-            <a:spLocks noGrp="1" noChangeArrowheads="1"/>
+          <p:cNvPr id="2" name="Title 1"/>
+          <p:cNvSpPr>
+            <a:spLocks noGrp="1"/>
           </p:cNvSpPr>
           <p:nvPr>
             <p:ph type="title"/>
@@ -15308,141 +15916,53 @@
         </p:nvSpPr>
         <p:spPr/>
         <p:txBody>
-          <a:bodyPr/>
-          <a:lstStyle/>
-          <a:p>
-            <a:r>
-              <a:rPr lang="en-US" altLang="en-US" dirty="0"/>
-              <a:t>Manuscript Preparation</a:t>
-            </a:r>
-          </a:p>
-        </p:txBody>
-      </p:sp>
-      <p:sp>
-        <p:nvSpPr>
-          <p:cNvPr id="108547" name="Rectangle 3">
-            <a:extLst>
-              <a:ext uri="{FF2B5EF4-FFF2-40B4-BE49-F238E27FC236}">
-                <a16:creationId xmlns:a16="http://schemas.microsoft.com/office/drawing/2014/main" id="{6CC9FA01-D8F1-EE49-82A0-D7419AA85913}"/>
-              </a:ext>
-            </a:extLst>
-          </p:cNvPr>
-          <p:cNvSpPr>
-            <a:spLocks noGrp="1" noChangeArrowheads="1"/>
-          </p:cNvSpPr>
-          <p:nvPr>
-            <p:ph idx="1"/>
-          </p:nvPr>
-        </p:nvSpPr>
-        <p:spPr/>
-        <p:txBody>
           <a:bodyPr>
-            <a:noAutofit/>
+            <a:normAutofit/>
           </a:bodyPr>
           <a:lstStyle/>
           <a:p>
-            <a:pPr>
-              <a:lnSpc>
-                <a:spcPct val="120000"/>
-              </a:lnSpc>
-              <a:spcBef>
-                <a:spcPts val="0"/>
-              </a:spcBef>
-            </a:pPr>
-            <a:r>
-              <a:rPr lang="en-US" altLang="en-US" dirty="0"/>
-              <a:t>Somewhat different based on discipline, but ultimately, a typical manuscript describing a meta-analysis should include:</a:t>
-            </a:r>
-          </a:p>
-          <a:p>
-            <a:pPr lvl="1">
-              <a:lnSpc>
-                <a:spcPct val="120000"/>
-              </a:lnSpc>
-              <a:spcBef>
-                <a:spcPts val="0"/>
-              </a:spcBef>
-            </a:pPr>
-            <a:r>
-              <a:rPr lang="en-US" altLang="en-US" sz="2800" dirty="0"/>
-              <a:t>Introduction</a:t>
-            </a:r>
-          </a:p>
-          <a:p>
-            <a:pPr lvl="2">
-              <a:lnSpc>
-                <a:spcPct val="120000"/>
-              </a:lnSpc>
-              <a:spcBef>
-                <a:spcPts val="0"/>
-              </a:spcBef>
-            </a:pPr>
-            <a:r>
-              <a:rPr lang="en-US" altLang="en-US" sz="2200" dirty="0"/>
-              <a:t>Justifies why the review/meta-analysis was conducted</a:t>
-            </a:r>
-          </a:p>
-          <a:p>
-            <a:pPr lvl="2">
-              <a:lnSpc>
-                <a:spcPct val="120000"/>
-              </a:lnSpc>
-              <a:spcBef>
-                <a:spcPts val="0"/>
-              </a:spcBef>
-            </a:pPr>
-            <a:endParaRPr lang="en-US" altLang="en-US" sz="2200" dirty="0"/>
-          </a:p>
-          <a:p>
-            <a:pPr lvl="1">
-              <a:lnSpc>
-                <a:spcPct val="120000"/>
-              </a:lnSpc>
-              <a:spcBef>
-                <a:spcPts val="0"/>
-              </a:spcBef>
-            </a:pPr>
-            <a:r>
-              <a:rPr lang="en-US" altLang="en-US" sz="2800" dirty="0"/>
-              <a:t>Methods</a:t>
-            </a:r>
-          </a:p>
-          <a:p>
-            <a:pPr lvl="2">
-              <a:lnSpc>
-                <a:spcPct val="120000"/>
-              </a:lnSpc>
-              <a:spcBef>
-                <a:spcPts val="0"/>
-              </a:spcBef>
-            </a:pPr>
-            <a:r>
-              <a:rPr lang="en-US" altLang="en-US" sz="2200" dirty="0"/>
-              <a:t>Describe the literature search, specifically the databases used, and if the search was restricted in any way.</a:t>
-            </a:r>
-          </a:p>
-          <a:p>
-            <a:pPr lvl="2">
-              <a:lnSpc>
-                <a:spcPct val="120000"/>
-              </a:lnSpc>
-              <a:spcBef>
-                <a:spcPts val="0"/>
-              </a:spcBef>
-            </a:pPr>
-            <a:r>
-              <a:rPr lang="en-US" altLang="en-US" sz="2200" dirty="0"/>
-              <a:t>The selection process for articles, quality assessment, methods of data abstraction, and synthesis.</a:t>
-            </a:r>
-          </a:p>
-        </p:txBody>
-      </p:sp>
-      <p:sp>
-        <p:nvSpPr>
-          <p:cNvPr id="2" name="Slide Number Placeholder 1">
-            <a:extLst>
-              <a:ext uri="{FF2B5EF4-FFF2-40B4-BE49-F238E27FC236}">
-                <a16:creationId xmlns:a16="http://schemas.microsoft.com/office/drawing/2014/main" id="{0FAACA59-54A1-EE41-A618-F68DBDA59AF4}"/>
+            <a:r>
+              <a:rPr lang="en-GB" dirty="0">
+                <a:ea typeface="SimSun" panose="02010600030101010101" pitchFamily="2" charset="-122"/>
+                <a:cs typeface="Times New Roman" panose="02020603050405020304" pitchFamily="18" charset="0"/>
+              </a:rPr>
+              <a:t>Reporting Results</a:t>
+            </a:r>
+            <a:endParaRPr lang="en-GB" dirty="0"/>
+          </a:p>
+        </p:txBody>
+      </p:sp>
+      <p:sp>
+        <p:nvSpPr>
+          <p:cNvPr id="3" name="Text Placeholder 2">
+            <a:extLst>
+              <a:ext uri="{FF2B5EF4-FFF2-40B4-BE49-F238E27FC236}">
+                <a16:creationId xmlns:a16="http://schemas.microsoft.com/office/drawing/2014/main" id="{ECE2A6F8-6277-1F43-937B-D430DFAFA42F}"/>
+              </a:ext>
+            </a:extLst>
+          </p:cNvPr>
+          <p:cNvSpPr>
+            <a:spLocks noGrp="1"/>
+          </p:cNvSpPr>
+          <p:nvPr>
+            <p:ph type="body" idx="1"/>
+          </p:nvPr>
+        </p:nvSpPr>
+        <p:spPr/>
+        <p:txBody>
+          <a:bodyPr/>
+          <a:lstStyle/>
+          <a:p>
+            <a:endParaRPr lang="en-US" dirty="0"/>
+          </a:p>
+        </p:txBody>
+      </p:sp>
+      <p:sp>
+        <p:nvSpPr>
+          <p:cNvPr id="4" name="Slide Number Placeholder 3">
+            <a:extLst>
+              <a:ext uri="{FF2B5EF4-FFF2-40B4-BE49-F238E27FC236}">
+                <a16:creationId xmlns:a16="http://schemas.microsoft.com/office/drawing/2014/main" id="{9A6FB26C-7539-D14E-8C63-0A45AC60056C}"/>
               </a:ext>
             </a:extLst>
           </p:cNvPr>
@@ -15467,6 +15987,11 @@
         </p:txBody>
       </p:sp>
     </p:spTree>
+    <p:extLst>
+      <p:ext uri="{BB962C8B-B14F-4D97-AF65-F5344CB8AC3E}">
+        <p14:creationId xmlns:p14="http://schemas.microsoft.com/office/powerpoint/2010/main" val="1663166079"/>
+      </p:ext>
+    </p:extLst>
   </p:cSld>
   <p:clrMapOvr>
     <a:masterClrMapping/>
@@ -15542,52 +16067,98 @@
           </a:bodyPr>
           <a:lstStyle/>
           <a:p>
-            <a:r>
-              <a:rPr lang="en-US" altLang="en-US" sz="3200" dirty="0"/>
-              <a:t>Results</a:t>
-            </a:r>
-          </a:p>
-          <a:p>
-            <a:pPr lvl="1"/>
-            <a:r>
-              <a:rPr lang="en-US" altLang="en-US" sz="2600" dirty="0"/>
-              <a:t>Include a flow chart of studies included</a:t>
-            </a:r>
-          </a:p>
-          <a:p>
-            <a:pPr lvl="1"/>
-            <a:r>
-              <a:rPr lang="en-US" altLang="en-US" sz="2600" dirty="0"/>
-              <a:t>Include a Table that lists all effect size estimates and key study variables</a:t>
-            </a:r>
-          </a:p>
-          <a:p>
-            <a:pPr lvl="1"/>
-            <a:r>
-              <a:rPr lang="en-US" altLang="en-US" sz="2600" dirty="0"/>
-              <a:t>A figure displaying the results from each individual study (forest plot), results of heterogeneity testing, overall summary statistic, and results of a sensitivity analysis and meta-regression, if performed.</a:t>
-            </a:r>
-          </a:p>
-          <a:p>
-            <a:pPr marL="457200" lvl="1" indent="0">
-              <a:buNone/>
+            <a:pPr>
+              <a:lnSpc>
+                <a:spcPct val="120000"/>
+              </a:lnSpc>
+              <a:spcBef>
+                <a:spcPts val="0"/>
+              </a:spcBef>
             </a:pPr>
             <a:r>
-              <a:rPr lang="en-US" altLang="en-US" sz="2600" dirty="0"/>
-              <a:t> </a:t>
-            </a:r>
-          </a:p>
-          <a:p>
-            <a:r>
-              <a:rPr lang="en-US" altLang="en-US" sz="3200" dirty="0"/>
-              <a:t>Discussion</a:t>
-            </a:r>
-          </a:p>
-          <a:p>
-            <a:pPr lvl="1"/>
-            <a:r>
-              <a:rPr lang="en-US" altLang="en-US" sz="2600" dirty="0"/>
-              <a:t>Explains how the findings advance an understanding of the topic</a:t>
+              <a:rPr lang="en-US" altLang="en-US" dirty="0"/>
+              <a:t>Somewhat different based on discipline, but ultimately, a typical manuscript describing a meta-analysis should include:</a:t>
+            </a:r>
+          </a:p>
+          <a:p>
+            <a:pPr lvl="1">
+              <a:lnSpc>
+                <a:spcPct val="120000"/>
+              </a:lnSpc>
+              <a:spcBef>
+                <a:spcPts val="0"/>
+              </a:spcBef>
+            </a:pPr>
+            <a:r>
+              <a:rPr lang="en-US" altLang="en-US" sz="2800" dirty="0"/>
+              <a:t>Introduction</a:t>
+            </a:r>
+          </a:p>
+          <a:p>
+            <a:pPr lvl="2">
+              <a:lnSpc>
+                <a:spcPct val="120000"/>
+              </a:lnSpc>
+              <a:spcBef>
+                <a:spcPts val="0"/>
+              </a:spcBef>
+            </a:pPr>
+            <a:r>
+              <a:rPr lang="en-US" altLang="en-US" sz="2200" dirty="0"/>
+              <a:t>Justifies why the review/meta-analysis was conducted</a:t>
+            </a:r>
+          </a:p>
+          <a:p>
+            <a:pPr lvl="2">
+              <a:lnSpc>
+                <a:spcPct val="120000"/>
+              </a:lnSpc>
+              <a:spcBef>
+                <a:spcPts val="0"/>
+              </a:spcBef>
+            </a:pPr>
+            <a:endParaRPr lang="en-US" altLang="en-US" sz="2200" dirty="0"/>
+          </a:p>
+          <a:p>
+            <a:pPr lvl="1">
+              <a:lnSpc>
+                <a:spcPct val="120000"/>
+              </a:lnSpc>
+              <a:spcBef>
+                <a:spcPts val="0"/>
+              </a:spcBef>
+            </a:pPr>
+            <a:r>
+              <a:rPr lang="en-US" altLang="en-US" sz="2800" dirty="0"/>
+              <a:t>Methods</a:t>
+            </a:r>
+          </a:p>
+          <a:p>
+            <a:pPr lvl="2">
+              <a:lnSpc>
+                <a:spcPct val="120000"/>
+              </a:lnSpc>
+              <a:spcBef>
+                <a:spcPts val="0"/>
+              </a:spcBef>
+            </a:pPr>
+            <a:r>
+              <a:rPr lang="en-US" altLang="en-US" sz="2200" dirty="0"/>
+              <a:t>Describe the literature search, specifically the databases used, and if the search was restricted in any way.</a:t>
+            </a:r>
+          </a:p>
+          <a:p>
+            <a:pPr lvl="2">
+              <a:lnSpc>
+                <a:spcPct val="120000"/>
+              </a:lnSpc>
+              <a:spcBef>
+                <a:spcPts val="0"/>
+              </a:spcBef>
+            </a:pPr>
+            <a:r>
+              <a:rPr lang="en-US" altLang="en-US" sz="2200" dirty="0"/>
+              <a:t>The selection process for articles, quality assessment, methods of data abstraction, and synthesis.</a:t>
             </a:r>
           </a:p>
         </p:txBody>
@@ -15597,7 +16168,7 @@
           <p:cNvPr id="2" name="Slide Number Placeholder 1">
             <a:extLst>
               <a:ext uri="{FF2B5EF4-FFF2-40B4-BE49-F238E27FC236}">
-                <a16:creationId xmlns:a16="http://schemas.microsoft.com/office/drawing/2014/main" id="{89EFDD8F-02CE-FF41-A01B-9DE6666AB587}"/>
+                <a16:creationId xmlns:a16="http://schemas.microsoft.com/office/drawing/2014/main" id="{0FAACA59-54A1-EE41-A618-F68DBDA59AF4}"/>
               </a:ext>
             </a:extLst>
           </p:cNvPr>
@@ -15622,11 +16193,6 @@
         </p:txBody>
       </p:sp>
     </p:spTree>
-    <p:extLst>
-      <p:ext uri="{BB962C8B-B14F-4D97-AF65-F5344CB8AC3E}">
-        <p14:creationId xmlns:p14="http://schemas.microsoft.com/office/powerpoint/2010/main" val="3108365171"/>
-      </p:ext>
-    </p:extLst>
   </p:cSld>
   <p:clrMapOvr>
     <a:masterClrMapping/>
@@ -15653,15 +16219,15 @@
       </p:grpSpPr>
       <p:sp>
         <p:nvSpPr>
-          <p:cNvPr id="2" name="Title 1">
-            <a:extLst>
-              <a:ext uri="{FF2B5EF4-FFF2-40B4-BE49-F238E27FC236}">
-                <a16:creationId xmlns:a16="http://schemas.microsoft.com/office/drawing/2014/main" id="{774AC840-F59E-1147-AD02-B4E369D86060}"/>
-              </a:ext>
-            </a:extLst>
-          </p:cNvPr>
-          <p:cNvSpPr>
-            <a:spLocks noGrp="1"/>
+          <p:cNvPr id="108546" name="Rectangle 2">
+            <a:extLst>
+              <a:ext uri="{FF2B5EF4-FFF2-40B4-BE49-F238E27FC236}">
+                <a16:creationId xmlns:a16="http://schemas.microsoft.com/office/drawing/2014/main" id="{D0636248-4CC9-7F4D-9503-4297A31F8082}"/>
+              </a:ext>
+            </a:extLst>
+          </p:cNvPr>
+          <p:cNvSpPr>
+            <a:spLocks noGrp="1" noChangeArrowheads="1"/>
           </p:cNvSpPr>
           <p:nvPr>
             <p:ph type="title"/>
@@ -15673,23 +16239,23 @@
           <a:lstStyle/>
           <a:p>
             <a:r>
-              <a:rPr lang="en-US" dirty="0"/>
-              <a:t>Strive for Openness</a:t>
-            </a:r>
-          </a:p>
-        </p:txBody>
-      </p:sp>
-      <p:sp>
-        <p:nvSpPr>
-          <p:cNvPr id="3" name="Content Placeholder 2">
-            <a:extLst>
-              <a:ext uri="{FF2B5EF4-FFF2-40B4-BE49-F238E27FC236}">
-                <a16:creationId xmlns:a16="http://schemas.microsoft.com/office/drawing/2014/main" id="{C9282D46-2F75-BA49-A08A-C3BEDB038B06}"/>
-              </a:ext>
-            </a:extLst>
-          </p:cNvPr>
-          <p:cNvSpPr>
-            <a:spLocks noGrp="1"/>
+              <a:rPr lang="en-US" altLang="en-US" dirty="0"/>
+              <a:t>Manuscript Preparation</a:t>
+            </a:r>
+          </a:p>
+        </p:txBody>
+      </p:sp>
+      <p:sp>
+        <p:nvSpPr>
+          <p:cNvPr id="108547" name="Rectangle 3">
+            <a:extLst>
+              <a:ext uri="{FF2B5EF4-FFF2-40B4-BE49-F238E27FC236}">
+                <a16:creationId xmlns:a16="http://schemas.microsoft.com/office/drawing/2014/main" id="{6CC9FA01-D8F1-EE49-82A0-D7419AA85913}"/>
+              </a:ext>
+            </a:extLst>
+          </p:cNvPr>
+          <p:cNvSpPr>
+            <a:spLocks noGrp="1" noChangeArrowheads="1"/>
           </p:cNvSpPr>
           <p:nvPr>
             <p:ph idx="1"/>
@@ -15697,34 +16263,67 @@
         </p:nvSpPr>
         <p:spPr/>
         <p:txBody>
-          <a:bodyPr/>
-          <a:lstStyle/>
-          <a:p>
-            <a:r>
-              <a:rPr lang="en-US" dirty="0"/>
-              <a:t>Consider making data and analysis script available via an online repository (e.g., Open Science Framework)</a:t>
-            </a:r>
-          </a:p>
-          <a:p>
-            <a:endParaRPr lang="en-US" dirty="0"/>
-          </a:p>
-          <a:p>
-            <a:r>
-              <a:rPr lang="en-US" dirty="0"/>
-              <a:t>Update any pre-registrations and note status and any major deviations from protocol</a:t>
-            </a:r>
-          </a:p>
-          <a:p>
-            <a:endParaRPr lang="en-US" dirty="0"/>
-          </a:p>
-        </p:txBody>
-      </p:sp>
-      <p:sp>
-        <p:nvSpPr>
-          <p:cNvPr id="4" name="Slide Number Placeholder 3">
-            <a:extLst>
-              <a:ext uri="{FF2B5EF4-FFF2-40B4-BE49-F238E27FC236}">
-                <a16:creationId xmlns:a16="http://schemas.microsoft.com/office/drawing/2014/main" id="{04CBB7FC-F07C-DC49-8EA5-A1F68AE12248}"/>
+          <a:bodyPr>
+            <a:noAutofit/>
+          </a:bodyPr>
+          <a:lstStyle/>
+          <a:p>
+            <a:r>
+              <a:rPr lang="en-US" altLang="en-US" sz="3200" dirty="0"/>
+              <a:t>Results</a:t>
+            </a:r>
+          </a:p>
+          <a:p>
+            <a:pPr lvl="1"/>
+            <a:r>
+              <a:rPr lang="en-US" altLang="en-US" sz="2600" dirty="0"/>
+              <a:t>Include a flow chart of studies included</a:t>
+            </a:r>
+          </a:p>
+          <a:p>
+            <a:pPr lvl="1"/>
+            <a:r>
+              <a:rPr lang="en-US" altLang="en-US" sz="2600" dirty="0"/>
+              <a:t>Include a Table that lists all effect size estimates and key study variables</a:t>
+            </a:r>
+          </a:p>
+          <a:p>
+            <a:pPr lvl="1"/>
+            <a:r>
+              <a:rPr lang="en-US" altLang="en-US" sz="2600" dirty="0"/>
+              <a:t>A figure displaying the results from each individual study (forest plot), results of heterogeneity testing, overall summary statistic, and results of a sensitivity analysis and meta-regression, if performed.</a:t>
+            </a:r>
+          </a:p>
+          <a:p>
+            <a:pPr marL="457200" lvl="1" indent="0">
+              <a:buNone/>
+            </a:pPr>
+            <a:r>
+              <a:rPr lang="en-US" altLang="en-US" sz="2600" dirty="0"/>
+              <a:t> </a:t>
+            </a:r>
+          </a:p>
+          <a:p>
+            <a:r>
+              <a:rPr lang="en-US" altLang="en-US" sz="3200" dirty="0"/>
+              <a:t>Discussion</a:t>
+            </a:r>
+          </a:p>
+          <a:p>
+            <a:pPr lvl="1"/>
+            <a:r>
+              <a:rPr lang="en-US" altLang="en-US" sz="2600" dirty="0"/>
+              <a:t>Explains how the findings advance an understanding of the topic</a:t>
+            </a:r>
+          </a:p>
+        </p:txBody>
+      </p:sp>
+      <p:sp>
+        <p:nvSpPr>
+          <p:cNvPr id="2" name="Slide Number Placeholder 1">
+            <a:extLst>
+              <a:ext uri="{FF2B5EF4-FFF2-40B4-BE49-F238E27FC236}">
+                <a16:creationId xmlns:a16="http://schemas.microsoft.com/office/drawing/2014/main" id="{89EFDD8F-02CE-FF41-A01B-9DE6666AB587}"/>
               </a:ext>
             </a:extLst>
           </p:cNvPr>
@@ -15751,7 +16350,7 @@
     </p:spTree>
     <p:extLst>
       <p:ext uri="{BB962C8B-B14F-4D97-AF65-F5344CB8AC3E}">
-        <p14:creationId xmlns:p14="http://schemas.microsoft.com/office/powerpoint/2010/main" val="3070779231"/>
+        <p14:creationId xmlns:p14="http://schemas.microsoft.com/office/powerpoint/2010/main" val="3108365171"/>
       </p:ext>
     </p:extLst>
   </p:cSld>
@@ -15801,7 +16400,7 @@
           <a:p>
             <a:r>
               <a:rPr lang="en-US" dirty="0"/>
-              <a:t>Additional Online Resources</a:t>
+              <a:t>Strive for Openness</a:t>
             </a:r>
           </a:p>
         </p:txBody>
@@ -15829,41 +16428,21 @@
           <a:p>
             <a:r>
               <a:rPr lang="en-US" dirty="0"/>
-              <a:t>Coursera: </a:t>
-            </a:r>
-            <a:r>
-              <a:rPr lang="en-US" dirty="0">
-                <a:hlinkClick r:id="rId2"/>
-              </a:rPr>
-              <a:t>https://www.coursera.org/learn/systematic-review</a:t>
-            </a:r>
+              <a:t>Consider making data and analysis script available via an online repository (e.g., Open Science Framework)</a:t>
+            </a:r>
+          </a:p>
+          <a:p>
+            <a:endParaRPr lang="en-US" dirty="0"/>
+          </a:p>
+          <a:p>
             <a:r>
               <a:rPr lang="en-US" dirty="0"/>
-              <a:t> </a:t>
+              <a:t>Update any pre-registrations and note status and any major deviations from protocol</a:t>
             </a:r>
           </a:p>
           <a:p>
             <a:endParaRPr lang="en-US" dirty="0"/>
           </a:p>
-          <a:p>
-            <a:r>
-              <a:rPr lang="en-US" dirty="0"/>
-              <a:t>Cochrane Learning: </a:t>
-            </a:r>
-            <a:r>
-              <a:rPr lang="en-US" dirty="0">
-                <a:hlinkClick r:id="rId3"/>
-              </a:rPr>
-              <a:t>https://training.cochrane.org/interactivelearning</a:t>
-            </a:r>
-            <a:r>
-              <a:rPr lang="en-US" dirty="0"/>
-              <a:t> </a:t>
-            </a:r>
-          </a:p>
-          <a:p>
-            <a:endParaRPr lang="en-US" dirty="0"/>
-          </a:p>
         </p:txBody>
       </p:sp>
       <p:sp>
@@ -15871,7 +16450,7 @@
           <p:cNvPr id="4" name="Slide Number Placeholder 3">
             <a:extLst>
               <a:ext uri="{FF2B5EF4-FFF2-40B4-BE49-F238E27FC236}">
-                <a16:creationId xmlns:a16="http://schemas.microsoft.com/office/drawing/2014/main" id="{FB7BEE0C-0517-3A48-86D4-A36D1CDA285D}"/>
+                <a16:creationId xmlns:a16="http://schemas.microsoft.com/office/drawing/2014/main" id="{04CBB7FC-F07C-DC49-8EA5-A1F68AE12248}"/>
               </a:ext>
             </a:extLst>
           </p:cNvPr>
@@ -15898,7 +16477,7 @@
     </p:spTree>
     <p:extLst>
       <p:ext uri="{BB962C8B-B14F-4D97-AF65-F5344CB8AC3E}">
-        <p14:creationId xmlns:p14="http://schemas.microsoft.com/office/powerpoint/2010/main" val="656725369"/>
+        <p14:creationId xmlns:p14="http://schemas.microsoft.com/office/powerpoint/2010/main" val="3070779231"/>
       </p:ext>
     </p:extLst>
   </p:cSld>
@@ -15930,7 +16509,7 @@
           <p:cNvPr id="2" name="Title 1">
             <a:extLst>
               <a:ext uri="{FF2B5EF4-FFF2-40B4-BE49-F238E27FC236}">
-                <a16:creationId xmlns:a16="http://schemas.microsoft.com/office/drawing/2014/main" id="{315BEDF6-8379-644B-9BF8-33C830931C71}"/>
+                <a16:creationId xmlns:a16="http://schemas.microsoft.com/office/drawing/2014/main" id="{774AC840-F59E-1147-AD02-B4E369D86060}"/>
               </a:ext>
             </a:extLst>
           </p:cNvPr>
@@ -15948,25 +16527,25 @@
           <a:p>
             <a:r>
               <a:rPr lang="en-US" dirty="0"/>
-              <a:t>Questions?</a:t>
-            </a:r>
-          </a:p>
-        </p:txBody>
-      </p:sp>
-      <p:sp>
-        <p:nvSpPr>
-          <p:cNvPr id="3" name="Text Placeholder 2">
-            <a:extLst>
-              <a:ext uri="{FF2B5EF4-FFF2-40B4-BE49-F238E27FC236}">
-                <a16:creationId xmlns:a16="http://schemas.microsoft.com/office/drawing/2014/main" id="{DD00EF4B-327F-2343-8146-57584E164DE8}"/>
-              </a:ext>
-            </a:extLst>
-          </p:cNvPr>
-          <p:cNvSpPr>
-            <a:spLocks noGrp="1"/>
-          </p:cNvSpPr>
-          <p:nvPr>
-            <p:ph type="body" idx="1"/>
+              <a:t>Additional Online Resources</a:t>
+            </a:r>
+          </a:p>
+        </p:txBody>
+      </p:sp>
+      <p:sp>
+        <p:nvSpPr>
+          <p:cNvPr id="3" name="Content Placeholder 2">
+            <a:extLst>
+              <a:ext uri="{FF2B5EF4-FFF2-40B4-BE49-F238E27FC236}">
+                <a16:creationId xmlns:a16="http://schemas.microsoft.com/office/drawing/2014/main" id="{C9282D46-2F75-BA49-A08A-C3BEDB038B06}"/>
+              </a:ext>
+            </a:extLst>
+          </p:cNvPr>
+          <p:cNvSpPr>
+            <a:spLocks noGrp="1"/>
+          </p:cNvSpPr>
+          <p:nvPr>
+            <p:ph idx="1"/>
           </p:nvPr>
         </p:nvSpPr>
         <p:spPr/>
@@ -15976,8 +16555,40 @@
           <a:p>
             <a:r>
               <a:rPr lang="en-US" dirty="0"/>
-              <a:t>We’ll pause here for questions about either Part 1 (Systematic review) or Part 2 (Meta-analysis)</a:t>
-            </a:r>
+              <a:t>Coursera: </a:t>
+            </a:r>
+            <a:r>
+              <a:rPr lang="en-US" dirty="0">
+                <a:hlinkClick r:id="rId2"/>
+              </a:rPr>
+              <a:t>https://www.coursera.org/learn/systematic-review</a:t>
+            </a:r>
+            <a:r>
+              <a:rPr lang="en-US" dirty="0"/>
+              <a:t> </a:t>
+            </a:r>
+          </a:p>
+          <a:p>
+            <a:endParaRPr lang="en-US" dirty="0"/>
+          </a:p>
+          <a:p>
+            <a:r>
+              <a:rPr lang="en-US" dirty="0"/>
+              <a:t>Cochrane Learning: </a:t>
+            </a:r>
+            <a:r>
+              <a:rPr lang="en-US" dirty="0">
+                <a:hlinkClick r:id="rId3"/>
+              </a:rPr>
+              <a:t>https://training.cochrane.org/interactivelearning</a:t>
+            </a:r>
+            <a:r>
+              <a:rPr lang="en-US" dirty="0"/>
+              <a:t> </a:t>
+            </a:r>
+          </a:p>
+          <a:p>
+            <a:endParaRPr lang="en-US" dirty="0"/>
           </a:p>
         </p:txBody>
       </p:sp>
@@ -15986,7 +16597,7 @@
           <p:cNvPr id="4" name="Slide Number Placeholder 3">
             <a:extLst>
               <a:ext uri="{FF2B5EF4-FFF2-40B4-BE49-F238E27FC236}">
-                <a16:creationId xmlns:a16="http://schemas.microsoft.com/office/drawing/2014/main" id="{EFC89E5D-00D5-8A46-AD43-8CA58A9E964F}"/>
+                <a16:creationId xmlns:a16="http://schemas.microsoft.com/office/drawing/2014/main" id="{FB7BEE0C-0517-3A48-86D4-A36D1CDA285D}"/>
               </a:ext>
             </a:extLst>
           </p:cNvPr>
@@ -16005,6 +16616,121 @@
             <a:fld id="{284273DD-104E-A841-819D-72454FA280E2}" type="slidenum">
               <a:rPr lang="en-US" smtClean="0"/>
               <a:t>47</a:t>
+            </a:fld>
+            <a:endParaRPr lang="en-US" dirty="0"/>
+          </a:p>
+        </p:txBody>
+      </p:sp>
+    </p:spTree>
+    <p:extLst>
+      <p:ext uri="{BB962C8B-B14F-4D97-AF65-F5344CB8AC3E}">
+        <p14:creationId xmlns:p14="http://schemas.microsoft.com/office/powerpoint/2010/main" val="656725369"/>
+      </p:ext>
+    </p:extLst>
+  </p:cSld>
+  <p:clrMapOvr>
+    <a:masterClrMapping/>
+  </p:clrMapOvr>
+</p:sld>
+</file>
+
+<file path=ppt/slides/slide49.xml><?xml version="1.0" encoding="utf-8"?>
+<p:sld xmlns:a="http://schemas.openxmlformats.org/drawingml/2006/main" xmlns:r="http://schemas.openxmlformats.org/officeDocument/2006/relationships" xmlns:p="http://schemas.openxmlformats.org/presentationml/2006/main">
+  <p:cSld>
+    <p:spTree>
+      <p:nvGrpSpPr>
+        <p:cNvPr id="1" name=""/>
+        <p:cNvGrpSpPr/>
+        <p:nvPr/>
+      </p:nvGrpSpPr>
+      <p:grpSpPr>
+        <a:xfrm>
+          <a:off x="0" y="0"/>
+          <a:ext cx="0" cy="0"/>
+          <a:chOff x="0" y="0"/>
+          <a:chExt cx="0" cy="0"/>
+        </a:xfrm>
+      </p:grpSpPr>
+      <p:sp>
+        <p:nvSpPr>
+          <p:cNvPr id="2" name="Title 1">
+            <a:extLst>
+              <a:ext uri="{FF2B5EF4-FFF2-40B4-BE49-F238E27FC236}">
+                <a16:creationId xmlns:a16="http://schemas.microsoft.com/office/drawing/2014/main" id="{315BEDF6-8379-644B-9BF8-33C830931C71}"/>
+              </a:ext>
+            </a:extLst>
+          </p:cNvPr>
+          <p:cNvSpPr>
+            <a:spLocks noGrp="1"/>
+          </p:cNvSpPr>
+          <p:nvPr>
+            <p:ph type="title"/>
+          </p:nvPr>
+        </p:nvSpPr>
+        <p:spPr/>
+        <p:txBody>
+          <a:bodyPr/>
+          <a:lstStyle/>
+          <a:p>
+            <a:r>
+              <a:rPr lang="en-US" dirty="0"/>
+              <a:t>Questions?</a:t>
+            </a:r>
+          </a:p>
+        </p:txBody>
+      </p:sp>
+      <p:sp>
+        <p:nvSpPr>
+          <p:cNvPr id="3" name="Text Placeholder 2">
+            <a:extLst>
+              <a:ext uri="{FF2B5EF4-FFF2-40B4-BE49-F238E27FC236}">
+                <a16:creationId xmlns:a16="http://schemas.microsoft.com/office/drawing/2014/main" id="{DD00EF4B-327F-2343-8146-57584E164DE8}"/>
+              </a:ext>
+            </a:extLst>
+          </p:cNvPr>
+          <p:cNvSpPr>
+            <a:spLocks noGrp="1"/>
+          </p:cNvSpPr>
+          <p:nvPr>
+            <p:ph type="body" idx="1"/>
+          </p:nvPr>
+        </p:nvSpPr>
+        <p:spPr/>
+        <p:txBody>
+          <a:bodyPr/>
+          <a:lstStyle/>
+          <a:p>
+            <a:r>
+              <a:rPr lang="en-US" dirty="0"/>
+              <a:t>We’ll pause here for questions about either Part 1 (Systematic review) or Part 2 (Meta-analysis)</a:t>
+            </a:r>
+          </a:p>
+        </p:txBody>
+      </p:sp>
+      <p:sp>
+        <p:nvSpPr>
+          <p:cNvPr id="4" name="Slide Number Placeholder 3">
+            <a:extLst>
+              <a:ext uri="{FF2B5EF4-FFF2-40B4-BE49-F238E27FC236}">
+                <a16:creationId xmlns:a16="http://schemas.microsoft.com/office/drawing/2014/main" id="{EFC89E5D-00D5-8A46-AD43-8CA58A9E964F}"/>
+              </a:ext>
+            </a:extLst>
+          </p:cNvPr>
+          <p:cNvSpPr>
+            <a:spLocks noGrp="1"/>
+          </p:cNvSpPr>
+          <p:nvPr>
+            <p:ph type="sldNum" sz="quarter" idx="12"/>
+          </p:nvPr>
+        </p:nvSpPr>
+        <p:spPr/>
+        <p:txBody>
+          <a:bodyPr/>
+          <a:lstStyle/>
+          <a:p>
+            <a:fld id="{284273DD-104E-A841-819D-72454FA280E2}" type="slidenum">
+              <a:rPr lang="en-US" smtClean="0"/>
+              <a:t>48</a:t>
             </a:fld>
             <a:endParaRPr lang="en-US" dirty="0"/>
           </a:p>

--- a/02_Intro_Meta-analysis_2021-07-06.pptx
+++ b/02_Intro_Meta-analysis_2021-07-06.pptx
@@ -5,58 +5,59 @@
     <p:sldMasterId id="2147483648" r:id="rId1"/>
   </p:sldMasterIdLst>
   <p:notesMasterIdLst>
-    <p:notesMasterId r:id="rId51"/>
+    <p:notesMasterId r:id="rId52"/>
   </p:notesMasterIdLst>
   <p:sldIdLst>
     <p:sldId id="256" r:id="rId2"/>
-    <p:sldId id="258" r:id="rId3"/>
-    <p:sldId id="347" r:id="rId4"/>
-    <p:sldId id="289" r:id="rId5"/>
-    <p:sldId id="379" r:id="rId6"/>
-    <p:sldId id="262" r:id="rId7"/>
-    <p:sldId id="282" r:id="rId8"/>
-    <p:sldId id="281" r:id="rId9"/>
-    <p:sldId id="283" r:id="rId10"/>
-    <p:sldId id="263" r:id="rId11"/>
-    <p:sldId id="265" r:id="rId12"/>
-    <p:sldId id="273" r:id="rId13"/>
-    <p:sldId id="275" r:id="rId14"/>
-    <p:sldId id="387" r:id="rId15"/>
-    <p:sldId id="394" r:id="rId16"/>
-    <p:sldId id="395" r:id="rId17"/>
-    <p:sldId id="268" r:id="rId18"/>
-    <p:sldId id="270" r:id="rId19"/>
-    <p:sldId id="278" r:id="rId20"/>
-    <p:sldId id="370" r:id="rId21"/>
-    <p:sldId id="286" r:id="rId22"/>
-    <p:sldId id="260" r:id="rId23"/>
-    <p:sldId id="261" r:id="rId24"/>
-    <p:sldId id="385" r:id="rId25"/>
-    <p:sldId id="390" r:id="rId26"/>
-    <p:sldId id="402" r:id="rId27"/>
-    <p:sldId id="399" r:id="rId28"/>
-    <p:sldId id="405" r:id="rId29"/>
-    <p:sldId id="406" r:id="rId30"/>
-    <p:sldId id="407" r:id="rId31"/>
-    <p:sldId id="404" r:id="rId32"/>
-    <p:sldId id="403" r:id="rId33"/>
-    <p:sldId id="408" r:id="rId34"/>
-    <p:sldId id="409" r:id="rId35"/>
-    <p:sldId id="401" r:id="rId36"/>
-    <p:sldId id="410" r:id="rId37"/>
-    <p:sldId id="391" r:id="rId38"/>
-    <p:sldId id="400" r:id="rId39"/>
-    <p:sldId id="411" r:id="rId40"/>
-    <p:sldId id="287" r:id="rId41"/>
-    <p:sldId id="386" r:id="rId42"/>
-    <p:sldId id="388" r:id="rId43"/>
-    <p:sldId id="393" r:id="rId44"/>
-    <p:sldId id="322" r:id="rId45"/>
-    <p:sldId id="310" r:id="rId46"/>
-    <p:sldId id="397" r:id="rId47"/>
-    <p:sldId id="396" r:id="rId48"/>
-    <p:sldId id="398" r:id="rId49"/>
-    <p:sldId id="377" r:id="rId50"/>
+    <p:sldId id="583" r:id="rId3"/>
+    <p:sldId id="258" r:id="rId4"/>
+    <p:sldId id="347" r:id="rId5"/>
+    <p:sldId id="289" r:id="rId6"/>
+    <p:sldId id="379" r:id="rId7"/>
+    <p:sldId id="262" r:id="rId8"/>
+    <p:sldId id="282" r:id="rId9"/>
+    <p:sldId id="281" r:id="rId10"/>
+    <p:sldId id="283" r:id="rId11"/>
+    <p:sldId id="263" r:id="rId12"/>
+    <p:sldId id="265" r:id="rId13"/>
+    <p:sldId id="273" r:id="rId14"/>
+    <p:sldId id="275" r:id="rId15"/>
+    <p:sldId id="387" r:id="rId16"/>
+    <p:sldId id="394" r:id="rId17"/>
+    <p:sldId id="395" r:id="rId18"/>
+    <p:sldId id="268" r:id="rId19"/>
+    <p:sldId id="270" r:id="rId20"/>
+    <p:sldId id="278" r:id="rId21"/>
+    <p:sldId id="370" r:id="rId22"/>
+    <p:sldId id="286" r:id="rId23"/>
+    <p:sldId id="260" r:id="rId24"/>
+    <p:sldId id="261" r:id="rId25"/>
+    <p:sldId id="385" r:id="rId26"/>
+    <p:sldId id="390" r:id="rId27"/>
+    <p:sldId id="402" r:id="rId28"/>
+    <p:sldId id="399" r:id="rId29"/>
+    <p:sldId id="405" r:id="rId30"/>
+    <p:sldId id="406" r:id="rId31"/>
+    <p:sldId id="407" r:id="rId32"/>
+    <p:sldId id="404" r:id="rId33"/>
+    <p:sldId id="403" r:id="rId34"/>
+    <p:sldId id="408" r:id="rId35"/>
+    <p:sldId id="409" r:id="rId36"/>
+    <p:sldId id="401" r:id="rId37"/>
+    <p:sldId id="410" r:id="rId38"/>
+    <p:sldId id="391" r:id="rId39"/>
+    <p:sldId id="400" r:id="rId40"/>
+    <p:sldId id="411" r:id="rId41"/>
+    <p:sldId id="287" r:id="rId42"/>
+    <p:sldId id="386" r:id="rId43"/>
+    <p:sldId id="388" r:id="rId44"/>
+    <p:sldId id="393" r:id="rId45"/>
+    <p:sldId id="322" r:id="rId46"/>
+    <p:sldId id="310" r:id="rId47"/>
+    <p:sldId id="397" r:id="rId48"/>
+    <p:sldId id="396" r:id="rId49"/>
+    <p:sldId id="398" r:id="rId50"/>
+    <p:sldId id="377" r:id="rId51"/>
   </p:sldIdLst>
   <p:sldSz cx="12192000" cy="6858000"/>
   <p:notesSz cx="6858000" cy="9144000"/>
@@ -245,7 +246,7 @@
           <a:p>
             <a:fld id="{8D51D05E-8F49-834E-8EFA-ABC134D72939}" type="datetimeFigureOut">
               <a:rPr lang="en-US" smtClean="0"/>
-              <a:t>7/7/21</a:t>
+              <a:t>7/8/21</a:t>
             </a:fld>
             <a:endParaRPr lang="en-US" dirty="0"/>
           </a:p>
@@ -670,7 +671,7 @@
     </p:spTree>
     <p:extLst>
       <p:ext uri="{BB962C8B-B14F-4D97-AF65-F5344CB8AC3E}">
-        <p14:creationId xmlns:p14="http://schemas.microsoft.com/office/powerpoint/2010/main" val="2899290946"/>
+        <p14:creationId xmlns:p14="http://schemas.microsoft.com/office/powerpoint/2010/main" val="3033674412"/>
       </p:ext>
     </p:extLst>
   </p:cSld>
@@ -754,7 +755,7 @@
     </p:spTree>
     <p:extLst>
       <p:ext uri="{BB962C8B-B14F-4D97-AF65-F5344CB8AC3E}">
-        <p14:creationId xmlns:p14="http://schemas.microsoft.com/office/powerpoint/2010/main" val="3080114206"/>
+        <p14:creationId xmlns:p14="http://schemas.microsoft.com/office/powerpoint/2010/main" val="2899290946"/>
       </p:ext>
     </p:extLst>
   </p:cSld>
@@ -838,7 +839,7 @@
     </p:spTree>
     <p:extLst>
       <p:ext uri="{BB962C8B-B14F-4D97-AF65-F5344CB8AC3E}">
-        <p14:creationId xmlns:p14="http://schemas.microsoft.com/office/powerpoint/2010/main" val="2044872041"/>
+        <p14:creationId xmlns:p14="http://schemas.microsoft.com/office/powerpoint/2010/main" val="3080114206"/>
       </p:ext>
     </p:extLst>
   </p:cSld>
@@ -922,7 +923,7 @@
     </p:spTree>
     <p:extLst>
       <p:ext uri="{BB962C8B-B14F-4D97-AF65-F5344CB8AC3E}">
-        <p14:creationId xmlns:p14="http://schemas.microsoft.com/office/powerpoint/2010/main" val="2592311226"/>
+        <p14:creationId xmlns:p14="http://schemas.microsoft.com/office/powerpoint/2010/main" val="2044872041"/>
       </p:ext>
     </p:extLst>
   </p:cSld>
@@ -997,7 +998,7 @@
           <a:p>
             <a:fld id="{700E2BA0-6B8B-7A40-9298-7B14ED4552A5}" type="slidenum">
               <a:rPr lang="en-US" smtClean="0"/>
-              <a:t>31</a:t>
+              <a:t>30</a:t>
             </a:fld>
             <a:endParaRPr lang="en-US" dirty="0"/>
           </a:p>
@@ -1006,7 +1007,7 @@
     </p:spTree>
     <p:extLst>
       <p:ext uri="{BB962C8B-B14F-4D97-AF65-F5344CB8AC3E}">
-        <p14:creationId xmlns:p14="http://schemas.microsoft.com/office/powerpoint/2010/main" val="2468254401"/>
+        <p14:creationId xmlns:p14="http://schemas.microsoft.com/office/powerpoint/2010/main" val="2592311226"/>
       </p:ext>
     </p:extLst>
   </p:cSld>
@@ -1090,7 +1091,7 @@
     </p:spTree>
     <p:extLst>
       <p:ext uri="{BB962C8B-B14F-4D97-AF65-F5344CB8AC3E}">
-        <p14:creationId xmlns:p14="http://schemas.microsoft.com/office/powerpoint/2010/main" val="2183780080"/>
+        <p14:creationId xmlns:p14="http://schemas.microsoft.com/office/powerpoint/2010/main" val="2468254401"/>
       </p:ext>
     </p:extLst>
   </p:cSld>
@@ -1174,7 +1175,7 @@
     </p:spTree>
     <p:extLst>
       <p:ext uri="{BB962C8B-B14F-4D97-AF65-F5344CB8AC3E}">
-        <p14:creationId xmlns:p14="http://schemas.microsoft.com/office/powerpoint/2010/main" val="999809598"/>
+        <p14:creationId xmlns:p14="http://schemas.microsoft.com/office/powerpoint/2010/main" val="2183780080"/>
       </p:ext>
     </p:extLst>
   </p:cSld>
@@ -1249,7 +1250,7 @@
           <a:p>
             <a:fld id="{700E2BA0-6B8B-7A40-9298-7B14ED4552A5}" type="slidenum">
               <a:rPr lang="en-US" smtClean="0"/>
-              <a:t>36</a:t>
+              <a:t>34</a:t>
             </a:fld>
             <a:endParaRPr lang="en-US" dirty="0"/>
           </a:p>
@@ -1258,7 +1259,7 @@
     </p:spTree>
     <p:extLst>
       <p:ext uri="{BB962C8B-B14F-4D97-AF65-F5344CB8AC3E}">
-        <p14:creationId xmlns:p14="http://schemas.microsoft.com/office/powerpoint/2010/main" val="2262867407"/>
+        <p14:creationId xmlns:p14="http://schemas.microsoft.com/office/powerpoint/2010/main" val="999809598"/>
       </p:ext>
     </p:extLst>
   </p:cSld>
@@ -1333,7 +1334,7 @@
           <a:p>
             <a:fld id="{700E2BA0-6B8B-7A40-9298-7B14ED4552A5}" type="slidenum">
               <a:rPr lang="en-US" smtClean="0"/>
-              <a:t>40</a:t>
+              <a:t>37</a:t>
             </a:fld>
             <a:endParaRPr lang="en-US" dirty="0"/>
           </a:p>
@@ -1342,7 +1343,7 @@
     </p:spTree>
     <p:extLst>
       <p:ext uri="{BB962C8B-B14F-4D97-AF65-F5344CB8AC3E}">
-        <p14:creationId xmlns:p14="http://schemas.microsoft.com/office/powerpoint/2010/main" val="958009552"/>
+        <p14:creationId xmlns:p14="http://schemas.microsoft.com/office/powerpoint/2010/main" val="2262867407"/>
       </p:ext>
     </p:extLst>
   </p:cSld>
@@ -1417,7 +1418,7 @@
           <a:p>
             <a:fld id="{700E2BA0-6B8B-7A40-9298-7B14ED4552A5}" type="slidenum">
               <a:rPr lang="en-US" smtClean="0"/>
-              <a:t>42</a:t>
+              <a:t>41</a:t>
             </a:fld>
             <a:endParaRPr lang="en-US" dirty="0"/>
           </a:p>
@@ -1426,7 +1427,7 @@
     </p:spTree>
     <p:extLst>
       <p:ext uri="{BB962C8B-B14F-4D97-AF65-F5344CB8AC3E}">
-        <p14:creationId xmlns:p14="http://schemas.microsoft.com/office/powerpoint/2010/main" val="610728464"/>
+        <p14:creationId xmlns:p14="http://schemas.microsoft.com/office/powerpoint/2010/main" val="958009552"/>
       </p:ext>
     </p:extLst>
   </p:cSld>
@@ -1480,10 +1481,29 @@
           <a:bodyPr/>
           <a:lstStyle/>
           <a:p>
-            <a:r>
-              <a:rPr lang="en-US" altLang="en-US" sz="1200" dirty="0"/>
-              <a:t> Margaliot, Zvi, Kevin C. Chung. “Systematic Reviews: A Primer for Plastic Surgery Research.” PRS Journal. 120/7 (2007) p.1840</a:t>
-            </a:r>
+            <a:pPr marL="0" marR="0" lvl="0" indent="0" algn="l" defTabSz="914400" rtl="0" eaLnBrk="1" fontAlgn="auto" latinLnBrk="0" hangingPunct="1">
+              <a:lnSpc>
+                <a:spcPct val="100000"/>
+              </a:lnSpc>
+              <a:spcBef>
+                <a:spcPts val="0"/>
+              </a:spcBef>
+              <a:spcAft>
+                <a:spcPts val="0"/>
+              </a:spcAft>
+              <a:buClrTx/>
+              <a:buSzTx/>
+              <a:buFontTx/>
+              <a:buNone/>
+              <a:tabLst/>
+              <a:defRPr/>
+            </a:pPr>
+            <a:r>
+              <a:rPr lang="en-US" dirty="0"/>
+              <a:t>In this the second hour, I will then talk about conducting a meta-analysis. It is during the second hour that you will be running some code. If you have not already, now might be a good time to install R and RStudio and the required packages listed on the website.</a:t>
+            </a:r>
+          </a:p>
+          <a:p>
             <a:endParaRPr lang="en-US" dirty="0"/>
           </a:p>
         </p:txBody>
@@ -1505,7 +1525,7 @@
           <a:p>
             <a:fld id="{700E2BA0-6B8B-7A40-9298-7B14ED4552A5}" type="slidenum">
               <a:rPr lang="en-US" smtClean="0"/>
-              <a:t>2</a:t>
+              <a:t>1</a:t>
             </a:fld>
             <a:endParaRPr lang="en-US" dirty="0"/>
           </a:p>
@@ -1514,7 +1534,7 @@
     </p:spTree>
     <p:extLst>
       <p:ext uri="{BB962C8B-B14F-4D97-AF65-F5344CB8AC3E}">
-        <p14:creationId xmlns:p14="http://schemas.microsoft.com/office/powerpoint/2010/main" val="2352176621"/>
+        <p14:creationId xmlns:p14="http://schemas.microsoft.com/office/powerpoint/2010/main" val="3322497496"/>
       </p:ext>
     </p:extLst>
   </p:cSld>
@@ -1543,118 +1563,64 @@
       </p:grpSpPr>
       <p:sp>
         <p:nvSpPr>
-          <p:cNvPr id="7" name="Rectangle 7">
-            <a:extLst>
-              <a:ext uri="{FF2B5EF4-FFF2-40B4-BE49-F238E27FC236}">
-                <a16:creationId xmlns:a16="http://schemas.microsoft.com/office/drawing/2014/main" id="{01F0A50A-1EEF-D043-8490-9F626DC7F347}"/>
-              </a:ext>
-            </a:extLst>
-          </p:cNvPr>
-          <p:cNvSpPr>
-            <a:spLocks noGrp="1" noChangeArrowheads="1"/>
+          <p:cNvPr id="2" name="Slide Image Placeholder 1"/>
+          <p:cNvSpPr>
+            <a:spLocks noGrp="1" noRot="1" noChangeAspect="1"/>
+          </p:cNvSpPr>
+          <p:nvPr>
+            <p:ph type="sldImg"/>
+          </p:nvPr>
+        </p:nvSpPr>
+        <p:spPr/>
+      </p:sp>
+      <p:sp>
+        <p:nvSpPr>
+          <p:cNvPr id="3" name="Notes Placeholder 2"/>
+          <p:cNvSpPr>
+            <a:spLocks noGrp="1"/>
+          </p:cNvSpPr>
+          <p:nvPr>
+            <p:ph type="body" idx="1"/>
+          </p:nvPr>
+        </p:nvSpPr>
+        <p:spPr/>
+        <p:txBody>
+          <a:bodyPr/>
+          <a:lstStyle/>
+          <a:p>
+            <a:endParaRPr lang="en-US" dirty="0"/>
+          </a:p>
+        </p:txBody>
+      </p:sp>
+      <p:sp>
+        <p:nvSpPr>
+          <p:cNvPr id="4" name="Slide Number Placeholder 3"/>
+          <p:cNvSpPr>
+            <a:spLocks noGrp="1"/>
           </p:cNvSpPr>
           <p:nvPr>
             <p:ph type="sldNum" sz="quarter" idx="5"/>
           </p:nvPr>
         </p:nvSpPr>
-        <p:spPr>
-          <a:ln/>
-        </p:spPr>
-        <p:txBody>
-          <a:bodyPr/>
-          <a:lstStyle/>
-          <a:p>
-            <a:fld id="{09DE6CDC-0C78-884C-B7A9-8076A6825522}" type="slidenum">
-              <a:rPr lang="en-US" altLang="en-US"/>
-              <a:pPr/>
-              <a:t>44</a:t>
+        <p:spPr/>
+        <p:txBody>
+          <a:bodyPr/>
+          <a:lstStyle/>
+          <a:p>
+            <a:fld id="{700E2BA0-6B8B-7A40-9298-7B14ED4552A5}" type="slidenum">
+              <a:rPr lang="en-US" smtClean="0"/>
+              <a:t>43</a:t>
             </a:fld>
-            <a:endParaRPr lang="en-US" altLang="en-US" dirty="0"/>
-          </a:p>
-        </p:txBody>
-      </p:sp>
-      <p:sp>
-        <p:nvSpPr>
-          <p:cNvPr id="109570" name="Rectangle 2">
-            <a:extLst>
-              <a:ext uri="{FF2B5EF4-FFF2-40B4-BE49-F238E27FC236}">
-                <a16:creationId xmlns:a16="http://schemas.microsoft.com/office/drawing/2014/main" id="{60C9A799-9C5D-6645-9827-E234D732637D}"/>
-              </a:ext>
-            </a:extLst>
-          </p:cNvPr>
-          <p:cNvSpPr>
-            <a:spLocks noGrp="1" noRot="1" noChangeAspect="1" noChangeArrowheads="1"/>
-          </p:cNvSpPr>
-          <p:nvPr>
-            <p:ph type="sldImg"/>
-          </p:nvPr>
-        </p:nvSpPr>
-        <p:spPr bwMode="auto">
-          <a:xfrm>
-            <a:off x="381000" y="685800"/>
-            <a:ext cx="6096000" cy="3429000"/>
-          </a:xfrm>
-          <a:prstGeom prst="rect">
-            <a:avLst/>
-          </a:prstGeom>
-          <a:solidFill>
-            <a:srgbClr val="FFFFFF"/>
-          </a:solidFill>
-          <a:ln>
-            <a:solidFill>
-              <a:srgbClr val="000000"/>
-            </a:solidFill>
-            <a:miter lim="800000"/>
-            <a:headEnd/>
-            <a:tailEnd/>
-          </a:ln>
-        </p:spPr>
-      </p:sp>
-      <p:sp>
-        <p:nvSpPr>
-          <p:cNvPr id="109571" name="Rectangle 3">
-            <a:extLst>
-              <a:ext uri="{FF2B5EF4-FFF2-40B4-BE49-F238E27FC236}">
-                <a16:creationId xmlns:a16="http://schemas.microsoft.com/office/drawing/2014/main" id="{6C1D94F5-66AD-E744-A0DD-41083E4F0581}"/>
-              </a:ext>
-            </a:extLst>
-          </p:cNvPr>
-          <p:cNvSpPr>
-            <a:spLocks noGrp="1" noChangeArrowheads="1"/>
-          </p:cNvSpPr>
-          <p:nvPr>
-            <p:ph type="body" idx="1"/>
-          </p:nvPr>
-        </p:nvSpPr>
-        <p:spPr bwMode="auto">
-          <a:xfrm>
-            <a:off x="914400" y="4343400"/>
-            <a:ext cx="5029200" cy="4114800"/>
-          </a:xfrm>
-          <a:prstGeom prst="rect">
-            <a:avLst/>
-          </a:prstGeom>
-          <a:solidFill>
-            <a:srgbClr val="FFFFFF"/>
-          </a:solidFill>
-          <a:ln>
-            <a:solidFill>
-              <a:srgbClr val="000000"/>
-            </a:solidFill>
-            <a:miter lim="800000"/>
-            <a:headEnd/>
-            <a:tailEnd/>
-          </a:ln>
-        </p:spPr>
-        <p:txBody>
-          <a:bodyPr/>
-          <a:lstStyle/>
-          <a:p>
-            <a:endParaRPr lang="en-US" altLang="en-US" dirty="0"/>
+            <a:endParaRPr lang="en-US" dirty="0"/>
           </a:p>
         </p:txBody>
       </p:sp>
     </p:spTree>
+    <p:extLst>
+      <p:ext uri="{BB962C8B-B14F-4D97-AF65-F5344CB8AC3E}">
+        <p14:creationId xmlns:p14="http://schemas.microsoft.com/office/powerpoint/2010/main" val="610728464"/>
+      </p:ext>
+    </p:extLst>
   </p:cSld>
   <p:clrMapOvr>
     <a:masterClrMapping/>
@@ -1706,6 +1672,144 @@
               <a:rPr lang="en-US" altLang="en-US"/>
               <a:pPr/>
               <a:t>45</a:t>
+            </a:fld>
+            <a:endParaRPr lang="en-US" altLang="en-US" dirty="0"/>
+          </a:p>
+        </p:txBody>
+      </p:sp>
+      <p:sp>
+        <p:nvSpPr>
+          <p:cNvPr id="109570" name="Rectangle 2">
+            <a:extLst>
+              <a:ext uri="{FF2B5EF4-FFF2-40B4-BE49-F238E27FC236}">
+                <a16:creationId xmlns:a16="http://schemas.microsoft.com/office/drawing/2014/main" id="{60C9A799-9C5D-6645-9827-E234D732637D}"/>
+              </a:ext>
+            </a:extLst>
+          </p:cNvPr>
+          <p:cNvSpPr>
+            <a:spLocks noGrp="1" noRot="1" noChangeAspect="1" noChangeArrowheads="1"/>
+          </p:cNvSpPr>
+          <p:nvPr>
+            <p:ph type="sldImg"/>
+          </p:nvPr>
+        </p:nvSpPr>
+        <p:spPr bwMode="auto">
+          <a:xfrm>
+            <a:off x="381000" y="685800"/>
+            <a:ext cx="6096000" cy="3429000"/>
+          </a:xfrm>
+          <a:prstGeom prst="rect">
+            <a:avLst/>
+          </a:prstGeom>
+          <a:solidFill>
+            <a:srgbClr val="FFFFFF"/>
+          </a:solidFill>
+          <a:ln>
+            <a:solidFill>
+              <a:srgbClr val="000000"/>
+            </a:solidFill>
+            <a:miter lim="800000"/>
+            <a:headEnd/>
+            <a:tailEnd/>
+          </a:ln>
+        </p:spPr>
+      </p:sp>
+      <p:sp>
+        <p:nvSpPr>
+          <p:cNvPr id="109571" name="Rectangle 3">
+            <a:extLst>
+              <a:ext uri="{FF2B5EF4-FFF2-40B4-BE49-F238E27FC236}">
+                <a16:creationId xmlns:a16="http://schemas.microsoft.com/office/drawing/2014/main" id="{6C1D94F5-66AD-E744-A0DD-41083E4F0581}"/>
+              </a:ext>
+            </a:extLst>
+          </p:cNvPr>
+          <p:cNvSpPr>
+            <a:spLocks noGrp="1" noChangeArrowheads="1"/>
+          </p:cNvSpPr>
+          <p:nvPr>
+            <p:ph type="body" idx="1"/>
+          </p:nvPr>
+        </p:nvSpPr>
+        <p:spPr bwMode="auto">
+          <a:xfrm>
+            <a:off x="914400" y="4343400"/>
+            <a:ext cx="5029200" cy="4114800"/>
+          </a:xfrm>
+          <a:prstGeom prst="rect">
+            <a:avLst/>
+          </a:prstGeom>
+          <a:solidFill>
+            <a:srgbClr val="FFFFFF"/>
+          </a:solidFill>
+          <a:ln>
+            <a:solidFill>
+              <a:srgbClr val="000000"/>
+            </a:solidFill>
+            <a:miter lim="800000"/>
+            <a:headEnd/>
+            <a:tailEnd/>
+          </a:ln>
+        </p:spPr>
+        <p:txBody>
+          <a:bodyPr/>
+          <a:lstStyle/>
+          <a:p>
+            <a:endParaRPr lang="en-US" altLang="en-US" dirty="0"/>
+          </a:p>
+        </p:txBody>
+      </p:sp>
+    </p:spTree>
+  </p:cSld>
+  <p:clrMapOvr>
+    <a:masterClrMapping/>
+  </p:clrMapOvr>
+</p:notes>
+</file>
+
+<file path=ppt/notesSlides/notesSlide22.xml><?xml version="1.0" encoding="utf-8"?>
+<p:notes xmlns:a="http://schemas.openxmlformats.org/drawingml/2006/main" xmlns:r="http://schemas.openxmlformats.org/officeDocument/2006/relationships" xmlns:p="http://schemas.openxmlformats.org/presentationml/2006/main">
+  <p:cSld>
+    <p:spTree>
+      <p:nvGrpSpPr>
+        <p:cNvPr id="1" name=""/>
+        <p:cNvGrpSpPr/>
+        <p:nvPr/>
+      </p:nvGrpSpPr>
+      <p:grpSpPr>
+        <a:xfrm>
+          <a:off x="0" y="0"/>
+          <a:ext cx="0" cy="0"/>
+          <a:chOff x="0" y="0"/>
+          <a:chExt cx="0" cy="0"/>
+        </a:xfrm>
+      </p:grpSpPr>
+      <p:sp>
+        <p:nvSpPr>
+          <p:cNvPr id="7" name="Rectangle 7">
+            <a:extLst>
+              <a:ext uri="{FF2B5EF4-FFF2-40B4-BE49-F238E27FC236}">
+                <a16:creationId xmlns:a16="http://schemas.microsoft.com/office/drawing/2014/main" id="{01F0A50A-1EEF-D043-8490-9F626DC7F347}"/>
+              </a:ext>
+            </a:extLst>
+          </p:cNvPr>
+          <p:cNvSpPr>
+            <a:spLocks noGrp="1" noChangeArrowheads="1"/>
+          </p:cNvSpPr>
+          <p:nvPr>
+            <p:ph type="sldNum" sz="quarter" idx="5"/>
+          </p:nvPr>
+        </p:nvSpPr>
+        <p:spPr>
+          <a:ln/>
+        </p:spPr>
+        <p:txBody>
+          <a:bodyPr/>
+          <a:lstStyle/>
+          <a:p>
+            <a:fld id="{09DE6CDC-0C78-884C-B7A9-8076A6825522}" type="slidenum">
+              <a:rPr lang="en-US" altLang="en-US"/>
+              <a:pPr/>
+              <a:t>46</a:t>
             </a:fld>
             <a:endParaRPr lang="en-US" altLang="en-US" dirty="0"/>
           </a:p>
@@ -1824,146 +1928,68 @@
       </p:grpSpPr>
       <p:sp>
         <p:nvSpPr>
-          <p:cNvPr id="7" name="Rectangle 7">
-            <a:extLst>
-              <a:ext uri="{FF2B5EF4-FFF2-40B4-BE49-F238E27FC236}">
-                <a16:creationId xmlns:a16="http://schemas.microsoft.com/office/drawing/2014/main" id="{FBEE7E19-6F11-4F46-A1FE-00FF719269DD}"/>
-              </a:ext>
-            </a:extLst>
-          </p:cNvPr>
-          <p:cNvSpPr>
-            <a:spLocks noGrp="1" noChangeArrowheads="1"/>
+          <p:cNvPr id="2" name="Slide Image Placeholder 1"/>
+          <p:cNvSpPr>
+            <a:spLocks noGrp="1" noRot="1" noChangeAspect="1"/>
+          </p:cNvSpPr>
+          <p:nvPr>
+            <p:ph type="sldImg"/>
+          </p:nvPr>
+        </p:nvSpPr>
+        <p:spPr/>
+      </p:sp>
+      <p:sp>
+        <p:nvSpPr>
+          <p:cNvPr id="3" name="Notes Placeholder 2"/>
+          <p:cNvSpPr>
+            <a:spLocks noGrp="1"/>
+          </p:cNvSpPr>
+          <p:nvPr>
+            <p:ph type="body" idx="1"/>
+          </p:nvPr>
+        </p:nvSpPr>
+        <p:spPr/>
+        <p:txBody>
+          <a:bodyPr/>
+          <a:lstStyle/>
+          <a:p>
+            <a:r>
+              <a:rPr lang="en-US" altLang="en-US" sz="1200" dirty="0"/>
+              <a:t> Margaliot, Zvi, Kevin C. Chung. “Systematic Reviews: A Primer for Plastic Surgery Research.” PRS Journal. 120/7 (2007) p.1840</a:t>
+            </a:r>
+            <a:endParaRPr lang="en-US" dirty="0"/>
+          </a:p>
+        </p:txBody>
+      </p:sp>
+      <p:sp>
+        <p:nvSpPr>
+          <p:cNvPr id="4" name="Slide Number Placeholder 3"/>
+          <p:cNvSpPr>
+            <a:spLocks noGrp="1"/>
           </p:cNvSpPr>
           <p:nvPr>
             <p:ph type="sldNum" sz="quarter" idx="5"/>
           </p:nvPr>
         </p:nvSpPr>
-        <p:spPr>
-          <a:ln/>
-        </p:spPr>
-        <p:txBody>
-          <a:bodyPr/>
-          <a:lstStyle/>
-          <a:p>
-            <a:fld id="{2BEA059A-45E9-2E46-9CE8-41304A7C6187}" type="slidenum">
-              <a:rPr lang="en-US" altLang="en-US"/>
-              <a:pPr/>
+        <p:spPr/>
+        <p:txBody>
+          <a:bodyPr/>
+          <a:lstStyle/>
+          <a:p>
+            <a:fld id="{700E2BA0-6B8B-7A40-9298-7B14ED4552A5}" type="slidenum">
+              <a:rPr lang="en-US" smtClean="0"/>
               <a:t>3</a:t>
             </a:fld>
-            <a:endParaRPr lang="en-US" altLang="en-US" dirty="0"/>
-          </a:p>
-        </p:txBody>
-      </p:sp>
-      <p:sp>
-        <p:nvSpPr>
-          <p:cNvPr id="66562" name="Rectangle 2">
-            <a:extLst>
-              <a:ext uri="{FF2B5EF4-FFF2-40B4-BE49-F238E27FC236}">
-                <a16:creationId xmlns:a16="http://schemas.microsoft.com/office/drawing/2014/main" id="{A77A778B-1F92-794D-8C8D-5BA967A22C3B}"/>
-              </a:ext>
-            </a:extLst>
-          </p:cNvPr>
-          <p:cNvSpPr>
-            <a:spLocks noGrp="1" noRot="1" noChangeAspect="1" noChangeArrowheads="1"/>
-          </p:cNvSpPr>
-          <p:nvPr>
-            <p:ph type="sldImg"/>
-          </p:nvPr>
-        </p:nvSpPr>
-        <p:spPr bwMode="auto">
-          <a:xfrm>
-            <a:off x="381000" y="685800"/>
-            <a:ext cx="6096000" cy="3429000"/>
-          </a:xfrm>
-          <a:prstGeom prst="rect">
-            <a:avLst/>
-          </a:prstGeom>
-          <a:solidFill>
-            <a:srgbClr val="FFFFFF"/>
-          </a:solidFill>
-          <a:ln>
-            <a:solidFill>
-              <a:srgbClr val="000000"/>
-            </a:solidFill>
-            <a:miter lim="800000"/>
-            <a:headEnd/>
-            <a:tailEnd/>
-          </a:ln>
-        </p:spPr>
-      </p:sp>
-      <p:sp>
-        <p:nvSpPr>
-          <p:cNvPr id="66563" name="Rectangle 3">
-            <a:extLst>
-              <a:ext uri="{FF2B5EF4-FFF2-40B4-BE49-F238E27FC236}">
-                <a16:creationId xmlns:a16="http://schemas.microsoft.com/office/drawing/2014/main" id="{B04F93FD-13EF-C447-9B48-18A0FAC7EAE2}"/>
-              </a:ext>
-            </a:extLst>
-          </p:cNvPr>
-          <p:cNvSpPr>
-            <a:spLocks noGrp="1" noChangeArrowheads="1"/>
-          </p:cNvSpPr>
-          <p:nvPr>
-            <p:ph type="body" idx="1"/>
-          </p:nvPr>
-        </p:nvSpPr>
-        <p:spPr bwMode="auto">
-          <a:xfrm>
-            <a:off x="914400" y="4343400"/>
-            <a:ext cx="5029200" cy="4114800"/>
-          </a:xfrm>
-          <a:prstGeom prst="rect">
-            <a:avLst/>
-          </a:prstGeom>
-          <a:solidFill>
-            <a:srgbClr val="FFFFFF"/>
-          </a:solidFill>
-          <a:ln>
-            <a:solidFill>
-              <a:srgbClr val="000000"/>
-            </a:solidFill>
-            <a:miter lim="800000"/>
-            <a:headEnd/>
-            <a:tailEnd/>
-          </a:ln>
-        </p:spPr>
-        <p:txBody>
-          <a:bodyPr/>
-          <a:lstStyle/>
-          <a:p>
-            <a:r>
-              <a:rPr lang="en-US" dirty="0"/>
-              <a:t>Research synthesis is a catch-all term for methods that we use to synthesize results from multiple studies</a:t>
-            </a:r>
-          </a:p>
-          <a:p>
             <a:endParaRPr lang="en-US" dirty="0"/>
           </a:p>
-          <a:p>
-            <a:r>
-              <a:rPr lang="en-US" dirty="0"/>
-              <a:t>Systematic reviews and meta-analyses are often placed at the top of frameworks for understanding the hierarchy of evidence. But, with great power comes great responsibility</a:t>
-            </a:r>
-          </a:p>
-          <a:p>
-            <a:endParaRPr lang="en-US" dirty="0"/>
-          </a:p>
-          <a:p>
-            <a:r>
-              <a:rPr lang="en-US" b="1" i="1" dirty="0"/>
-              <a:t>Remember</a:t>
-            </a:r>
-            <a:r>
-              <a:rPr lang="en-US" dirty="0"/>
-              <a:t>: Best practice changes over time</a:t>
-            </a:r>
-          </a:p>
-          <a:p>
-            <a:endParaRPr lang="en-US" altLang="en-US" dirty="0"/>
-          </a:p>
         </p:txBody>
       </p:sp>
     </p:spTree>
+    <p:extLst>
+      <p:ext uri="{BB962C8B-B14F-4D97-AF65-F5344CB8AC3E}">
+        <p14:creationId xmlns:p14="http://schemas.microsoft.com/office/powerpoint/2010/main" val="2352176621"/>
+      </p:ext>
+    </p:extLst>
   </p:cSld>
   <p:clrMapOvr>
     <a:masterClrMapping/>
@@ -1990,64 +2016,146 @@
       </p:grpSpPr>
       <p:sp>
         <p:nvSpPr>
-          <p:cNvPr id="2" name="Slide Image Placeholder 1"/>
-          <p:cNvSpPr>
-            <a:spLocks noGrp="1" noRot="1" noChangeAspect="1"/>
+          <p:cNvPr id="7" name="Rectangle 7">
+            <a:extLst>
+              <a:ext uri="{FF2B5EF4-FFF2-40B4-BE49-F238E27FC236}">
+                <a16:creationId xmlns:a16="http://schemas.microsoft.com/office/drawing/2014/main" id="{FBEE7E19-6F11-4F46-A1FE-00FF719269DD}"/>
+              </a:ext>
+            </a:extLst>
+          </p:cNvPr>
+          <p:cNvSpPr>
+            <a:spLocks noGrp="1" noChangeArrowheads="1"/>
+          </p:cNvSpPr>
+          <p:nvPr>
+            <p:ph type="sldNum" sz="quarter" idx="5"/>
+          </p:nvPr>
+        </p:nvSpPr>
+        <p:spPr>
+          <a:ln/>
+        </p:spPr>
+        <p:txBody>
+          <a:bodyPr/>
+          <a:lstStyle/>
+          <a:p>
+            <a:fld id="{2BEA059A-45E9-2E46-9CE8-41304A7C6187}" type="slidenum">
+              <a:rPr lang="en-US" altLang="en-US"/>
+              <a:pPr/>
+              <a:t>4</a:t>
+            </a:fld>
+            <a:endParaRPr lang="en-US" altLang="en-US" dirty="0"/>
+          </a:p>
+        </p:txBody>
+      </p:sp>
+      <p:sp>
+        <p:nvSpPr>
+          <p:cNvPr id="66562" name="Rectangle 2">
+            <a:extLst>
+              <a:ext uri="{FF2B5EF4-FFF2-40B4-BE49-F238E27FC236}">
+                <a16:creationId xmlns:a16="http://schemas.microsoft.com/office/drawing/2014/main" id="{A77A778B-1F92-794D-8C8D-5BA967A22C3B}"/>
+              </a:ext>
+            </a:extLst>
+          </p:cNvPr>
+          <p:cNvSpPr>
+            <a:spLocks noGrp="1" noRot="1" noChangeAspect="1" noChangeArrowheads="1"/>
           </p:cNvSpPr>
           <p:nvPr>
             <p:ph type="sldImg"/>
           </p:nvPr>
         </p:nvSpPr>
-        <p:spPr/>
-      </p:sp>
-      <p:sp>
-        <p:nvSpPr>
-          <p:cNvPr id="3" name="Notes Placeholder 2"/>
-          <p:cNvSpPr>
-            <a:spLocks noGrp="1"/>
+        <p:spPr bwMode="auto">
+          <a:xfrm>
+            <a:off x="381000" y="685800"/>
+            <a:ext cx="6096000" cy="3429000"/>
+          </a:xfrm>
+          <a:prstGeom prst="rect">
+            <a:avLst/>
+          </a:prstGeom>
+          <a:solidFill>
+            <a:srgbClr val="FFFFFF"/>
+          </a:solidFill>
+          <a:ln>
+            <a:solidFill>
+              <a:srgbClr val="000000"/>
+            </a:solidFill>
+            <a:miter lim="800000"/>
+            <a:headEnd/>
+            <a:tailEnd/>
+          </a:ln>
+        </p:spPr>
+      </p:sp>
+      <p:sp>
+        <p:nvSpPr>
+          <p:cNvPr id="66563" name="Rectangle 3">
+            <a:extLst>
+              <a:ext uri="{FF2B5EF4-FFF2-40B4-BE49-F238E27FC236}">
+                <a16:creationId xmlns:a16="http://schemas.microsoft.com/office/drawing/2014/main" id="{B04F93FD-13EF-C447-9B48-18A0FAC7EAE2}"/>
+              </a:ext>
+            </a:extLst>
+          </p:cNvPr>
+          <p:cNvSpPr>
+            <a:spLocks noGrp="1" noChangeArrowheads="1"/>
           </p:cNvSpPr>
           <p:nvPr>
             <p:ph type="body" idx="1"/>
           </p:nvPr>
         </p:nvSpPr>
-        <p:spPr/>
-        <p:txBody>
-          <a:bodyPr/>
-          <a:lstStyle/>
+        <p:spPr bwMode="auto">
+          <a:xfrm>
+            <a:off x="914400" y="4343400"/>
+            <a:ext cx="5029200" cy="4114800"/>
+          </a:xfrm>
+          <a:prstGeom prst="rect">
+            <a:avLst/>
+          </a:prstGeom>
+          <a:solidFill>
+            <a:srgbClr val="FFFFFF"/>
+          </a:solidFill>
+          <a:ln>
+            <a:solidFill>
+              <a:srgbClr val="000000"/>
+            </a:solidFill>
+            <a:miter lim="800000"/>
+            <a:headEnd/>
+            <a:tailEnd/>
+          </a:ln>
+        </p:spPr>
+        <p:txBody>
+          <a:bodyPr/>
+          <a:lstStyle/>
+          <a:p>
+            <a:r>
+              <a:rPr lang="en-US" dirty="0"/>
+              <a:t>Research synthesis is a catch-all term for methods that we use to synthesize results from multiple studies</a:t>
+            </a:r>
+          </a:p>
           <a:p>
             <a:endParaRPr lang="en-US" dirty="0"/>
           </a:p>
-        </p:txBody>
-      </p:sp>
-      <p:sp>
-        <p:nvSpPr>
-          <p:cNvPr id="4" name="Slide Number Placeholder 3"/>
-          <p:cNvSpPr>
-            <a:spLocks noGrp="1"/>
-          </p:cNvSpPr>
-          <p:nvPr>
-            <p:ph type="sldNum" sz="quarter" idx="5"/>
-          </p:nvPr>
-        </p:nvSpPr>
-        <p:spPr/>
-        <p:txBody>
-          <a:bodyPr/>
-          <a:lstStyle/>
-          <a:p>
-            <a:fld id="{700E2BA0-6B8B-7A40-9298-7B14ED4552A5}" type="slidenum">
-              <a:rPr lang="en-US" smtClean="0"/>
-              <a:t>13</a:t>
-            </a:fld>
+          <a:p>
+            <a:r>
+              <a:rPr lang="en-US" dirty="0"/>
+              <a:t>Systematic reviews and meta-analyses are often placed at the top of frameworks for understanding the hierarchy of evidence. But, with great power comes great responsibility</a:t>
+            </a:r>
+          </a:p>
+          <a:p>
             <a:endParaRPr lang="en-US" dirty="0"/>
           </a:p>
+          <a:p>
+            <a:r>
+              <a:rPr lang="en-US" b="1" i="1" dirty="0"/>
+              <a:t>Remember</a:t>
+            </a:r>
+            <a:r>
+              <a:rPr lang="en-US" dirty="0"/>
+              <a:t>: Best practice changes over time</a:t>
+            </a:r>
+          </a:p>
+          <a:p>
+            <a:endParaRPr lang="en-US" altLang="en-US" dirty="0"/>
+          </a:p>
         </p:txBody>
       </p:sp>
     </p:spTree>
-    <p:extLst>
-      <p:ext uri="{BB962C8B-B14F-4D97-AF65-F5344CB8AC3E}">
-        <p14:creationId xmlns:p14="http://schemas.microsoft.com/office/powerpoint/2010/main" val="4097312959"/>
-      </p:ext>
-    </p:extLst>
   </p:cSld>
   <p:clrMapOvr>
     <a:masterClrMapping/>
@@ -2129,7 +2237,7 @@
     </p:spTree>
     <p:extLst>
       <p:ext uri="{BB962C8B-B14F-4D97-AF65-F5344CB8AC3E}">
-        <p14:creationId xmlns:p14="http://schemas.microsoft.com/office/powerpoint/2010/main" val="1956549551"/>
+        <p14:creationId xmlns:p14="http://schemas.microsoft.com/office/powerpoint/2010/main" val="4097312959"/>
       </p:ext>
     </p:extLst>
   </p:cSld>
@@ -2213,7 +2321,7 @@
     </p:spTree>
     <p:extLst>
       <p:ext uri="{BB962C8B-B14F-4D97-AF65-F5344CB8AC3E}">
-        <p14:creationId xmlns:p14="http://schemas.microsoft.com/office/powerpoint/2010/main" val="2655920067"/>
+        <p14:creationId xmlns:p14="http://schemas.microsoft.com/office/powerpoint/2010/main" val="1956549551"/>
       </p:ext>
     </p:extLst>
   </p:cSld>
@@ -2297,7 +2405,7 @@
     </p:spTree>
     <p:extLst>
       <p:ext uri="{BB962C8B-B14F-4D97-AF65-F5344CB8AC3E}">
-        <p14:creationId xmlns:p14="http://schemas.microsoft.com/office/powerpoint/2010/main" val="3995954578"/>
+        <p14:creationId xmlns:p14="http://schemas.microsoft.com/office/powerpoint/2010/main" val="2655920067"/>
       </p:ext>
     </p:extLst>
   </p:cSld>
@@ -2351,44 +2459,7 @@
           <a:bodyPr/>
           <a:lstStyle/>
           <a:p>
-            <a:pPr marL="171450" indent="-171450">
-              <a:buFont typeface="Arial" panose="020B0604020202020204" pitchFamily="34" charset="0"/>
-              <a:buChar char="•"/>
-            </a:pPr>
-            <a:r>
-              <a:rPr lang="en-US" dirty="0"/>
-              <a:t>Depending on the scope of your analysis and the software you’re using you have a number of options</a:t>
-            </a:r>
-          </a:p>
-          <a:p>
-            <a:pPr marL="171450" indent="-171450">
-              <a:buFont typeface="Arial" panose="020B0604020202020204" pitchFamily="34" charset="0"/>
-              <a:buChar char="•"/>
-            </a:pPr>
-            <a:r>
-              <a:rPr lang="en-US" dirty="0"/>
-              <a:t>CMA (Comprehensive Meta-Analysis) allows direct entry of 100 different data formats</a:t>
-            </a:r>
-          </a:p>
-          <a:p>
-            <a:pPr marL="171450" indent="-171450">
-              <a:buFont typeface="Arial" panose="020B0604020202020204" pitchFamily="34" charset="0"/>
-              <a:buChar char="•"/>
-            </a:pPr>
-            <a:r>
-              <a:rPr lang="en-US" dirty="0"/>
-              <a:t>Online calculators can be used to hand calculate effect sizes using different data formats</a:t>
-            </a:r>
-          </a:p>
-          <a:p>
-            <a:pPr marL="171450" indent="-171450">
-              <a:buFont typeface="Arial" panose="020B0604020202020204" pitchFamily="34" charset="0"/>
-              <a:buChar char="•"/>
-            </a:pPr>
-            <a:r>
-              <a:rPr lang="en-US" dirty="0"/>
-              <a:t>R packages to compile effect sizes to prepare for analysis</a:t>
-            </a:r>
+            <a:endParaRPr lang="en-US" dirty="0"/>
           </a:p>
         </p:txBody>
       </p:sp>
@@ -2409,7 +2480,7 @@
           <a:p>
             <a:fld id="{700E2BA0-6B8B-7A40-9298-7B14ED4552A5}" type="slidenum">
               <a:rPr lang="en-US" smtClean="0"/>
-              <a:t>18</a:t>
+              <a:t>17</a:t>
             </a:fld>
             <a:endParaRPr lang="en-US" dirty="0"/>
           </a:p>
@@ -2418,7 +2489,7 @@
     </p:spTree>
     <p:extLst>
       <p:ext uri="{BB962C8B-B14F-4D97-AF65-F5344CB8AC3E}">
-        <p14:creationId xmlns:p14="http://schemas.microsoft.com/office/powerpoint/2010/main" val="2984545855"/>
+        <p14:creationId xmlns:p14="http://schemas.microsoft.com/office/powerpoint/2010/main" val="3995954578"/>
       </p:ext>
     </p:extLst>
   </p:cSld>
@@ -2472,7 +2543,44 @@
           <a:bodyPr/>
           <a:lstStyle/>
           <a:p>
-            <a:endParaRPr lang="en-US" dirty="0"/>
+            <a:pPr marL="171450" indent="-171450">
+              <a:buFont typeface="Arial" panose="020B0604020202020204" pitchFamily="34" charset="0"/>
+              <a:buChar char="•"/>
+            </a:pPr>
+            <a:r>
+              <a:rPr lang="en-US" dirty="0"/>
+              <a:t>Depending on the scope of your analysis and the software you’re using you have a number of options</a:t>
+            </a:r>
+          </a:p>
+          <a:p>
+            <a:pPr marL="171450" indent="-171450">
+              <a:buFont typeface="Arial" panose="020B0604020202020204" pitchFamily="34" charset="0"/>
+              <a:buChar char="•"/>
+            </a:pPr>
+            <a:r>
+              <a:rPr lang="en-US" dirty="0"/>
+              <a:t>CMA (Comprehensive Meta-Analysis) allows direct entry of 100 different data formats</a:t>
+            </a:r>
+          </a:p>
+          <a:p>
+            <a:pPr marL="171450" indent="-171450">
+              <a:buFont typeface="Arial" panose="020B0604020202020204" pitchFamily="34" charset="0"/>
+              <a:buChar char="•"/>
+            </a:pPr>
+            <a:r>
+              <a:rPr lang="en-US" dirty="0"/>
+              <a:t>Online calculators can be used to hand calculate effect sizes using different data formats</a:t>
+            </a:r>
+          </a:p>
+          <a:p>
+            <a:pPr marL="171450" indent="-171450">
+              <a:buFont typeface="Arial" panose="020B0604020202020204" pitchFamily="34" charset="0"/>
+              <a:buChar char="•"/>
+            </a:pPr>
+            <a:r>
+              <a:rPr lang="en-US" dirty="0"/>
+              <a:t>R packages to compile effect sizes to prepare for analysis</a:t>
+            </a:r>
           </a:p>
         </p:txBody>
       </p:sp>
@@ -2493,7 +2601,7 @@
           <a:p>
             <a:fld id="{700E2BA0-6B8B-7A40-9298-7B14ED4552A5}" type="slidenum">
               <a:rPr lang="en-US" smtClean="0"/>
-              <a:t>25</a:t>
+              <a:t>19</a:t>
             </a:fld>
             <a:endParaRPr lang="en-US" dirty="0"/>
           </a:p>
@@ -2502,7 +2610,7 @@
     </p:spTree>
     <p:extLst>
       <p:ext uri="{BB962C8B-B14F-4D97-AF65-F5344CB8AC3E}">
-        <p14:creationId xmlns:p14="http://schemas.microsoft.com/office/powerpoint/2010/main" val="3033674412"/>
+        <p14:creationId xmlns:p14="http://schemas.microsoft.com/office/powerpoint/2010/main" val="2984545855"/>
       </p:ext>
     </p:extLst>
   </p:cSld>
@@ -2659,7 +2767,7 @@
           <a:p>
             <a:fld id="{882305EE-6A36-7C4C-94C4-BF1BD503FB48}" type="datetime1">
               <a:rPr lang="en-US" smtClean="0"/>
-              <a:t>7/7/21</a:t>
+              <a:t>7/8/21</a:t>
             </a:fld>
             <a:endParaRPr lang="en-US" dirty="0"/>
           </a:p>
@@ -2857,7 +2965,7 @@
           <a:p>
             <a:fld id="{7B8D97BC-2C11-D04E-9FB4-CA43E73D4165}" type="datetime1">
               <a:rPr lang="en-US" smtClean="0"/>
-              <a:t>7/7/21</a:t>
+              <a:t>7/8/21</a:t>
             </a:fld>
             <a:endParaRPr lang="en-US" dirty="0"/>
           </a:p>
@@ -3065,7 +3173,7 @@
           <a:p>
             <a:fld id="{B19693CB-4D51-CF44-BB8A-F165A4C6B7C2}" type="datetime1">
               <a:rPr lang="en-US" smtClean="0"/>
-              <a:t>7/7/21</a:t>
+              <a:t>7/8/21</a:t>
             </a:fld>
             <a:endParaRPr lang="en-US" dirty="0"/>
           </a:p>
@@ -3346,7 +3454,7 @@
           <a:p>
             <a:fld id="{2AD8D147-05A5-DC49-A6BF-2956BB6C0A77}" type="datetime1">
               <a:rPr lang="en-US" smtClean="0"/>
-              <a:t>7/7/21</a:t>
+              <a:t>7/8/21</a:t>
             </a:fld>
             <a:endParaRPr lang="en-US" dirty="0"/>
           </a:p>
@@ -3621,7 +3729,7 @@
           <a:p>
             <a:fld id="{6E6C60BA-5027-BB4E-99BC-85C195A31C3F}" type="datetime1">
               <a:rPr lang="en-US" smtClean="0"/>
-              <a:t>7/7/21</a:t>
+              <a:t>7/8/21</a:t>
             </a:fld>
             <a:endParaRPr lang="en-US" dirty="0"/>
           </a:p>
@@ -3886,7 +3994,7 @@
           <a:p>
             <a:fld id="{F74ABD4E-54F2-B84B-B4A7-D70B28D9836B}" type="datetime1">
               <a:rPr lang="en-US" smtClean="0"/>
-              <a:t>7/7/21</a:t>
+              <a:t>7/8/21</a:t>
             </a:fld>
             <a:endParaRPr lang="en-US" dirty="0"/>
           </a:p>
@@ -4298,7 +4406,7 @@
           <a:p>
             <a:fld id="{9BB027DC-9843-D348-BFDF-AD2512046C58}" type="datetime1">
               <a:rPr lang="en-US" smtClean="0"/>
-              <a:t>7/7/21</a:t>
+              <a:t>7/8/21</a:t>
             </a:fld>
             <a:endParaRPr lang="en-US" dirty="0"/>
           </a:p>
@@ -4439,7 +4547,7 @@
           <a:p>
             <a:fld id="{E36E414B-8D67-9D42-8085-4D66FBC668FA}" type="datetime1">
               <a:rPr lang="en-US" smtClean="0"/>
-              <a:t>7/7/21</a:t>
+              <a:t>7/8/21</a:t>
             </a:fld>
             <a:endParaRPr lang="en-US" dirty="0"/>
           </a:p>
@@ -4552,7 +4660,7 @@
           <a:p>
             <a:fld id="{EAE97878-047D-A748-BFC8-17119C93BBE0}" type="datetime1">
               <a:rPr lang="en-US" smtClean="0"/>
-              <a:t>7/7/21</a:t>
+              <a:t>7/8/21</a:t>
             </a:fld>
             <a:endParaRPr lang="en-US" dirty="0"/>
           </a:p>
@@ -4863,7 +4971,7 @@
           <a:p>
             <a:fld id="{048AD450-09CF-6D48-903B-12A36168FA04}" type="datetime1">
               <a:rPr lang="en-US" smtClean="0"/>
-              <a:t>7/7/21</a:t>
+              <a:t>7/8/21</a:t>
             </a:fld>
             <a:endParaRPr lang="en-US" dirty="0"/>
           </a:p>
@@ -5151,7 +5259,7 @@
           <a:p>
             <a:fld id="{D3C1BAD5-5E0F-3742-A6B5-3D3EC38B5BA5}" type="datetime1">
               <a:rPr lang="en-US" smtClean="0"/>
-              <a:t>7/7/21</a:t>
+              <a:t>7/8/21</a:t>
             </a:fld>
             <a:endParaRPr lang="en-US" dirty="0"/>
           </a:p>
@@ -5392,7 +5500,7 @@
           <a:p>
             <a:fld id="{77073F9D-A6AA-9745-BEFC-C266D4D2AE94}" type="datetime1">
               <a:rPr lang="en-US" smtClean="0"/>
-              <a:t>7/7/21</a:t>
+              <a:t>7/8/21</a:t>
             </a:fld>
             <a:endParaRPr lang="en-US" dirty="0"/>
           </a:p>
@@ -5980,6 +6088,187 @@
           <a:p>
             <a:r>
               <a:rPr lang="en-AU" dirty="0"/>
+              <a:t>Data for odds ratios</a:t>
+            </a:r>
+          </a:p>
+        </p:txBody>
+      </p:sp>
+      <p:sp>
+        <p:nvSpPr>
+          <p:cNvPr id="3" name="Content Placeholder 2"/>
+          <p:cNvSpPr>
+            <a:spLocks noGrp="1"/>
+          </p:cNvSpPr>
+          <p:nvPr>
+            <p:ph idx="1"/>
+          </p:nvPr>
+        </p:nvSpPr>
+        <p:spPr/>
+        <p:txBody>
+          <a:bodyPr/>
+          <a:lstStyle/>
+          <a:p>
+            <a:r>
+              <a:rPr lang="en-AU" dirty="0"/>
+              <a:t>2 x 2 frequency table</a:t>
+            </a:r>
+          </a:p>
+          <a:p>
+            <a:r>
+              <a:rPr lang="en-AU" dirty="0"/>
+              <a:t>Odds ratio and confidence intervals</a:t>
+            </a:r>
+          </a:p>
+          <a:p>
+            <a:r>
+              <a:rPr lang="en-AU" dirty="0"/>
+              <a:t>Risk difference</a:t>
+            </a:r>
+          </a:p>
+          <a:p>
+            <a:r>
+              <a:rPr lang="en-AU" dirty="0"/>
+              <a:t>Risk ratio</a:t>
+            </a:r>
+          </a:p>
+          <a:p>
+            <a:r>
+              <a:rPr lang="en-AU" dirty="0"/>
+              <a:t>And much more…</a:t>
+            </a:r>
+          </a:p>
+          <a:p>
+            <a:endParaRPr lang="en-AU" dirty="0"/>
+          </a:p>
+          <a:p>
+            <a:endParaRPr lang="en-AU" dirty="0"/>
+          </a:p>
+          <a:p>
+            <a:pPr marL="0" indent="0">
+              <a:buNone/>
+            </a:pPr>
+            <a:endParaRPr lang="en-AU" dirty="0"/>
+          </a:p>
+        </p:txBody>
+      </p:sp>
+      <p:sp>
+        <p:nvSpPr>
+          <p:cNvPr id="4" name="TextBox 3">
+            <a:extLst>
+              <a:ext uri="{FF2B5EF4-FFF2-40B4-BE49-F238E27FC236}">
+                <a16:creationId xmlns:a16="http://schemas.microsoft.com/office/drawing/2014/main" id="{CB98F9BC-620F-5D44-9956-10D3A3D15964}"/>
+              </a:ext>
+            </a:extLst>
+          </p:cNvPr>
+          <p:cNvSpPr txBox="1"/>
+          <p:nvPr/>
+        </p:nvSpPr>
+        <p:spPr>
+          <a:xfrm>
+            <a:off x="695597" y="5988734"/>
+            <a:ext cx="10800806" cy="646331"/>
+          </a:xfrm>
+          <a:prstGeom prst="rect">
+            <a:avLst/>
+          </a:prstGeom>
+          <a:noFill/>
+        </p:spPr>
+        <p:txBody>
+          <a:bodyPr wrap="square" rtlCol="0">
+            <a:spAutoFit/>
+          </a:bodyPr>
+          <a:lstStyle/>
+          <a:p>
+            <a:r>
+              <a:rPr lang="en-US" dirty="0">
+                <a:solidFill>
+                  <a:schemeClr val="tx1">
+                    <a:lumMod val="50000"/>
+                    <a:lumOff val="50000"/>
+                  </a:schemeClr>
+                </a:solidFill>
+              </a:rPr>
+              <a:t>Meta-analyses involving odds ratios are very common in meta-analyses involving health and medicine outcomes, though less common in meta-analyses with social, behavioral, or educational outcomes.</a:t>
+            </a:r>
+          </a:p>
+        </p:txBody>
+      </p:sp>
+      <p:sp>
+        <p:nvSpPr>
+          <p:cNvPr id="5" name="Slide Number Placeholder 4">
+            <a:extLst>
+              <a:ext uri="{FF2B5EF4-FFF2-40B4-BE49-F238E27FC236}">
+                <a16:creationId xmlns:a16="http://schemas.microsoft.com/office/drawing/2014/main" id="{319DBEAF-88F8-284A-A5D1-32805AF0DFE0}"/>
+              </a:ext>
+            </a:extLst>
+          </p:cNvPr>
+          <p:cNvSpPr>
+            <a:spLocks noGrp="1"/>
+          </p:cNvSpPr>
+          <p:nvPr>
+            <p:ph type="sldNum" sz="quarter" idx="12"/>
+          </p:nvPr>
+        </p:nvSpPr>
+        <p:spPr/>
+        <p:txBody>
+          <a:bodyPr/>
+          <a:lstStyle/>
+          <a:p>
+            <a:fld id="{284273DD-104E-A841-819D-72454FA280E2}" type="slidenum">
+              <a:rPr lang="en-US" smtClean="0"/>
+              <a:t>9</a:t>
+            </a:fld>
+            <a:endParaRPr lang="en-US" dirty="0"/>
+          </a:p>
+        </p:txBody>
+      </p:sp>
+    </p:spTree>
+    <p:extLst>
+      <p:ext uri="{BB962C8B-B14F-4D97-AF65-F5344CB8AC3E}">
+        <p14:creationId xmlns:p14="http://schemas.microsoft.com/office/powerpoint/2010/main" val="2686632758"/>
+      </p:ext>
+    </p:extLst>
+  </p:cSld>
+  <p:clrMapOvr>
+    <a:masterClrMapping/>
+  </p:clrMapOvr>
+</p:sld>
+</file>
+
+<file path=ppt/slides/slide11.xml><?xml version="1.0" encoding="utf-8"?>
+<p:sld xmlns:a="http://schemas.openxmlformats.org/drawingml/2006/main" xmlns:r="http://schemas.openxmlformats.org/officeDocument/2006/relationships" xmlns:p="http://schemas.openxmlformats.org/presentationml/2006/main">
+  <p:cSld>
+    <p:spTree>
+      <p:nvGrpSpPr>
+        <p:cNvPr id="1" name=""/>
+        <p:cNvGrpSpPr/>
+        <p:nvPr/>
+      </p:nvGrpSpPr>
+      <p:grpSpPr>
+        <a:xfrm>
+          <a:off x="0" y="0"/>
+          <a:ext cx="0" cy="0"/>
+          <a:chOff x="0" y="0"/>
+          <a:chExt cx="0" cy="0"/>
+        </a:xfrm>
+      </p:grpSpPr>
+      <p:sp>
+        <p:nvSpPr>
+          <p:cNvPr id="2" name="Title 1"/>
+          <p:cNvSpPr>
+            <a:spLocks noGrp="1"/>
+          </p:cNvSpPr>
+          <p:nvPr>
+            <p:ph type="title"/>
+          </p:nvPr>
+        </p:nvSpPr>
+        <p:spPr/>
+        <p:txBody>
+          <a:bodyPr/>
+          <a:lstStyle/>
+          <a:p>
+            <a:r>
+              <a:rPr lang="en-AU" dirty="0"/>
               <a:t>Extracting effect sizes for meta-analysis</a:t>
             </a:r>
           </a:p>
@@ -6074,7 +6363,7 @@
           <a:p>
             <a:fld id="{284273DD-104E-A841-819D-72454FA280E2}" type="slidenum">
               <a:rPr lang="en-US" smtClean="0"/>
-              <a:t>9</a:t>
+              <a:t>10</a:t>
             </a:fld>
             <a:endParaRPr lang="en-US" dirty="0"/>
           </a:p>
@@ -6093,7 +6382,7 @@
 </p:sld>
 </file>
 
-<file path=ppt/slides/slide11.xml><?xml version="1.0" encoding="utf-8"?>
+<file path=ppt/slides/slide12.xml><?xml version="1.0" encoding="utf-8"?>
 <p:sld xmlns:a="http://schemas.openxmlformats.org/drawingml/2006/main" xmlns:r="http://schemas.openxmlformats.org/officeDocument/2006/relationships" xmlns:p="http://schemas.openxmlformats.org/presentationml/2006/main">
   <p:cSld>
     <p:spTree>
@@ -6732,7 +7021,7 @@
           <a:p>
             <a:fld id="{284273DD-104E-A841-819D-72454FA280E2}" type="slidenum">
               <a:rPr lang="en-US" smtClean="0"/>
-              <a:t>10</a:t>
+              <a:t>11</a:t>
             </a:fld>
             <a:endParaRPr lang="en-US" dirty="0"/>
           </a:p>
@@ -6751,7 +7040,7 @@
 </p:sld>
 </file>
 
-<file path=ppt/slides/slide12.xml><?xml version="1.0" encoding="utf-8"?>
+<file path=ppt/slides/slide13.xml><?xml version="1.0" encoding="utf-8"?>
 <p:sld xmlns:a="http://schemas.openxmlformats.org/drawingml/2006/main" xmlns:r="http://schemas.openxmlformats.org/officeDocument/2006/relationships" xmlns:p="http://schemas.openxmlformats.org/presentationml/2006/main">
   <p:cSld>
     <p:spTree>
@@ -7653,7 +7942,7 @@
           <a:p>
             <a:fld id="{284273DD-104E-A841-819D-72454FA280E2}" type="slidenum">
               <a:rPr lang="en-US" smtClean="0"/>
-              <a:t>11</a:t>
+              <a:t>12</a:t>
             </a:fld>
             <a:endParaRPr lang="en-US" dirty="0"/>
           </a:p>
@@ -7672,7 +7961,7 @@
 </p:sld>
 </file>
 
-<file path=ppt/slides/slide13.xml><?xml version="1.0" encoding="utf-8"?>
+<file path=ppt/slides/slide14.xml><?xml version="1.0" encoding="utf-8"?>
 <p:sld xmlns:a="http://schemas.openxmlformats.org/drawingml/2006/main" xmlns:r="http://schemas.openxmlformats.org/officeDocument/2006/relationships" xmlns:p="http://schemas.openxmlformats.org/presentationml/2006/main">
   <p:cSld>
     <p:spTree>
@@ -8454,7 +8743,7 @@
           <a:p>
             <a:fld id="{284273DD-104E-A841-819D-72454FA280E2}" type="slidenum">
               <a:rPr lang="en-US" smtClean="0"/>
-              <a:t>12</a:t>
+              <a:t>13</a:t>
             </a:fld>
             <a:endParaRPr lang="en-US" dirty="0"/>
           </a:p>
@@ -8464,179 +8753,6 @@
     <p:extLst>
       <p:ext uri="{BB962C8B-B14F-4D97-AF65-F5344CB8AC3E}">
         <p14:creationId xmlns:p14="http://schemas.microsoft.com/office/powerpoint/2010/main" val="1997031893"/>
-      </p:ext>
-    </p:extLst>
-  </p:cSld>
-  <p:clrMapOvr>
-    <a:masterClrMapping/>
-  </p:clrMapOvr>
-</p:sld>
-</file>
-
-<file path=ppt/slides/slide14.xml><?xml version="1.0" encoding="utf-8"?>
-<p:sld xmlns:a="http://schemas.openxmlformats.org/drawingml/2006/main" xmlns:r="http://schemas.openxmlformats.org/officeDocument/2006/relationships" xmlns:p="http://schemas.openxmlformats.org/presentationml/2006/main">
-  <p:cSld>
-    <p:spTree>
-      <p:nvGrpSpPr>
-        <p:cNvPr id="1" name=""/>
-        <p:cNvGrpSpPr/>
-        <p:nvPr/>
-      </p:nvGrpSpPr>
-      <p:grpSpPr>
-        <a:xfrm>
-          <a:off x="0" y="0"/>
-          <a:ext cx="0" cy="0"/>
-          <a:chOff x="0" y="0"/>
-          <a:chExt cx="0" cy="0"/>
-        </a:xfrm>
-      </p:grpSpPr>
-      <p:sp>
-        <p:nvSpPr>
-          <p:cNvPr id="2" name="Title 1">
-            <a:extLst>
-              <a:ext uri="{FF2B5EF4-FFF2-40B4-BE49-F238E27FC236}">
-                <a16:creationId xmlns:a16="http://schemas.microsoft.com/office/drawing/2014/main" id="{D62BDF71-27FC-1E4C-8F50-BE65A42CE678}"/>
-              </a:ext>
-            </a:extLst>
-          </p:cNvPr>
-          <p:cNvSpPr>
-            <a:spLocks noGrp="1"/>
-          </p:cNvSpPr>
-          <p:nvPr>
-            <p:ph type="title"/>
-          </p:nvPr>
-        </p:nvSpPr>
-        <p:spPr/>
-        <p:txBody>
-          <a:bodyPr/>
-          <a:lstStyle/>
-          <a:p>
-            <a:r>
-              <a:rPr lang="en-US" dirty="0"/>
-              <a:t>Activity 1: Data Extraction</a:t>
-            </a:r>
-          </a:p>
-        </p:txBody>
-      </p:sp>
-      <p:sp>
-        <p:nvSpPr>
-          <p:cNvPr id="11" name="Content Placeholder 10">
-            <a:extLst>
-              <a:ext uri="{FF2B5EF4-FFF2-40B4-BE49-F238E27FC236}">
-                <a16:creationId xmlns:a16="http://schemas.microsoft.com/office/drawing/2014/main" id="{41927FAB-67EE-444F-9E75-8A61DD6735EA}"/>
-              </a:ext>
-            </a:extLst>
-          </p:cNvPr>
-          <p:cNvSpPr>
-            <a:spLocks noGrp="1"/>
-          </p:cNvSpPr>
-          <p:nvPr>
-            <p:ph idx="1"/>
-          </p:nvPr>
-        </p:nvSpPr>
-        <p:spPr/>
-        <p:txBody>
-          <a:bodyPr>
-            <a:normAutofit/>
-          </a:bodyPr>
-          <a:lstStyle/>
-          <a:p>
-            <a:r>
-              <a:rPr lang="en-US" dirty="0"/>
-              <a:t>You are going to try extracting data yourself! </a:t>
-            </a:r>
-          </a:p>
-          <a:p>
-            <a:endParaRPr lang="en-US" dirty="0"/>
-          </a:p>
-          <a:p>
-            <a:r>
-              <a:rPr lang="en-US" dirty="0"/>
-              <a:t>Study Description:</a:t>
-            </a:r>
-          </a:p>
-          <a:p>
-            <a:pPr lvl="1"/>
-            <a:r>
-              <a:rPr lang="en-US" dirty="0"/>
-              <a:t>You are attempting to extract data for a meta-analysis that will determine an average effect size between executive functions (working memory/updating task-switching, and inhibitory control)and decoding (word reading/non-word reading), a foundational aspect of reading.</a:t>
-            </a:r>
-          </a:p>
-          <a:p>
-            <a:pPr lvl="1"/>
-            <a:endParaRPr lang="en-US" dirty="0"/>
-          </a:p>
-          <a:p>
-            <a:pPr lvl="1"/>
-            <a:r>
-              <a:rPr lang="en-US" dirty="0"/>
-              <a:t>You will need to extract at least one effect size from a study that meets the inclusion criteria.</a:t>
-            </a:r>
-          </a:p>
-        </p:txBody>
-      </p:sp>
-      <p:pic>
-        <p:nvPicPr>
-          <p:cNvPr id="12" name="Content Placeholder 7">
-            <a:extLst>
-              <a:ext uri="{FF2B5EF4-FFF2-40B4-BE49-F238E27FC236}">
-                <a16:creationId xmlns:a16="http://schemas.microsoft.com/office/drawing/2014/main" id="{C9BDC661-A53A-7F45-9933-E7A705D491F1}"/>
-              </a:ext>
-            </a:extLst>
-          </p:cNvPr>
-          <p:cNvPicPr>
-            <a:picLocks noChangeAspect="1"/>
-          </p:cNvPicPr>
-          <p:nvPr/>
-        </p:nvPicPr>
-        <p:blipFill rotWithShape="1">
-          <a:blip r:embed="rId3"/>
-          <a:srcRect t="15048" b="27913"/>
-          <a:stretch/>
-        </p:blipFill>
-        <p:spPr>
-          <a:xfrm>
-            <a:off x="9838591" y="230188"/>
-            <a:ext cx="2129866" cy="1214846"/>
-          </a:xfrm>
-          <a:prstGeom prst="rect">
-            <a:avLst/>
-          </a:prstGeom>
-        </p:spPr>
-      </p:pic>
-      <p:sp>
-        <p:nvSpPr>
-          <p:cNvPr id="3" name="Slide Number Placeholder 2">
-            <a:extLst>
-              <a:ext uri="{FF2B5EF4-FFF2-40B4-BE49-F238E27FC236}">
-                <a16:creationId xmlns:a16="http://schemas.microsoft.com/office/drawing/2014/main" id="{5931E6EE-345F-A540-9A91-033C14E9DFC8}"/>
-              </a:ext>
-            </a:extLst>
-          </p:cNvPr>
-          <p:cNvSpPr>
-            <a:spLocks noGrp="1"/>
-          </p:cNvSpPr>
-          <p:nvPr>
-            <p:ph type="sldNum" sz="quarter" idx="12"/>
-          </p:nvPr>
-        </p:nvSpPr>
-        <p:spPr/>
-        <p:txBody>
-          <a:bodyPr/>
-          <a:lstStyle/>
-          <a:p>
-            <a:fld id="{284273DD-104E-A841-819D-72454FA280E2}" type="slidenum">
-              <a:rPr lang="en-US" smtClean="0"/>
-              <a:t>13</a:t>
-            </a:fld>
-            <a:endParaRPr lang="en-US" dirty="0"/>
-          </a:p>
-        </p:txBody>
-      </p:sp>
-    </p:spTree>
-    <p:extLst>
-      <p:ext uri="{BB962C8B-B14F-4D97-AF65-F5344CB8AC3E}">
-        <p14:creationId xmlns:p14="http://schemas.microsoft.com/office/powerpoint/2010/main" val="3510565438"/>
       </p:ext>
     </p:extLst>
   </p:cSld>
@@ -8716,24 +8832,23 @@
           <a:p>
             <a:r>
               <a:rPr lang="en-US" dirty="0"/>
-              <a:t>Go to the URL here:</a:t>
+              <a:t>You are going to try extracting data yourself! </a:t>
+            </a:r>
+          </a:p>
+          <a:p>
+            <a:endParaRPr lang="en-US" dirty="0"/>
+          </a:p>
+          <a:p>
+            <a:r>
+              <a:rPr lang="en-US" dirty="0"/>
+              <a:t>Study Description:</a:t>
             </a:r>
           </a:p>
           <a:p>
             <a:pPr lvl="1"/>
             <a:r>
               <a:rPr lang="en-US" dirty="0"/>
-              <a:t>Open the GoogleForm: </a:t>
-            </a:r>
-            <a:r>
-              <a:rPr lang="en-US" dirty="0">
-                <a:hlinkClick r:id="rId3"/>
-              </a:rPr>
-              <a:t>https://forms.gle/479WBcH42EXiX2Hm6</a:t>
-            </a:r>
-            <a:r>
-              <a:rPr lang="en-US" dirty="0"/>
-              <a:t> </a:t>
+              <a:t>You are attempting to extract data for a meta-analysis that will determine an average effect size between executive functions (working memory/updating task-switching, and inhibitory control)and decoding (word reading/non-word reading), a foundational aspect of reading.</a:t>
             </a:r>
           </a:p>
           <a:p>
@@ -8744,28 +8859,7 @@
             <a:pPr lvl="1"/>
             <a:r>
               <a:rPr lang="en-US" dirty="0"/>
-              <a:t>Download Kieffer et al. (2013), find at least one effect size estimate, and enter that effect size and the accompanying information into the form</a:t>
-            </a:r>
-          </a:p>
-          <a:p>
-            <a:pPr lvl="1"/>
-            <a:endParaRPr lang="en-US" dirty="0"/>
-          </a:p>
-          <a:p>
-            <a:pPr lvl="1"/>
-            <a:r>
-              <a:rPr lang="en-US" dirty="0"/>
-              <a:t>When you are done, you should be able to view the responses here: </a:t>
-            </a:r>
-            <a:r>
-              <a:rPr lang="en-US" dirty="0">
-                <a:hlinkClick r:id="rId4"/>
-              </a:rPr>
-              <a:t>https://docs.google.com/spreadsheets/d/1uQ-RgROwNAboQvsaKgVkv02whsFDE4fdHE5eW-vv7WU/</a:t>
-            </a:r>
-            <a:r>
-              <a:rPr lang="en-US" dirty="0"/>
-              <a:t> </a:t>
+              <a:t>You will need to extract at least one effect size from a study that meets the inclusion criteria.</a:t>
             </a:r>
           </a:p>
         </p:txBody>
@@ -8785,13 +8879,13 @@
           <p:nvPr/>
         </p:nvPicPr>
         <p:blipFill rotWithShape="1">
-          <a:blip r:embed="rId5"/>
+          <a:blip r:embed="rId3"/>
           <a:srcRect t="15048" b="27913"/>
           <a:stretch/>
         </p:blipFill>
         <p:spPr>
           <a:xfrm>
-            <a:off x="9792478" y="230188"/>
+            <a:off x="9838591" y="230188"/>
             <a:ext cx="2129866" cy="1214846"/>
           </a:xfrm>
           <a:prstGeom prst="rect">
@@ -8801,112 +8895,10 @@
       </p:pic>
       <p:sp>
         <p:nvSpPr>
-          <p:cNvPr id="3" name="TextBox 2">
-            <a:extLst>
-              <a:ext uri="{FF2B5EF4-FFF2-40B4-BE49-F238E27FC236}">
-                <a16:creationId xmlns:a16="http://schemas.microsoft.com/office/drawing/2014/main" id="{32B02DE8-7334-2C48-BAB4-AC4C2FE7F0D5}"/>
-              </a:ext>
-            </a:extLst>
-          </p:cNvPr>
-          <p:cNvSpPr txBox="1"/>
-          <p:nvPr/>
-        </p:nvSpPr>
-        <p:spPr>
-          <a:xfrm>
-            <a:off x="838200" y="6104592"/>
-            <a:ext cx="10019211" cy="523220"/>
-          </a:xfrm>
-          <a:prstGeom prst="rect">
-            <a:avLst/>
-          </a:prstGeom>
-          <a:noFill/>
-        </p:spPr>
-        <p:txBody>
-          <a:bodyPr wrap="square" rtlCol="0">
-            <a:spAutoFit/>
-          </a:bodyPr>
-          <a:lstStyle/>
-          <a:p>
-            <a:r>
-              <a:rPr lang="en-US" sz="1400" dirty="0">
-                <a:solidFill>
-                  <a:schemeClr val="tx1">
-                    <a:lumMod val="50000"/>
-                    <a:lumOff val="50000"/>
-                  </a:schemeClr>
-                </a:solidFill>
-              </a:rPr>
-              <a:t>Kieffer, M. J., Vukovic, R. K., &amp; Berry, D. (2013). Roles of attention shifting and inhibitory control in fourth‐grade reading comprehension. </a:t>
-            </a:r>
-            <a:r>
-              <a:rPr lang="en-US" sz="1400" i="1" dirty="0">
-                <a:solidFill>
-                  <a:schemeClr val="tx1">
-                    <a:lumMod val="50000"/>
-                    <a:lumOff val="50000"/>
-                  </a:schemeClr>
-                </a:solidFill>
-              </a:rPr>
-              <a:t>Reading Research Quarterly</a:t>
-            </a:r>
-            <a:r>
-              <a:rPr lang="en-US" sz="1400" dirty="0">
-                <a:solidFill>
-                  <a:schemeClr val="tx1">
-                    <a:lumMod val="50000"/>
-                    <a:lumOff val="50000"/>
-                  </a:schemeClr>
-                </a:solidFill>
-              </a:rPr>
-              <a:t>, </a:t>
-            </a:r>
-            <a:r>
-              <a:rPr lang="en-US" sz="1400" i="1" dirty="0">
-                <a:solidFill>
-                  <a:schemeClr val="tx1">
-                    <a:lumMod val="50000"/>
-                    <a:lumOff val="50000"/>
-                  </a:schemeClr>
-                </a:solidFill>
-              </a:rPr>
-              <a:t>48</a:t>
-            </a:r>
-            <a:r>
-              <a:rPr lang="en-US" sz="1400" dirty="0">
-                <a:solidFill>
-                  <a:schemeClr val="tx1">
-                    <a:lumMod val="50000"/>
-                    <a:lumOff val="50000"/>
-                  </a:schemeClr>
-                </a:solidFill>
-              </a:rPr>
-              <a:t>(4), 333-348. </a:t>
-            </a:r>
-            <a:r>
-              <a:rPr lang="en-US" sz="1400" dirty="0">
-                <a:solidFill>
-                  <a:srgbClr val="0563C1"/>
-                </a:solidFill>
-              </a:rPr>
-              <a:t>https://doi.org/10.1002/rrq.54</a:t>
-            </a:r>
-            <a:endParaRPr lang="en-US" sz="1400" dirty="0">
-              <a:solidFill>
-                <a:schemeClr val="tx1">
-                  <a:lumMod val="50000"/>
-                  <a:lumOff val="50000"/>
-                </a:schemeClr>
-              </a:solidFill>
-            </a:endParaRPr>
-          </a:p>
-        </p:txBody>
-      </p:sp>
-      <p:sp>
-        <p:nvSpPr>
-          <p:cNvPr id="4" name="Slide Number Placeholder 3">
-            <a:extLst>
-              <a:ext uri="{FF2B5EF4-FFF2-40B4-BE49-F238E27FC236}">
-                <a16:creationId xmlns:a16="http://schemas.microsoft.com/office/drawing/2014/main" id="{E3D4B8E5-1A14-3740-B685-E9A79ED58C14}"/>
+          <p:cNvPr id="3" name="Slide Number Placeholder 2">
+            <a:extLst>
+              <a:ext uri="{FF2B5EF4-FFF2-40B4-BE49-F238E27FC236}">
+                <a16:creationId xmlns:a16="http://schemas.microsoft.com/office/drawing/2014/main" id="{5931E6EE-345F-A540-9A91-033C14E9DFC8}"/>
               </a:ext>
             </a:extLst>
           </p:cNvPr>
@@ -8933,7 +8925,7 @@
     </p:spTree>
     <p:extLst>
       <p:ext uri="{BB962C8B-B14F-4D97-AF65-F5344CB8AC3E}">
-        <p14:creationId xmlns:p14="http://schemas.microsoft.com/office/powerpoint/2010/main" val="3994740884"/>
+        <p14:creationId xmlns:p14="http://schemas.microsoft.com/office/powerpoint/2010/main" val="3510565438"/>
       </p:ext>
     </p:extLst>
   </p:cSld>
@@ -8965,7 +8957,7 @@
           <p:cNvPr id="2" name="Title 1">
             <a:extLst>
               <a:ext uri="{FF2B5EF4-FFF2-40B4-BE49-F238E27FC236}">
-                <a16:creationId xmlns:a16="http://schemas.microsoft.com/office/drawing/2014/main" id="{488C7550-4747-0246-95D6-DE315D846EA0}"/>
+                <a16:creationId xmlns:a16="http://schemas.microsoft.com/office/drawing/2014/main" id="{D62BDF71-27FC-1E4C-8F50-BE65A42CE678}"/>
               </a:ext>
             </a:extLst>
           </p:cNvPr>
@@ -8990,10 +8982,10 @@
       </p:sp>
       <p:sp>
         <p:nvSpPr>
-          <p:cNvPr id="3" name="Content Placeholder 2">
-            <a:extLst>
-              <a:ext uri="{FF2B5EF4-FFF2-40B4-BE49-F238E27FC236}">
-                <a16:creationId xmlns:a16="http://schemas.microsoft.com/office/drawing/2014/main" id="{D9891197-A392-2D4C-BE0C-F356C37B7123}"/>
+          <p:cNvPr id="11" name="Content Placeholder 10">
+            <a:extLst>
+              <a:ext uri="{FF2B5EF4-FFF2-40B4-BE49-F238E27FC236}">
+                <a16:creationId xmlns:a16="http://schemas.microsoft.com/office/drawing/2014/main" id="{41927FAB-67EE-444F-9E75-8A61DD6735EA}"/>
               </a:ext>
             </a:extLst>
           </p:cNvPr>
@@ -9006,45 +8998,73 @@
         </p:nvSpPr>
         <p:spPr/>
         <p:txBody>
-          <a:bodyPr/>
+          <a:bodyPr>
+            <a:normAutofit/>
+          </a:bodyPr>
           <a:lstStyle/>
           <a:p>
             <a:r>
               <a:rPr lang="en-US" dirty="0"/>
-              <a:t>The data is not so different than that which you might use for analysis</a:t>
-            </a:r>
-          </a:p>
-          <a:p>
+              <a:t>Go to the URL here:</a:t>
+            </a:r>
+          </a:p>
+          <a:p>
+            <a:pPr lvl="1"/>
+            <a:r>
+              <a:rPr lang="en-US" dirty="0"/>
+              <a:t>Open the GoogleForm: </a:t>
+            </a:r>
+            <a:r>
+              <a:rPr lang="en-US" dirty="0">
+                <a:hlinkClick r:id="rId3"/>
+              </a:rPr>
+              <a:t>https://forms.gle/479WBcH42EXiX2Hm6</a:t>
+            </a:r>
+            <a:r>
+              <a:rPr lang="en-US" dirty="0"/>
+              <a:t> </a:t>
+            </a:r>
+          </a:p>
+          <a:p>
+            <a:pPr lvl="1"/>
             <a:endParaRPr lang="en-US" dirty="0"/>
           </a:p>
           <a:p>
+            <a:pPr lvl="1"/>
             <a:r>
               <a:rPr lang="en-US" dirty="0"/>
-              <a:t>However,  several additional data preparation steps are necessary, including</a:t>
+              <a:t>Download Kieffer et al. (2013), find at least one effect size estimate, and enter that effect size and the accompanying information into the form</a:t>
             </a:r>
           </a:p>
           <a:p>
             <a:pPr lvl="1"/>
+            <a:endParaRPr lang="en-US" dirty="0"/>
+          </a:p>
+          <a:p>
+            <a:pPr lvl="1"/>
             <a:r>
               <a:rPr lang="en-US" dirty="0"/>
-              <a:t>Effect size conversion (typically Pearson r undergoes Fisher’s Z-transformation before analysis)</a:t>
-            </a:r>
-          </a:p>
-          <a:p>
-            <a:pPr lvl="1"/>
+              <a:t>When you are done, you should be able to view the responses here: </a:t>
+            </a:r>
+            <a:r>
+              <a:rPr lang="en-US" dirty="0">
+                <a:hlinkClick r:id="rId4"/>
+              </a:rPr>
+              <a:t>https://docs.google.com/spreadsheets/d/1uQ-RgROwNAboQvsaKgVkv02whsFDE4fdHE5eW-vv7WU/</a:t>
+            </a:r>
             <a:r>
               <a:rPr lang="en-US" dirty="0"/>
-              <a:t>Compilation of different effect sizes</a:t>
+              <a:t> </a:t>
             </a:r>
           </a:p>
         </p:txBody>
       </p:sp>
       <p:pic>
         <p:nvPicPr>
-          <p:cNvPr id="4" name="Content Placeholder 7">
-            <a:extLst>
-              <a:ext uri="{FF2B5EF4-FFF2-40B4-BE49-F238E27FC236}">
-                <a16:creationId xmlns:a16="http://schemas.microsoft.com/office/drawing/2014/main" id="{D2EBCB59-500F-4144-BB1D-AF00E97B5359}"/>
+          <p:cNvPr id="12" name="Content Placeholder 7">
+            <a:extLst>
+              <a:ext uri="{FF2B5EF4-FFF2-40B4-BE49-F238E27FC236}">
+                <a16:creationId xmlns:a16="http://schemas.microsoft.com/office/drawing/2014/main" id="{C9BDC661-A53A-7F45-9933-E7A705D491F1}"/>
               </a:ext>
             </a:extLst>
           </p:cNvPr>
@@ -9054,7 +9074,7 @@
           <p:nvPr/>
         </p:nvPicPr>
         <p:blipFill rotWithShape="1">
-          <a:blip r:embed="rId3"/>
+          <a:blip r:embed="rId5"/>
           <a:srcRect t="15048" b="27913"/>
           <a:stretch/>
         </p:blipFill>
@@ -9070,10 +9090,112 @@
       </p:pic>
       <p:sp>
         <p:nvSpPr>
-          <p:cNvPr id="5" name="Slide Number Placeholder 4">
-            <a:extLst>
-              <a:ext uri="{FF2B5EF4-FFF2-40B4-BE49-F238E27FC236}">
-                <a16:creationId xmlns:a16="http://schemas.microsoft.com/office/drawing/2014/main" id="{28DF54DC-207B-0549-9A98-3F1D5C62346A}"/>
+          <p:cNvPr id="3" name="TextBox 2">
+            <a:extLst>
+              <a:ext uri="{FF2B5EF4-FFF2-40B4-BE49-F238E27FC236}">
+                <a16:creationId xmlns:a16="http://schemas.microsoft.com/office/drawing/2014/main" id="{32B02DE8-7334-2C48-BAB4-AC4C2FE7F0D5}"/>
+              </a:ext>
+            </a:extLst>
+          </p:cNvPr>
+          <p:cNvSpPr txBox="1"/>
+          <p:nvPr/>
+        </p:nvSpPr>
+        <p:spPr>
+          <a:xfrm>
+            <a:off x="838200" y="6104592"/>
+            <a:ext cx="10019211" cy="523220"/>
+          </a:xfrm>
+          <a:prstGeom prst="rect">
+            <a:avLst/>
+          </a:prstGeom>
+          <a:noFill/>
+        </p:spPr>
+        <p:txBody>
+          <a:bodyPr wrap="square" rtlCol="0">
+            <a:spAutoFit/>
+          </a:bodyPr>
+          <a:lstStyle/>
+          <a:p>
+            <a:r>
+              <a:rPr lang="en-US" sz="1400" dirty="0">
+                <a:solidFill>
+                  <a:schemeClr val="tx1">
+                    <a:lumMod val="50000"/>
+                    <a:lumOff val="50000"/>
+                  </a:schemeClr>
+                </a:solidFill>
+              </a:rPr>
+              <a:t>Kieffer, M. J., Vukovic, R. K., &amp; Berry, D. (2013). Roles of attention shifting and inhibitory control in fourth‐grade reading comprehension. </a:t>
+            </a:r>
+            <a:r>
+              <a:rPr lang="en-US" sz="1400" i="1" dirty="0">
+                <a:solidFill>
+                  <a:schemeClr val="tx1">
+                    <a:lumMod val="50000"/>
+                    <a:lumOff val="50000"/>
+                  </a:schemeClr>
+                </a:solidFill>
+              </a:rPr>
+              <a:t>Reading Research Quarterly</a:t>
+            </a:r>
+            <a:r>
+              <a:rPr lang="en-US" sz="1400" dirty="0">
+                <a:solidFill>
+                  <a:schemeClr val="tx1">
+                    <a:lumMod val="50000"/>
+                    <a:lumOff val="50000"/>
+                  </a:schemeClr>
+                </a:solidFill>
+              </a:rPr>
+              <a:t>, </a:t>
+            </a:r>
+            <a:r>
+              <a:rPr lang="en-US" sz="1400" i="1" dirty="0">
+                <a:solidFill>
+                  <a:schemeClr val="tx1">
+                    <a:lumMod val="50000"/>
+                    <a:lumOff val="50000"/>
+                  </a:schemeClr>
+                </a:solidFill>
+              </a:rPr>
+              <a:t>48</a:t>
+            </a:r>
+            <a:r>
+              <a:rPr lang="en-US" sz="1400" dirty="0">
+                <a:solidFill>
+                  <a:schemeClr val="tx1">
+                    <a:lumMod val="50000"/>
+                    <a:lumOff val="50000"/>
+                  </a:schemeClr>
+                </a:solidFill>
+              </a:rPr>
+              <a:t>(4), 333-348. </a:t>
+            </a:r>
+            <a:r>
+              <a:rPr lang="en-US" sz="1400" dirty="0">
+                <a:solidFill>
+                  <a:srgbClr val="0563C1"/>
+                </a:solidFill>
+              </a:rPr>
+              <a:t>https://doi.org/10.1002/rrq.54</a:t>
+            </a:r>
+            <a:endParaRPr lang="en-US" sz="1400" dirty="0">
+              <a:solidFill>
+                <a:schemeClr val="tx1">
+                  <a:lumMod val="50000"/>
+                  <a:lumOff val="50000"/>
+                </a:schemeClr>
+              </a:solidFill>
+            </a:endParaRPr>
+          </a:p>
+        </p:txBody>
+      </p:sp>
+      <p:sp>
+        <p:nvSpPr>
+          <p:cNvPr id="4" name="Slide Number Placeholder 3">
+            <a:extLst>
+              <a:ext uri="{FF2B5EF4-FFF2-40B4-BE49-F238E27FC236}">
+                <a16:creationId xmlns:a16="http://schemas.microsoft.com/office/drawing/2014/main" id="{E3D4B8E5-1A14-3740-B685-E9A79ED58C14}"/>
               </a:ext>
             </a:extLst>
           </p:cNvPr>
@@ -9100,7 +9222,7 @@
     </p:spTree>
     <p:extLst>
       <p:ext uri="{BB962C8B-B14F-4D97-AF65-F5344CB8AC3E}">
-        <p14:creationId xmlns:p14="http://schemas.microsoft.com/office/powerpoint/2010/main" val="1574987870"/>
+        <p14:creationId xmlns:p14="http://schemas.microsoft.com/office/powerpoint/2010/main" val="3994740884"/>
       </p:ext>
     </p:extLst>
   </p:cSld>
@@ -9129,7 +9251,13 @@
       </p:grpSpPr>
       <p:sp>
         <p:nvSpPr>
-          <p:cNvPr id="2" name="Title 1"/>
+          <p:cNvPr id="2" name="Title 1">
+            <a:extLst>
+              <a:ext uri="{FF2B5EF4-FFF2-40B4-BE49-F238E27FC236}">
+                <a16:creationId xmlns:a16="http://schemas.microsoft.com/office/drawing/2014/main" id="{488C7550-4747-0246-95D6-DE315D846EA0}"/>
+              </a:ext>
+            </a:extLst>
+          </p:cNvPr>
           <p:cNvSpPr>
             <a:spLocks noGrp="1"/>
           </p:cNvSpPr>
@@ -9143,15 +9271,21 @@
           <a:lstStyle/>
           <a:p>
             <a:r>
-              <a:rPr lang="en-AU" dirty="0"/>
-              <a:t>Compiling effect sizes: Challenges</a:t>
-            </a:r>
-          </a:p>
-        </p:txBody>
-      </p:sp>
-      <p:sp>
-        <p:nvSpPr>
-          <p:cNvPr id="5" name="Content Placeholder 4"/>
+              <a:rPr lang="en-US" dirty="0"/>
+              <a:t>Activity 1: Data Extraction</a:t>
+            </a:r>
+          </a:p>
+        </p:txBody>
+      </p:sp>
+      <p:sp>
+        <p:nvSpPr>
+          <p:cNvPr id="3" name="Content Placeholder 2">
+            <a:extLst>
+              <a:ext uri="{FF2B5EF4-FFF2-40B4-BE49-F238E27FC236}">
+                <a16:creationId xmlns:a16="http://schemas.microsoft.com/office/drawing/2014/main" id="{D9891197-A392-2D4C-BE0C-F356C37B7123}"/>
+              </a:ext>
+            </a:extLst>
+          </p:cNvPr>
           <p:cNvSpPr>
             <a:spLocks noGrp="1"/>
           </p:cNvSpPr>
@@ -9165,59 +9299,70 @@
           <a:lstStyle/>
           <a:p>
             <a:r>
-              <a:rPr lang="en-AU" dirty="0"/>
-              <a:t>In the perfect world all studies are well described. Sadly, this is often not the case.</a:t>
-            </a:r>
-          </a:p>
-          <a:p>
-            <a:endParaRPr lang="en-AU" sz="2200" dirty="0"/>
-          </a:p>
-          <a:p>
-            <a:r>
-              <a:rPr lang="en-AU" dirty="0"/>
-              <a:t>Studies commonly do not report information in the format that you would find most helpful</a:t>
+              <a:rPr lang="en-US" dirty="0"/>
+              <a:t>The data is not so different than that which you might use for analysis</a:t>
+            </a:r>
+          </a:p>
+          <a:p>
+            <a:endParaRPr lang="en-US" dirty="0"/>
+          </a:p>
+          <a:p>
+            <a:r>
+              <a:rPr lang="en-US" dirty="0"/>
+              <a:t>However,  several additional data preparation steps are necessary, including</a:t>
             </a:r>
           </a:p>
           <a:p>
             <a:pPr lvl="1"/>
             <a:r>
-              <a:rPr lang="en-AU" dirty="0"/>
-              <a:t>Even after trying to extract maximal data from all studies you’ll often need to contact authors</a:t>
+              <a:rPr lang="en-US" dirty="0"/>
+              <a:t>Effect size conversion (typically Pearson r undergoes Fisher’s Z-transformation before analysis)</a:t>
             </a:r>
           </a:p>
           <a:p>
             <a:pPr lvl="1"/>
-            <a:endParaRPr lang="en-AU" dirty="0"/>
-          </a:p>
-          <a:p>
-            <a:pPr lvl="1"/>
-            <a:r>
-              <a:rPr lang="en-AU" dirty="0"/>
-              <a:t>You may also need to use a number of formulas* different to calculate effect sizes based on the information provided</a:t>
-            </a:r>
-          </a:p>
-          <a:p>
-            <a:pPr lvl="1"/>
-            <a:endParaRPr lang="en-AU" dirty="0"/>
-          </a:p>
-          <a:p>
-            <a:pPr marL="457200" lvl="1" indent="0">
-              <a:buNone/>
-            </a:pPr>
-            <a:endParaRPr lang="en-AU" dirty="0"/>
-          </a:p>
-          <a:p>
-            <a:pPr lvl="1"/>
-            <a:endParaRPr lang="en-AU" dirty="0"/>
-          </a:p>
-        </p:txBody>
-      </p:sp>
-      <p:sp>
-        <p:nvSpPr>
-          <p:cNvPr id="3" name="Slide Number Placeholder 2">
-            <a:extLst>
-              <a:ext uri="{FF2B5EF4-FFF2-40B4-BE49-F238E27FC236}">
-                <a16:creationId xmlns:a16="http://schemas.microsoft.com/office/drawing/2014/main" id="{1687EBE1-33E7-B545-9944-CCC5ADB97E44}"/>
+            <a:r>
+              <a:rPr lang="en-US" dirty="0"/>
+              <a:t>Compilation of different effect sizes</a:t>
+            </a:r>
+          </a:p>
+        </p:txBody>
+      </p:sp>
+      <p:pic>
+        <p:nvPicPr>
+          <p:cNvPr id="4" name="Content Placeholder 7">
+            <a:extLst>
+              <a:ext uri="{FF2B5EF4-FFF2-40B4-BE49-F238E27FC236}">
+                <a16:creationId xmlns:a16="http://schemas.microsoft.com/office/drawing/2014/main" id="{D2EBCB59-500F-4144-BB1D-AF00E97B5359}"/>
+              </a:ext>
+            </a:extLst>
+          </p:cNvPr>
+          <p:cNvPicPr>
+            <a:picLocks noChangeAspect="1"/>
+          </p:cNvPicPr>
+          <p:nvPr/>
+        </p:nvPicPr>
+        <p:blipFill rotWithShape="1">
+          <a:blip r:embed="rId3"/>
+          <a:srcRect t="15048" b="27913"/>
+          <a:stretch/>
+        </p:blipFill>
+        <p:spPr>
+          <a:xfrm>
+            <a:off x="9792478" y="230188"/>
+            <a:ext cx="2129866" cy="1214846"/>
+          </a:xfrm>
+          <a:prstGeom prst="rect">
+            <a:avLst/>
+          </a:prstGeom>
+        </p:spPr>
+      </p:pic>
+      <p:sp>
+        <p:nvSpPr>
+          <p:cNvPr id="5" name="Slide Number Placeholder 4">
+            <a:extLst>
+              <a:ext uri="{FF2B5EF4-FFF2-40B4-BE49-F238E27FC236}">
+                <a16:creationId xmlns:a16="http://schemas.microsoft.com/office/drawing/2014/main" id="{28DF54DC-207B-0549-9A98-3F1D5C62346A}"/>
               </a:ext>
             </a:extLst>
           </p:cNvPr>
@@ -9241,150 +9386,10 @@
           </a:p>
         </p:txBody>
       </p:sp>
-      <p:sp>
-        <p:nvSpPr>
-          <p:cNvPr id="4" name="TextBox 3">
-            <a:extLst>
-              <a:ext uri="{FF2B5EF4-FFF2-40B4-BE49-F238E27FC236}">
-                <a16:creationId xmlns:a16="http://schemas.microsoft.com/office/drawing/2014/main" id="{385876B1-08B6-214F-9CA2-52355D1C13F5}"/>
-              </a:ext>
-            </a:extLst>
-          </p:cNvPr>
-          <p:cNvSpPr txBox="1"/>
-          <p:nvPr/>
-        </p:nvSpPr>
-        <p:spPr>
-          <a:xfrm>
-            <a:off x="609600" y="6176963"/>
-            <a:ext cx="10344150" cy="584775"/>
-          </a:xfrm>
-          <a:prstGeom prst="rect">
-            <a:avLst/>
-          </a:prstGeom>
-          <a:noFill/>
-        </p:spPr>
-        <p:txBody>
-          <a:bodyPr wrap="square" rtlCol="0">
-            <a:spAutoFit/>
-          </a:bodyPr>
-          <a:lstStyle/>
-          <a:p>
-            <a:r>
-              <a:rPr lang="en-US" sz="1600" i="1" dirty="0">
-                <a:solidFill>
-                  <a:schemeClr val="tx1">
-                    <a:lumMod val="50000"/>
-                    <a:lumOff val="50000"/>
-                  </a:schemeClr>
-                </a:solidFill>
-              </a:rPr>
-              <a:t>* Useful article with formulas for doing this: </a:t>
-            </a:r>
-            <a:r>
-              <a:rPr lang="en-US" sz="1600" dirty="0" err="1">
-                <a:solidFill>
-                  <a:schemeClr val="tx1">
-                    <a:lumMod val="50000"/>
-                    <a:lumOff val="50000"/>
-                  </a:schemeClr>
-                </a:solidFill>
-              </a:rPr>
-              <a:t>Polanin</a:t>
-            </a:r>
-            <a:r>
-              <a:rPr lang="en-US" sz="1600" dirty="0">
-                <a:solidFill>
-                  <a:schemeClr val="tx1">
-                    <a:lumMod val="50000"/>
-                    <a:lumOff val="50000"/>
-                  </a:schemeClr>
-                </a:solidFill>
-              </a:rPr>
-              <a:t>, J. R., &amp; </a:t>
-            </a:r>
-            <a:r>
-              <a:rPr lang="en-US" sz="1600" dirty="0" err="1">
-                <a:solidFill>
-                  <a:schemeClr val="tx1">
-                    <a:lumMod val="50000"/>
-                    <a:lumOff val="50000"/>
-                  </a:schemeClr>
-                </a:solidFill>
-              </a:rPr>
-              <a:t>Snilstveit</a:t>
-            </a:r>
-            <a:r>
-              <a:rPr lang="en-US" sz="1600" dirty="0">
-                <a:solidFill>
-                  <a:schemeClr val="tx1">
-                    <a:lumMod val="50000"/>
-                    <a:lumOff val="50000"/>
-                  </a:schemeClr>
-                </a:solidFill>
-              </a:rPr>
-              <a:t>, B. (2016). Converting between effect sizes. </a:t>
-            </a:r>
-            <a:r>
-              <a:rPr lang="en-US" sz="1600" i="1" dirty="0">
-                <a:solidFill>
-                  <a:schemeClr val="tx1">
-                    <a:lumMod val="50000"/>
-                    <a:lumOff val="50000"/>
-                  </a:schemeClr>
-                </a:solidFill>
-              </a:rPr>
-              <a:t>Campbell Systematic Reviews</a:t>
-            </a:r>
-            <a:r>
-              <a:rPr lang="en-US" sz="1600" dirty="0">
-                <a:solidFill>
-                  <a:schemeClr val="tx1">
-                    <a:lumMod val="50000"/>
-                    <a:lumOff val="50000"/>
-                  </a:schemeClr>
-                </a:solidFill>
-              </a:rPr>
-              <a:t>, 12(1), 1-13. </a:t>
-            </a:r>
-            <a:r>
-              <a:rPr lang="en-US" sz="1600" dirty="0">
-                <a:solidFill>
-                  <a:srgbClr val="0563C1"/>
-                </a:solidFill>
-                <a:hlinkClick r:id="rId3"/>
-              </a:rPr>
-              <a:t>https://doi.org/10.4073/cmpn.</a:t>
-            </a:r>
-            <a:r>
-              <a:rPr lang="en-US" sz="1600" dirty="0">
-                <a:solidFill>
-                  <a:schemeClr val="tx1">
-                    <a:lumMod val="50000"/>
-                    <a:lumOff val="50000"/>
-                  </a:schemeClr>
-                </a:solidFill>
-                <a:hlinkClick r:id="rId3"/>
-              </a:rPr>
-              <a:t>2016.3</a:t>
-            </a:r>
-            <a:r>
-              <a:rPr lang="en-US" sz="1600" dirty="0">
-                <a:solidFill>
-                  <a:schemeClr val="tx1">
-                    <a:lumMod val="50000"/>
-                    <a:lumOff val="50000"/>
-                  </a:schemeClr>
-                </a:solidFill>
-              </a:rPr>
-              <a:t>  </a:t>
-            </a:r>
-          </a:p>
-        </p:txBody>
-      </p:sp>
     </p:spTree>
     <p:extLst>
       <p:ext uri="{BB962C8B-B14F-4D97-AF65-F5344CB8AC3E}">
-        <p14:creationId xmlns:p14="http://schemas.microsoft.com/office/powerpoint/2010/main" val="2181781499"/>
+        <p14:creationId xmlns:p14="http://schemas.microsoft.com/office/powerpoint/2010/main" val="1574987870"/>
       </p:ext>
     </p:extLst>
   </p:cSld>
@@ -9450,22 +9455,38 @@
           <a:p>
             <a:r>
               <a:rPr lang="en-AU" dirty="0"/>
-              <a:t>It is especially important to use best practice to report how you extracted effect sizes when studies are not perfectly reported. </a:t>
-            </a:r>
-          </a:p>
-          <a:p>
+              <a:t>In the perfect world all studies are well described. Sadly, this is often not the case.</a:t>
+            </a:r>
+          </a:p>
+          <a:p>
+            <a:endParaRPr lang="en-AU" sz="2200" dirty="0"/>
+          </a:p>
+          <a:p>
+            <a:r>
+              <a:rPr lang="en-AU" dirty="0"/>
+              <a:t>Studies commonly do not report information in the format that you would find most helpful</a:t>
+            </a:r>
+          </a:p>
+          <a:p>
+            <a:pPr lvl="1"/>
+            <a:r>
+              <a:rPr lang="en-AU" dirty="0"/>
+              <a:t>Even after trying to extract maximal data from all studies you’ll often need to contact authors</a:t>
+            </a:r>
+          </a:p>
+          <a:p>
+            <a:pPr lvl="1"/>
             <a:endParaRPr lang="en-AU" dirty="0"/>
           </a:p>
           <a:p>
+            <a:pPr lvl="1"/>
             <a:r>
               <a:rPr lang="en-AU" dirty="0"/>
-              <a:t>You will (often) need to make assumptions when extracting data and it must be clear to readers (and future you) what those were so your meta-analysis can be replicated</a:t>
-            </a:r>
-          </a:p>
-          <a:p>
-            <a:endParaRPr lang="en-AU" dirty="0"/>
-          </a:p>
-          <a:p>
+              <a:t>You may also need to use a number of formulas* different to calculate effect sizes based on the information provided</a:t>
+            </a:r>
+          </a:p>
+          <a:p>
+            <a:pPr lvl="1"/>
             <a:endParaRPr lang="en-AU" dirty="0"/>
           </a:p>
           <a:p>
@@ -9485,7 +9506,7 @@
           <p:cNvPr id="3" name="Slide Number Placeholder 2">
             <a:extLst>
               <a:ext uri="{FF2B5EF4-FFF2-40B4-BE49-F238E27FC236}">
-                <a16:creationId xmlns:a16="http://schemas.microsoft.com/office/drawing/2014/main" id="{29A66E5E-EFE6-654C-A4F6-69D3E67858DD}"/>
+                <a16:creationId xmlns:a16="http://schemas.microsoft.com/office/drawing/2014/main" id="{1687EBE1-33E7-B545-9944-CCC5ADB97E44}"/>
               </a:ext>
             </a:extLst>
           </p:cNvPr>
@@ -9509,10 +9530,150 @@
           </a:p>
         </p:txBody>
       </p:sp>
+      <p:sp>
+        <p:nvSpPr>
+          <p:cNvPr id="4" name="TextBox 3">
+            <a:extLst>
+              <a:ext uri="{FF2B5EF4-FFF2-40B4-BE49-F238E27FC236}">
+                <a16:creationId xmlns:a16="http://schemas.microsoft.com/office/drawing/2014/main" id="{385876B1-08B6-214F-9CA2-52355D1C13F5}"/>
+              </a:ext>
+            </a:extLst>
+          </p:cNvPr>
+          <p:cNvSpPr txBox="1"/>
+          <p:nvPr/>
+        </p:nvSpPr>
+        <p:spPr>
+          <a:xfrm>
+            <a:off x="609600" y="6176963"/>
+            <a:ext cx="10344150" cy="584775"/>
+          </a:xfrm>
+          <a:prstGeom prst="rect">
+            <a:avLst/>
+          </a:prstGeom>
+          <a:noFill/>
+        </p:spPr>
+        <p:txBody>
+          <a:bodyPr wrap="square" rtlCol="0">
+            <a:spAutoFit/>
+          </a:bodyPr>
+          <a:lstStyle/>
+          <a:p>
+            <a:r>
+              <a:rPr lang="en-US" sz="1600" i="1" dirty="0">
+                <a:solidFill>
+                  <a:schemeClr val="tx1">
+                    <a:lumMod val="50000"/>
+                    <a:lumOff val="50000"/>
+                  </a:schemeClr>
+                </a:solidFill>
+              </a:rPr>
+              <a:t>* Useful article with formulas for doing this: </a:t>
+            </a:r>
+            <a:r>
+              <a:rPr lang="en-US" sz="1600" dirty="0" err="1">
+                <a:solidFill>
+                  <a:schemeClr val="tx1">
+                    <a:lumMod val="50000"/>
+                    <a:lumOff val="50000"/>
+                  </a:schemeClr>
+                </a:solidFill>
+              </a:rPr>
+              <a:t>Polanin</a:t>
+            </a:r>
+            <a:r>
+              <a:rPr lang="en-US" sz="1600" dirty="0">
+                <a:solidFill>
+                  <a:schemeClr val="tx1">
+                    <a:lumMod val="50000"/>
+                    <a:lumOff val="50000"/>
+                  </a:schemeClr>
+                </a:solidFill>
+              </a:rPr>
+              <a:t>, J. R., &amp; </a:t>
+            </a:r>
+            <a:r>
+              <a:rPr lang="en-US" sz="1600" dirty="0" err="1">
+                <a:solidFill>
+                  <a:schemeClr val="tx1">
+                    <a:lumMod val="50000"/>
+                    <a:lumOff val="50000"/>
+                  </a:schemeClr>
+                </a:solidFill>
+              </a:rPr>
+              <a:t>Snilstveit</a:t>
+            </a:r>
+            <a:r>
+              <a:rPr lang="en-US" sz="1600" dirty="0">
+                <a:solidFill>
+                  <a:schemeClr val="tx1">
+                    <a:lumMod val="50000"/>
+                    <a:lumOff val="50000"/>
+                  </a:schemeClr>
+                </a:solidFill>
+              </a:rPr>
+              <a:t>, B. (2016). Converting between effect sizes. </a:t>
+            </a:r>
+            <a:r>
+              <a:rPr lang="en-US" sz="1600" i="1" dirty="0">
+                <a:solidFill>
+                  <a:schemeClr val="tx1">
+                    <a:lumMod val="50000"/>
+                    <a:lumOff val="50000"/>
+                  </a:schemeClr>
+                </a:solidFill>
+              </a:rPr>
+              <a:t>Campbell Systematic Reviews</a:t>
+            </a:r>
+            <a:r>
+              <a:rPr lang="en-US" sz="1600" dirty="0">
+                <a:solidFill>
+                  <a:schemeClr val="tx1">
+                    <a:lumMod val="50000"/>
+                    <a:lumOff val="50000"/>
+                  </a:schemeClr>
+                </a:solidFill>
+              </a:rPr>
+              <a:t>, 12(1), 1-13. </a:t>
+            </a:r>
+            <a:r>
+              <a:rPr lang="en-US" sz="1600" dirty="0">
+                <a:solidFill>
+                  <a:srgbClr val="0563C1"/>
+                </a:solidFill>
+                <a:hlinkClick r:id="rId3"/>
+              </a:rPr>
+              <a:t>https://doi.org/10.4073/cmpn.</a:t>
+            </a:r>
+            <a:r>
+              <a:rPr lang="en-US" sz="1600" dirty="0">
+                <a:solidFill>
+                  <a:schemeClr val="tx1">
+                    <a:lumMod val="50000"/>
+                    <a:lumOff val="50000"/>
+                  </a:schemeClr>
+                </a:solidFill>
+                <a:hlinkClick r:id="rId3"/>
+              </a:rPr>
+              <a:t>2016.3</a:t>
+            </a:r>
+            <a:r>
+              <a:rPr lang="en-US" sz="1600" dirty="0">
+                <a:solidFill>
+                  <a:schemeClr val="tx1">
+                    <a:lumMod val="50000"/>
+                    <a:lumOff val="50000"/>
+                  </a:schemeClr>
+                </a:solidFill>
+              </a:rPr>
+              <a:t>  </a:t>
+            </a:r>
+          </a:p>
+        </p:txBody>
+      </p:sp>
     </p:spTree>
     <p:extLst>
       <p:ext uri="{BB962C8B-B14F-4D97-AF65-F5344CB8AC3E}">
-        <p14:creationId xmlns:p14="http://schemas.microsoft.com/office/powerpoint/2010/main" val="1761245565"/>
+        <p14:creationId xmlns:p14="http://schemas.microsoft.com/office/powerpoint/2010/main" val="2181781499"/>
       </p:ext>
     </p:extLst>
   </p:cSld>
@@ -9549,6 +9710,672 @@
             <p:ph type="title"/>
           </p:nvPr>
         </p:nvSpPr>
+        <p:spPr/>
+        <p:txBody>
+          <a:bodyPr/>
+          <a:lstStyle/>
+          <a:p>
+            <a:r>
+              <a:rPr lang="en-AU" dirty="0"/>
+              <a:t>Compiling effect sizes: Challenges</a:t>
+            </a:r>
+          </a:p>
+        </p:txBody>
+      </p:sp>
+      <p:sp>
+        <p:nvSpPr>
+          <p:cNvPr id="5" name="Content Placeholder 4"/>
+          <p:cNvSpPr>
+            <a:spLocks noGrp="1"/>
+          </p:cNvSpPr>
+          <p:nvPr>
+            <p:ph idx="1"/>
+          </p:nvPr>
+        </p:nvSpPr>
+        <p:spPr/>
+        <p:txBody>
+          <a:bodyPr/>
+          <a:lstStyle/>
+          <a:p>
+            <a:r>
+              <a:rPr lang="en-AU" dirty="0"/>
+              <a:t>It is especially important to use best practice to report how you extracted effect sizes when studies are not perfectly reported. </a:t>
+            </a:r>
+          </a:p>
+          <a:p>
+            <a:endParaRPr lang="en-AU" dirty="0"/>
+          </a:p>
+          <a:p>
+            <a:r>
+              <a:rPr lang="en-AU" dirty="0"/>
+              <a:t>You will (often) need to make assumptions when extracting data and it must be clear to readers (and future you) what those were so your meta-analysis can be replicated</a:t>
+            </a:r>
+          </a:p>
+          <a:p>
+            <a:endParaRPr lang="en-AU" dirty="0"/>
+          </a:p>
+          <a:p>
+            <a:endParaRPr lang="en-AU" dirty="0"/>
+          </a:p>
+          <a:p>
+            <a:pPr marL="457200" lvl="1" indent="0">
+              <a:buNone/>
+            </a:pPr>
+            <a:endParaRPr lang="en-AU" dirty="0"/>
+          </a:p>
+          <a:p>
+            <a:pPr lvl="1"/>
+            <a:endParaRPr lang="en-AU" dirty="0"/>
+          </a:p>
+        </p:txBody>
+      </p:sp>
+      <p:sp>
+        <p:nvSpPr>
+          <p:cNvPr id="3" name="Slide Number Placeholder 2">
+            <a:extLst>
+              <a:ext uri="{FF2B5EF4-FFF2-40B4-BE49-F238E27FC236}">
+                <a16:creationId xmlns:a16="http://schemas.microsoft.com/office/drawing/2014/main" id="{29A66E5E-EFE6-654C-A4F6-69D3E67858DD}"/>
+              </a:ext>
+            </a:extLst>
+          </p:cNvPr>
+          <p:cNvSpPr>
+            <a:spLocks noGrp="1"/>
+          </p:cNvSpPr>
+          <p:nvPr>
+            <p:ph type="sldNum" sz="quarter" idx="12"/>
+          </p:nvPr>
+        </p:nvSpPr>
+        <p:spPr/>
+        <p:txBody>
+          <a:bodyPr/>
+          <a:lstStyle/>
+          <a:p>
+            <a:fld id="{284273DD-104E-A841-819D-72454FA280E2}" type="slidenum">
+              <a:rPr lang="en-US" smtClean="0"/>
+              <a:t>18</a:t>
+            </a:fld>
+            <a:endParaRPr lang="en-US" dirty="0"/>
+          </a:p>
+        </p:txBody>
+      </p:sp>
+    </p:spTree>
+    <p:extLst>
+      <p:ext uri="{BB962C8B-B14F-4D97-AF65-F5344CB8AC3E}">
+        <p14:creationId xmlns:p14="http://schemas.microsoft.com/office/powerpoint/2010/main" val="1761245565"/>
+      </p:ext>
+    </p:extLst>
+  </p:cSld>
+  <p:clrMapOvr>
+    <a:masterClrMapping/>
+  </p:clrMapOvr>
+</p:sld>
+</file>
+
+<file path=ppt/slides/slide2.xml><?xml version="1.0" encoding="utf-8"?>
+<p:sld xmlns:a="http://schemas.openxmlformats.org/drawingml/2006/main" xmlns:r="http://schemas.openxmlformats.org/officeDocument/2006/relationships" xmlns:p="http://schemas.openxmlformats.org/presentationml/2006/main">
+  <p:cSld>
+    <p:spTree>
+      <p:nvGrpSpPr>
+        <p:cNvPr id="1" name=""/>
+        <p:cNvGrpSpPr/>
+        <p:nvPr/>
+      </p:nvGrpSpPr>
+      <p:grpSpPr>
+        <a:xfrm>
+          <a:off x="0" y="0"/>
+          <a:ext cx="0" cy="0"/>
+          <a:chOff x="0" y="0"/>
+          <a:chExt cx="0" cy="0"/>
+        </a:xfrm>
+      </p:grpSpPr>
+      <p:sp>
+        <p:nvSpPr>
+          <p:cNvPr id="2" name="Title 1">
+            <a:extLst>
+              <a:ext uri="{FF2B5EF4-FFF2-40B4-BE49-F238E27FC236}">
+                <a16:creationId xmlns:a16="http://schemas.microsoft.com/office/drawing/2014/main" id="{BE527B75-648B-5D48-9C3D-3E0F9522AB46}"/>
+              </a:ext>
+            </a:extLst>
+          </p:cNvPr>
+          <p:cNvSpPr>
+            <a:spLocks noGrp="1"/>
+          </p:cNvSpPr>
+          <p:nvPr>
+            <p:ph type="title"/>
+          </p:nvPr>
+        </p:nvSpPr>
+        <p:spPr/>
+        <p:txBody>
+          <a:bodyPr/>
+          <a:lstStyle/>
+          <a:p>
+            <a:r>
+              <a:rPr lang="en-US" dirty="0"/>
+              <a:t>Overview of topics</a:t>
+            </a:r>
+          </a:p>
+        </p:txBody>
+      </p:sp>
+      <p:sp>
+        <p:nvSpPr>
+          <p:cNvPr id="4" name="Text Placeholder 3">
+            <a:extLst>
+              <a:ext uri="{FF2B5EF4-FFF2-40B4-BE49-F238E27FC236}">
+                <a16:creationId xmlns:a16="http://schemas.microsoft.com/office/drawing/2014/main" id="{61101B03-10E8-CC41-8677-6B1D509E2911}"/>
+              </a:ext>
+            </a:extLst>
+          </p:cNvPr>
+          <p:cNvSpPr>
+            <a:spLocks noGrp="1"/>
+          </p:cNvSpPr>
+          <p:nvPr>
+            <p:ph type="body" idx="1"/>
+          </p:nvPr>
+        </p:nvSpPr>
+        <p:spPr>
+          <a:xfrm>
+            <a:off x="474027" y="6252330"/>
+            <a:ext cx="10512424" cy="452437"/>
+          </a:xfrm>
+        </p:spPr>
+        <p:txBody>
+          <a:bodyPr/>
+          <a:lstStyle/>
+          <a:p>
+            <a:pPr algn="ctr"/>
+            <a:r>
+              <a:rPr lang="en-US" dirty="0">
+                <a:hlinkClick r:id="rId3"/>
+              </a:rPr>
+              <a:t>https://tmober.github.io/meta-workshop/</a:t>
+            </a:r>
+            <a:r>
+              <a:rPr lang="en-US" dirty="0"/>
+              <a:t> </a:t>
+            </a:r>
+          </a:p>
+        </p:txBody>
+      </p:sp>
+      <p:sp>
+        <p:nvSpPr>
+          <p:cNvPr id="3" name="Content Placeholder 2">
+            <a:extLst>
+              <a:ext uri="{FF2B5EF4-FFF2-40B4-BE49-F238E27FC236}">
+                <a16:creationId xmlns:a16="http://schemas.microsoft.com/office/drawing/2014/main" id="{765B980B-B557-FF4D-8329-3B2183DE54E8}"/>
+              </a:ext>
+            </a:extLst>
+          </p:cNvPr>
+          <p:cNvSpPr>
+            <a:spLocks noGrp="1"/>
+          </p:cNvSpPr>
+          <p:nvPr>
+            <p:ph sz="half" idx="2"/>
+          </p:nvPr>
+        </p:nvSpPr>
+        <p:spPr>
+          <a:xfrm>
+            <a:off x="860425" y="2181225"/>
+            <a:ext cx="5157787" cy="3684588"/>
+          </a:xfrm>
+        </p:spPr>
+        <p:txBody>
+          <a:bodyPr/>
+          <a:lstStyle/>
+          <a:p>
+            <a:pPr marL="0" indent="0" algn="ctr">
+              <a:lnSpc>
+                <a:spcPct val="100000"/>
+              </a:lnSpc>
+              <a:spcBef>
+                <a:spcPts val="0"/>
+              </a:spcBef>
+              <a:buNone/>
+            </a:pPr>
+            <a:r>
+              <a:rPr lang="en-US" dirty="0">
+                <a:solidFill>
+                  <a:schemeClr val="tx1">
+                    <a:lumMod val="50000"/>
+                    <a:lumOff val="50000"/>
+                  </a:schemeClr>
+                </a:solidFill>
+              </a:rPr>
+              <a:t>Part 1: Systematic Review</a:t>
+            </a:r>
+          </a:p>
+          <a:p>
+            <a:pPr marL="514350" indent="-514350">
+              <a:lnSpc>
+                <a:spcPct val="100000"/>
+              </a:lnSpc>
+              <a:spcBef>
+                <a:spcPts val="0"/>
+              </a:spcBef>
+              <a:buFont typeface="+mj-lt"/>
+              <a:buAutoNum type="arabicPeriod"/>
+            </a:pPr>
+            <a:endParaRPr lang="en-US" sz="2000" dirty="0">
+              <a:solidFill>
+                <a:schemeClr val="tx1">
+                  <a:lumMod val="50000"/>
+                  <a:lumOff val="50000"/>
+                </a:schemeClr>
+              </a:solidFill>
+            </a:endParaRPr>
+          </a:p>
+          <a:p>
+            <a:pPr marL="514350" indent="-514350">
+              <a:lnSpc>
+                <a:spcPct val="100000"/>
+              </a:lnSpc>
+              <a:spcBef>
+                <a:spcPts val="0"/>
+              </a:spcBef>
+              <a:buFont typeface="+mj-lt"/>
+              <a:buAutoNum type="arabicPeriod"/>
+            </a:pPr>
+            <a:r>
+              <a:rPr lang="en-US" sz="2000" dirty="0">
+                <a:solidFill>
+                  <a:schemeClr val="tx1">
+                    <a:lumMod val="50000"/>
+                    <a:lumOff val="50000"/>
+                  </a:schemeClr>
+                </a:solidFill>
+              </a:rPr>
+              <a:t>What is a systematic review?</a:t>
+            </a:r>
+          </a:p>
+          <a:p>
+            <a:pPr marL="514350" indent="-514350">
+              <a:lnSpc>
+                <a:spcPct val="100000"/>
+              </a:lnSpc>
+              <a:spcBef>
+                <a:spcPts val="0"/>
+              </a:spcBef>
+              <a:buFont typeface="+mj-lt"/>
+              <a:buAutoNum type="arabicPeriod"/>
+            </a:pPr>
+            <a:r>
+              <a:rPr lang="en-US" sz="2000" dirty="0">
+                <a:solidFill>
+                  <a:schemeClr val="tx1">
+                    <a:lumMod val="50000"/>
+                    <a:lumOff val="50000"/>
+                  </a:schemeClr>
+                </a:solidFill>
+              </a:rPr>
+              <a:t>Best practices for systematic reviews</a:t>
+            </a:r>
+          </a:p>
+          <a:p>
+            <a:pPr marL="514350" indent="-514350">
+              <a:lnSpc>
+                <a:spcPct val="100000"/>
+              </a:lnSpc>
+              <a:spcBef>
+                <a:spcPts val="0"/>
+              </a:spcBef>
+              <a:buFont typeface="+mj-lt"/>
+              <a:buAutoNum type="arabicPeriod"/>
+            </a:pPr>
+            <a:r>
+              <a:rPr lang="en-US" sz="2000" dirty="0">
+                <a:solidFill>
+                  <a:schemeClr val="tx1">
+                    <a:lumMod val="50000"/>
+                    <a:lumOff val="50000"/>
+                  </a:schemeClr>
+                </a:solidFill>
+              </a:rPr>
+              <a:t>Question formulation</a:t>
+            </a:r>
+          </a:p>
+          <a:p>
+            <a:pPr marL="514350" indent="-514350">
+              <a:lnSpc>
+                <a:spcPct val="100000"/>
+              </a:lnSpc>
+              <a:spcBef>
+                <a:spcPts val="0"/>
+              </a:spcBef>
+              <a:buFont typeface="+mj-lt"/>
+              <a:buAutoNum type="arabicPeriod"/>
+            </a:pPr>
+            <a:r>
+              <a:rPr lang="en-US" sz="2000" dirty="0">
+                <a:solidFill>
+                  <a:schemeClr val="tx1">
+                    <a:lumMod val="50000"/>
+                    <a:lumOff val="50000"/>
+                  </a:schemeClr>
+                </a:solidFill>
+              </a:rPr>
+              <a:t>Creating a protocol</a:t>
+            </a:r>
+          </a:p>
+          <a:p>
+            <a:pPr marL="514350" indent="-514350">
+              <a:lnSpc>
+                <a:spcPct val="100000"/>
+              </a:lnSpc>
+              <a:spcBef>
+                <a:spcPts val="0"/>
+              </a:spcBef>
+              <a:buFont typeface="+mj-lt"/>
+              <a:buAutoNum type="arabicPeriod"/>
+            </a:pPr>
+            <a:r>
+              <a:rPr lang="en-US" sz="2000" dirty="0">
+                <a:solidFill>
+                  <a:schemeClr val="tx1">
+                    <a:lumMod val="50000"/>
+                    <a:lumOff val="50000"/>
+                  </a:schemeClr>
+                </a:solidFill>
+              </a:rPr>
+              <a:t>Searching for literature</a:t>
+            </a:r>
+          </a:p>
+          <a:p>
+            <a:pPr marL="514350" indent="-514350">
+              <a:lnSpc>
+                <a:spcPct val="100000"/>
+              </a:lnSpc>
+              <a:spcBef>
+                <a:spcPts val="0"/>
+              </a:spcBef>
+              <a:buFont typeface="+mj-lt"/>
+              <a:buAutoNum type="arabicPeriod"/>
+            </a:pPr>
+            <a:r>
+              <a:rPr lang="en-US" sz="2000" dirty="0">
+                <a:solidFill>
+                  <a:schemeClr val="tx1">
+                    <a:lumMod val="50000"/>
+                    <a:lumOff val="50000"/>
+                  </a:schemeClr>
+                </a:solidFill>
+              </a:rPr>
+              <a:t>Screening literature</a:t>
+            </a:r>
+          </a:p>
+          <a:p>
+            <a:pPr marL="514350" indent="-514350">
+              <a:lnSpc>
+                <a:spcPct val="100000"/>
+              </a:lnSpc>
+              <a:spcBef>
+                <a:spcPts val="0"/>
+              </a:spcBef>
+              <a:buFont typeface="+mj-lt"/>
+              <a:buAutoNum type="arabicPeriod"/>
+            </a:pPr>
+            <a:r>
+              <a:rPr lang="en-US" sz="2000" dirty="0">
+                <a:solidFill>
+                  <a:schemeClr val="tx1">
+                    <a:lumMod val="50000"/>
+                    <a:lumOff val="50000"/>
+                  </a:schemeClr>
+                </a:solidFill>
+              </a:rPr>
+              <a:t>Data extraction</a:t>
+            </a:r>
+          </a:p>
+          <a:p>
+            <a:pPr marL="514350" indent="-514350">
+              <a:lnSpc>
+                <a:spcPct val="100000"/>
+              </a:lnSpc>
+              <a:spcBef>
+                <a:spcPts val="0"/>
+              </a:spcBef>
+              <a:buFont typeface="+mj-lt"/>
+              <a:buAutoNum type="arabicPeriod"/>
+            </a:pPr>
+            <a:r>
+              <a:rPr lang="en-US" sz="2000" dirty="0">
+                <a:solidFill>
+                  <a:schemeClr val="tx1">
+                    <a:lumMod val="50000"/>
+                    <a:lumOff val="50000"/>
+                  </a:schemeClr>
+                </a:solidFill>
+              </a:rPr>
+              <a:t>Risk of bias and quality assessment</a:t>
+            </a:r>
+          </a:p>
+          <a:p>
+            <a:pPr marL="514350" indent="-514350">
+              <a:lnSpc>
+                <a:spcPct val="100000"/>
+              </a:lnSpc>
+              <a:spcBef>
+                <a:spcPts val="0"/>
+              </a:spcBef>
+              <a:buFont typeface="+mj-lt"/>
+              <a:buAutoNum type="arabicPeriod"/>
+            </a:pPr>
+            <a:r>
+              <a:rPr lang="en-US" sz="2000" dirty="0">
+                <a:solidFill>
+                  <a:schemeClr val="tx1">
+                    <a:lumMod val="50000"/>
+                    <a:lumOff val="50000"/>
+                  </a:schemeClr>
+                </a:solidFill>
+              </a:rPr>
+              <a:t>Synthesis</a:t>
+            </a:r>
+          </a:p>
+        </p:txBody>
+      </p:sp>
+      <p:sp>
+        <p:nvSpPr>
+          <p:cNvPr id="6" name="Content Placeholder 5">
+            <a:extLst>
+              <a:ext uri="{FF2B5EF4-FFF2-40B4-BE49-F238E27FC236}">
+                <a16:creationId xmlns:a16="http://schemas.microsoft.com/office/drawing/2014/main" id="{902005BE-A25D-8C4A-85D1-A4F073325840}"/>
+              </a:ext>
+            </a:extLst>
+          </p:cNvPr>
+          <p:cNvSpPr>
+            <a:spLocks noGrp="1"/>
+          </p:cNvSpPr>
+          <p:nvPr>
+            <p:ph sz="quarter" idx="4"/>
+          </p:nvPr>
+        </p:nvSpPr>
+        <p:spPr>
+          <a:xfrm>
+            <a:off x="6170612" y="2181225"/>
+            <a:ext cx="5183188" cy="3684588"/>
+          </a:xfrm>
+        </p:spPr>
+        <p:txBody>
+          <a:bodyPr/>
+          <a:lstStyle/>
+          <a:p>
+            <a:pPr marL="0" indent="0" algn="ctr">
+              <a:lnSpc>
+                <a:spcPct val="100000"/>
+              </a:lnSpc>
+              <a:spcBef>
+                <a:spcPts val="0"/>
+              </a:spcBef>
+              <a:buNone/>
+            </a:pPr>
+            <a:r>
+              <a:rPr lang="en-US" dirty="0"/>
+              <a:t>Part 2: Meta-analysis</a:t>
+            </a:r>
+          </a:p>
+          <a:p>
+            <a:pPr marL="514350" indent="-514350">
+              <a:lnSpc>
+                <a:spcPct val="100000"/>
+              </a:lnSpc>
+              <a:spcBef>
+                <a:spcPts val="0"/>
+              </a:spcBef>
+              <a:buFont typeface="+mj-lt"/>
+              <a:buAutoNum type="arabicPeriod"/>
+            </a:pPr>
+            <a:endParaRPr lang="en-US" sz="2000" dirty="0"/>
+          </a:p>
+          <a:p>
+            <a:pPr marL="514350" indent="-514350">
+              <a:lnSpc>
+                <a:spcPct val="100000"/>
+              </a:lnSpc>
+              <a:spcBef>
+                <a:spcPts val="0"/>
+              </a:spcBef>
+              <a:buFont typeface="+mj-lt"/>
+              <a:buAutoNum type="arabicPeriod"/>
+            </a:pPr>
+            <a:r>
+              <a:rPr lang="en-US" sz="2000" dirty="0"/>
+              <a:t>What is a meta-analysis?</a:t>
+            </a:r>
+          </a:p>
+          <a:p>
+            <a:pPr marL="514350" indent="-514350">
+              <a:lnSpc>
+                <a:spcPct val="100000"/>
+              </a:lnSpc>
+              <a:spcBef>
+                <a:spcPts val="0"/>
+              </a:spcBef>
+              <a:buFont typeface="+mj-lt"/>
+              <a:buAutoNum type="arabicPeriod"/>
+            </a:pPr>
+            <a:r>
+              <a:rPr lang="en-US" sz="2000" dirty="0"/>
+              <a:t>Effect size estimates</a:t>
+            </a:r>
+          </a:p>
+          <a:p>
+            <a:pPr marL="514350" indent="-514350">
+              <a:lnSpc>
+                <a:spcPct val="100000"/>
+              </a:lnSpc>
+              <a:spcBef>
+                <a:spcPts val="0"/>
+              </a:spcBef>
+              <a:buFont typeface="+mj-lt"/>
+              <a:buAutoNum type="arabicPeriod"/>
+            </a:pPr>
+            <a:r>
+              <a:rPr lang="en-US" sz="2000" dirty="0"/>
+              <a:t>Fixed- and random-effects models</a:t>
+            </a:r>
+          </a:p>
+          <a:p>
+            <a:pPr marL="514350" indent="-514350">
+              <a:lnSpc>
+                <a:spcPct val="100000"/>
+              </a:lnSpc>
+              <a:spcBef>
+                <a:spcPts val="0"/>
+              </a:spcBef>
+              <a:buFont typeface="+mj-lt"/>
+              <a:buAutoNum type="arabicPeriod"/>
+            </a:pPr>
+            <a:r>
+              <a:rPr lang="en-US" sz="2000" dirty="0"/>
+              <a:t>Conducting the meta-analysis</a:t>
+            </a:r>
+          </a:p>
+          <a:p>
+            <a:pPr marL="514350" indent="-514350">
+              <a:lnSpc>
+                <a:spcPct val="100000"/>
+              </a:lnSpc>
+              <a:spcBef>
+                <a:spcPts val="0"/>
+              </a:spcBef>
+              <a:buFont typeface="+mj-lt"/>
+              <a:buAutoNum type="arabicPeriod"/>
+            </a:pPr>
+            <a:r>
+              <a:rPr lang="en-US" sz="2000" dirty="0"/>
+              <a:t>Reporting results</a:t>
+            </a:r>
+          </a:p>
+        </p:txBody>
+      </p:sp>
+      <p:sp>
+        <p:nvSpPr>
+          <p:cNvPr id="7" name="Slide Number Placeholder 6">
+            <a:extLst>
+              <a:ext uri="{FF2B5EF4-FFF2-40B4-BE49-F238E27FC236}">
+                <a16:creationId xmlns:a16="http://schemas.microsoft.com/office/drawing/2014/main" id="{3DE2EFC4-536A-D54E-92FC-75615A1B663E}"/>
+              </a:ext>
+            </a:extLst>
+          </p:cNvPr>
+          <p:cNvSpPr>
+            <a:spLocks noGrp="1"/>
+          </p:cNvSpPr>
+          <p:nvPr>
+            <p:ph type="sldNum" sz="quarter" idx="12"/>
+          </p:nvPr>
+        </p:nvSpPr>
+        <p:spPr/>
+        <p:txBody>
+          <a:bodyPr/>
+          <a:lstStyle/>
+          <a:p>
+            <a:fld id="{284273DD-104E-A841-819D-72454FA280E2}" type="slidenum">
+              <a:rPr lang="en-US" smtClean="0"/>
+              <a:t>1</a:t>
+            </a:fld>
+            <a:endParaRPr lang="en-US" dirty="0"/>
+          </a:p>
+        </p:txBody>
+      </p:sp>
+    </p:spTree>
+    <p:extLst>
+      <p:ext uri="{BB962C8B-B14F-4D97-AF65-F5344CB8AC3E}">
+        <p14:creationId xmlns:p14="http://schemas.microsoft.com/office/powerpoint/2010/main" val="4291327898"/>
+      </p:ext>
+    </p:extLst>
+  </p:cSld>
+  <p:clrMapOvr>
+    <a:masterClrMapping/>
+  </p:clrMapOvr>
+</p:sld>
+</file>
+
+<file path=ppt/slides/slide20.xml><?xml version="1.0" encoding="utf-8"?>
+<p:sld xmlns:a="http://schemas.openxmlformats.org/drawingml/2006/main" xmlns:r="http://schemas.openxmlformats.org/officeDocument/2006/relationships" xmlns:p="http://schemas.openxmlformats.org/presentationml/2006/main">
+  <p:cSld>
+    <p:spTree>
+      <p:nvGrpSpPr>
+        <p:cNvPr id="1" name=""/>
+        <p:cNvGrpSpPr/>
+        <p:nvPr/>
+      </p:nvGrpSpPr>
+      <p:grpSpPr>
+        <a:xfrm>
+          <a:off x="0" y="0"/>
+          <a:ext cx="0" cy="0"/>
+          <a:chOff x="0" y="0"/>
+          <a:chExt cx="0" cy="0"/>
+        </a:xfrm>
+      </p:grpSpPr>
+      <p:sp>
+        <p:nvSpPr>
+          <p:cNvPr id="2" name="Title 1"/>
+          <p:cNvSpPr>
+            <a:spLocks noGrp="1"/>
+          </p:cNvSpPr>
+          <p:nvPr>
+            <p:ph type="title"/>
+          </p:nvPr>
+        </p:nvSpPr>
         <p:spPr>
           <a:xfrm>
             <a:off x="838200" y="365125"/>
@@ -9576,7 +10403,7 @@
             <p:ph idx="1"/>
             <p:extLst>
               <p:ext uri="{D42A27DB-BD31-4B8C-83A1-F6EECF244321}">
-                <p14:modId xmlns:p14="http://schemas.microsoft.com/office/powerpoint/2010/main" val="102869107"/>
+                <p14:modId xmlns:p14="http://schemas.microsoft.com/office/powerpoint/2010/main" val="2146582015"/>
               </p:ext>
             </p:extLst>
           </p:nvPr>
@@ -9776,11 +10603,19 @@
                       </a:pPr>
                       <a:r>
                         <a:rPr lang="en-AU" dirty="0"/>
-                        <a:t>Allows for very</a:t>
+                        <a:t>Allows for </a:t>
+                      </a:r>
+                      <a:r>
+                        <a:rPr lang="en-AU"/>
+                        <a:t>very</a:t>
+                      </a:r>
+                      <a:r>
+                        <a:rPr lang="en-AU" baseline="0"/>
+                        <a:t> specialized </a:t>
                       </a:r>
                       <a:r>
                         <a:rPr lang="en-AU" baseline="0" dirty="0"/>
-                        <a:t> specialised effect size calculations that aren’t built into any software</a:t>
+                        <a:t>effect size calculations that aren’t built into any software</a:t>
                       </a:r>
                       <a:endParaRPr lang="en-AU" dirty="0"/>
                     </a:p>
@@ -10001,7 +10836,7 @@
           <a:p>
             <a:fld id="{284273DD-104E-A841-819D-72454FA280E2}" type="slidenum">
               <a:rPr lang="en-US" smtClean="0"/>
-              <a:t>18</a:t>
+              <a:t>19</a:t>
             </a:fld>
             <a:endParaRPr lang="en-US" dirty="0"/>
           </a:p>
@@ -10011,312 +10846,6 @@
     <p:extLst>
       <p:ext uri="{BB962C8B-B14F-4D97-AF65-F5344CB8AC3E}">
         <p14:creationId xmlns:p14="http://schemas.microsoft.com/office/powerpoint/2010/main" val="3440927891"/>
-      </p:ext>
-    </p:extLst>
-  </p:cSld>
-  <p:clrMapOvr>
-    <a:masterClrMapping/>
-  </p:clrMapOvr>
-</p:sld>
-</file>
-
-<file path=ppt/slides/slide2.xml><?xml version="1.0" encoding="utf-8"?>
-<p:sld xmlns:a="http://schemas.openxmlformats.org/drawingml/2006/main" xmlns:r="http://schemas.openxmlformats.org/officeDocument/2006/relationships" xmlns:p="http://schemas.openxmlformats.org/presentationml/2006/main">
-  <p:cSld>
-    <p:spTree>
-      <p:nvGrpSpPr>
-        <p:cNvPr id="1" name=""/>
-        <p:cNvGrpSpPr/>
-        <p:nvPr/>
-      </p:nvGrpSpPr>
-      <p:grpSpPr>
-        <a:xfrm>
-          <a:off x="0" y="0"/>
-          <a:ext cx="0" cy="0"/>
-          <a:chOff x="0" y="0"/>
-          <a:chExt cx="0" cy="0"/>
-        </a:xfrm>
-      </p:grpSpPr>
-      <p:sp>
-        <p:nvSpPr>
-          <p:cNvPr id="4" name="Rectangle 2"/>
-          <p:cNvSpPr txBox="1">
-            <a:spLocks noChangeArrowheads="1"/>
-          </p:cNvSpPr>
-          <p:nvPr/>
-        </p:nvSpPr>
-        <p:spPr>
-          <a:xfrm>
-            <a:off x="-3389802" y="1734667"/>
-            <a:ext cx="10515600" cy="1325563"/>
-          </a:xfrm>
-          <a:prstGeom prst="rect">
-            <a:avLst/>
-          </a:prstGeom>
-        </p:spPr>
-        <p:txBody>
-          <a:bodyPr vert="horz" lIns="91440" tIns="45720" rIns="91440" bIns="45720" rtlCol="0" anchor="b">
-            <a:normAutofit/>
-          </a:bodyPr>
-          <a:lstStyle>
-            <a:lvl1pPr algn="ctr" defTabSz="914400" rtl="0" eaLnBrk="1" latinLnBrk="0" hangingPunct="1">
-              <a:lnSpc>
-                <a:spcPct val="90000"/>
-              </a:lnSpc>
-              <a:spcBef>
-                <a:spcPct val="0"/>
-              </a:spcBef>
-              <a:buNone/>
-              <a:defRPr sz="6000" kern="1200">
-                <a:solidFill>
-                  <a:schemeClr val="tx1"/>
-                </a:solidFill>
-                <a:latin typeface="+mj-lt"/>
-                <a:ea typeface="+mj-ea"/>
-                <a:cs typeface="+mj-cs"/>
-              </a:defRPr>
-            </a:lvl1pPr>
-          </a:lstStyle>
-          <a:p>
-            <a:endParaRPr lang="en-US" altLang="en-US" dirty="0"/>
-          </a:p>
-        </p:txBody>
-      </p:sp>
-      <p:sp>
-        <p:nvSpPr>
-          <p:cNvPr id="6" name="Title 5">
-            <a:extLst>
-              <a:ext uri="{FF2B5EF4-FFF2-40B4-BE49-F238E27FC236}">
-                <a16:creationId xmlns:a16="http://schemas.microsoft.com/office/drawing/2014/main" id="{01ED56A3-C991-E34F-BC87-653ABC909680}"/>
-              </a:ext>
-            </a:extLst>
-          </p:cNvPr>
-          <p:cNvSpPr>
-            <a:spLocks noGrp="1"/>
-          </p:cNvSpPr>
-          <p:nvPr>
-            <p:ph type="title"/>
-          </p:nvPr>
-        </p:nvSpPr>
-        <p:spPr/>
-        <p:txBody>
-          <a:bodyPr/>
-          <a:lstStyle/>
-          <a:p>
-            <a:r>
-              <a:rPr lang="en-US" altLang="en-US" dirty="0"/>
-              <a:t>Aims of this session….</a:t>
-            </a:r>
-            <a:endParaRPr lang="en-US" dirty="0"/>
-          </a:p>
-        </p:txBody>
-      </p:sp>
-      <p:sp>
-        <p:nvSpPr>
-          <p:cNvPr id="7" name="Content Placeholder 6">
-            <a:extLst>
-              <a:ext uri="{FF2B5EF4-FFF2-40B4-BE49-F238E27FC236}">
-                <a16:creationId xmlns:a16="http://schemas.microsoft.com/office/drawing/2014/main" id="{306F3DC6-566C-FD40-99E1-AD64351A4707}"/>
-              </a:ext>
-            </a:extLst>
-          </p:cNvPr>
-          <p:cNvSpPr>
-            <a:spLocks noGrp="1"/>
-          </p:cNvSpPr>
-          <p:nvPr>
-            <p:ph idx="1"/>
-          </p:nvPr>
-        </p:nvSpPr>
-        <p:spPr/>
-        <p:txBody>
-          <a:bodyPr/>
-          <a:lstStyle/>
-          <a:p>
-            <a:pPr marL="342900" indent="-342900"/>
-            <a:r>
-              <a:rPr lang="en-US" altLang="en-US" dirty="0"/>
-              <a:t>Receive overview of steps involved in a meta-analysis</a:t>
-            </a:r>
-          </a:p>
-          <a:p>
-            <a:pPr marL="342900" indent="-342900"/>
-            <a:r>
-              <a:rPr lang="en-US" altLang="en-US" dirty="0"/>
-              <a:t>Discuss effect size estimates and challenges to extraction</a:t>
-            </a:r>
-          </a:p>
-          <a:p>
-            <a:pPr marL="342900" indent="-342900"/>
-            <a:r>
-              <a:rPr lang="en-US" altLang="en-US" dirty="0"/>
-              <a:t>Gain an orientation to fixed- and random-effects models</a:t>
-            </a:r>
-          </a:p>
-          <a:p>
-            <a:pPr marL="342900" indent="-342900"/>
-            <a:r>
-              <a:rPr lang="en-US" altLang="en-US" dirty="0"/>
-              <a:t>Experience data extraction and meta-analysis</a:t>
-            </a:r>
-          </a:p>
-          <a:p>
-            <a:pPr marL="342900" indent="-342900"/>
-            <a:r>
-              <a:rPr lang="en-US" altLang="en-US" dirty="0"/>
-              <a:t>Outline the reporting of meta-analysis findings</a:t>
-            </a:r>
-          </a:p>
-          <a:p>
-            <a:pPr marL="342900" indent="-342900"/>
-            <a:endParaRPr lang="en-US" altLang="en-US" dirty="0"/>
-          </a:p>
-        </p:txBody>
-      </p:sp>
-      <p:sp>
-        <p:nvSpPr>
-          <p:cNvPr id="2" name="Slide Number Placeholder 1">
-            <a:extLst>
-              <a:ext uri="{FF2B5EF4-FFF2-40B4-BE49-F238E27FC236}">
-                <a16:creationId xmlns:a16="http://schemas.microsoft.com/office/drawing/2014/main" id="{D24A07CD-636A-D444-9479-EEAFD7611A97}"/>
-              </a:ext>
-            </a:extLst>
-          </p:cNvPr>
-          <p:cNvSpPr>
-            <a:spLocks noGrp="1"/>
-          </p:cNvSpPr>
-          <p:nvPr>
-            <p:ph type="sldNum" sz="quarter" idx="12"/>
-          </p:nvPr>
-        </p:nvSpPr>
-        <p:spPr/>
-        <p:txBody>
-          <a:bodyPr/>
-          <a:lstStyle/>
-          <a:p>
-            <a:fld id="{284273DD-104E-A841-819D-72454FA280E2}" type="slidenum">
-              <a:rPr lang="en-US" smtClean="0"/>
-              <a:t>1</a:t>
-            </a:fld>
-            <a:endParaRPr lang="en-US" dirty="0"/>
-          </a:p>
-        </p:txBody>
-      </p:sp>
-    </p:spTree>
-    <p:extLst>
-      <p:ext uri="{BB962C8B-B14F-4D97-AF65-F5344CB8AC3E}">
-        <p14:creationId xmlns:p14="http://schemas.microsoft.com/office/powerpoint/2010/main" val="4107036800"/>
-      </p:ext>
-    </p:extLst>
-  </p:cSld>
-  <p:clrMapOvr>
-    <a:masterClrMapping/>
-  </p:clrMapOvr>
-</p:sld>
-</file>
-
-<file path=ppt/slides/slide20.xml><?xml version="1.0" encoding="utf-8"?>
-<p:sld xmlns:a="http://schemas.openxmlformats.org/drawingml/2006/main" xmlns:r="http://schemas.openxmlformats.org/officeDocument/2006/relationships" xmlns:p="http://schemas.openxmlformats.org/presentationml/2006/main">
-  <p:cSld>
-    <p:spTree>
-      <p:nvGrpSpPr>
-        <p:cNvPr id="1" name=""/>
-        <p:cNvGrpSpPr/>
-        <p:nvPr/>
-      </p:nvGrpSpPr>
-      <p:grpSpPr>
-        <a:xfrm>
-          <a:off x="0" y="0"/>
-          <a:ext cx="0" cy="0"/>
-          <a:chOff x="0" y="0"/>
-          <a:chExt cx="0" cy="0"/>
-        </a:xfrm>
-      </p:grpSpPr>
-      <p:sp>
-        <p:nvSpPr>
-          <p:cNvPr id="2" name="Title 1"/>
-          <p:cNvSpPr>
-            <a:spLocks noGrp="1"/>
-          </p:cNvSpPr>
-          <p:nvPr>
-            <p:ph type="title"/>
-          </p:nvPr>
-        </p:nvSpPr>
-        <p:spPr/>
-        <p:txBody>
-          <a:bodyPr>
-            <a:normAutofit/>
-          </a:bodyPr>
-          <a:lstStyle/>
-          <a:p>
-            <a:r>
-              <a:rPr lang="en-GB" dirty="0">
-                <a:ea typeface="SimSun" panose="02010600030101010101" pitchFamily="2" charset="-122"/>
-                <a:cs typeface="Times New Roman" panose="02020603050405020304" pitchFamily="18" charset="0"/>
-              </a:rPr>
-              <a:t>Fixed- and Random-Effects</a:t>
-            </a:r>
-            <a:endParaRPr lang="en-GB" dirty="0"/>
-          </a:p>
-        </p:txBody>
-      </p:sp>
-      <p:sp>
-        <p:nvSpPr>
-          <p:cNvPr id="3" name="Text Placeholder 2">
-            <a:extLst>
-              <a:ext uri="{FF2B5EF4-FFF2-40B4-BE49-F238E27FC236}">
-                <a16:creationId xmlns:a16="http://schemas.microsoft.com/office/drawing/2014/main" id="{ECE2A6F8-6277-1F43-937B-D430DFAFA42F}"/>
-              </a:ext>
-            </a:extLst>
-          </p:cNvPr>
-          <p:cNvSpPr>
-            <a:spLocks noGrp="1"/>
-          </p:cNvSpPr>
-          <p:nvPr>
-            <p:ph type="body" idx="1"/>
-          </p:nvPr>
-        </p:nvSpPr>
-        <p:spPr/>
-        <p:txBody>
-          <a:bodyPr/>
-          <a:lstStyle/>
-          <a:p>
-            <a:endParaRPr lang="en-US" dirty="0"/>
-          </a:p>
-        </p:txBody>
-      </p:sp>
-      <p:sp>
-        <p:nvSpPr>
-          <p:cNvPr id="4" name="Slide Number Placeholder 3">
-            <a:extLst>
-              <a:ext uri="{FF2B5EF4-FFF2-40B4-BE49-F238E27FC236}">
-                <a16:creationId xmlns:a16="http://schemas.microsoft.com/office/drawing/2014/main" id="{A913F8A0-1463-1241-8628-6ADF109B3F32}"/>
-              </a:ext>
-            </a:extLst>
-          </p:cNvPr>
-          <p:cNvSpPr>
-            <a:spLocks noGrp="1"/>
-          </p:cNvSpPr>
-          <p:nvPr>
-            <p:ph type="sldNum" sz="quarter" idx="12"/>
-          </p:nvPr>
-        </p:nvSpPr>
-        <p:spPr/>
-        <p:txBody>
-          <a:bodyPr/>
-          <a:lstStyle/>
-          <a:p>
-            <a:fld id="{284273DD-104E-A841-819D-72454FA280E2}" type="slidenum">
-              <a:rPr lang="en-US" smtClean="0"/>
-              <a:t>19</a:t>
-            </a:fld>
-            <a:endParaRPr lang="en-US" dirty="0"/>
-          </a:p>
-        </p:txBody>
-      </p:sp>
-    </p:spTree>
-    <p:extLst>
-      <p:ext uri="{BB962C8B-B14F-4D97-AF65-F5344CB8AC3E}">
-        <p14:creationId xmlns:p14="http://schemas.microsoft.com/office/powerpoint/2010/main" val="712632353"/>
       </p:ext>
     </p:extLst>
   </p:cSld>
@@ -10355,44 +10884,44 @@
         </p:nvSpPr>
         <p:spPr/>
         <p:txBody>
-          <a:bodyPr/>
-          <a:lstStyle/>
-          <a:p>
-            <a:r>
-              <a:rPr lang="en-AU" dirty="0"/>
-              <a:t>Choosing your model</a:t>
-            </a:r>
-          </a:p>
-        </p:txBody>
-      </p:sp>
-      <p:sp>
-        <p:nvSpPr>
-          <p:cNvPr id="3" name="Content Placeholder 2"/>
-          <p:cNvSpPr>
-            <a:spLocks noGrp="1"/>
-          </p:cNvSpPr>
-          <p:nvPr>
-            <p:ph idx="1"/>
-          </p:nvPr>
-        </p:nvSpPr>
-        <p:spPr/>
-        <p:txBody>
-          <a:bodyPr/>
-          <a:lstStyle/>
-          <a:p>
-            <a:r>
-              <a:rPr lang="en-AU" dirty="0"/>
-              <a:t>Most meta-analytic software packages incorporate two statistical models for meta-analysis, the fixed-effect model and the random-effects model. </a:t>
-            </a:r>
-          </a:p>
-          <a:p>
-            <a:endParaRPr lang="en-AU" dirty="0"/>
-          </a:p>
-          <a:p>
-            <a:r>
-              <a:rPr lang="en-AU" dirty="0"/>
-              <a:t>You should choose which one you will use in the protocol stage</a:t>
-            </a:r>
+          <a:bodyPr>
+            <a:normAutofit/>
+          </a:bodyPr>
+          <a:lstStyle/>
+          <a:p>
+            <a:r>
+              <a:rPr lang="en-GB" dirty="0">
+                <a:ea typeface="SimSun" panose="02010600030101010101" pitchFamily="2" charset="-122"/>
+                <a:cs typeface="Times New Roman" panose="02020603050405020304" pitchFamily="18" charset="0"/>
+              </a:rPr>
+              <a:t>Fixed- and Random-Effects</a:t>
+            </a:r>
+            <a:endParaRPr lang="en-GB" dirty="0"/>
+          </a:p>
+        </p:txBody>
+      </p:sp>
+      <p:sp>
+        <p:nvSpPr>
+          <p:cNvPr id="3" name="Text Placeholder 2">
+            <a:extLst>
+              <a:ext uri="{FF2B5EF4-FFF2-40B4-BE49-F238E27FC236}">
+                <a16:creationId xmlns:a16="http://schemas.microsoft.com/office/drawing/2014/main" id="{ECE2A6F8-6277-1F43-937B-D430DFAFA42F}"/>
+              </a:ext>
+            </a:extLst>
+          </p:cNvPr>
+          <p:cNvSpPr>
+            <a:spLocks noGrp="1"/>
+          </p:cNvSpPr>
+          <p:nvPr>
+            <p:ph type="body" idx="1"/>
+          </p:nvPr>
+        </p:nvSpPr>
+        <p:spPr/>
+        <p:txBody>
+          <a:bodyPr/>
+          <a:lstStyle/>
+          <a:p>
+            <a:endParaRPr lang="en-US" dirty="0"/>
           </a:p>
         </p:txBody>
       </p:sp>
@@ -10401,7 +10930,7 @@
           <p:cNvPr id="4" name="Slide Number Placeholder 3">
             <a:extLst>
               <a:ext uri="{FF2B5EF4-FFF2-40B4-BE49-F238E27FC236}">
-                <a16:creationId xmlns:a16="http://schemas.microsoft.com/office/drawing/2014/main" id="{C04BB373-B06A-BD44-806F-085F2B1DB304}"/>
+                <a16:creationId xmlns:a16="http://schemas.microsoft.com/office/drawing/2014/main" id="{A913F8A0-1463-1241-8628-6ADF109B3F32}"/>
               </a:ext>
             </a:extLst>
           </p:cNvPr>
@@ -10428,7 +10957,7 @@
     </p:spTree>
     <p:extLst>
       <p:ext uri="{BB962C8B-B14F-4D97-AF65-F5344CB8AC3E}">
-        <p14:creationId xmlns:p14="http://schemas.microsoft.com/office/powerpoint/2010/main" val="3137229940"/>
+        <p14:creationId xmlns:p14="http://schemas.microsoft.com/office/powerpoint/2010/main" val="712632353"/>
       </p:ext>
     </p:extLst>
   </p:cSld>
@@ -10472,7 +11001,7 @@
           <a:p>
             <a:r>
               <a:rPr lang="en-AU" dirty="0"/>
-              <a:t>Fixed effect vs. Random effects meta-analysis</a:t>
+              <a:t>Choosing your model</a:t>
             </a:r>
           </a:p>
         </p:txBody>
@@ -10489,69 +11018,22 @@
         </p:nvSpPr>
         <p:spPr/>
         <p:txBody>
-          <a:bodyPr>
-            <a:normAutofit/>
-          </a:bodyPr>
-          <a:lstStyle/>
+          <a:bodyPr/>
+          <a:lstStyle/>
+          <a:p>
+            <a:r>
+              <a:rPr lang="en-AU" dirty="0"/>
+              <a:t>Most meta-analytic software packages incorporate two statistical models for meta-analysis, the fixed-effect model and the random-effects model. </a:t>
+            </a:r>
+          </a:p>
           <a:p>
             <a:endParaRPr lang="en-AU" dirty="0"/>
           </a:p>
           <a:p>
             <a:r>
               <a:rPr lang="en-AU" dirty="0"/>
-              <a:t>Fixed effect meta-analysis assumes that the underlying true effect </a:t>
-            </a:r>
-            <a:r>
-              <a:rPr lang="en-AU" b="1" dirty="0"/>
-              <a:t>does not</a:t>
-            </a:r>
-            <a:r>
-              <a:rPr lang="en-AU" dirty="0"/>
-              <a:t> vary between studies and that variations in observed effects are due to sampling error</a:t>
-            </a:r>
-          </a:p>
-          <a:p>
-            <a:endParaRPr lang="en-AU" dirty="0"/>
-          </a:p>
-          <a:p>
-            <a:r>
-              <a:rPr lang="en-AU" dirty="0"/>
-              <a:t>Random effects meta-analysis assumes that the true effect does </a:t>
-            </a:r>
-            <a:r>
-              <a:rPr lang="en-AU" b="1" dirty="0"/>
-              <a:t>vary</a:t>
-            </a:r>
-            <a:r>
-              <a:rPr lang="en-AU" dirty="0"/>
-              <a:t> between studies within the meta-analysis and that variation in observed effects are due to sampling error </a:t>
-            </a:r>
-            <a:r>
-              <a:rPr lang="en-AU" i="1" dirty="0"/>
-              <a:t>and</a:t>
-            </a:r>
-            <a:r>
-              <a:rPr lang="en-AU" dirty="0"/>
-              <a:t> by moderators of the effect</a:t>
-            </a:r>
-          </a:p>
-          <a:p>
-            <a:pPr lvl="1"/>
-            <a:endParaRPr lang="en-AU" dirty="0"/>
-          </a:p>
-          <a:p>
-            <a:pPr marL="0" indent="0">
-              <a:buNone/>
-            </a:pPr>
-            <a:endParaRPr lang="en-AU" dirty="0"/>
-          </a:p>
-          <a:p>
-            <a:pPr lvl="2"/>
-            <a:endParaRPr lang="en-AU" dirty="0"/>
-          </a:p>
-          <a:p>
-            <a:pPr lvl="2"/>
-            <a:endParaRPr lang="en-AU" dirty="0"/>
+              <a:t>You should choose which one you will use in the protocol stage</a:t>
+            </a:r>
           </a:p>
         </p:txBody>
       </p:sp>
@@ -10560,7 +11042,7 @@
           <p:cNvPr id="4" name="Slide Number Placeholder 3">
             <a:extLst>
               <a:ext uri="{FF2B5EF4-FFF2-40B4-BE49-F238E27FC236}">
-                <a16:creationId xmlns:a16="http://schemas.microsoft.com/office/drawing/2014/main" id="{A52EA4A5-E170-0C41-ADF4-9199CF996956}"/>
+                <a16:creationId xmlns:a16="http://schemas.microsoft.com/office/drawing/2014/main" id="{C04BB373-B06A-BD44-806F-085F2B1DB304}"/>
               </a:ext>
             </a:extLst>
           </p:cNvPr>
@@ -10587,7 +11069,7 @@
     </p:spTree>
     <p:extLst>
       <p:ext uri="{BB962C8B-B14F-4D97-AF65-F5344CB8AC3E}">
-        <p14:creationId xmlns:p14="http://schemas.microsoft.com/office/powerpoint/2010/main" val="111168951"/>
+        <p14:creationId xmlns:p14="http://schemas.microsoft.com/office/powerpoint/2010/main" val="3137229940"/>
       </p:ext>
     </p:extLst>
   </p:cSld>
@@ -10653,9 +11135,20 @@
           </a:bodyPr>
           <a:lstStyle/>
           <a:p>
+            <a:endParaRPr lang="en-AU" dirty="0"/>
+          </a:p>
+          <a:p>
             <a:r>
               <a:rPr lang="en-AU" dirty="0"/>
-              <a:t>Increasingly, meta-analysts recommend that random effects meta-analysis be the default analysis</a:t>
+              <a:t>Fixed effect meta-analysis assumes that the underlying true effect </a:t>
+            </a:r>
+            <a:r>
+              <a:rPr lang="en-AU" b="1" dirty="0"/>
+              <a:t>does not</a:t>
+            </a:r>
+            <a:r>
+              <a:rPr lang="en-AU" dirty="0"/>
+              <a:t> vary between studies and that variations in observed effects are due to sampling error</a:t>
             </a:r>
           </a:p>
           <a:p>
@@ -10664,14 +11157,23 @@
           <a:p>
             <a:r>
               <a:rPr lang="en-AU" dirty="0"/>
-              <a:t>Because</a:t>
-            </a:r>
-          </a:p>
-          <a:p>
-            <a:pPr lvl="1"/>
+              <a:t>Random effects meta-analysis assumes that the true effect does </a:t>
+            </a:r>
+            <a:r>
+              <a:rPr lang="en-AU" b="1" dirty="0"/>
+              <a:t>vary</a:t>
+            </a:r>
             <a:r>
               <a:rPr lang="en-AU" dirty="0"/>
-              <a:t>The assumptions underlying the fixed effect model are almost never supported</a:t>
+              <a:t> between studies within the meta-analysis and that variation in observed effects are due to sampling error </a:t>
+            </a:r>
+            <a:r>
+              <a:rPr lang="en-AU" i="1" dirty="0"/>
+              <a:t>and</a:t>
+            </a:r>
+            <a:r>
+              <a:rPr lang="en-AU" dirty="0"/>
+              <a:t> by moderators of the effect</a:t>
             </a:r>
           </a:p>
           <a:p>
@@ -10679,23 +11181,19 @@
             <a:endParaRPr lang="en-AU" dirty="0"/>
           </a:p>
           <a:p>
-            <a:pPr lvl="1"/>
-            <a:r>
-              <a:rPr lang="en-AU" dirty="0"/>
-              <a:t>Using a random effects model when the fixed effect model is true gives the same results as running the fixed effect model </a:t>
-            </a:r>
-            <a:r>
-              <a:rPr lang="en-AU" b="1" dirty="0"/>
-              <a:t>but </a:t>
-            </a:r>
-            <a:r>
-              <a:rPr lang="en-AU" dirty="0"/>
-              <a:t>running a FE model when random effects is true gives misleading results</a:t>
-            </a:r>
-          </a:p>
-          <a:p>
+            <a:pPr marL="0" indent="0">
+              <a:buNone/>
+            </a:pPr>
             <a:endParaRPr lang="en-AU" dirty="0"/>
           </a:p>
+          <a:p>
+            <a:pPr lvl="2"/>
+            <a:endParaRPr lang="en-AU" dirty="0"/>
+          </a:p>
+          <a:p>
+            <a:pPr lvl="2"/>
+            <a:endParaRPr lang="en-AU" dirty="0"/>
+          </a:p>
         </p:txBody>
       </p:sp>
       <p:sp>
@@ -10703,7 +11201,7 @@
           <p:cNvPr id="4" name="Slide Number Placeholder 3">
             <a:extLst>
               <a:ext uri="{FF2B5EF4-FFF2-40B4-BE49-F238E27FC236}">
-                <a16:creationId xmlns:a16="http://schemas.microsoft.com/office/drawing/2014/main" id="{9AE11E94-6BAD-7843-83CD-AA1A56AE8CC7}"/>
+                <a16:creationId xmlns:a16="http://schemas.microsoft.com/office/drawing/2014/main" id="{A52EA4A5-E170-0C41-ADF4-9199CF996956}"/>
               </a:ext>
             </a:extLst>
           </p:cNvPr>
@@ -10730,7 +11228,7 @@
     </p:spTree>
     <p:extLst>
       <p:ext uri="{BB962C8B-B14F-4D97-AF65-F5344CB8AC3E}">
-        <p14:creationId xmlns:p14="http://schemas.microsoft.com/office/powerpoint/2010/main" val="1600084560"/>
+        <p14:creationId xmlns:p14="http://schemas.microsoft.com/office/powerpoint/2010/main" val="111168951"/>
       </p:ext>
     </p:extLst>
   </p:cSld>
@@ -10759,13 +11257,7 @@
       </p:grpSpPr>
       <p:sp>
         <p:nvSpPr>
-          <p:cNvPr id="2" name="Title 1">
-            <a:extLst>
-              <a:ext uri="{FF2B5EF4-FFF2-40B4-BE49-F238E27FC236}">
-                <a16:creationId xmlns:a16="http://schemas.microsoft.com/office/drawing/2014/main" id="{395D5C25-D3B3-1F41-A35B-50CA25775663}"/>
-              </a:ext>
-            </a:extLst>
-          </p:cNvPr>
+          <p:cNvPr id="2" name="Title 1"/>
           <p:cNvSpPr>
             <a:spLocks noGrp="1"/>
           </p:cNvSpPr>
@@ -10779,34 +11271,71 @@
           <a:lstStyle/>
           <a:p>
             <a:r>
-              <a:rPr lang="en-US" dirty="0"/>
-              <a:t>Conducting the Meta-analysis</a:t>
-            </a:r>
-          </a:p>
-        </p:txBody>
-      </p:sp>
-      <p:sp>
-        <p:nvSpPr>
-          <p:cNvPr id="3" name="Text Placeholder 2">
-            <a:extLst>
-              <a:ext uri="{FF2B5EF4-FFF2-40B4-BE49-F238E27FC236}">
-                <a16:creationId xmlns:a16="http://schemas.microsoft.com/office/drawing/2014/main" id="{CDF44404-48F8-C441-A45D-943323A3088F}"/>
-              </a:ext>
-            </a:extLst>
-          </p:cNvPr>
-          <p:cNvSpPr>
-            <a:spLocks noGrp="1"/>
-          </p:cNvSpPr>
-          <p:nvPr>
-            <p:ph type="body" idx="1"/>
-          </p:nvPr>
-        </p:nvSpPr>
-        <p:spPr/>
-        <p:txBody>
-          <a:bodyPr/>
-          <a:lstStyle/>
-          <a:p>
-            <a:endParaRPr lang="en-US" dirty="0"/>
+              <a:rPr lang="en-AU" dirty="0"/>
+              <a:t>Fixed effect vs. Random effects meta-analysis</a:t>
+            </a:r>
+          </a:p>
+        </p:txBody>
+      </p:sp>
+      <p:sp>
+        <p:nvSpPr>
+          <p:cNvPr id="3" name="Content Placeholder 2"/>
+          <p:cNvSpPr>
+            <a:spLocks noGrp="1"/>
+          </p:cNvSpPr>
+          <p:nvPr>
+            <p:ph idx="1"/>
+          </p:nvPr>
+        </p:nvSpPr>
+        <p:spPr/>
+        <p:txBody>
+          <a:bodyPr>
+            <a:normAutofit/>
+          </a:bodyPr>
+          <a:lstStyle/>
+          <a:p>
+            <a:r>
+              <a:rPr lang="en-AU" dirty="0"/>
+              <a:t>Increasingly, meta-analysts recommend that random effects meta-analysis be the default analysis</a:t>
+            </a:r>
+          </a:p>
+          <a:p>
+            <a:endParaRPr lang="en-AU" dirty="0"/>
+          </a:p>
+          <a:p>
+            <a:r>
+              <a:rPr lang="en-AU" dirty="0"/>
+              <a:t>Because</a:t>
+            </a:r>
+          </a:p>
+          <a:p>
+            <a:pPr lvl="1"/>
+            <a:r>
+              <a:rPr lang="en-AU" dirty="0"/>
+              <a:t>The assumptions underlying the fixed effect model are almost never supported</a:t>
+            </a:r>
+          </a:p>
+          <a:p>
+            <a:pPr lvl="1"/>
+            <a:endParaRPr lang="en-AU" dirty="0"/>
+          </a:p>
+          <a:p>
+            <a:pPr lvl="1"/>
+            <a:r>
+              <a:rPr lang="en-AU" dirty="0"/>
+              <a:t>Using a random effects model when the fixed effect model is true gives the same results as running the fixed effect model </a:t>
+            </a:r>
+            <a:r>
+              <a:rPr lang="en-AU" b="1" dirty="0"/>
+              <a:t>but </a:t>
+            </a:r>
+            <a:r>
+              <a:rPr lang="en-AU" dirty="0"/>
+              <a:t>running a FE model when random effects is true gives misleading results</a:t>
+            </a:r>
+          </a:p>
+          <a:p>
+            <a:endParaRPr lang="en-AU" dirty="0"/>
           </a:p>
         </p:txBody>
       </p:sp>
@@ -10815,7 +11344,7 @@
           <p:cNvPr id="4" name="Slide Number Placeholder 3">
             <a:extLst>
               <a:ext uri="{FF2B5EF4-FFF2-40B4-BE49-F238E27FC236}">
-                <a16:creationId xmlns:a16="http://schemas.microsoft.com/office/drawing/2014/main" id="{F7D349C9-FE71-354C-B02A-17F8A7C4A3F8}"/>
+                <a16:creationId xmlns:a16="http://schemas.microsoft.com/office/drawing/2014/main" id="{9AE11E94-6BAD-7843-83CD-AA1A56AE8CC7}"/>
               </a:ext>
             </a:extLst>
           </p:cNvPr>
@@ -10842,7 +11371,7 @@
     </p:spTree>
     <p:extLst>
       <p:ext uri="{BB962C8B-B14F-4D97-AF65-F5344CB8AC3E}">
-        <p14:creationId xmlns:p14="http://schemas.microsoft.com/office/powerpoint/2010/main" val="3322128607"/>
+        <p14:creationId xmlns:p14="http://schemas.microsoft.com/office/powerpoint/2010/main" val="1600084560"/>
       </p:ext>
     </p:extLst>
   </p:cSld>
@@ -10874,7 +11403,7 @@
           <p:cNvPr id="2" name="Title 1">
             <a:extLst>
               <a:ext uri="{FF2B5EF4-FFF2-40B4-BE49-F238E27FC236}">
-                <a16:creationId xmlns:a16="http://schemas.microsoft.com/office/drawing/2014/main" id="{3E7ABA29-AEBC-D747-BBD3-3792CF508067}"/>
+                <a16:creationId xmlns:a16="http://schemas.microsoft.com/office/drawing/2014/main" id="{395D5C25-D3B3-1F41-A35B-50CA25775663}"/>
               </a:ext>
             </a:extLst>
           </p:cNvPr>
@@ -10899,39 +11428,27 @@
       </p:sp>
       <p:sp>
         <p:nvSpPr>
-          <p:cNvPr id="3" name="Content Placeholder 2">
-            <a:extLst>
-              <a:ext uri="{FF2B5EF4-FFF2-40B4-BE49-F238E27FC236}">
-                <a16:creationId xmlns:a16="http://schemas.microsoft.com/office/drawing/2014/main" id="{6BEB4D3D-AB38-164B-B888-668BE2342465}"/>
-              </a:ext>
-            </a:extLst>
-          </p:cNvPr>
-          <p:cNvSpPr>
-            <a:spLocks noGrp="1"/>
-          </p:cNvSpPr>
-          <p:nvPr>
-            <p:ph idx="1"/>
-          </p:nvPr>
-        </p:nvSpPr>
-        <p:spPr/>
-        <p:txBody>
-          <a:bodyPr/>
-          <a:lstStyle/>
-          <a:p>
-            <a:r>
-              <a:rPr lang="en-US" dirty="0"/>
-              <a:t>Now that we have extracted the data, running the actual meta-analysis should be relatively straightforward</a:t>
-            </a:r>
-          </a:p>
+          <p:cNvPr id="3" name="Text Placeholder 2">
+            <a:extLst>
+              <a:ext uri="{FF2B5EF4-FFF2-40B4-BE49-F238E27FC236}">
+                <a16:creationId xmlns:a16="http://schemas.microsoft.com/office/drawing/2014/main" id="{CDF44404-48F8-C441-A45D-943323A3088F}"/>
+              </a:ext>
+            </a:extLst>
+          </p:cNvPr>
+          <p:cNvSpPr>
+            <a:spLocks noGrp="1"/>
+          </p:cNvSpPr>
+          <p:nvPr>
+            <p:ph type="body" idx="1"/>
+          </p:nvPr>
+        </p:nvSpPr>
+        <p:spPr/>
+        <p:txBody>
+          <a:bodyPr/>
+          <a:lstStyle/>
           <a:p>
             <a:endParaRPr lang="en-US" dirty="0"/>
           </a:p>
-          <a:p>
-            <a:r>
-              <a:rPr lang="en-US" dirty="0"/>
-              <a:t>However, it does involve several important steps</a:t>
-            </a:r>
-          </a:p>
         </p:txBody>
       </p:sp>
       <p:sp>
@@ -10939,7 +11456,7 @@
           <p:cNvPr id="4" name="Slide Number Placeholder 3">
             <a:extLst>
               <a:ext uri="{FF2B5EF4-FFF2-40B4-BE49-F238E27FC236}">
-                <a16:creationId xmlns:a16="http://schemas.microsoft.com/office/drawing/2014/main" id="{03F87378-4323-174C-B16B-E5D8FD7BC04A}"/>
+                <a16:creationId xmlns:a16="http://schemas.microsoft.com/office/drawing/2014/main" id="{F7D349C9-FE71-354C-B02A-17F8A7C4A3F8}"/>
               </a:ext>
             </a:extLst>
           </p:cNvPr>
@@ -10966,7 +11483,7 @@
     </p:spTree>
     <p:extLst>
       <p:ext uri="{BB962C8B-B14F-4D97-AF65-F5344CB8AC3E}">
-        <p14:creationId xmlns:p14="http://schemas.microsoft.com/office/powerpoint/2010/main" val="2622651222"/>
+        <p14:creationId xmlns:p14="http://schemas.microsoft.com/office/powerpoint/2010/main" val="3322128607"/>
       </p:ext>
     </p:extLst>
   </p:cSld>
@@ -10998,7 +11515,7 @@
           <p:cNvPr id="2" name="Title 1">
             <a:extLst>
               <a:ext uri="{FF2B5EF4-FFF2-40B4-BE49-F238E27FC236}">
-                <a16:creationId xmlns:a16="http://schemas.microsoft.com/office/drawing/2014/main" id="{4856AFE1-6372-AF42-A05E-DFF9C666ECD1}"/>
+                <a16:creationId xmlns:a16="http://schemas.microsoft.com/office/drawing/2014/main" id="{3E7ABA29-AEBC-D747-BBD3-3792CF508067}"/>
               </a:ext>
             </a:extLst>
           </p:cNvPr>
@@ -11016,7 +11533,7 @@
           <a:p>
             <a:r>
               <a:rPr lang="en-US" dirty="0"/>
-              <a:t>Steps for Conducting the Meta-analysis</a:t>
+              <a:t>Conducting the Meta-analysis</a:t>
             </a:r>
           </a:p>
         </p:txBody>
@@ -11026,7 +11543,7 @@
           <p:cNvPr id="3" name="Content Placeholder 2">
             <a:extLst>
               <a:ext uri="{FF2B5EF4-FFF2-40B4-BE49-F238E27FC236}">
-                <a16:creationId xmlns:a16="http://schemas.microsoft.com/office/drawing/2014/main" id="{0FD600CA-A72B-3445-9F9E-96F85929B34B}"/>
+                <a16:creationId xmlns:a16="http://schemas.microsoft.com/office/drawing/2014/main" id="{6BEB4D3D-AB38-164B-B888-668BE2342465}"/>
               </a:ext>
             </a:extLst>
           </p:cNvPr>
@@ -11039,113 +11556,22 @@
         </p:nvSpPr>
         <p:spPr/>
         <p:txBody>
-          <a:bodyPr>
-            <a:normAutofit lnSpcReduction="10000"/>
-          </a:bodyPr>
-          <a:lstStyle/>
-          <a:p>
-            <a:pPr marL="514350" indent="-514350">
-              <a:buFont typeface="+mj-lt"/>
-              <a:buAutoNum type="arabicPeriod"/>
-            </a:pPr>
+          <a:bodyPr/>
+          <a:lstStyle/>
+          <a:p>
             <a:r>
               <a:rPr lang="en-US" dirty="0"/>
-              <a:t>Import appropriately formatted data</a:t>
-            </a:r>
-          </a:p>
-          <a:p>
-            <a:pPr marL="514350" indent="-514350">
-              <a:buFont typeface="+mj-lt"/>
-              <a:buAutoNum type="arabicPeriod"/>
-            </a:pPr>
+              <a:t>Now that we have extracted the data, running the actual meta-analysis should be relatively straightforward</a:t>
+            </a:r>
+          </a:p>
+          <a:p>
+            <a:endParaRPr lang="en-US" dirty="0"/>
+          </a:p>
+          <a:p>
             <a:r>
               <a:rPr lang="en-US" dirty="0"/>
-              <a:t>Compile or calculate effect sizes and create summary table</a:t>
-            </a:r>
-          </a:p>
-          <a:p>
-            <a:pPr marL="514350" indent="-514350">
-              <a:buFont typeface="+mj-lt"/>
-              <a:buAutoNum type="arabicPeriod"/>
-            </a:pPr>
-            <a:r>
-              <a:rPr lang="en-US" dirty="0"/>
-              <a:t>Visually inspect for outliers </a:t>
-            </a:r>
-          </a:p>
-          <a:p>
-            <a:pPr marL="514350" indent="-514350">
-              <a:buFont typeface="+mj-lt"/>
-              <a:buAutoNum type="arabicPeriod"/>
-            </a:pPr>
-            <a:r>
-              <a:rPr lang="en-US" dirty="0"/>
-              <a:t>Run main meta-analytic model</a:t>
-            </a:r>
-          </a:p>
-          <a:p>
-            <a:pPr marL="514350" indent="-514350">
-              <a:buFont typeface="+mj-lt"/>
-              <a:buAutoNum type="arabicPeriod"/>
-            </a:pPr>
-            <a:r>
-              <a:rPr lang="en-US" dirty="0"/>
-              <a:t>Calculate and interpret heterogeneity</a:t>
-            </a:r>
-          </a:p>
-          <a:p>
-            <a:pPr marL="514350" indent="-514350">
-              <a:buFont typeface="+mj-lt"/>
-              <a:buAutoNum type="arabicPeriod"/>
-            </a:pPr>
-            <a:r>
-              <a:rPr lang="en-US" dirty="0"/>
-              <a:t>Check again for influential points</a:t>
-            </a:r>
-          </a:p>
-          <a:p>
-            <a:pPr marL="514350" indent="-514350">
-              <a:buFont typeface="+mj-lt"/>
-              <a:buAutoNum type="arabicPeriod"/>
-            </a:pPr>
-            <a:r>
-              <a:rPr lang="en-US" dirty="0"/>
-              <a:t>Generate forest plot</a:t>
-            </a:r>
-          </a:p>
-          <a:p>
-            <a:pPr marL="514350" indent="-514350">
-              <a:buFont typeface="+mj-lt"/>
-              <a:buAutoNum type="arabicPeriod"/>
-            </a:pPr>
-            <a:r>
-              <a:rPr lang="en-US" dirty="0"/>
-              <a:t>Conduct meta-regression analysis</a:t>
-            </a:r>
-          </a:p>
-          <a:p>
-            <a:pPr marL="514350" indent="-514350">
-              <a:buFont typeface="+mj-lt"/>
-              <a:buAutoNum type="arabicPeriod"/>
-            </a:pPr>
-            <a:r>
-              <a:rPr lang="en-US" dirty="0"/>
-              <a:t>Test for publication bias</a:t>
-            </a:r>
-          </a:p>
-          <a:p>
-            <a:pPr marL="514350" indent="-514350">
-              <a:buFont typeface="+mj-lt"/>
-              <a:buAutoNum type="arabicPeriod"/>
-            </a:pPr>
-            <a:endParaRPr lang="en-US" dirty="0"/>
-          </a:p>
-          <a:p>
-            <a:pPr marL="514350" indent="-514350">
-              <a:buFont typeface="+mj-lt"/>
-              <a:buAutoNum type="arabicPeriod"/>
-            </a:pPr>
-            <a:endParaRPr lang="en-US" dirty="0"/>
+              <a:t>However, it does involve several important steps</a:t>
+            </a:r>
           </a:p>
         </p:txBody>
       </p:sp>
@@ -11154,7 +11580,7 @@
           <p:cNvPr id="4" name="Slide Number Placeholder 3">
             <a:extLst>
               <a:ext uri="{FF2B5EF4-FFF2-40B4-BE49-F238E27FC236}">
-                <a16:creationId xmlns:a16="http://schemas.microsoft.com/office/drawing/2014/main" id="{7C6362DF-A1BB-6E48-B49C-67DA966BB1D3}"/>
+                <a16:creationId xmlns:a16="http://schemas.microsoft.com/office/drawing/2014/main" id="{03F87378-4323-174C-B16B-E5D8FD7BC04A}"/>
               </a:ext>
             </a:extLst>
           </p:cNvPr>
@@ -11181,7 +11607,7 @@
     </p:spTree>
     <p:extLst>
       <p:ext uri="{BB962C8B-B14F-4D97-AF65-F5344CB8AC3E}">
-        <p14:creationId xmlns:p14="http://schemas.microsoft.com/office/powerpoint/2010/main" val="1121500487"/>
+        <p14:creationId xmlns:p14="http://schemas.microsoft.com/office/powerpoint/2010/main" val="2622651222"/>
       </p:ext>
     </p:extLst>
   </p:cSld>
@@ -11213,7 +11639,7 @@
           <p:cNvPr id="2" name="Title 1">
             <a:extLst>
               <a:ext uri="{FF2B5EF4-FFF2-40B4-BE49-F238E27FC236}">
-                <a16:creationId xmlns:a16="http://schemas.microsoft.com/office/drawing/2014/main" id="{ED9D6FA6-326B-0147-BAE7-8741F3E6548E}"/>
+                <a16:creationId xmlns:a16="http://schemas.microsoft.com/office/drawing/2014/main" id="{4856AFE1-6372-AF42-A05E-DFF9C666ECD1}"/>
               </a:ext>
             </a:extLst>
           </p:cNvPr>
@@ -11231,17 +11657,17 @@
           <a:p>
             <a:r>
               <a:rPr lang="en-US" dirty="0"/>
-              <a:t>Outlier analysis</a:t>
-            </a:r>
-          </a:p>
-        </p:txBody>
-      </p:sp>
-      <p:sp>
-        <p:nvSpPr>
-          <p:cNvPr id="4" name="Content Placeholder 3">
-            <a:extLst>
-              <a:ext uri="{FF2B5EF4-FFF2-40B4-BE49-F238E27FC236}">
-                <a16:creationId xmlns:a16="http://schemas.microsoft.com/office/drawing/2014/main" id="{5A92EDD6-1012-0D47-AE61-991A61BD66E3}"/>
+              <a:t>Steps for Conducting the Meta-analysis</a:t>
+            </a:r>
+          </a:p>
+        </p:txBody>
+      </p:sp>
+      <p:sp>
+        <p:nvSpPr>
+          <p:cNvPr id="3" name="Content Placeholder 2">
+            <a:extLst>
+              <a:ext uri="{FF2B5EF4-FFF2-40B4-BE49-F238E27FC236}">
+                <a16:creationId xmlns:a16="http://schemas.microsoft.com/office/drawing/2014/main" id="{0FD600CA-A72B-3445-9F9E-96F85929B34B}"/>
               </a:ext>
             </a:extLst>
           </p:cNvPr>
@@ -11254,64 +11680,122 @@
         </p:nvSpPr>
         <p:spPr/>
         <p:txBody>
-          <a:bodyPr/>
-          <a:lstStyle/>
-          <a:p>
+          <a:bodyPr>
+            <a:normAutofit lnSpcReduction="10000"/>
+          </a:bodyPr>
+          <a:lstStyle/>
+          <a:p>
+            <a:pPr marL="514350" indent="-514350">
+              <a:buFont typeface="+mj-lt"/>
+              <a:buAutoNum type="arabicPeriod"/>
+            </a:pPr>
             <a:r>
               <a:rPr lang="en-US" dirty="0"/>
-              <a:t>A data point is considered an </a:t>
-            </a:r>
-            <a:r>
-              <a:rPr lang="en-US" u="sng" dirty="0"/>
-              <a:t>outlier</a:t>
-            </a:r>
+              <a:t>Import appropriately formatted data</a:t>
+            </a:r>
+          </a:p>
+          <a:p>
+            <a:pPr marL="514350" indent="-514350">
+              <a:buFont typeface="+mj-lt"/>
+              <a:buAutoNum type="arabicPeriod"/>
+            </a:pPr>
             <a:r>
               <a:rPr lang="en-US" dirty="0"/>
-              <a:t> if the predicted value (y) of an input variable (x) does not follow the general trend of the rest of the data</a:t>
-            </a:r>
-          </a:p>
-          <a:p>
+              <a:t>Compile or calculate effect sizes and create summary table</a:t>
+            </a:r>
+          </a:p>
+          <a:p>
+            <a:pPr marL="514350" indent="-514350">
+              <a:buFont typeface="+mj-lt"/>
+              <a:buAutoNum type="arabicPeriod"/>
+            </a:pPr>
+            <a:r>
+              <a:rPr lang="en-US" dirty="0"/>
+              <a:t>Visually inspect for outliers </a:t>
+            </a:r>
+          </a:p>
+          <a:p>
+            <a:pPr marL="514350" indent="-514350">
+              <a:buFont typeface="+mj-lt"/>
+              <a:buAutoNum type="arabicPeriod"/>
+            </a:pPr>
+            <a:r>
+              <a:rPr lang="en-US" dirty="0"/>
+              <a:t>Run main meta-analytic model</a:t>
+            </a:r>
+          </a:p>
+          <a:p>
+            <a:pPr marL="514350" indent="-514350">
+              <a:buFont typeface="+mj-lt"/>
+              <a:buAutoNum type="arabicPeriod"/>
+            </a:pPr>
+            <a:r>
+              <a:rPr lang="en-US" dirty="0"/>
+              <a:t>Calculate and interpret heterogeneity</a:t>
+            </a:r>
+          </a:p>
+          <a:p>
+            <a:pPr marL="514350" indent="-514350">
+              <a:buFont typeface="+mj-lt"/>
+              <a:buAutoNum type="arabicPeriod"/>
+            </a:pPr>
+            <a:r>
+              <a:rPr lang="en-US" dirty="0"/>
+              <a:t>Check again for influential points</a:t>
+            </a:r>
+          </a:p>
+          <a:p>
+            <a:pPr marL="514350" indent="-514350">
+              <a:buFont typeface="+mj-lt"/>
+              <a:buAutoNum type="arabicPeriod"/>
+            </a:pPr>
+            <a:r>
+              <a:rPr lang="en-US" dirty="0"/>
+              <a:t>Generate forest plot</a:t>
+            </a:r>
+          </a:p>
+          <a:p>
+            <a:pPr marL="514350" indent="-514350">
+              <a:buFont typeface="+mj-lt"/>
+              <a:buAutoNum type="arabicPeriod"/>
+            </a:pPr>
+            <a:r>
+              <a:rPr lang="en-US" dirty="0"/>
+              <a:t>Conduct meta-regression analysis</a:t>
+            </a:r>
+          </a:p>
+          <a:p>
+            <a:pPr marL="514350" indent="-514350">
+              <a:buFont typeface="+mj-lt"/>
+              <a:buAutoNum type="arabicPeriod"/>
+            </a:pPr>
+            <a:r>
+              <a:rPr lang="en-US" dirty="0"/>
+              <a:t>Test for publication bias</a:t>
+            </a:r>
+          </a:p>
+          <a:p>
+            <a:pPr marL="514350" indent="-514350">
+              <a:buFont typeface="+mj-lt"/>
+              <a:buAutoNum type="arabicPeriod"/>
+            </a:pPr>
             <a:endParaRPr lang="en-US" dirty="0"/>
           </a:p>
           <a:p>
-            <a:r>
-              <a:rPr lang="en-US" dirty="0"/>
-              <a:t>A data point is </a:t>
-            </a:r>
-            <a:r>
-              <a:rPr lang="en-US" u="sng" dirty="0"/>
-              <a:t>influential</a:t>
-            </a:r>
-            <a:r>
-              <a:rPr lang="en-US" dirty="0"/>
-              <a:t> if it unduly influences any part of a regression analysis</a:t>
-            </a:r>
-          </a:p>
-          <a:p>
+            <a:pPr marL="514350" indent="-514350">
+              <a:buFont typeface="+mj-lt"/>
+              <a:buAutoNum type="arabicPeriod"/>
+            </a:pPr>
             <a:endParaRPr lang="en-US" dirty="0"/>
           </a:p>
-          <a:p>
-            <a:r>
-              <a:rPr lang="en-US" dirty="0"/>
-              <a:t>A common rule is to flag any observation whose leverage value is more than </a:t>
-            </a:r>
-            <a:r>
-              <a:rPr lang="en-US" u="sng" dirty="0"/>
-              <a:t>3 times larger </a:t>
-            </a:r>
-            <a:r>
-              <a:rPr lang="en-US" dirty="0"/>
-              <a:t>than the mean leverage value</a:t>
-            </a:r>
-          </a:p>
-        </p:txBody>
-      </p:sp>
-      <p:sp>
-        <p:nvSpPr>
-          <p:cNvPr id="3" name="Slide Number Placeholder 2">
-            <a:extLst>
-              <a:ext uri="{FF2B5EF4-FFF2-40B4-BE49-F238E27FC236}">
-                <a16:creationId xmlns:a16="http://schemas.microsoft.com/office/drawing/2014/main" id="{5982A299-4708-DE40-AD84-A549C62B077B}"/>
+        </p:txBody>
+      </p:sp>
+      <p:sp>
+        <p:nvSpPr>
+          <p:cNvPr id="4" name="Slide Number Placeholder 3">
+            <a:extLst>
+              <a:ext uri="{FF2B5EF4-FFF2-40B4-BE49-F238E27FC236}">
+                <a16:creationId xmlns:a16="http://schemas.microsoft.com/office/drawing/2014/main" id="{7C6362DF-A1BB-6E48-B49C-67DA966BB1D3}"/>
               </a:ext>
             </a:extLst>
           </p:cNvPr>
@@ -11338,7 +11822,7 @@
     </p:spTree>
     <p:extLst>
       <p:ext uri="{BB962C8B-B14F-4D97-AF65-F5344CB8AC3E}">
-        <p14:creationId xmlns:p14="http://schemas.microsoft.com/office/powerpoint/2010/main" val="1873180812"/>
+        <p14:creationId xmlns:p14="http://schemas.microsoft.com/office/powerpoint/2010/main" val="1121500487"/>
       </p:ext>
     </p:extLst>
   </p:cSld>
@@ -11388,6 +11872,163 @@
           <a:p>
             <a:r>
               <a:rPr lang="en-US" dirty="0"/>
+              <a:t>Outlier analysis</a:t>
+            </a:r>
+          </a:p>
+        </p:txBody>
+      </p:sp>
+      <p:sp>
+        <p:nvSpPr>
+          <p:cNvPr id="4" name="Content Placeholder 3">
+            <a:extLst>
+              <a:ext uri="{FF2B5EF4-FFF2-40B4-BE49-F238E27FC236}">
+                <a16:creationId xmlns:a16="http://schemas.microsoft.com/office/drawing/2014/main" id="{5A92EDD6-1012-0D47-AE61-991A61BD66E3}"/>
+              </a:ext>
+            </a:extLst>
+          </p:cNvPr>
+          <p:cNvSpPr>
+            <a:spLocks noGrp="1"/>
+          </p:cNvSpPr>
+          <p:nvPr>
+            <p:ph idx="1"/>
+          </p:nvPr>
+        </p:nvSpPr>
+        <p:spPr/>
+        <p:txBody>
+          <a:bodyPr/>
+          <a:lstStyle/>
+          <a:p>
+            <a:r>
+              <a:rPr lang="en-US" dirty="0"/>
+              <a:t>A data point is considered an </a:t>
+            </a:r>
+            <a:r>
+              <a:rPr lang="en-US" u="sng" dirty="0"/>
+              <a:t>outlier</a:t>
+            </a:r>
+            <a:r>
+              <a:rPr lang="en-US" dirty="0"/>
+              <a:t> if the predicted value (y) of an input variable (x) does not follow the general trend of the rest of the data</a:t>
+            </a:r>
+          </a:p>
+          <a:p>
+            <a:endParaRPr lang="en-US" dirty="0"/>
+          </a:p>
+          <a:p>
+            <a:r>
+              <a:rPr lang="en-US" dirty="0"/>
+              <a:t>A data point is </a:t>
+            </a:r>
+            <a:r>
+              <a:rPr lang="en-US" u="sng" dirty="0"/>
+              <a:t>influential</a:t>
+            </a:r>
+            <a:r>
+              <a:rPr lang="en-US" dirty="0"/>
+              <a:t> if it unduly influences any part of a regression analysis</a:t>
+            </a:r>
+          </a:p>
+          <a:p>
+            <a:endParaRPr lang="en-US" dirty="0"/>
+          </a:p>
+          <a:p>
+            <a:r>
+              <a:rPr lang="en-US" dirty="0"/>
+              <a:t>A common rule is to flag any observation whose leverage value is more than </a:t>
+            </a:r>
+            <a:r>
+              <a:rPr lang="en-US" u="sng" dirty="0"/>
+              <a:t>3 times larger </a:t>
+            </a:r>
+            <a:r>
+              <a:rPr lang="en-US" dirty="0"/>
+              <a:t>than the mean leverage value</a:t>
+            </a:r>
+          </a:p>
+        </p:txBody>
+      </p:sp>
+      <p:sp>
+        <p:nvSpPr>
+          <p:cNvPr id="3" name="Slide Number Placeholder 2">
+            <a:extLst>
+              <a:ext uri="{FF2B5EF4-FFF2-40B4-BE49-F238E27FC236}">
+                <a16:creationId xmlns:a16="http://schemas.microsoft.com/office/drawing/2014/main" id="{5982A299-4708-DE40-AD84-A549C62B077B}"/>
+              </a:ext>
+            </a:extLst>
+          </p:cNvPr>
+          <p:cNvSpPr>
+            <a:spLocks noGrp="1"/>
+          </p:cNvSpPr>
+          <p:nvPr>
+            <p:ph type="sldNum" sz="quarter" idx="12"/>
+          </p:nvPr>
+        </p:nvSpPr>
+        <p:spPr/>
+        <p:txBody>
+          <a:bodyPr/>
+          <a:lstStyle/>
+          <a:p>
+            <a:fld id="{284273DD-104E-A841-819D-72454FA280E2}" type="slidenum">
+              <a:rPr lang="en-US" smtClean="0"/>
+              <a:t>27</a:t>
+            </a:fld>
+            <a:endParaRPr lang="en-US" dirty="0"/>
+          </a:p>
+        </p:txBody>
+      </p:sp>
+    </p:spTree>
+    <p:extLst>
+      <p:ext uri="{BB962C8B-B14F-4D97-AF65-F5344CB8AC3E}">
+        <p14:creationId xmlns:p14="http://schemas.microsoft.com/office/powerpoint/2010/main" val="1873180812"/>
+      </p:ext>
+    </p:extLst>
+  </p:cSld>
+  <p:clrMapOvr>
+    <a:masterClrMapping/>
+  </p:clrMapOvr>
+</p:sld>
+</file>
+
+<file path=ppt/slides/slide29.xml><?xml version="1.0" encoding="utf-8"?>
+<p:sld xmlns:a="http://schemas.openxmlformats.org/drawingml/2006/main" xmlns:r="http://schemas.openxmlformats.org/officeDocument/2006/relationships" xmlns:p="http://schemas.openxmlformats.org/presentationml/2006/main">
+  <p:cSld>
+    <p:spTree>
+      <p:nvGrpSpPr>
+        <p:cNvPr id="1" name=""/>
+        <p:cNvGrpSpPr/>
+        <p:nvPr/>
+      </p:nvGrpSpPr>
+      <p:grpSpPr>
+        <a:xfrm>
+          <a:off x="0" y="0"/>
+          <a:ext cx="0" cy="0"/>
+          <a:chOff x="0" y="0"/>
+          <a:chExt cx="0" cy="0"/>
+        </a:xfrm>
+      </p:grpSpPr>
+      <p:sp>
+        <p:nvSpPr>
+          <p:cNvPr id="2" name="Title 1">
+            <a:extLst>
+              <a:ext uri="{FF2B5EF4-FFF2-40B4-BE49-F238E27FC236}">
+                <a16:creationId xmlns:a16="http://schemas.microsoft.com/office/drawing/2014/main" id="{ED9D6FA6-326B-0147-BAE7-8741F3E6548E}"/>
+              </a:ext>
+            </a:extLst>
+          </p:cNvPr>
+          <p:cNvSpPr>
+            <a:spLocks noGrp="1"/>
+          </p:cNvSpPr>
+          <p:nvPr>
+            <p:ph type="title"/>
+          </p:nvPr>
+        </p:nvSpPr>
+        <p:spPr/>
+        <p:txBody>
+          <a:bodyPr/>
+          <a:lstStyle/>
+          <a:p>
+            <a:r>
+              <a:rPr lang="en-US" dirty="0"/>
               <a:t>Outlier analysis: Violin plots</a:t>
             </a:r>
           </a:p>
@@ -11508,7 +12149,7 @@
           <a:p>
             <a:fld id="{284273DD-104E-A841-819D-72454FA280E2}" type="slidenum">
               <a:rPr lang="en-US" smtClean="0"/>
-              <a:t>27</a:t>
+              <a:t>28</a:t>
             </a:fld>
             <a:endParaRPr lang="en-US" dirty="0"/>
           </a:p>
@@ -11527,7 +12168,7 @@
 </p:sld>
 </file>
 
-<file path=ppt/slides/slide29.xml><?xml version="1.0" encoding="utf-8"?>
+<file path=ppt/slides/slide3.xml><?xml version="1.0" encoding="utf-8"?>
 <p:sld xmlns:a="http://schemas.openxmlformats.org/drawingml/2006/main" xmlns:r="http://schemas.openxmlformats.org/officeDocument/2006/relationships" xmlns:p="http://schemas.openxmlformats.org/presentationml/2006/main">
   <p:cSld>
     <p:spTree>
@@ -11546,6 +12187,408 @@
       </p:grpSpPr>
       <p:sp>
         <p:nvSpPr>
+          <p:cNvPr id="4" name="Rectangle 2"/>
+          <p:cNvSpPr txBox="1">
+            <a:spLocks noChangeArrowheads="1"/>
+          </p:cNvSpPr>
+          <p:nvPr/>
+        </p:nvSpPr>
+        <p:spPr>
+          <a:xfrm>
+            <a:off x="-3389802" y="1734667"/>
+            <a:ext cx="10515600" cy="1325563"/>
+          </a:xfrm>
+          <a:prstGeom prst="rect">
+            <a:avLst/>
+          </a:prstGeom>
+        </p:spPr>
+        <p:txBody>
+          <a:bodyPr vert="horz" lIns="91440" tIns="45720" rIns="91440" bIns="45720" rtlCol="0" anchor="b">
+            <a:normAutofit/>
+          </a:bodyPr>
+          <a:lstStyle>
+            <a:lvl1pPr algn="ctr" defTabSz="914400" rtl="0" eaLnBrk="1" latinLnBrk="0" hangingPunct="1">
+              <a:lnSpc>
+                <a:spcPct val="90000"/>
+              </a:lnSpc>
+              <a:spcBef>
+                <a:spcPct val="0"/>
+              </a:spcBef>
+              <a:buNone/>
+              <a:defRPr sz="6000" kern="1200">
+                <a:solidFill>
+                  <a:schemeClr val="tx1"/>
+                </a:solidFill>
+                <a:latin typeface="+mj-lt"/>
+                <a:ea typeface="+mj-ea"/>
+                <a:cs typeface="+mj-cs"/>
+              </a:defRPr>
+            </a:lvl1pPr>
+          </a:lstStyle>
+          <a:p>
+            <a:endParaRPr lang="en-US" altLang="en-US" dirty="0"/>
+          </a:p>
+        </p:txBody>
+      </p:sp>
+      <p:sp>
+        <p:nvSpPr>
+          <p:cNvPr id="6" name="Title 5">
+            <a:extLst>
+              <a:ext uri="{FF2B5EF4-FFF2-40B4-BE49-F238E27FC236}">
+                <a16:creationId xmlns:a16="http://schemas.microsoft.com/office/drawing/2014/main" id="{01ED56A3-C991-E34F-BC87-653ABC909680}"/>
+              </a:ext>
+            </a:extLst>
+          </p:cNvPr>
+          <p:cNvSpPr>
+            <a:spLocks noGrp="1"/>
+          </p:cNvSpPr>
+          <p:nvPr>
+            <p:ph type="title"/>
+          </p:nvPr>
+        </p:nvSpPr>
+        <p:spPr/>
+        <p:txBody>
+          <a:bodyPr/>
+          <a:lstStyle/>
+          <a:p>
+            <a:r>
+              <a:rPr lang="en-US" altLang="en-US" dirty="0"/>
+              <a:t>Aims of this session….</a:t>
+            </a:r>
+            <a:endParaRPr lang="en-US" dirty="0"/>
+          </a:p>
+        </p:txBody>
+      </p:sp>
+      <p:sp>
+        <p:nvSpPr>
+          <p:cNvPr id="7" name="Content Placeholder 6">
+            <a:extLst>
+              <a:ext uri="{FF2B5EF4-FFF2-40B4-BE49-F238E27FC236}">
+                <a16:creationId xmlns:a16="http://schemas.microsoft.com/office/drawing/2014/main" id="{306F3DC6-566C-FD40-99E1-AD64351A4707}"/>
+              </a:ext>
+            </a:extLst>
+          </p:cNvPr>
+          <p:cNvSpPr>
+            <a:spLocks noGrp="1"/>
+          </p:cNvSpPr>
+          <p:nvPr>
+            <p:ph idx="1"/>
+          </p:nvPr>
+        </p:nvSpPr>
+        <p:spPr/>
+        <p:txBody>
+          <a:bodyPr/>
+          <a:lstStyle/>
+          <a:p>
+            <a:pPr marL="342900" indent="-342900"/>
+            <a:r>
+              <a:rPr lang="en-US" altLang="en-US" dirty="0"/>
+              <a:t>Receive overview of steps involved in a meta-analysis</a:t>
+            </a:r>
+          </a:p>
+          <a:p>
+            <a:pPr marL="342900" indent="-342900"/>
+            <a:r>
+              <a:rPr lang="en-US" altLang="en-US" dirty="0"/>
+              <a:t>Discuss effect size estimates and challenges to extraction</a:t>
+            </a:r>
+          </a:p>
+          <a:p>
+            <a:pPr marL="342900" indent="-342900"/>
+            <a:r>
+              <a:rPr lang="en-US" altLang="en-US" dirty="0"/>
+              <a:t>Gain an orientation to fixed- and random-effects models</a:t>
+            </a:r>
+          </a:p>
+          <a:p>
+            <a:pPr marL="342900" indent="-342900"/>
+            <a:r>
+              <a:rPr lang="en-US" altLang="en-US" dirty="0"/>
+              <a:t>Experience data extraction and meta-analysis</a:t>
+            </a:r>
+          </a:p>
+          <a:p>
+            <a:pPr marL="342900" indent="-342900"/>
+            <a:r>
+              <a:rPr lang="en-US" altLang="en-US" dirty="0"/>
+              <a:t>Outline the reporting of meta-analysis findings</a:t>
+            </a:r>
+          </a:p>
+          <a:p>
+            <a:pPr marL="342900" indent="-342900"/>
+            <a:endParaRPr lang="en-US" altLang="en-US" dirty="0"/>
+          </a:p>
+        </p:txBody>
+      </p:sp>
+      <p:sp>
+        <p:nvSpPr>
+          <p:cNvPr id="2" name="Slide Number Placeholder 1">
+            <a:extLst>
+              <a:ext uri="{FF2B5EF4-FFF2-40B4-BE49-F238E27FC236}">
+                <a16:creationId xmlns:a16="http://schemas.microsoft.com/office/drawing/2014/main" id="{D24A07CD-636A-D444-9479-EEAFD7611A97}"/>
+              </a:ext>
+            </a:extLst>
+          </p:cNvPr>
+          <p:cNvSpPr>
+            <a:spLocks noGrp="1"/>
+          </p:cNvSpPr>
+          <p:nvPr>
+            <p:ph type="sldNum" sz="quarter" idx="12"/>
+          </p:nvPr>
+        </p:nvSpPr>
+        <p:spPr/>
+        <p:txBody>
+          <a:bodyPr/>
+          <a:lstStyle/>
+          <a:p>
+            <a:fld id="{284273DD-104E-A841-819D-72454FA280E2}" type="slidenum">
+              <a:rPr lang="en-US" smtClean="0"/>
+              <a:t>2</a:t>
+            </a:fld>
+            <a:endParaRPr lang="en-US" dirty="0"/>
+          </a:p>
+        </p:txBody>
+      </p:sp>
+      <p:sp>
+        <p:nvSpPr>
+          <p:cNvPr id="9" name="Text Placeholder 3">
+            <a:extLst>
+              <a:ext uri="{FF2B5EF4-FFF2-40B4-BE49-F238E27FC236}">
+                <a16:creationId xmlns:a16="http://schemas.microsoft.com/office/drawing/2014/main" id="{5F88D28F-33FD-1B45-B6EE-710CD6196F18}"/>
+              </a:ext>
+            </a:extLst>
+          </p:cNvPr>
+          <p:cNvSpPr txBox="1">
+            <a:spLocks/>
+          </p:cNvSpPr>
+          <p:nvPr/>
+        </p:nvSpPr>
+        <p:spPr>
+          <a:xfrm>
+            <a:off x="552404" y="6257880"/>
+            <a:ext cx="10512424" cy="452437"/>
+          </a:xfrm>
+          <a:prstGeom prst="rect">
+            <a:avLst/>
+          </a:prstGeom>
+        </p:spPr>
+        <p:txBody>
+          <a:bodyPr vert="horz" lIns="91440" tIns="45720" rIns="91440" bIns="45720" rtlCol="0">
+            <a:normAutofit lnSpcReduction="10000"/>
+          </a:bodyPr>
+          <a:lstStyle>
+            <a:lvl1pPr marL="228600" indent="-228600" algn="l" defTabSz="914400" rtl="0" eaLnBrk="1" latinLnBrk="0" hangingPunct="1">
+              <a:lnSpc>
+                <a:spcPct val="90000"/>
+              </a:lnSpc>
+              <a:spcBef>
+                <a:spcPts val="1000"/>
+              </a:spcBef>
+              <a:buFont typeface="Arial" panose="020B0604020202020204" pitchFamily="34" charset="0"/>
+              <a:buChar char="•"/>
+              <a:defRPr sz="2800" kern="1200">
+                <a:solidFill>
+                  <a:schemeClr val="tx1"/>
+                </a:solidFill>
+                <a:latin typeface="+mn-lt"/>
+                <a:ea typeface="+mn-ea"/>
+                <a:cs typeface="+mn-cs"/>
+              </a:defRPr>
+            </a:lvl1pPr>
+            <a:lvl2pPr marL="685800" indent="-228600" algn="l" defTabSz="914400" rtl="0" eaLnBrk="1" latinLnBrk="0" hangingPunct="1">
+              <a:lnSpc>
+                <a:spcPct val="90000"/>
+              </a:lnSpc>
+              <a:spcBef>
+                <a:spcPts val="500"/>
+              </a:spcBef>
+              <a:buFont typeface="Arial" panose="020B0604020202020204" pitchFamily="34" charset="0"/>
+              <a:buChar char="•"/>
+              <a:defRPr sz="2400" kern="1200">
+                <a:solidFill>
+                  <a:schemeClr val="tx1"/>
+                </a:solidFill>
+                <a:latin typeface="+mn-lt"/>
+                <a:ea typeface="+mn-ea"/>
+                <a:cs typeface="+mn-cs"/>
+              </a:defRPr>
+            </a:lvl2pPr>
+            <a:lvl3pPr marL="1143000" indent="-228600" algn="l" defTabSz="914400" rtl="0" eaLnBrk="1" latinLnBrk="0" hangingPunct="1">
+              <a:lnSpc>
+                <a:spcPct val="90000"/>
+              </a:lnSpc>
+              <a:spcBef>
+                <a:spcPts val="500"/>
+              </a:spcBef>
+              <a:buFont typeface="Arial" panose="020B0604020202020204" pitchFamily="34" charset="0"/>
+              <a:buChar char="•"/>
+              <a:defRPr sz="2000" kern="1200">
+                <a:solidFill>
+                  <a:schemeClr val="tx1"/>
+                </a:solidFill>
+                <a:latin typeface="+mn-lt"/>
+                <a:ea typeface="+mn-ea"/>
+                <a:cs typeface="+mn-cs"/>
+              </a:defRPr>
+            </a:lvl3pPr>
+            <a:lvl4pPr marL="1600200" indent="-228600" algn="l" defTabSz="914400" rtl="0" eaLnBrk="1" latinLnBrk="0" hangingPunct="1">
+              <a:lnSpc>
+                <a:spcPct val="90000"/>
+              </a:lnSpc>
+              <a:spcBef>
+                <a:spcPts val="500"/>
+              </a:spcBef>
+              <a:buFont typeface="Arial" panose="020B0604020202020204" pitchFamily="34" charset="0"/>
+              <a:buChar char="•"/>
+              <a:defRPr sz="1800" kern="1200">
+                <a:solidFill>
+                  <a:schemeClr val="tx1"/>
+                </a:solidFill>
+                <a:latin typeface="+mn-lt"/>
+                <a:ea typeface="+mn-ea"/>
+                <a:cs typeface="+mn-cs"/>
+              </a:defRPr>
+            </a:lvl4pPr>
+            <a:lvl5pPr marL="2057400" indent="-228600" algn="l" defTabSz="914400" rtl="0" eaLnBrk="1" latinLnBrk="0" hangingPunct="1">
+              <a:lnSpc>
+                <a:spcPct val="90000"/>
+              </a:lnSpc>
+              <a:spcBef>
+                <a:spcPts val="500"/>
+              </a:spcBef>
+              <a:buFont typeface="Arial" panose="020B0604020202020204" pitchFamily="34" charset="0"/>
+              <a:buChar char="•"/>
+              <a:defRPr sz="1800" kern="1200">
+                <a:solidFill>
+                  <a:schemeClr val="tx1"/>
+                </a:solidFill>
+                <a:latin typeface="+mn-lt"/>
+                <a:ea typeface="+mn-ea"/>
+                <a:cs typeface="+mn-cs"/>
+              </a:defRPr>
+            </a:lvl5pPr>
+            <a:lvl6pPr marL="2514600" indent="-228600" algn="l" defTabSz="914400" rtl="0" eaLnBrk="1" latinLnBrk="0" hangingPunct="1">
+              <a:lnSpc>
+                <a:spcPct val="90000"/>
+              </a:lnSpc>
+              <a:spcBef>
+                <a:spcPts val="500"/>
+              </a:spcBef>
+              <a:buFont typeface="Arial" panose="020B0604020202020204" pitchFamily="34" charset="0"/>
+              <a:buChar char="•"/>
+              <a:defRPr sz="1800" kern="1200">
+                <a:solidFill>
+                  <a:schemeClr val="tx1"/>
+                </a:solidFill>
+                <a:latin typeface="+mn-lt"/>
+                <a:ea typeface="+mn-ea"/>
+                <a:cs typeface="+mn-cs"/>
+              </a:defRPr>
+            </a:lvl6pPr>
+            <a:lvl7pPr marL="2971800" indent="-228600" algn="l" defTabSz="914400" rtl="0" eaLnBrk="1" latinLnBrk="0" hangingPunct="1">
+              <a:lnSpc>
+                <a:spcPct val="90000"/>
+              </a:lnSpc>
+              <a:spcBef>
+                <a:spcPts val="500"/>
+              </a:spcBef>
+              <a:buFont typeface="Arial" panose="020B0604020202020204" pitchFamily="34" charset="0"/>
+              <a:buChar char="•"/>
+              <a:defRPr sz="1800" kern="1200">
+                <a:solidFill>
+                  <a:schemeClr val="tx1"/>
+                </a:solidFill>
+                <a:latin typeface="+mn-lt"/>
+                <a:ea typeface="+mn-ea"/>
+                <a:cs typeface="+mn-cs"/>
+              </a:defRPr>
+            </a:lvl7pPr>
+            <a:lvl8pPr marL="3429000" indent="-228600" algn="l" defTabSz="914400" rtl="0" eaLnBrk="1" latinLnBrk="0" hangingPunct="1">
+              <a:lnSpc>
+                <a:spcPct val="90000"/>
+              </a:lnSpc>
+              <a:spcBef>
+                <a:spcPts val="500"/>
+              </a:spcBef>
+              <a:buFont typeface="Arial" panose="020B0604020202020204" pitchFamily="34" charset="0"/>
+              <a:buChar char="•"/>
+              <a:defRPr sz="1800" kern="1200">
+                <a:solidFill>
+                  <a:schemeClr val="tx1"/>
+                </a:solidFill>
+                <a:latin typeface="+mn-lt"/>
+                <a:ea typeface="+mn-ea"/>
+                <a:cs typeface="+mn-cs"/>
+              </a:defRPr>
+            </a:lvl8pPr>
+            <a:lvl9pPr marL="3886200" indent="-228600" algn="l" defTabSz="914400" rtl="0" eaLnBrk="1" latinLnBrk="0" hangingPunct="1">
+              <a:lnSpc>
+                <a:spcPct val="90000"/>
+              </a:lnSpc>
+              <a:spcBef>
+                <a:spcPts val="500"/>
+              </a:spcBef>
+              <a:buFont typeface="Arial" panose="020B0604020202020204" pitchFamily="34" charset="0"/>
+              <a:buChar char="•"/>
+              <a:defRPr sz="1800" kern="1200">
+                <a:solidFill>
+                  <a:schemeClr val="tx1"/>
+                </a:solidFill>
+                <a:latin typeface="+mn-lt"/>
+                <a:ea typeface="+mn-ea"/>
+                <a:cs typeface="+mn-cs"/>
+              </a:defRPr>
+            </a:lvl9pPr>
+          </a:lstStyle>
+          <a:p>
+            <a:pPr marL="0" indent="0" algn="ctr">
+              <a:buNone/>
+            </a:pPr>
+            <a:r>
+              <a:rPr lang="en-US" b="1" dirty="0">
+                <a:hlinkClick r:id="rId2"/>
+              </a:rPr>
+              <a:t>https://tmober.github.io/meta-workshop/</a:t>
+            </a:r>
+            <a:r>
+              <a:rPr lang="en-US" b="1" dirty="0"/>
+              <a:t> </a:t>
+            </a:r>
+          </a:p>
+        </p:txBody>
+      </p:sp>
+    </p:spTree>
+    <p:extLst>
+      <p:ext uri="{BB962C8B-B14F-4D97-AF65-F5344CB8AC3E}">
+        <p14:creationId xmlns:p14="http://schemas.microsoft.com/office/powerpoint/2010/main" val="4107036800"/>
+      </p:ext>
+    </p:extLst>
+  </p:cSld>
+  <p:clrMapOvr>
+    <a:masterClrMapping/>
+  </p:clrMapOvr>
+</p:sld>
+</file>
+
+<file path=ppt/slides/slide30.xml><?xml version="1.0" encoding="utf-8"?>
+<p:sld xmlns:a="http://schemas.openxmlformats.org/drawingml/2006/main" xmlns:r="http://schemas.openxmlformats.org/officeDocument/2006/relationships" xmlns:p="http://schemas.openxmlformats.org/presentationml/2006/main">
+  <p:cSld>
+    <p:spTree>
+      <p:nvGrpSpPr>
+        <p:cNvPr id="1" name=""/>
+        <p:cNvGrpSpPr/>
+        <p:nvPr/>
+      </p:nvGrpSpPr>
+      <p:grpSpPr>
+        <a:xfrm>
+          <a:off x="0" y="0"/>
+          <a:ext cx="0" cy="0"/>
+          <a:chOff x="0" y="0"/>
+          <a:chExt cx="0" cy="0"/>
+        </a:xfrm>
+      </p:grpSpPr>
+      <p:sp>
+        <p:nvSpPr>
           <p:cNvPr id="2" name="Title 1">
             <a:extLst>
               <a:ext uri="{FF2B5EF4-FFF2-40B4-BE49-F238E27FC236}">
@@ -11572,8 +12615,8 @@
           </a:p>
         </p:txBody>
       </p:sp>
-      <mc:AlternateContent xmlns:mc="http://schemas.openxmlformats.org/markup-compatibility/2006">
-        <mc:Choice xmlns:a14="http://schemas.microsoft.com/office/drawing/2010/main" Requires="a14">
+      <mc:AlternateContent xmlns:mc="http://schemas.openxmlformats.org/markup-compatibility/2006" xmlns:a14="http://schemas.microsoft.com/office/drawing/2010/main">
+        <mc:Choice Requires="a14">
           <p:sp>
             <p:nvSpPr>
               <p:cNvPr id="4" name="Content Placeholder 3">
@@ -11846,7 +12889,7 @@
             </p:txBody>
           </p:sp>
         </mc:Choice>
-        <mc:Fallback>
+        <mc:Fallback xmlns="">
           <p:sp>
             <p:nvSpPr>
               <p:cNvPr id="4" name="Content Placeholder 3">
@@ -11964,7 +13007,7 @@
           <a:p>
             <a:fld id="{284273DD-104E-A841-819D-72454FA280E2}" type="slidenum">
               <a:rPr lang="en-US" smtClean="0"/>
-              <a:t>28</a:t>
+              <a:t>29</a:t>
             </a:fld>
             <a:endParaRPr lang="en-US" dirty="0"/>
           </a:p>
@@ -11983,7 +13026,7 @@
 </p:sld>
 </file>
 
-<file path=ppt/slides/slide3.xml><?xml version="1.0" encoding="utf-8"?>
+<file path=ppt/slides/slide31.xml><?xml version="1.0" encoding="utf-8"?>
 <p:sld xmlns:a="http://schemas.openxmlformats.org/drawingml/2006/main" xmlns:r="http://schemas.openxmlformats.org/officeDocument/2006/relationships" xmlns:p="http://schemas.openxmlformats.org/presentationml/2006/main">
   <p:cSld>
     <p:spTree>
@@ -12005,157 +13048,6 @@
           <p:cNvPr id="2" name="Title 1">
             <a:extLst>
               <a:ext uri="{FF2B5EF4-FFF2-40B4-BE49-F238E27FC236}">
-                <a16:creationId xmlns:a16="http://schemas.microsoft.com/office/drawing/2014/main" id="{69B2B4B2-3255-B64F-94A3-15B3A4B0DF1F}"/>
-              </a:ext>
-            </a:extLst>
-          </p:cNvPr>
-          <p:cNvSpPr>
-            <a:spLocks noGrp="1"/>
-          </p:cNvSpPr>
-          <p:nvPr>
-            <p:ph type="title"/>
-          </p:nvPr>
-        </p:nvSpPr>
-        <p:spPr/>
-        <p:txBody>
-          <a:bodyPr/>
-          <a:lstStyle/>
-          <a:p>
-            <a:r>
-              <a:rPr lang="en-GB" dirty="0"/>
-              <a:t>What is a meta-analysis?</a:t>
-            </a:r>
-            <a:endParaRPr lang="en-US" dirty="0"/>
-          </a:p>
-        </p:txBody>
-      </p:sp>
-      <p:sp>
-        <p:nvSpPr>
-          <p:cNvPr id="3" name="Content Placeholder 2">
-            <a:extLst>
-              <a:ext uri="{FF2B5EF4-FFF2-40B4-BE49-F238E27FC236}">
-                <a16:creationId xmlns:a16="http://schemas.microsoft.com/office/drawing/2014/main" id="{B57280E8-285C-AD42-8443-D0DD9D3BABC3}"/>
-              </a:ext>
-            </a:extLst>
-          </p:cNvPr>
-          <p:cNvSpPr>
-            <a:spLocks noGrp="1"/>
-          </p:cNvSpPr>
-          <p:nvPr>
-            <p:ph idx="1"/>
-          </p:nvPr>
-        </p:nvSpPr>
-        <p:spPr/>
-        <p:txBody>
-          <a:bodyPr>
-            <a:normAutofit/>
-          </a:bodyPr>
-          <a:lstStyle/>
-          <a:p>
-            <a:r>
-              <a:rPr lang="en-US" dirty="0"/>
-              <a:t>A statistical technique for combining the results of independent, but similar, studies to obtain an overall estimate of an effect.</a:t>
-            </a:r>
-          </a:p>
-          <a:p>
-            <a:endParaRPr lang="en-US" dirty="0"/>
-          </a:p>
-          <a:p>
-            <a:r>
-              <a:rPr lang="en-US" dirty="0"/>
-              <a:t>Provides a </a:t>
-            </a:r>
-          </a:p>
-          <a:p>
-            <a:pPr lvl="1"/>
-            <a:r>
-              <a:rPr lang="en-US" dirty="0"/>
-              <a:t>quantitative summary of the results included studies</a:t>
-            </a:r>
-          </a:p>
-          <a:p>
-            <a:pPr lvl="1"/>
-            <a:endParaRPr lang="en-US" dirty="0"/>
-          </a:p>
-          <a:p>
-            <a:pPr lvl="1"/>
-            <a:r>
-              <a:rPr lang="en-US" dirty="0"/>
-              <a:t>mechanism for statistically examining variation in effect sizes across studies</a:t>
-            </a:r>
-          </a:p>
-          <a:p>
-            <a:endParaRPr lang="en-US" dirty="0"/>
-          </a:p>
-          <a:p>
-            <a:endParaRPr lang="en-US" dirty="0"/>
-          </a:p>
-        </p:txBody>
-      </p:sp>
-      <p:sp>
-        <p:nvSpPr>
-          <p:cNvPr id="4" name="Slide Number Placeholder 3">
-            <a:extLst>
-              <a:ext uri="{FF2B5EF4-FFF2-40B4-BE49-F238E27FC236}">
-                <a16:creationId xmlns:a16="http://schemas.microsoft.com/office/drawing/2014/main" id="{C6046022-A3EB-7347-AA75-40AD5262AD20}"/>
-              </a:ext>
-            </a:extLst>
-          </p:cNvPr>
-          <p:cNvSpPr>
-            <a:spLocks noGrp="1"/>
-          </p:cNvSpPr>
-          <p:nvPr>
-            <p:ph type="sldNum" sz="quarter" idx="12"/>
-          </p:nvPr>
-        </p:nvSpPr>
-        <p:spPr/>
-        <p:txBody>
-          <a:bodyPr/>
-          <a:lstStyle/>
-          <a:p>
-            <a:fld id="{284273DD-104E-A841-819D-72454FA280E2}" type="slidenum">
-              <a:rPr lang="en-US" smtClean="0"/>
-              <a:t>2</a:t>
-            </a:fld>
-            <a:endParaRPr lang="en-US" dirty="0"/>
-          </a:p>
-        </p:txBody>
-      </p:sp>
-    </p:spTree>
-    <p:extLst>
-      <p:ext uri="{BB962C8B-B14F-4D97-AF65-F5344CB8AC3E}">
-        <p14:creationId xmlns:p14="http://schemas.microsoft.com/office/powerpoint/2010/main" val="1086429318"/>
-      </p:ext>
-    </p:extLst>
-  </p:cSld>
-  <p:clrMapOvr>
-    <a:masterClrMapping/>
-  </p:clrMapOvr>
-</p:sld>
-</file>
-
-<file path=ppt/slides/slide30.xml><?xml version="1.0" encoding="utf-8"?>
-<p:sld xmlns:a="http://schemas.openxmlformats.org/drawingml/2006/main" xmlns:r="http://schemas.openxmlformats.org/officeDocument/2006/relationships" xmlns:p="http://schemas.openxmlformats.org/presentationml/2006/main">
-  <p:cSld>
-    <p:spTree>
-      <p:nvGrpSpPr>
-        <p:cNvPr id="1" name=""/>
-        <p:cNvGrpSpPr/>
-        <p:nvPr/>
-      </p:nvGrpSpPr>
-      <p:grpSpPr>
-        <a:xfrm>
-          <a:off x="0" y="0"/>
-          <a:ext cx="0" cy="0"/>
-          <a:chOff x="0" y="0"/>
-          <a:chExt cx="0" cy="0"/>
-        </a:xfrm>
-      </p:grpSpPr>
-      <p:sp>
-        <p:nvSpPr>
-          <p:cNvPr id="2" name="Title 1">
-            <a:extLst>
-              <a:ext uri="{FF2B5EF4-FFF2-40B4-BE49-F238E27FC236}">
                 <a16:creationId xmlns:a16="http://schemas.microsoft.com/office/drawing/2014/main" id="{ED9D6FA6-326B-0147-BAE7-8741F3E6548E}"/>
               </a:ext>
             </a:extLst>
@@ -12179,8 +13071,8 @@
           </a:p>
         </p:txBody>
       </p:sp>
-      <mc:AlternateContent xmlns:mc="http://schemas.openxmlformats.org/markup-compatibility/2006">
-        <mc:Choice xmlns:a14="http://schemas.microsoft.com/office/drawing/2010/main" Requires="a14">
+      <mc:AlternateContent xmlns:mc="http://schemas.openxmlformats.org/markup-compatibility/2006" xmlns:a14="http://schemas.microsoft.com/office/drawing/2010/main">
+        <mc:Choice Requires="a14">
           <p:sp>
             <p:nvSpPr>
               <p:cNvPr id="4" name="Content Placeholder 3">
@@ -12682,7 +13574,7 @@
             </p:txBody>
           </p:sp>
         </mc:Choice>
-        <mc:Fallback>
+        <mc:Fallback xmlns="">
           <p:sp>
             <p:nvSpPr>
               <p:cNvPr id="4" name="Content Placeholder 3">
@@ -12745,7 +13637,7 @@
           <a:p>
             <a:fld id="{284273DD-104E-A841-819D-72454FA280E2}" type="slidenum">
               <a:rPr lang="en-US" smtClean="0"/>
-              <a:t>29</a:t>
+              <a:t>30</a:t>
             </a:fld>
             <a:endParaRPr lang="en-US" dirty="0"/>
           </a:p>
@@ -12810,217 +13702,6 @@
     <p:extLst>
       <p:ext uri="{BB962C8B-B14F-4D97-AF65-F5344CB8AC3E}">
         <p14:creationId xmlns:p14="http://schemas.microsoft.com/office/powerpoint/2010/main" val="1696319894"/>
-      </p:ext>
-    </p:extLst>
-  </p:cSld>
-  <p:clrMapOvr>
-    <a:masterClrMapping/>
-  </p:clrMapOvr>
-</p:sld>
-</file>
-
-<file path=ppt/slides/slide31.xml><?xml version="1.0" encoding="utf-8"?>
-<p:sld xmlns:a="http://schemas.openxmlformats.org/drawingml/2006/main" xmlns:r="http://schemas.openxmlformats.org/officeDocument/2006/relationships" xmlns:p="http://schemas.openxmlformats.org/presentationml/2006/main">
-  <p:cSld>
-    <p:spTree>
-      <p:nvGrpSpPr>
-        <p:cNvPr id="1" name=""/>
-        <p:cNvGrpSpPr/>
-        <p:nvPr/>
-      </p:nvGrpSpPr>
-      <p:grpSpPr>
-        <a:xfrm>
-          <a:off x="0" y="0"/>
-          <a:ext cx="0" cy="0"/>
-          <a:chOff x="0" y="0"/>
-          <a:chExt cx="0" cy="0"/>
-        </a:xfrm>
-      </p:grpSpPr>
-      <p:sp>
-        <p:nvSpPr>
-          <p:cNvPr id="2" name="Title 1">
-            <a:extLst>
-              <a:ext uri="{FF2B5EF4-FFF2-40B4-BE49-F238E27FC236}">
-                <a16:creationId xmlns:a16="http://schemas.microsoft.com/office/drawing/2014/main" id="{3B5D8AFF-17AB-CE4B-9F63-A502FC1B4C40}"/>
-              </a:ext>
-            </a:extLst>
-          </p:cNvPr>
-          <p:cNvSpPr>
-            <a:spLocks noGrp="1"/>
-          </p:cNvSpPr>
-          <p:nvPr>
-            <p:ph type="title"/>
-          </p:nvPr>
-        </p:nvSpPr>
-        <p:spPr/>
-        <p:txBody>
-          <a:bodyPr/>
-          <a:lstStyle/>
-          <a:p>
-            <a:r>
-              <a:rPr lang="en-US" dirty="0"/>
-              <a:t>Main meta-analytic model</a:t>
-            </a:r>
-          </a:p>
-        </p:txBody>
-      </p:sp>
-      <p:sp>
-        <p:nvSpPr>
-          <p:cNvPr id="3" name="Content Placeholder 2">
-            <a:extLst>
-              <a:ext uri="{FF2B5EF4-FFF2-40B4-BE49-F238E27FC236}">
-                <a16:creationId xmlns:a16="http://schemas.microsoft.com/office/drawing/2014/main" id="{7EAAECB6-8F9C-E347-829E-B5C90DD4D221}"/>
-              </a:ext>
-            </a:extLst>
-          </p:cNvPr>
-          <p:cNvSpPr>
-            <a:spLocks noGrp="1"/>
-          </p:cNvSpPr>
-          <p:nvPr>
-            <p:ph idx="1"/>
-          </p:nvPr>
-        </p:nvSpPr>
-        <p:spPr/>
-        <p:txBody>
-          <a:bodyPr>
-            <a:normAutofit/>
-          </a:bodyPr>
-          <a:lstStyle/>
-          <a:p>
-            <a:pPr>
-              <a:lnSpc>
-                <a:spcPct val="100000"/>
-              </a:lnSpc>
-              <a:spcBef>
-                <a:spcPts val="0"/>
-              </a:spcBef>
-            </a:pPr>
-            <a:r>
-              <a:rPr lang="en-US" sz="2400" dirty="0"/>
-              <a:t>To conduct the meta-analysis, you will need data properly formatted with an effect size and variance estimate for all included studies</a:t>
-            </a:r>
-          </a:p>
-          <a:p>
-            <a:pPr>
-              <a:lnSpc>
-                <a:spcPct val="100000"/>
-              </a:lnSpc>
-              <a:spcBef>
-                <a:spcPts val="0"/>
-              </a:spcBef>
-            </a:pPr>
-            <a:endParaRPr lang="en-US" sz="2200" dirty="0"/>
-          </a:p>
-          <a:p>
-            <a:pPr>
-              <a:lnSpc>
-                <a:spcPct val="100000"/>
-              </a:lnSpc>
-              <a:spcBef>
-                <a:spcPts val="0"/>
-              </a:spcBef>
-            </a:pPr>
-            <a:r>
-              <a:rPr lang="en-US" sz="2400" dirty="0"/>
-              <a:t>You will also need to consider the structure of your data and relations between effect estimates. For example,</a:t>
-            </a:r>
-          </a:p>
-          <a:p>
-            <a:pPr lvl="1">
-              <a:lnSpc>
-                <a:spcPct val="100000"/>
-              </a:lnSpc>
-              <a:spcBef>
-                <a:spcPts val="0"/>
-              </a:spcBef>
-            </a:pPr>
-            <a:r>
-              <a:rPr lang="en-US" sz="2200" dirty="0"/>
-              <a:t>Are multiple effects from the same citation?</a:t>
-            </a:r>
-          </a:p>
-          <a:p>
-            <a:pPr lvl="1">
-              <a:lnSpc>
-                <a:spcPct val="100000"/>
-              </a:lnSpc>
-              <a:spcBef>
-                <a:spcPts val="0"/>
-              </a:spcBef>
-            </a:pPr>
-            <a:r>
-              <a:rPr lang="en-US" sz="2200" dirty="0"/>
-              <a:t>Is it possible multiple effects (even from different citations) involve the same participants?</a:t>
-            </a:r>
-          </a:p>
-          <a:p>
-            <a:pPr lvl="1">
-              <a:lnSpc>
-                <a:spcPct val="100000"/>
-              </a:lnSpc>
-              <a:spcBef>
-                <a:spcPts val="0"/>
-              </a:spcBef>
-            </a:pPr>
-            <a:endParaRPr lang="en-US" sz="2200" dirty="0"/>
-          </a:p>
-          <a:p>
-            <a:pPr>
-              <a:lnSpc>
-                <a:spcPct val="100000"/>
-              </a:lnSpc>
-              <a:spcBef>
-                <a:spcPts val="0"/>
-              </a:spcBef>
-            </a:pPr>
-            <a:r>
-              <a:rPr lang="en-US" sz="2600" dirty="0"/>
-              <a:t>If there are </a:t>
-            </a:r>
-            <a:r>
-              <a:rPr lang="en-US" dirty="0"/>
-              <a:t>interdependencies</a:t>
-            </a:r>
-            <a:r>
-              <a:rPr lang="en-US" sz="2600" dirty="0"/>
-              <a:t>, you will need to specify a model that handles this type of data structure</a:t>
-            </a:r>
-          </a:p>
-        </p:txBody>
-      </p:sp>
-      <p:sp>
-        <p:nvSpPr>
-          <p:cNvPr id="4" name="Slide Number Placeholder 3">
-            <a:extLst>
-              <a:ext uri="{FF2B5EF4-FFF2-40B4-BE49-F238E27FC236}">
-                <a16:creationId xmlns:a16="http://schemas.microsoft.com/office/drawing/2014/main" id="{D2845EE8-1FF8-1D46-9131-BD889E6A7860}"/>
-              </a:ext>
-            </a:extLst>
-          </p:cNvPr>
-          <p:cNvSpPr>
-            <a:spLocks noGrp="1"/>
-          </p:cNvSpPr>
-          <p:nvPr>
-            <p:ph type="sldNum" sz="quarter" idx="12"/>
-          </p:nvPr>
-        </p:nvSpPr>
-        <p:spPr/>
-        <p:txBody>
-          <a:bodyPr/>
-          <a:lstStyle/>
-          <a:p>
-            <a:fld id="{284273DD-104E-A841-819D-72454FA280E2}" type="slidenum">
-              <a:rPr lang="en-US" smtClean="0"/>
-              <a:t>30</a:t>
-            </a:fld>
-            <a:endParaRPr lang="en-US" dirty="0"/>
-          </a:p>
-        </p:txBody>
-      </p:sp>
-    </p:spTree>
-    <p:extLst>
-      <p:ext uri="{BB962C8B-B14F-4D97-AF65-F5344CB8AC3E}">
-        <p14:creationId xmlns:p14="http://schemas.microsoft.com/office/powerpoint/2010/main" val="560640519"/>
       </p:ext>
     </p:extLst>
   </p:cSld>
@@ -13052,7 +13733,7 @@
           <p:cNvPr id="2" name="Title 1">
             <a:extLst>
               <a:ext uri="{FF2B5EF4-FFF2-40B4-BE49-F238E27FC236}">
-                <a16:creationId xmlns:a16="http://schemas.microsoft.com/office/drawing/2014/main" id="{ED9D6FA6-326B-0147-BAE7-8741F3E6548E}"/>
+                <a16:creationId xmlns:a16="http://schemas.microsoft.com/office/drawing/2014/main" id="{3B5D8AFF-17AB-CE4B-9F63-A502FC1B4C40}"/>
               </a:ext>
             </a:extLst>
           </p:cNvPr>
@@ -13070,17 +13751,17 @@
           <a:p>
             <a:r>
               <a:rPr lang="en-US" dirty="0"/>
-              <a:t>Heterogeneity of effect sizes</a:t>
-            </a:r>
-          </a:p>
-        </p:txBody>
-      </p:sp>
-      <p:sp>
-        <p:nvSpPr>
-          <p:cNvPr id="4" name="Content Placeholder 3">
-            <a:extLst>
-              <a:ext uri="{FF2B5EF4-FFF2-40B4-BE49-F238E27FC236}">
-                <a16:creationId xmlns:a16="http://schemas.microsoft.com/office/drawing/2014/main" id="{5A92EDD6-1012-0D47-AE61-991A61BD66E3}"/>
+              <a:t>Main meta-analytic model</a:t>
+            </a:r>
+          </a:p>
+        </p:txBody>
+      </p:sp>
+      <p:sp>
+        <p:nvSpPr>
+          <p:cNvPr id="3" name="Content Placeholder 2">
+            <a:extLst>
+              <a:ext uri="{FF2B5EF4-FFF2-40B4-BE49-F238E27FC236}">
+                <a16:creationId xmlns:a16="http://schemas.microsoft.com/office/drawing/2014/main" id="{7EAAECB6-8F9C-E347-829E-B5C90DD4D221}"/>
               </a:ext>
             </a:extLst>
           </p:cNvPr>
@@ -13098,43 +13779,113 @@
           </a:bodyPr>
           <a:lstStyle/>
           <a:p>
+            <a:pPr>
+              <a:lnSpc>
+                <a:spcPct val="100000"/>
+              </a:lnSpc>
+              <a:spcBef>
+                <a:spcPts val="0"/>
+              </a:spcBef>
+            </a:pPr>
+            <a:r>
+              <a:rPr lang="en-US" sz="2400" dirty="0"/>
+              <a:t>To conduct the meta-analysis, you will need data properly formatted with an effect size and variance estimate for all included studies</a:t>
+            </a:r>
+          </a:p>
+          <a:p>
+            <a:pPr>
+              <a:lnSpc>
+                <a:spcPct val="100000"/>
+              </a:lnSpc>
+              <a:spcBef>
+                <a:spcPts val="0"/>
+              </a:spcBef>
+            </a:pPr>
+            <a:endParaRPr lang="en-US" sz="2200" dirty="0"/>
+          </a:p>
+          <a:p>
+            <a:pPr>
+              <a:lnSpc>
+                <a:spcPct val="100000"/>
+              </a:lnSpc>
+              <a:spcBef>
+                <a:spcPts val="0"/>
+              </a:spcBef>
+            </a:pPr>
+            <a:r>
+              <a:rPr lang="en-US" sz="2400" dirty="0"/>
+              <a:t>You will also need to consider the structure of your data and relations between effect estimates. For example,</a:t>
+            </a:r>
+          </a:p>
+          <a:p>
+            <a:pPr lvl="1">
+              <a:lnSpc>
+                <a:spcPct val="100000"/>
+              </a:lnSpc>
+              <a:spcBef>
+                <a:spcPts val="0"/>
+              </a:spcBef>
+            </a:pPr>
+            <a:r>
+              <a:rPr lang="en-US" sz="2200" dirty="0"/>
+              <a:t>Are multiple effects from the same citation?</a:t>
+            </a:r>
+          </a:p>
+          <a:p>
+            <a:pPr lvl="1">
+              <a:lnSpc>
+                <a:spcPct val="100000"/>
+              </a:lnSpc>
+              <a:spcBef>
+                <a:spcPts val="0"/>
+              </a:spcBef>
+            </a:pPr>
+            <a:r>
+              <a:rPr lang="en-US" sz="2200" dirty="0"/>
+              <a:t>Is it possible multiple effects (even from different citations) involve the same participants?</a:t>
+            </a:r>
+          </a:p>
+          <a:p>
+            <a:pPr lvl="1">
+              <a:lnSpc>
+                <a:spcPct val="100000"/>
+              </a:lnSpc>
+              <a:spcBef>
+                <a:spcPts val="0"/>
+              </a:spcBef>
+            </a:pPr>
+            <a:endParaRPr lang="en-US" sz="2200" dirty="0"/>
+          </a:p>
+          <a:p>
+            <a:pPr>
+              <a:lnSpc>
+                <a:spcPct val="100000"/>
+              </a:lnSpc>
+              <a:spcBef>
+                <a:spcPts val="0"/>
+              </a:spcBef>
+            </a:pPr>
+            <a:r>
+              <a:rPr lang="en-US" sz="2600" dirty="0"/>
+              <a:t>If there are </a:t>
+            </a:r>
             <a:r>
               <a:rPr lang="en-US" dirty="0"/>
-              <a:t>Heterogeneity refers to variation in study outcomes between studies</a:t>
-            </a:r>
-          </a:p>
-          <a:p>
-            <a:endParaRPr lang="en-US" dirty="0"/>
-          </a:p>
-          <a:p>
-            <a:r>
-              <a:rPr lang="en-US" dirty="0"/>
-              <a:t>It is important to consider to what extent the results of studies are consistent</a:t>
-            </a:r>
-          </a:p>
-          <a:p>
-            <a:endParaRPr lang="en-US" dirty="0"/>
-          </a:p>
-          <a:p>
-            <a:r>
-              <a:rPr lang="en-US" dirty="0"/>
-              <a:t>Large heterogeneity may justify meta-regression analyses (discussed later) </a:t>
-            </a:r>
-          </a:p>
-          <a:p>
-            <a:endParaRPr lang="en-US" dirty="0"/>
-          </a:p>
-          <a:p>
-            <a:endParaRPr lang="en-US" dirty="0"/>
-          </a:p>
-        </p:txBody>
-      </p:sp>
-      <p:sp>
-        <p:nvSpPr>
-          <p:cNvPr id="3" name="Slide Number Placeholder 2">
-            <a:extLst>
-              <a:ext uri="{FF2B5EF4-FFF2-40B4-BE49-F238E27FC236}">
-                <a16:creationId xmlns:a16="http://schemas.microsoft.com/office/drawing/2014/main" id="{7ECA1840-52FA-BF4A-9275-07F4BA9FF627}"/>
+              <a:t>interdependencies</a:t>
+            </a:r>
+            <a:r>
+              <a:rPr lang="en-US" sz="2600" dirty="0"/>
+              <a:t>, you will need to specify a model that handles this type of data structure</a:t>
+            </a:r>
+          </a:p>
+        </p:txBody>
+      </p:sp>
+      <p:sp>
+        <p:nvSpPr>
+          <p:cNvPr id="4" name="Slide Number Placeholder 3">
+            <a:extLst>
+              <a:ext uri="{FF2B5EF4-FFF2-40B4-BE49-F238E27FC236}">
+                <a16:creationId xmlns:a16="http://schemas.microsoft.com/office/drawing/2014/main" id="{D2845EE8-1FF8-1D46-9131-BD889E6A7860}"/>
               </a:ext>
             </a:extLst>
           </p:cNvPr>
@@ -13158,65 +13909,10 @@
           </a:p>
         </p:txBody>
       </p:sp>
-      <p:sp>
-        <p:nvSpPr>
-          <p:cNvPr id="5" name="TextBox 4">
-            <a:extLst>
-              <a:ext uri="{FF2B5EF4-FFF2-40B4-BE49-F238E27FC236}">
-                <a16:creationId xmlns:a16="http://schemas.microsoft.com/office/drawing/2014/main" id="{F7851929-1898-9E40-BEF1-88FB8AA2959F}"/>
-              </a:ext>
-            </a:extLst>
-          </p:cNvPr>
-          <p:cNvSpPr txBox="1"/>
-          <p:nvPr/>
-        </p:nvSpPr>
-        <p:spPr>
-          <a:xfrm>
-            <a:off x="526915" y="6340982"/>
-            <a:ext cx="10515600" cy="369332"/>
-          </a:xfrm>
-          <a:prstGeom prst="rect">
-            <a:avLst/>
-          </a:prstGeom>
-          <a:noFill/>
-        </p:spPr>
-        <p:txBody>
-          <a:bodyPr wrap="square" rtlCol="0">
-            <a:spAutoFit/>
-          </a:bodyPr>
-          <a:lstStyle/>
-          <a:p>
-            <a:pPr algn="r"/>
-            <a:r>
-              <a:rPr lang="en-US" dirty="0">
-                <a:solidFill>
-                  <a:schemeClr val="tx1">
-                    <a:lumMod val="50000"/>
-                    <a:lumOff val="50000"/>
-                  </a:schemeClr>
-                </a:solidFill>
-                <a:hlinkClick r:id="rId3"/>
-              </a:rPr>
-              <a:t>https://handbook-5-1.cochrane.org/chapter_9/9_5_2_identifying_and_measuring_heterogeneity.htm</a:t>
-            </a:r>
-            <a:r>
-              <a:rPr lang="en-US" dirty="0">
-                <a:solidFill>
-                  <a:schemeClr val="tx1">
-                    <a:lumMod val="50000"/>
-                    <a:lumOff val="50000"/>
-                  </a:schemeClr>
-                </a:solidFill>
-              </a:rPr>
-              <a:t> </a:t>
-            </a:r>
-          </a:p>
-        </p:txBody>
-      </p:sp>
     </p:spTree>
     <p:extLst>
       <p:ext uri="{BB962C8B-B14F-4D97-AF65-F5344CB8AC3E}">
-        <p14:creationId xmlns:p14="http://schemas.microsoft.com/office/powerpoint/2010/main" val="3311046537"/>
+        <p14:creationId xmlns:p14="http://schemas.microsoft.com/office/powerpoint/2010/main" val="560640519"/>
       </p:ext>
     </p:extLst>
   </p:cSld>
@@ -13266,6 +13962,202 @@
           <a:p>
             <a:r>
               <a:rPr lang="en-US" dirty="0"/>
+              <a:t>Heterogeneity of effect sizes</a:t>
+            </a:r>
+          </a:p>
+        </p:txBody>
+      </p:sp>
+      <p:sp>
+        <p:nvSpPr>
+          <p:cNvPr id="4" name="Content Placeholder 3">
+            <a:extLst>
+              <a:ext uri="{FF2B5EF4-FFF2-40B4-BE49-F238E27FC236}">
+                <a16:creationId xmlns:a16="http://schemas.microsoft.com/office/drawing/2014/main" id="{5A92EDD6-1012-0D47-AE61-991A61BD66E3}"/>
+              </a:ext>
+            </a:extLst>
+          </p:cNvPr>
+          <p:cNvSpPr>
+            <a:spLocks noGrp="1"/>
+          </p:cNvSpPr>
+          <p:nvPr>
+            <p:ph idx="1"/>
+          </p:nvPr>
+        </p:nvSpPr>
+        <p:spPr/>
+        <p:txBody>
+          <a:bodyPr>
+            <a:normAutofit/>
+          </a:bodyPr>
+          <a:lstStyle/>
+          <a:p>
+            <a:r>
+              <a:rPr lang="en-US" dirty="0"/>
+              <a:t>Heterogeneity refers to variation in study outcomes between studies</a:t>
+            </a:r>
+          </a:p>
+          <a:p>
+            <a:endParaRPr lang="en-US" dirty="0"/>
+          </a:p>
+          <a:p>
+            <a:r>
+              <a:rPr lang="en-US" dirty="0"/>
+              <a:t>It is important to consider to what extent the results of studies are consistent</a:t>
+            </a:r>
+          </a:p>
+          <a:p>
+            <a:endParaRPr lang="en-US" dirty="0"/>
+          </a:p>
+          <a:p>
+            <a:r>
+              <a:rPr lang="en-US" dirty="0"/>
+              <a:t>Large heterogeneity may justify meta-regression analyses (discussed later) </a:t>
+            </a:r>
+          </a:p>
+          <a:p>
+            <a:endParaRPr lang="en-US" dirty="0"/>
+          </a:p>
+          <a:p>
+            <a:endParaRPr lang="en-US" dirty="0"/>
+          </a:p>
+        </p:txBody>
+      </p:sp>
+      <p:sp>
+        <p:nvSpPr>
+          <p:cNvPr id="3" name="Slide Number Placeholder 2">
+            <a:extLst>
+              <a:ext uri="{FF2B5EF4-FFF2-40B4-BE49-F238E27FC236}">
+                <a16:creationId xmlns:a16="http://schemas.microsoft.com/office/drawing/2014/main" id="{7ECA1840-52FA-BF4A-9275-07F4BA9FF627}"/>
+              </a:ext>
+            </a:extLst>
+          </p:cNvPr>
+          <p:cNvSpPr>
+            <a:spLocks noGrp="1"/>
+          </p:cNvSpPr>
+          <p:nvPr>
+            <p:ph type="sldNum" sz="quarter" idx="12"/>
+          </p:nvPr>
+        </p:nvSpPr>
+        <p:spPr/>
+        <p:txBody>
+          <a:bodyPr/>
+          <a:lstStyle/>
+          <a:p>
+            <a:fld id="{284273DD-104E-A841-819D-72454FA280E2}" type="slidenum">
+              <a:rPr lang="en-US" smtClean="0"/>
+              <a:t>32</a:t>
+            </a:fld>
+            <a:endParaRPr lang="en-US" dirty="0"/>
+          </a:p>
+        </p:txBody>
+      </p:sp>
+      <p:sp>
+        <p:nvSpPr>
+          <p:cNvPr id="5" name="TextBox 4">
+            <a:extLst>
+              <a:ext uri="{FF2B5EF4-FFF2-40B4-BE49-F238E27FC236}">
+                <a16:creationId xmlns:a16="http://schemas.microsoft.com/office/drawing/2014/main" id="{F7851929-1898-9E40-BEF1-88FB8AA2959F}"/>
+              </a:ext>
+            </a:extLst>
+          </p:cNvPr>
+          <p:cNvSpPr txBox="1"/>
+          <p:nvPr/>
+        </p:nvSpPr>
+        <p:spPr>
+          <a:xfrm>
+            <a:off x="526915" y="6340982"/>
+            <a:ext cx="10515600" cy="369332"/>
+          </a:xfrm>
+          <a:prstGeom prst="rect">
+            <a:avLst/>
+          </a:prstGeom>
+          <a:noFill/>
+        </p:spPr>
+        <p:txBody>
+          <a:bodyPr wrap="square" rtlCol="0">
+            <a:spAutoFit/>
+          </a:bodyPr>
+          <a:lstStyle/>
+          <a:p>
+            <a:pPr algn="r"/>
+            <a:r>
+              <a:rPr lang="en-US" dirty="0">
+                <a:solidFill>
+                  <a:schemeClr val="tx1">
+                    <a:lumMod val="50000"/>
+                    <a:lumOff val="50000"/>
+                  </a:schemeClr>
+                </a:solidFill>
+                <a:hlinkClick r:id="rId3"/>
+              </a:rPr>
+              <a:t>https://handbook-5-1.cochrane.org/chapter_9/9_5_2_identifying_and_measuring_heterogeneity.htm</a:t>
+            </a:r>
+            <a:r>
+              <a:rPr lang="en-US" dirty="0">
+                <a:solidFill>
+                  <a:schemeClr val="tx1">
+                    <a:lumMod val="50000"/>
+                    <a:lumOff val="50000"/>
+                  </a:schemeClr>
+                </a:solidFill>
+              </a:rPr>
+              <a:t> </a:t>
+            </a:r>
+          </a:p>
+        </p:txBody>
+      </p:sp>
+    </p:spTree>
+    <p:extLst>
+      <p:ext uri="{BB962C8B-B14F-4D97-AF65-F5344CB8AC3E}">
+        <p14:creationId xmlns:p14="http://schemas.microsoft.com/office/powerpoint/2010/main" val="3311046537"/>
+      </p:ext>
+    </p:extLst>
+  </p:cSld>
+  <p:clrMapOvr>
+    <a:masterClrMapping/>
+  </p:clrMapOvr>
+</p:sld>
+</file>
+
+<file path=ppt/slides/slide34.xml><?xml version="1.0" encoding="utf-8"?>
+<p:sld xmlns:a="http://schemas.openxmlformats.org/drawingml/2006/main" xmlns:r="http://schemas.openxmlformats.org/officeDocument/2006/relationships" xmlns:p="http://schemas.openxmlformats.org/presentationml/2006/main">
+  <p:cSld>
+    <p:spTree>
+      <p:nvGrpSpPr>
+        <p:cNvPr id="1" name=""/>
+        <p:cNvGrpSpPr/>
+        <p:nvPr/>
+      </p:nvGrpSpPr>
+      <p:grpSpPr>
+        <a:xfrm>
+          <a:off x="0" y="0"/>
+          <a:ext cx="0" cy="0"/>
+          <a:chOff x="0" y="0"/>
+          <a:chExt cx="0" cy="0"/>
+        </a:xfrm>
+      </p:grpSpPr>
+      <p:sp>
+        <p:nvSpPr>
+          <p:cNvPr id="2" name="Title 1">
+            <a:extLst>
+              <a:ext uri="{FF2B5EF4-FFF2-40B4-BE49-F238E27FC236}">
+                <a16:creationId xmlns:a16="http://schemas.microsoft.com/office/drawing/2014/main" id="{ED9D6FA6-326B-0147-BAE7-8741F3E6548E}"/>
+              </a:ext>
+            </a:extLst>
+          </p:cNvPr>
+          <p:cNvSpPr>
+            <a:spLocks noGrp="1"/>
+          </p:cNvSpPr>
+          <p:nvPr>
+            <p:ph type="title"/>
+          </p:nvPr>
+        </p:nvSpPr>
+        <p:spPr/>
+        <p:txBody>
+          <a:bodyPr/>
+          <a:lstStyle/>
+          <a:p>
+            <a:r>
+              <a:rPr lang="en-US" dirty="0"/>
               <a:t>Heterogeneity of effect sizes: </a:t>
             </a:r>
             <a:r>
@@ -13279,8 +14171,8 @@
           </a:p>
         </p:txBody>
       </p:sp>
-      <mc:AlternateContent xmlns:mc="http://schemas.openxmlformats.org/markup-compatibility/2006">
-        <mc:Choice xmlns:a14="http://schemas.microsoft.com/office/drawing/2010/main" Requires="a14">
+      <mc:AlternateContent xmlns:mc="http://schemas.openxmlformats.org/markup-compatibility/2006" xmlns:a14="http://schemas.microsoft.com/office/drawing/2010/main">
+        <mc:Choice Requires="a14">
           <p:sp>
             <p:nvSpPr>
               <p:cNvPr id="4" name="Content Placeholder 3">
@@ -13557,7 +14449,7 @@
             </p:txBody>
           </p:sp>
         </mc:Choice>
-        <mc:Fallback>
+        <mc:Fallback xmlns="">
           <p:sp>
             <p:nvSpPr>
               <p:cNvPr id="4" name="Content Placeholder 3">
@@ -13624,7 +14516,7 @@
           <a:p>
             <a:fld id="{284273DD-104E-A841-819D-72454FA280E2}" type="slidenum">
               <a:rPr lang="en-US" smtClean="0"/>
-              <a:t>32</a:t>
+              <a:t>33</a:t>
             </a:fld>
             <a:endParaRPr lang="en-US" dirty="0"/>
           </a:p>
@@ -13698,7 +14590,7 @@
 </p:sld>
 </file>
 
-<file path=ppt/slides/slide34.xml><?xml version="1.0" encoding="utf-8"?>
+<file path=ppt/slides/slide35.xml><?xml version="1.0" encoding="utf-8"?>
 <p:sld xmlns:a="http://schemas.openxmlformats.org/drawingml/2006/main" xmlns:r="http://schemas.openxmlformats.org/officeDocument/2006/relationships" xmlns:p="http://schemas.openxmlformats.org/presentationml/2006/main">
   <p:cSld>
     <p:spTree>
@@ -13799,7 +14691,7 @@
           <a:p>
             <a:fld id="{284273DD-104E-A841-819D-72454FA280E2}" type="slidenum">
               <a:rPr lang="en-US" smtClean="0"/>
-              <a:t>33</a:t>
+              <a:t>34</a:t>
             </a:fld>
             <a:endParaRPr lang="en-US" dirty="0"/>
           </a:p>
@@ -13951,7 +14843,7 @@
 </p:sld>
 </file>
 
-<file path=ppt/slides/slide35.xml><?xml version="1.0" encoding="utf-8"?>
+<file path=ppt/slides/slide36.xml><?xml version="1.0" encoding="utf-8"?>
 <p:sld xmlns:a="http://schemas.openxmlformats.org/drawingml/2006/main" xmlns:r="http://schemas.openxmlformats.org/officeDocument/2006/relationships" xmlns:p="http://schemas.openxmlformats.org/presentationml/2006/main">
   <p:cSld>
     <p:spTree>
@@ -14052,7 +14944,7 @@
           <a:p>
             <a:fld id="{284273DD-104E-A841-819D-72454FA280E2}" type="slidenum">
               <a:rPr lang="en-US" smtClean="0"/>
-              <a:t>34</a:t>
+              <a:t>35</a:t>
             </a:fld>
             <a:endParaRPr lang="en-US" dirty="0"/>
           </a:p>
@@ -14180,7 +15072,7 @@
 </p:sld>
 </file>
 
-<file path=ppt/slides/slide36.xml><?xml version="1.0" encoding="utf-8"?>
+<file path=ppt/slides/slide37.xml><?xml version="1.0" encoding="utf-8"?>
 <p:sld xmlns:a="http://schemas.openxmlformats.org/drawingml/2006/main" xmlns:r="http://schemas.openxmlformats.org/officeDocument/2006/relationships" xmlns:p="http://schemas.openxmlformats.org/presentationml/2006/main">
   <p:cSld>
     <p:spTree>
@@ -14281,7 +15173,7 @@
           <a:p>
             <a:fld id="{284273DD-104E-A841-819D-72454FA280E2}" type="slidenum">
               <a:rPr lang="en-US" smtClean="0"/>
-              <a:t>35</a:t>
+              <a:t>36</a:t>
             </a:fld>
             <a:endParaRPr lang="en-US" dirty="0"/>
           </a:p>
@@ -14411,181 +15303,6 @@
 </p:sld>
 </file>
 
-<file path=ppt/slides/slide37.xml><?xml version="1.0" encoding="utf-8"?>
-<p:sld xmlns:a="http://schemas.openxmlformats.org/drawingml/2006/main" xmlns:r="http://schemas.openxmlformats.org/officeDocument/2006/relationships" xmlns:p="http://schemas.openxmlformats.org/presentationml/2006/main">
-  <p:cSld>
-    <p:spTree>
-      <p:nvGrpSpPr>
-        <p:cNvPr id="1" name=""/>
-        <p:cNvGrpSpPr/>
-        <p:nvPr/>
-      </p:nvGrpSpPr>
-      <p:grpSpPr>
-        <a:xfrm>
-          <a:off x="0" y="0"/>
-          <a:ext cx="0" cy="0"/>
-          <a:chOff x="0" y="0"/>
-          <a:chExt cx="0" cy="0"/>
-        </a:xfrm>
-      </p:grpSpPr>
-      <p:sp>
-        <p:nvSpPr>
-          <p:cNvPr id="2" name="Title 1">
-            <a:extLst>
-              <a:ext uri="{FF2B5EF4-FFF2-40B4-BE49-F238E27FC236}">
-                <a16:creationId xmlns:a16="http://schemas.microsoft.com/office/drawing/2014/main" id="{AF0AB22E-B3C6-674D-8104-6D5007934816}"/>
-              </a:ext>
-            </a:extLst>
-          </p:cNvPr>
-          <p:cNvSpPr>
-            <a:spLocks noGrp="1"/>
-          </p:cNvSpPr>
-          <p:nvPr>
-            <p:ph type="title"/>
-          </p:nvPr>
-        </p:nvSpPr>
-        <p:spPr/>
-        <p:txBody>
-          <a:bodyPr/>
-          <a:lstStyle/>
-          <a:p>
-            <a:r>
-              <a:rPr lang="en-US" dirty="0"/>
-              <a:t>Meta-regression</a:t>
-            </a:r>
-          </a:p>
-        </p:txBody>
-      </p:sp>
-      <p:sp>
-        <p:nvSpPr>
-          <p:cNvPr id="3" name="Content Placeholder 2">
-            <a:extLst>
-              <a:ext uri="{FF2B5EF4-FFF2-40B4-BE49-F238E27FC236}">
-                <a16:creationId xmlns:a16="http://schemas.microsoft.com/office/drawing/2014/main" id="{3DDE44E0-46B5-FC45-B1E2-761D3C692B32}"/>
-              </a:ext>
-            </a:extLst>
-          </p:cNvPr>
-          <p:cNvSpPr>
-            <a:spLocks noGrp="1"/>
-          </p:cNvSpPr>
-          <p:nvPr>
-            <p:ph idx="1"/>
-          </p:nvPr>
-        </p:nvSpPr>
-        <p:spPr/>
-        <p:txBody>
-          <a:bodyPr>
-            <a:normAutofit fontScale="85000" lnSpcReduction="10000"/>
-          </a:bodyPr>
-          <a:lstStyle/>
-          <a:p>
-            <a:pPr>
-              <a:lnSpc>
-                <a:spcPct val="120000"/>
-              </a:lnSpc>
-              <a:spcBef>
-                <a:spcPts val="0"/>
-              </a:spcBef>
-            </a:pPr>
-            <a:r>
-              <a:rPr lang="en-US" dirty="0"/>
-              <a:t>After we have conducted the meta-analysis and determined an overall effect size estimate, additional analyses can be very informative.</a:t>
-            </a:r>
-          </a:p>
-          <a:p>
-            <a:pPr>
-              <a:lnSpc>
-                <a:spcPct val="120000"/>
-              </a:lnSpc>
-              <a:spcBef>
-                <a:spcPts val="0"/>
-              </a:spcBef>
-            </a:pPr>
-            <a:endParaRPr lang="en-US" dirty="0"/>
-          </a:p>
-          <a:p>
-            <a:pPr>
-              <a:lnSpc>
-                <a:spcPct val="120000"/>
-              </a:lnSpc>
-              <a:spcBef>
-                <a:spcPts val="0"/>
-              </a:spcBef>
-            </a:pPr>
-            <a:r>
-              <a:rPr lang="en-US" dirty="0"/>
-              <a:t>For example, if we have evidence of heterogeneity (i.e., variation in effect size estimates), we may want to conduct a meta-regression to determine whether certain study variables explain variation in effect sizes</a:t>
-            </a:r>
-          </a:p>
-          <a:p>
-            <a:pPr>
-              <a:lnSpc>
-                <a:spcPct val="120000"/>
-              </a:lnSpc>
-              <a:spcBef>
-                <a:spcPts val="0"/>
-              </a:spcBef>
-            </a:pPr>
-            <a:endParaRPr lang="en-US" dirty="0"/>
-          </a:p>
-          <a:p>
-            <a:pPr>
-              <a:lnSpc>
-                <a:spcPct val="120000"/>
-              </a:lnSpc>
-              <a:spcBef>
-                <a:spcPts val="0"/>
-              </a:spcBef>
-            </a:pPr>
-            <a:r>
-              <a:rPr lang="en-US" dirty="0"/>
-              <a:t>Meta-regression is sometimes also referred to as a “moderator analysis”</a:t>
-            </a:r>
-          </a:p>
-        </p:txBody>
-      </p:sp>
-      <p:sp>
-        <p:nvSpPr>
-          <p:cNvPr id="4" name="Slide Number Placeholder 3">
-            <a:extLst>
-              <a:ext uri="{FF2B5EF4-FFF2-40B4-BE49-F238E27FC236}">
-                <a16:creationId xmlns:a16="http://schemas.microsoft.com/office/drawing/2014/main" id="{BB8D5E7E-35FB-A24F-BA0C-56B25F10EFC2}"/>
-              </a:ext>
-            </a:extLst>
-          </p:cNvPr>
-          <p:cNvSpPr>
-            <a:spLocks noGrp="1"/>
-          </p:cNvSpPr>
-          <p:nvPr>
-            <p:ph type="sldNum" sz="quarter" idx="12"/>
-          </p:nvPr>
-        </p:nvSpPr>
-        <p:spPr/>
-        <p:txBody>
-          <a:bodyPr/>
-          <a:lstStyle/>
-          <a:p>
-            <a:fld id="{284273DD-104E-A841-819D-72454FA280E2}" type="slidenum">
-              <a:rPr lang="en-US" smtClean="0"/>
-              <a:t>36</a:t>
-            </a:fld>
-            <a:endParaRPr lang="en-US" dirty="0"/>
-          </a:p>
-        </p:txBody>
-      </p:sp>
-    </p:spTree>
-    <p:extLst>
-      <p:ext uri="{BB962C8B-B14F-4D97-AF65-F5344CB8AC3E}">
-        <p14:creationId xmlns:p14="http://schemas.microsoft.com/office/powerpoint/2010/main" val="1034157058"/>
-      </p:ext>
-    </p:extLst>
-  </p:cSld>
-  <p:clrMapOvr>
-    <a:masterClrMapping/>
-  </p:clrMapOvr>
-</p:sld>
-</file>
-
 <file path=ppt/slides/slide38.xml><?xml version="1.0" encoding="utf-8"?>
 <p:sld xmlns:a="http://schemas.openxmlformats.org/drawingml/2006/main" xmlns:r="http://schemas.openxmlformats.org/officeDocument/2006/relationships" xmlns:p="http://schemas.openxmlformats.org/presentationml/2006/main">
   <p:cSld>
@@ -14608,7 +15325,7 @@
           <p:cNvPr id="2" name="Title 1">
             <a:extLst>
               <a:ext uri="{FF2B5EF4-FFF2-40B4-BE49-F238E27FC236}">
-                <a16:creationId xmlns:a16="http://schemas.microsoft.com/office/drawing/2014/main" id="{ED9D6FA6-326B-0147-BAE7-8741F3E6548E}"/>
+                <a16:creationId xmlns:a16="http://schemas.microsoft.com/office/drawing/2014/main" id="{AF0AB22E-B3C6-674D-8104-6D5007934816}"/>
               </a:ext>
             </a:extLst>
           </p:cNvPr>
@@ -14626,17 +15343,17 @@
           <a:p>
             <a:r>
               <a:rPr lang="en-US" dirty="0"/>
-              <a:t>Evaluating for publication bias</a:t>
-            </a:r>
-          </a:p>
-        </p:txBody>
-      </p:sp>
-      <p:sp>
-        <p:nvSpPr>
-          <p:cNvPr id="4" name="Content Placeholder 3">
-            <a:extLst>
-              <a:ext uri="{FF2B5EF4-FFF2-40B4-BE49-F238E27FC236}">
-                <a16:creationId xmlns:a16="http://schemas.microsoft.com/office/drawing/2014/main" id="{053840B1-C8E1-FD47-BF7A-015097CA5203}"/>
+              <a:t>Meta-regression</a:t>
+            </a:r>
+          </a:p>
+        </p:txBody>
+      </p:sp>
+      <p:sp>
+        <p:nvSpPr>
+          <p:cNvPr id="3" name="Content Placeholder 2">
+            <a:extLst>
+              <a:ext uri="{FF2B5EF4-FFF2-40B4-BE49-F238E27FC236}">
+                <a16:creationId xmlns:a16="http://schemas.microsoft.com/office/drawing/2014/main" id="{3DDE44E0-46B5-FC45-B1E2-761D3C692B32}"/>
               </a:ext>
             </a:extLst>
           </p:cNvPr>
@@ -14650,62 +15367,81 @@
         <p:spPr/>
         <p:txBody>
           <a:bodyPr>
-            <a:normAutofit lnSpcReduction="10000"/>
+            <a:normAutofit fontScale="85000" lnSpcReduction="10000"/>
           </a:bodyPr>
           <a:lstStyle/>
           <a:p>
+            <a:pPr>
+              <a:lnSpc>
+                <a:spcPct val="120000"/>
+              </a:lnSpc>
+              <a:spcBef>
+                <a:spcPts val="0"/>
+              </a:spcBef>
+            </a:pPr>
             <a:r>
               <a:rPr lang="en-US" dirty="0"/>
-              <a:t>Publication bias occurs when the outcome of a study influences the likelihood it will be published</a:t>
-            </a:r>
-          </a:p>
-          <a:p>
+              <a:t>After we have conducted the meta-analysis and determined an overall effect size estimate, additional analyses can be very informative.</a:t>
+            </a:r>
+          </a:p>
+          <a:p>
+            <a:pPr>
+              <a:lnSpc>
+                <a:spcPct val="120000"/>
+              </a:lnSpc>
+              <a:spcBef>
+                <a:spcPts val="0"/>
+              </a:spcBef>
+            </a:pPr>
             <a:endParaRPr lang="en-US" dirty="0"/>
           </a:p>
           <a:p>
+            <a:pPr>
+              <a:lnSpc>
+                <a:spcPct val="120000"/>
+              </a:lnSpc>
+              <a:spcBef>
+                <a:spcPts val="0"/>
+              </a:spcBef>
+            </a:pPr>
             <a:r>
               <a:rPr lang="en-US" dirty="0"/>
-              <a:t>It is important to try to understand whether the results of a meta-analysis may be influenced by publication bias</a:t>
-            </a:r>
-          </a:p>
-          <a:p>
+              <a:t>For example, if we have evidence of heterogeneity (i.e., variation in effect size estimates), we may want to conduct a meta-regression to determine whether certain study variables explain variation in effect sizes</a:t>
+            </a:r>
+          </a:p>
+          <a:p>
+            <a:pPr>
+              <a:lnSpc>
+                <a:spcPct val="120000"/>
+              </a:lnSpc>
+              <a:spcBef>
+                <a:spcPts val="0"/>
+              </a:spcBef>
+            </a:pPr>
             <a:endParaRPr lang="en-US" dirty="0"/>
           </a:p>
           <a:p>
+            <a:pPr>
+              <a:lnSpc>
+                <a:spcPct val="120000"/>
+              </a:lnSpc>
+              <a:spcBef>
+                <a:spcPts val="0"/>
+              </a:spcBef>
+            </a:pPr>
             <a:r>
               <a:rPr lang="en-US" dirty="0"/>
-              <a:t>Several methods</a:t>
-            </a:r>
-          </a:p>
-          <a:p>
-            <a:pPr lvl="1"/>
-            <a:r>
-              <a:rPr lang="en-US" dirty="0"/>
-              <a:t>Egger’s test</a:t>
-            </a:r>
-          </a:p>
-          <a:p>
-            <a:pPr lvl="1"/>
-            <a:r>
-              <a:rPr lang="en-US" dirty="0"/>
-              <a:t>Rosenthal’s fail-safe N</a:t>
-            </a:r>
-          </a:p>
-          <a:p>
-            <a:pPr lvl="1"/>
-            <a:r>
-              <a:rPr lang="en-US" dirty="0"/>
-              <a:t>Trim-and-fill funnel plot</a:t>
-            </a:r>
-          </a:p>
-        </p:txBody>
-      </p:sp>
-      <p:sp>
-        <p:nvSpPr>
-          <p:cNvPr id="3" name="Slide Number Placeholder 2">
-            <a:extLst>
-              <a:ext uri="{FF2B5EF4-FFF2-40B4-BE49-F238E27FC236}">
-                <a16:creationId xmlns:a16="http://schemas.microsoft.com/office/drawing/2014/main" id="{8DEBDB40-A5DC-1540-BC3F-3EC913B7E1A4}"/>
+              <a:t>Meta-regression is sometimes also referred to as a “moderator analysis”</a:t>
+            </a:r>
+          </a:p>
+        </p:txBody>
+      </p:sp>
+      <p:sp>
+        <p:nvSpPr>
+          <p:cNvPr id="4" name="Slide Number Placeholder 3">
+            <a:extLst>
+              <a:ext uri="{FF2B5EF4-FFF2-40B4-BE49-F238E27FC236}">
+                <a16:creationId xmlns:a16="http://schemas.microsoft.com/office/drawing/2014/main" id="{BB8D5E7E-35FB-A24F-BA0C-56B25F10EFC2}"/>
               </a:ext>
             </a:extLst>
           </p:cNvPr>
@@ -14732,7 +15468,7 @@
     </p:spTree>
     <p:extLst>
       <p:ext uri="{BB962C8B-B14F-4D97-AF65-F5344CB8AC3E}">
-        <p14:creationId xmlns:p14="http://schemas.microsoft.com/office/powerpoint/2010/main" val="1446874051"/>
+        <p14:creationId xmlns:p14="http://schemas.microsoft.com/office/powerpoint/2010/main" val="1034157058"/>
       </p:ext>
     </p:extLst>
   </p:cSld>
@@ -14806,20 +15542,52 @@
         <p:spPr/>
         <p:txBody>
           <a:bodyPr>
-            <a:normAutofit/>
+            <a:normAutofit lnSpcReduction="10000"/>
           </a:bodyPr>
           <a:lstStyle/>
           <a:p>
             <a:r>
               <a:rPr lang="en-US" dirty="0"/>
-              <a:t>Funnel plot (left) and trim-and-fill funnel plot (right)</a:t>
+              <a:t>Publication bias occurs when the outcome of a study influences the likelihood it will be published</a:t>
+            </a:r>
+          </a:p>
+          <a:p>
+            <a:endParaRPr lang="en-US" dirty="0"/>
+          </a:p>
+          <a:p>
+            <a:r>
+              <a:rPr lang="en-US" dirty="0"/>
+              <a:t>It is important to try to understand whether the results of a meta-analysis may be influenced by publication bias</a:t>
+            </a:r>
+          </a:p>
+          <a:p>
+            <a:endParaRPr lang="en-US" dirty="0"/>
+          </a:p>
+          <a:p>
+            <a:r>
+              <a:rPr lang="en-US" dirty="0"/>
+              <a:t>Several methods</a:t>
             </a:r>
           </a:p>
           <a:p>
             <a:pPr lvl="1"/>
             <a:r>
               <a:rPr lang="en-US" dirty="0"/>
-              <a:t>Asymmetry may indicate publication bias</a:t>
+              <a:t>Egger’s test</a:t>
+            </a:r>
+          </a:p>
+          <a:p>
+            <a:pPr lvl="1"/>
+            <a:r>
+              <a:rPr lang="en-US" dirty="0"/>
+              <a:t>Rosenthal’s fail-safe N</a:t>
+            </a:r>
+          </a:p>
+          <a:p>
+            <a:pPr lvl="1"/>
+            <a:r>
+              <a:rPr lang="en-US" dirty="0"/>
+              <a:t>Trim-and-fill funnel plot</a:t>
             </a:r>
           </a:p>
         </p:txBody>
@@ -14848,6 +15616,281 @@
             <a:fld id="{284273DD-104E-A841-819D-72454FA280E2}" type="slidenum">
               <a:rPr lang="en-US" smtClean="0"/>
               <a:t>38</a:t>
+            </a:fld>
+            <a:endParaRPr lang="en-US" dirty="0"/>
+          </a:p>
+        </p:txBody>
+      </p:sp>
+    </p:spTree>
+    <p:extLst>
+      <p:ext uri="{BB962C8B-B14F-4D97-AF65-F5344CB8AC3E}">
+        <p14:creationId xmlns:p14="http://schemas.microsoft.com/office/powerpoint/2010/main" val="1446874051"/>
+      </p:ext>
+    </p:extLst>
+  </p:cSld>
+  <p:clrMapOvr>
+    <a:masterClrMapping/>
+  </p:clrMapOvr>
+</p:sld>
+</file>
+
+<file path=ppt/slides/slide4.xml><?xml version="1.0" encoding="utf-8"?>
+<p:sld xmlns:a="http://schemas.openxmlformats.org/drawingml/2006/main" xmlns:r="http://schemas.openxmlformats.org/officeDocument/2006/relationships" xmlns:p="http://schemas.openxmlformats.org/presentationml/2006/main">
+  <p:cSld>
+    <p:spTree>
+      <p:nvGrpSpPr>
+        <p:cNvPr id="1" name=""/>
+        <p:cNvGrpSpPr/>
+        <p:nvPr/>
+      </p:nvGrpSpPr>
+      <p:grpSpPr>
+        <a:xfrm>
+          <a:off x="0" y="0"/>
+          <a:ext cx="0" cy="0"/>
+          <a:chOff x="0" y="0"/>
+          <a:chExt cx="0" cy="0"/>
+        </a:xfrm>
+      </p:grpSpPr>
+      <p:sp>
+        <p:nvSpPr>
+          <p:cNvPr id="2" name="Title 1">
+            <a:extLst>
+              <a:ext uri="{FF2B5EF4-FFF2-40B4-BE49-F238E27FC236}">
+                <a16:creationId xmlns:a16="http://schemas.microsoft.com/office/drawing/2014/main" id="{69B2B4B2-3255-B64F-94A3-15B3A4B0DF1F}"/>
+              </a:ext>
+            </a:extLst>
+          </p:cNvPr>
+          <p:cNvSpPr>
+            <a:spLocks noGrp="1"/>
+          </p:cNvSpPr>
+          <p:nvPr>
+            <p:ph type="title"/>
+          </p:nvPr>
+        </p:nvSpPr>
+        <p:spPr/>
+        <p:txBody>
+          <a:bodyPr/>
+          <a:lstStyle/>
+          <a:p>
+            <a:r>
+              <a:rPr lang="en-GB" dirty="0"/>
+              <a:t>What is a meta-analysis?</a:t>
+            </a:r>
+            <a:endParaRPr lang="en-US" dirty="0"/>
+          </a:p>
+        </p:txBody>
+      </p:sp>
+      <p:sp>
+        <p:nvSpPr>
+          <p:cNvPr id="3" name="Content Placeholder 2">
+            <a:extLst>
+              <a:ext uri="{FF2B5EF4-FFF2-40B4-BE49-F238E27FC236}">
+                <a16:creationId xmlns:a16="http://schemas.microsoft.com/office/drawing/2014/main" id="{B57280E8-285C-AD42-8443-D0DD9D3BABC3}"/>
+              </a:ext>
+            </a:extLst>
+          </p:cNvPr>
+          <p:cNvSpPr>
+            <a:spLocks noGrp="1"/>
+          </p:cNvSpPr>
+          <p:nvPr>
+            <p:ph idx="1"/>
+          </p:nvPr>
+        </p:nvSpPr>
+        <p:spPr/>
+        <p:txBody>
+          <a:bodyPr>
+            <a:normAutofit/>
+          </a:bodyPr>
+          <a:lstStyle/>
+          <a:p>
+            <a:r>
+              <a:rPr lang="en-US" dirty="0"/>
+              <a:t>A statistical technique for combining the results of independent, but similar, studies to obtain an overall estimate of an effect.</a:t>
+            </a:r>
+          </a:p>
+          <a:p>
+            <a:endParaRPr lang="en-US" dirty="0"/>
+          </a:p>
+          <a:p>
+            <a:r>
+              <a:rPr lang="en-US" dirty="0"/>
+              <a:t>Provides a </a:t>
+            </a:r>
+          </a:p>
+          <a:p>
+            <a:pPr lvl="1"/>
+            <a:r>
+              <a:rPr lang="en-US" dirty="0"/>
+              <a:t>quantitative summary of the results included studies</a:t>
+            </a:r>
+          </a:p>
+          <a:p>
+            <a:pPr lvl="1"/>
+            <a:endParaRPr lang="en-US" dirty="0"/>
+          </a:p>
+          <a:p>
+            <a:pPr lvl="1"/>
+            <a:r>
+              <a:rPr lang="en-US" dirty="0"/>
+              <a:t>mechanism for statistically examining variation in effect sizes across studies</a:t>
+            </a:r>
+          </a:p>
+          <a:p>
+            <a:endParaRPr lang="en-US" dirty="0"/>
+          </a:p>
+          <a:p>
+            <a:endParaRPr lang="en-US" dirty="0"/>
+          </a:p>
+        </p:txBody>
+      </p:sp>
+      <p:sp>
+        <p:nvSpPr>
+          <p:cNvPr id="4" name="Slide Number Placeholder 3">
+            <a:extLst>
+              <a:ext uri="{FF2B5EF4-FFF2-40B4-BE49-F238E27FC236}">
+                <a16:creationId xmlns:a16="http://schemas.microsoft.com/office/drawing/2014/main" id="{C6046022-A3EB-7347-AA75-40AD5262AD20}"/>
+              </a:ext>
+            </a:extLst>
+          </p:cNvPr>
+          <p:cNvSpPr>
+            <a:spLocks noGrp="1"/>
+          </p:cNvSpPr>
+          <p:nvPr>
+            <p:ph type="sldNum" sz="quarter" idx="12"/>
+          </p:nvPr>
+        </p:nvSpPr>
+        <p:spPr/>
+        <p:txBody>
+          <a:bodyPr/>
+          <a:lstStyle/>
+          <a:p>
+            <a:fld id="{284273DD-104E-A841-819D-72454FA280E2}" type="slidenum">
+              <a:rPr lang="en-US" smtClean="0"/>
+              <a:t>3</a:t>
+            </a:fld>
+            <a:endParaRPr lang="en-US" dirty="0"/>
+          </a:p>
+        </p:txBody>
+      </p:sp>
+    </p:spTree>
+    <p:extLst>
+      <p:ext uri="{BB962C8B-B14F-4D97-AF65-F5344CB8AC3E}">
+        <p14:creationId xmlns:p14="http://schemas.microsoft.com/office/powerpoint/2010/main" val="1086429318"/>
+      </p:ext>
+    </p:extLst>
+  </p:cSld>
+  <p:clrMapOvr>
+    <a:masterClrMapping/>
+  </p:clrMapOvr>
+</p:sld>
+</file>
+
+<file path=ppt/slides/slide40.xml><?xml version="1.0" encoding="utf-8"?>
+<p:sld xmlns:a="http://schemas.openxmlformats.org/drawingml/2006/main" xmlns:r="http://schemas.openxmlformats.org/officeDocument/2006/relationships" xmlns:p="http://schemas.openxmlformats.org/presentationml/2006/main">
+  <p:cSld>
+    <p:spTree>
+      <p:nvGrpSpPr>
+        <p:cNvPr id="1" name=""/>
+        <p:cNvGrpSpPr/>
+        <p:nvPr/>
+      </p:nvGrpSpPr>
+      <p:grpSpPr>
+        <a:xfrm>
+          <a:off x="0" y="0"/>
+          <a:ext cx="0" cy="0"/>
+          <a:chOff x="0" y="0"/>
+          <a:chExt cx="0" cy="0"/>
+        </a:xfrm>
+      </p:grpSpPr>
+      <p:sp>
+        <p:nvSpPr>
+          <p:cNvPr id="2" name="Title 1">
+            <a:extLst>
+              <a:ext uri="{FF2B5EF4-FFF2-40B4-BE49-F238E27FC236}">
+                <a16:creationId xmlns:a16="http://schemas.microsoft.com/office/drawing/2014/main" id="{ED9D6FA6-326B-0147-BAE7-8741F3E6548E}"/>
+              </a:ext>
+            </a:extLst>
+          </p:cNvPr>
+          <p:cNvSpPr>
+            <a:spLocks noGrp="1"/>
+          </p:cNvSpPr>
+          <p:nvPr>
+            <p:ph type="title"/>
+          </p:nvPr>
+        </p:nvSpPr>
+        <p:spPr/>
+        <p:txBody>
+          <a:bodyPr/>
+          <a:lstStyle/>
+          <a:p>
+            <a:r>
+              <a:rPr lang="en-US" dirty="0"/>
+              <a:t>Evaluating for publication bias</a:t>
+            </a:r>
+          </a:p>
+        </p:txBody>
+      </p:sp>
+      <p:sp>
+        <p:nvSpPr>
+          <p:cNvPr id="4" name="Content Placeholder 3">
+            <a:extLst>
+              <a:ext uri="{FF2B5EF4-FFF2-40B4-BE49-F238E27FC236}">
+                <a16:creationId xmlns:a16="http://schemas.microsoft.com/office/drawing/2014/main" id="{053840B1-C8E1-FD47-BF7A-015097CA5203}"/>
+              </a:ext>
+            </a:extLst>
+          </p:cNvPr>
+          <p:cNvSpPr>
+            <a:spLocks noGrp="1"/>
+          </p:cNvSpPr>
+          <p:nvPr>
+            <p:ph idx="1"/>
+          </p:nvPr>
+        </p:nvSpPr>
+        <p:spPr/>
+        <p:txBody>
+          <a:bodyPr>
+            <a:normAutofit/>
+          </a:bodyPr>
+          <a:lstStyle/>
+          <a:p>
+            <a:r>
+              <a:rPr lang="en-US" dirty="0"/>
+              <a:t>Funnel plot (left) and trim-and-fill funnel plot (right)</a:t>
+            </a:r>
+          </a:p>
+          <a:p>
+            <a:pPr lvl="1"/>
+            <a:r>
+              <a:rPr lang="en-US" dirty="0"/>
+              <a:t>Asymmetry may indicate publication bias</a:t>
+            </a:r>
+          </a:p>
+        </p:txBody>
+      </p:sp>
+      <p:sp>
+        <p:nvSpPr>
+          <p:cNvPr id="3" name="Slide Number Placeholder 2">
+            <a:extLst>
+              <a:ext uri="{FF2B5EF4-FFF2-40B4-BE49-F238E27FC236}">
+                <a16:creationId xmlns:a16="http://schemas.microsoft.com/office/drawing/2014/main" id="{8DEBDB40-A5DC-1540-BC3F-3EC913B7E1A4}"/>
+              </a:ext>
+            </a:extLst>
+          </p:cNvPr>
+          <p:cNvSpPr>
+            <a:spLocks noGrp="1"/>
+          </p:cNvSpPr>
+          <p:nvPr>
+            <p:ph type="sldNum" sz="quarter" idx="12"/>
+          </p:nvPr>
+        </p:nvSpPr>
+        <p:spPr/>
+        <p:txBody>
+          <a:bodyPr/>
+          <a:lstStyle/>
+          <a:p>
+            <a:fld id="{284273DD-104E-A841-819D-72454FA280E2}" type="slidenum">
+              <a:rPr lang="en-US" smtClean="0"/>
+              <a:t>39</a:t>
             </a:fld>
             <a:endParaRPr lang="en-US" dirty="0"/>
           </a:p>
@@ -15053,333 +16096,6 @@
 </p:sld>
 </file>
 
-<file path=ppt/slides/slide4.xml><?xml version="1.0" encoding="utf-8"?>
-<p:sld xmlns:a="http://schemas.openxmlformats.org/drawingml/2006/main" xmlns:r="http://schemas.openxmlformats.org/officeDocument/2006/relationships" xmlns:p="http://schemas.openxmlformats.org/presentationml/2006/main">
-  <p:cSld>
-    <p:spTree>
-      <p:nvGrpSpPr>
-        <p:cNvPr id="1" name=""/>
-        <p:cNvGrpSpPr/>
-        <p:nvPr/>
-      </p:nvGrpSpPr>
-      <p:grpSpPr>
-        <a:xfrm>
-          <a:off x="0" y="0"/>
-          <a:ext cx="0" cy="0"/>
-          <a:chOff x="0" y="0"/>
-          <a:chExt cx="0" cy="0"/>
-        </a:xfrm>
-      </p:grpSpPr>
-      <p:sp>
-        <p:nvSpPr>
-          <p:cNvPr id="65538" name="Rectangle 2">
-            <a:extLst>
-              <a:ext uri="{FF2B5EF4-FFF2-40B4-BE49-F238E27FC236}">
-                <a16:creationId xmlns:a16="http://schemas.microsoft.com/office/drawing/2014/main" id="{664EEE48-B53E-A141-B5D7-22136A25693A}"/>
-              </a:ext>
-            </a:extLst>
-          </p:cNvPr>
-          <p:cNvSpPr>
-            <a:spLocks noGrp="1" noChangeArrowheads="1"/>
-          </p:cNvSpPr>
-          <p:nvPr>
-            <p:ph type="title"/>
-          </p:nvPr>
-        </p:nvSpPr>
-        <p:spPr/>
-        <p:txBody>
-          <a:bodyPr>
-            <a:normAutofit/>
-          </a:bodyPr>
-          <a:lstStyle/>
-          <a:p>
-            <a:r>
-              <a:rPr lang="en-US" altLang="en-US" dirty="0"/>
-              <a:t>When can data from a systematic review be synthesized in a meta-analysis?</a:t>
-            </a:r>
-          </a:p>
-        </p:txBody>
-      </p:sp>
-      <p:sp>
-        <p:nvSpPr>
-          <p:cNvPr id="65539" name="Rectangle 3">
-            <a:extLst>
-              <a:ext uri="{FF2B5EF4-FFF2-40B4-BE49-F238E27FC236}">
-                <a16:creationId xmlns:a16="http://schemas.microsoft.com/office/drawing/2014/main" id="{6E83FA28-6864-7E49-BAA3-872AEDAE2594}"/>
-              </a:ext>
-            </a:extLst>
-          </p:cNvPr>
-          <p:cNvSpPr>
-            <a:spLocks noGrp="1" noChangeArrowheads="1"/>
-          </p:cNvSpPr>
-          <p:nvPr>
-            <p:ph idx="1"/>
-          </p:nvPr>
-        </p:nvSpPr>
-        <p:spPr/>
-        <p:txBody>
-          <a:bodyPr/>
-          <a:lstStyle/>
-          <a:p>
-            <a:r>
-              <a:rPr lang="en-US" altLang="en-US" sz="2400" dirty="0"/>
-              <a:t>When data are NOT too sparse, of too low quality or too heterogeneous </a:t>
-            </a:r>
-          </a:p>
-          <a:p>
-            <a:pPr lvl="1"/>
-            <a:r>
-              <a:rPr lang="en-US" altLang="en-US" sz="2000" dirty="0"/>
-              <a:t>For example: </a:t>
-            </a:r>
-            <a:r>
-              <a:rPr lang="en-GB" altLang="en-US" dirty="0"/>
-              <a:t>the patients, interventions and outcomes in each of the included studies are sufficiently similar</a:t>
-            </a:r>
-          </a:p>
-          <a:p>
-            <a:endParaRPr lang="en-GB" altLang="en-US" dirty="0"/>
-          </a:p>
-          <a:p>
-            <a:r>
-              <a:rPr lang="en-US" dirty="0"/>
-              <a:t>Meta-analyses may or may not follow a systematic review</a:t>
-            </a:r>
-          </a:p>
-          <a:p>
-            <a:pPr lvl="1"/>
-            <a:r>
-              <a:rPr lang="en-US" dirty="0"/>
-              <a:t>Selective meta-analysis v. systematic review + meta-analysis</a:t>
-            </a:r>
-          </a:p>
-        </p:txBody>
-      </p:sp>
-      <p:sp>
-        <p:nvSpPr>
-          <p:cNvPr id="2" name="Slide Number Placeholder 1">
-            <a:extLst>
-              <a:ext uri="{FF2B5EF4-FFF2-40B4-BE49-F238E27FC236}">
-                <a16:creationId xmlns:a16="http://schemas.microsoft.com/office/drawing/2014/main" id="{02A1D370-415E-3D49-94E7-C6237689D5DB}"/>
-              </a:ext>
-            </a:extLst>
-          </p:cNvPr>
-          <p:cNvSpPr>
-            <a:spLocks noGrp="1"/>
-          </p:cNvSpPr>
-          <p:nvPr>
-            <p:ph type="sldNum" sz="quarter" idx="12"/>
-          </p:nvPr>
-        </p:nvSpPr>
-        <p:spPr/>
-        <p:txBody>
-          <a:bodyPr/>
-          <a:lstStyle/>
-          <a:p>
-            <a:fld id="{284273DD-104E-A841-819D-72454FA280E2}" type="slidenum">
-              <a:rPr lang="en-US" smtClean="0"/>
-              <a:t>3</a:t>
-            </a:fld>
-            <a:endParaRPr lang="en-US" dirty="0"/>
-          </a:p>
-        </p:txBody>
-      </p:sp>
-    </p:spTree>
-  </p:cSld>
-  <p:clrMapOvr>
-    <a:masterClrMapping/>
-  </p:clrMapOvr>
-</p:sld>
-</file>
-
-<file path=ppt/slides/slide40.xml><?xml version="1.0" encoding="utf-8"?>
-<p:sld xmlns:a="http://schemas.openxmlformats.org/drawingml/2006/main" xmlns:r="http://schemas.openxmlformats.org/officeDocument/2006/relationships" xmlns:p="http://schemas.openxmlformats.org/presentationml/2006/main">
-  <p:cSld>
-    <p:spTree>
-      <p:nvGrpSpPr>
-        <p:cNvPr id="1" name=""/>
-        <p:cNvGrpSpPr/>
-        <p:nvPr/>
-      </p:nvGrpSpPr>
-      <p:grpSpPr>
-        <a:xfrm>
-          <a:off x="0" y="0"/>
-          <a:ext cx="0" cy="0"/>
-          <a:chOff x="0" y="0"/>
-          <a:chExt cx="0" cy="0"/>
-        </a:xfrm>
-      </p:grpSpPr>
-      <p:sp>
-        <p:nvSpPr>
-          <p:cNvPr id="2" name="Title 1"/>
-          <p:cNvSpPr>
-            <a:spLocks noGrp="1"/>
-          </p:cNvSpPr>
-          <p:nvPr>
-            <p:ph type="title"/>
-          </p:nvPr>
-        </p:nvSpPr>
-        <p:spPr/>
-        <p:txBody>
-          <a:bodyPr/>
-          <a:lstStyle/>
-          <a:p>
-            <a:r>
-              <a:rPr lang="en-US" dirty="0"/>
-              <a:t>Useful R packages</a:t>
-            </a:r>
-          </a:p>
-        </p:txBody>
-      </p:sp>
-      <p:sp>
-        <p:nvSpPr>
-          <p:cNvPr id="3" name="Content Placeholder 2"/>
-          <p:cNvSpPr>
-            <a:spLocks noGrp="1"/>
-          </p:cNvSpPr>
-          <p:nvPr>
-            <p:ph idx="1"/>
-          </p:nvPr>
-        </p:nvSpPr>
-        <p:spPr/>
-        <p:txBody>
-          <a:bodyPr>
-            <a:normAutofit/>
-          </a:bodyPr>
-          <a:lstStyle/>
-          <a:p>
-            <a:pPr>
-              <a:lnSpc>
-                <a:spcPct val="120000"/>
-              </a:lnSpc>
-              <a:spcBef>
-                <a:spcPts val="0"/>
-              </a:spcBef>
-            </a:pPr>
-            <a:r>
-              <a:rPr lang="en-US" dirty="0">
-                <a:latin typeface="Courier" pitchFamily="2" charset="0"/>
-                <a:hlinkClick r:id="rId2"/>
-              </a:rPr>
-              <a:t>metafor</a:t>
-            </a:r>
-            <a:endParaRPr lang="en-US" dirty="0">
-              <a:latin typeface="Courier" pitchFamily="2" charset="0"/>
-            </a:endParaRPr>
-          </a:p>
-          <a:p>
-            <a:pPr lvl="1">
-              <a:lnSpc>
-                <a:spcPct val="120000"/>
-              </a:lnSpc>
-              <a:spcBef>
-                <a:spcPts val="0"/>
-              </a:spcBef>
-            </a:pPr>
-            <a:r>
-              <a:rPr lang="en-US" dirty="0"/>
-              <a:t>Good all-round package for running meta-analysis and meta-regression</a:t>
-            </a:r>
-          </a:p>
-          <a:p>
-            <a:pPr>
-              <a:lnSpc>
-                <a:spcPct val="120000"/>
-              </a:lnSpc>
-              <a:spcBef>
-                <a:spcPts val="0"/>
-              </a:spcBef>
-            </a:pPr>
-            <a:endParaRPr lang="en-US" dirty="0"/>
-          </a:p>
-          <a:p>
-            <a:pPr>
-              <a:lnSpc>
-                <a:spcPct val="120000"/>
-              </a:lnSpc>
-              <a:spcBef>
-                <a:spcPts val="0"/>
-              </a:spcBef>
-            </a:pPr>
-            <a:r>
-              <a:rPr lang="en-US" dirty="0">
-                <a:latin typeface="Courier" pitchFamily="2" charset="0"/>
-                <a:hlinkClick r:id="rId3"/>
-              </a:rPr>
-              <a:t>robumeta</a:t>
-            </a:r>
-            <a:endParaRPr lang="en-US" dirty="0">
-              <a:latin typeface="Courier" pitchFamily="2" charset="0"/>
-            </a:endParaRPr>
-          </a:p>
-          <a:p>
-            <a:pPr lvl="1">
-              <a:lnSpc>
-                <a:spcPct val="120000"/>
-              </a:lnSpc>
-              <a:spcBef>
-                <a:spcPts val="0"/>
-              </a:spcBef>
-            </a:pPr>
-            <a:r>
-              <a:rPr lang="en-US" dirty="0"/>
-              <a:t>Good for meta-analyses where effects have a high degree of interdependence (note that this type of can also be be conducted using </a:t>
-            </a:r>
-            <a:r>
-              <a:rPr lang="en-US" dirty="0">
-                <a:latin typeface="Courier" pitchFamily="2" charset="0"/>
-              </a:rPr>
-              <a:t>metafor</a:t>
-            </a:r>
-            <a:r>
-              <a:rPr lang="en-US" dirty="0"/>
-              <a:t>)</a:t>
-            </a:r>
-          </a:p>
-        </p:txBody>
-      </p:sp>
-      <p:sp>
-        <p:nvSpPr>
-          <p:cNvPr id="4" name="Slide Number Placeholder 3">
-            <a:extLst>
-              <a:ext uri="{FF2B5EF4-FFF2-40B4-BE49-F238E27FC236}">
-                <a16:creationId xmlns:a16="http://schemas.microsoft.com/office/drawing/2014/main" id="{586B4C11-EB79-CE43-B4F0-643D9F893A55}"/>
-              </a:ext>
-            </a:extLst>
-          </p:cNvPr>
-          <p:cNvSpPr>
-            <a:spLocks noGrp="1"/>
-          </p:cNvSpPr>
-          <p:nvPr>
-            <p:ph type="sldNum" sz="quarter" idx="12"/>
-          </p:nvPr>
-        </p:nvSpPr>
-        <p:spPr/>
-        <p:txBody>
-          <a:bodyPr/>
-          <a:lstStyle/>
-          <a:p>
-            <a:fld id="{284273DD-104E-A841-819D-72454FA280E2}" type="slidenum">
-              <a:rPr lang="en-US" smtClean="0"/>
-              <a:t>39</a:t>
-            </a:fld>
-            <a:endParaRPr lang="en-US" dirty="0"/>
-          </a:p>
-        </p:txBody>
-      </p:sp>
-    </p:spTree>
-    <p:extLst>
-      <p:ext uri="{BB962C8B-B14F-4D97-AF65-F5344CB8AC3E}">
-        <p14:creationId xmlns:p14="http://schemas.microsoft.com/office/powerpoint/2010/main" val="3728251840"/>
-      </p:ext>
-    </p:extLst>
-  </p:cSld>
-  <p:clrMapOvr>
-    <a:masterClrMapping/>
-  </p:clrMapOvr>
-</p:sld>
-</file>
-
 <file path=ppt/slides/slide41.xml><?xml version="1.0" encoding="utf-8"?>
 <p:sld xmlns:a="http://schemas.openxmlformats.org/drawingml/2006/main" xmlns:r="http://schemas.openxmlformats.org/officeDocument/2006/relationships" xmlns:p="http://schemas.openxmlformats.org/presentationml/2006/main">
   <p:cSld>
@@ -15414,7 +16130,7 @@
           <a:p>
             <a:r>
               <a:rPr lang="en-US" dirty="0"/>
-              <a:t>Other useful software</a:t>
+              <a:t>Useful R packages</a:t>
             </a:r>
           </a:p>
         </p:txBody>
@@ -15436,27 +16152,92 @@
           </a:bodyPr>
           <a:lstStyle/>
           <a:p>
+            <a:pPr>
+              <a:lnSpc>
+                <a:spcPct val="120000"/>
+              </a:lnSpc>
+              <a:spcBef>
+                <a:spcPts val="0"/>
+              </a:spcBef>
+            </a:pPr>
+            <a:r>
+              <a:rPr lang="en-US" dirty="0">
+                <a:latin typeface="Courier" pitchFamily="2" charset="0"/>
+                <a:hlinkClick r:id="rId2"/>
+              </a:rPr>
+              <a:t>metafor</a:t>
+            </a:r>
+            <a:endParaRPr lang="en-US" dirty="0">
+              <a:latin typeface="Courier" pitchFamily="2" charset="0"/>
+            </a:endParaRPr>
+          </a:p>
+          <a:p>
+            <a:pPr lvl="1">
+              <a:lnSpc>
+                <a:spcPct val="120000"/>
+              </a:lnSpc>
+              <a:spcBef>
+                <a:spcPts val="0"/>
+              </a:spcBef>
+            </a:pPr>
             <a:r>
               <a:rPr lang="en-US" dirty="0"/>
-              <a:t>STATA</a:t>
-            </a:r>
-          </a:p>
-          <a:p>
+              <a:t>Good all-round package for running meta-analysis and meta-regression</a:t>
+            </a:r>
+          </a:p>
+          <a:p>
+            <a:pPr>
+              <a:lnSpc>
+                <a:spcPct val="120000"/>
+              </a:lnSpc>
+              <a:spcBef>
+                <a:spcPts val="0"/>
+              </a:spcBef>
+            </a:pPr>
             <a:endParaRPr lang="en-US" dirty="0"/>
           </a:p>
           <a:p>
+            <a:pPr>
+              <a:lnSpc>
+                <a:spcPct val="120000"/>
+              </a:lnSpc>
+              <a:spcBef>
+                <a:spcPts val="0"/>
+              </a:spcBef>
+            </a:pPr>
+            <a:r>
+              <a:rPr lang="en-US" dirty="0">
+                <a:latin typeface="Courier" pitchFamily="2" charset="0"/>
+                <a:hlinkClick r:id="rId3"/>
+              </a:rPr>
+              <a:t>robumeta</a:t>
+            </a:r>
+            <a:endParaRPr lang="en-US" dirty="0">
+              <a:latin typeface="Courier" pitchFamily="2" charset="0"/>
+            </a:endParaRPr>
+          </a:p>
+          <a:p>
+            <a:pPr lvl="1">
+              <a:lnSpc>
+                <a:spcPct val="120000"/>
+              </a:lnSpc>
+              <a:spcBef>
+                <a:spcPts val="0"/>
+              </a:spcBef>
+            </a:pPr>
             <a:r>
               <a:rPr lang="en-US" dirty="0"/>
-              <a:t>Comprehensive Meta-analysis (CMA)</a:t>
-            </a:r>
-          </a:p>
-          <a:p>
-            <a:endParaRPr lang="en-US" dirty="0"/>
-          </a:p>
-          <a:p>
+              <a:t>Good for meta-analyses where effects have a high degree of interdependence (note that this type of can also be be conducted using </a:t>
+            </a:r>
+            <a:r>
+              <a:rPr lang="en-US" dirty="0">
+                <a:latin typeface="Courier" pitchFamily="2" charset="0"/>
+              </a:rPr>
+              <a:t>metafor</a:t>
+            </a:r>
             <a:r>
               <a:rPr lang="en-US" dirty="0"/>
-              <a:t>JASP -  Bayesian approach to meta-analysis </a:t>
+              <a:t>)</a:t>
             </a:r>
           </a:p>
         </p:txBody>
@@ -15466,7 +16247,7 @@
           <p:cNvPr id="4" name="Slide Number Placeholder 3">
             <a:extLst>
               <a:ext uri="{FF2B5EF4-FFF2-40B4-BE49-F238E27FC236}">
-                <a16:creationId xmlns:a16="http://schemas.microsoft.com/office/drawing/2014/main" id="{67E924D9-C8DD-444C-B5E6-503779B2299A}"/>
+                <a16:creationId xmlns:a16="http://schemas.microsoft.com/office/drawing/2014/main" id="{586B4C11-EB79-CE43-B4F0-643D9F893A55}"/>
               </a:ext>
             </a:extLst>
           </p:cNvPr>
@@ -15493,7 +16274,7 @@
     </p:spTree>
     <p:extLst>
       <p:ext uri="{BB962C8B-B14F-4D97-AF65-F5344CB8AC3E}">
-        <p14:creationId xmlns:p14="http://schemas.microsoft.com/office/powerpoint/2010/main" val="1791351268"/>
+        <p14:creationId xmlns:p14="http://schemas.microsoft.com/office/powerpoint/2010/main" val="3728251840"/>
       </p:ext>
     </p:extLst>
   </p:cSld>
@@ -15522,13 +16303,7 @@
       </p:grpSpPr>
       <p:sp>
         <p:nvSpPr>
-          <p:cNvPr id="2" name="Title 1">
-            <a:extLst>
-              <a:ext uri="{FF2B5EF4-FFF2-40B4-BE49-F238E27FC236}">
-                <a16:creationId xmlns:a16="http://schemas.microsoft.com/office/drawing/2014/main" id="{D62BDF71-27FC-1E4C-8F50-BE65A42CE678}"/>
-              </a:ext>
-            </a:extLst>
-          </p:cNvPr>
+          <p:cNvPr id="2" name="Title 1"/>
           <p:cNvSpPr>
             <a:spLocks noGrp="1"/>
           </p:cNvSpPr>
@@ -15543,20 +16318,14 @@
           <a:p>
             <a:r>
               <a:rPr lang="en-US" dirty="0"/>
-              <a:t>Activity 2: Meta-analysis</a:t>
-            </a:r>
-          </a:p>
-        </p:txBody>
-      </p:sp>
-      <p:sp>
-        <p:nvSpPr>
-          <p:cNvPr id="11" name="Content Placeholder 10">
-            <a:extLst>
-              <a:ext uri="{FF2B5EF4-FFF2-40B4-BE49-F238E27FC236}">
-                <a16:creationId xmlns:a16="http://schemas.microsoft.com/office/drawing/2014/main" id="{41927FAB-67EE-444F-9E75-8A61DD6735EA}"/>
-              </a:ext>
-            </a:extLst>
-          </p:cNvPr>
+              <a:t>Other useful software</a:t>
+            </a:r>
+          </a:p>
+        </p:txBody>
+      </p:sp>
+      <p:sp>
+        <p:nvSpPr>
+          <p:cNvPr id="3" name="Content Placeholder 2"/>
           <p:cNvSpPr>
             <a:spLocks noGrp="1"/>
           </p:cNvSpPr>
@@ -15566,99 +16335,42 @@
         </p:nvSpPr>
         <p:spPr/>
         <p:txBody>
-          <a:bodyPr/>
+          <a:bodyPr>
+            <a:normAutofit/>
+          </a:bodyPr>
           <a:lstStyle/>
           <a:p>
             <a:r>
               <a:rPr lang="en-US" dirty="0"/>
-              <a:t>Open </a:t>
-            </a:r>
-            <a:r>
-              <a:rPr lang="en-US" i="1" dirty="0"/>
-              <a:t>R</a:t>
-            </a:r>
+              <a:t>STATA</a:t>
+            </a:r>
+          </a:p>
+          <a:p>
+            <a:endParaRPr lang="en-US" dirty="0"/>
+          </a:p>
+          <a:p>
             <a:r>
               <a:rPr lang="en-US" dirty="0"/>
-              <a:t> or </a:t>
-            </a:r>
-            <a:r>
-              <a:rPr lang="en-US" i="1" dirty="0" err="1"/>
-              <a:t>Rstudio</a:t>
-            </a:r>
+              <a:t>Comprehensive Meta-analysis (CMA)</a:t>
+            </a:r>
+          </a:p>
+          <a:p>
+            <a:endParaRPr lang="en-US" dirty="0"/>
+          </a:p>
+          <a:p>
             <a:r>
               <a:rPr lang="en-US" dirty="0"/>
-              <a:t> </a:t>
-            </a:r>
-          </a:p>
-          <a:p>
-            <a:endParaRPr lang="en-US" dirty="0"/>
-          </a:p>
-          <a:p>
-            <a:r>
-              <a:rPr lang="en-US" dirty="0"/>
-              <a:t>Go to the following URL:</a:t>
-            </a:r>
-          </a:p>
-          <a:p>
-            <a:pPr lvl="1"/>
-            <a:r>
-              <a:rPr lang="en-US" dirty="0">
-                <a:hlinkClick r:id="rId2"/>
-              </a:rPr>
-              <a:t>https://tmober.github.io/meta-workshop/example-meta-script.html</a:t>
-            </a:r>
-            <a:r>
-              <a:rPr lang="en-US" dirty="0"/>
-              <a:t> </a:t>
-            </a:r>
-          </a:p>
-          <a:p>
-            <a:pPr lvl="1"/>
-            <a:endParaRPr lang="en-US" dirty="0"/>
-          </a:p>
-          <a:p>
-            <a:r>
-              <a:rPr lang="en-US" dirty="0"/>
-              <a:t>Download the script and take a moment to install/load the required packages into your R library</a:t>
-            </a:r>
-          </a:p>
-        </p:txBody>
-      </p:sp>
-      <p:pic>
-        <p:nvPicPr>
-          <p:cNvPr id="12" name="Content Placeholder 7">
-            <a:extLst>
-              <a:ext uri="{FF2B5EF4-FFF2-40B4-BE49-F238E27FC236}">
-                <a16:creationId xmlns:a16="http://schemas.microsoft.com/office/drawing/2014/main" id="{C9BDC661-A53A-7F45-9933-E7A705D491F1}"/>
-              </a:ext>
-            </a:extLst>
-          </p:cNvPr>
-          <p:cNvPicPr>
-            <a:picLocks noChangeAspect="1"/>
-          </p:cNvPicPr>
-          <p:nvPr/>
-        </p:nvPicPr>
-        <p:blipFill rotWithShape="1">
-          <a:blip r:embed="rId3"/>
-          <a:srcRect t="15048" b="27913"/>
-          <a:stretch/>
-        </p:blipFill>
-        <p:spPr>
-          <a:xfrm>
-            <a:off x="9838591" y="230188"/>
-            <a:ext cx="2129866" cy="1214846"/>
-          </a:xfrm>
-          <a:prstGeom prst="rect">
-            <a:avLst/>
-          </a:prstGeom>
-        </p:spPr>
-      </p:pic>
-      <p:sp>
-        <p:nvSpPr>
-          <p:cNvPr id="3" name="Slide Number Placeholder 2">
-            <a:extLst>
-              <a:ext uri="{FF2B5EF4-FFF2-40B4-BE49-F238E27FC236}">
-                <a16:creationId xmlns:a16="http://schemas.microsoft.com/office/drawing/2014/main" id="{4618D91E-575B-0F45-B2A3-08BBEEB41068}"/>
+              <a:t>JASP -  Bayesian approach to meta-analysis </a:t>
+            </a:r>
+          </a:p>
+        </p:txBody>
+      </p:sp>
+      <p:sp>
+        <p:nvSpPr>
+          <p:cNvPr id="4" name="Slide Number Placeholder 3">
+            <a:extLst>
+              <a:ext uri="{FF2B5EF4-FFF2-40B4-BE49-F238E27FC236}">
+                <a16:creationId xmlns:a16="http://schemas.microsoft.com/office/drawing/2014/main" id="{67E924D9-C8DD-444C-B5E6-503779B2299A}"/>
               </a:ext>
             </a:extLst>
           </p:cNvPr>
@@ -15685,7 +16397,7 @@
     </p:spTree>
     <p:extLst>
       <p:ext uri="{BB962C8B-B14F-4D97-AF65-F5344CB8AC3E}">
-        <p14:creationId xmlns:p14="http://schemas.microsoft.com/office/powerpoint/2010/main" val="1387883484"/>
+        <p14:creationId xmlns:p14="http://schemas.microsoft.com/office/powerpoint/2010/main" val="1791351268"/>
       </p:ext>
     </p:extLst>
   </p:cSld>
@@ -15717,7 +16429,7 @@
           <p:cNvPr id="2" name="Title 1">
             <a:extLst>
               <a:ext uri="{FF2B5EF4-FFF2-40B4-BE49-F238E27FC236}">
-                <a16:creationId xmlns:a16="http://schemas.microsoft.com/office/drawing/2014/main" id="{6158C228-6CC8-2B4D-B8E5-6834FF61067D}"/>
+                <a16:creationId xmlns:a16="http://schemas.microsoft.com/office/drawing/2014/main" id="{D62BDF71-27FC-1E4C-8F50-BE65A42CE678}"/>
               </a:ext>
             </a:extLst>
           </p:cNvPr>
@@ -15735,17 +16447,17 @@
           <a:p>
             <a:r>
               <a:rPr lang="en-US" dirty="0"/>
-              <a:t>Other types of meta-analyses</a:t>
-            </a:r>
-          </a:p>
-        </p:txBody>
-      </p:sp>
-      <p:sp>
-        <p:nvSpPr>
-          <p:cNvPr id="3" name="Content Placeholder 2">
-            <a:extLst>
-              <a:ext uri="{FF2B5EF4-FFF2-40B4-BE49-F238E27FC236}">
-                <a16:creationId xmlns:a16="http://schemas.microsoft.com/office/drawing/2014/main" id="{95A82C37-B8B8-464F-A8A2-4F8E525B6850}"/>
+              <a:t>Activity 2: Meta-analysis</a:t>
+            </a:r>
+          </a:p>
+        </p:txBody>
+      </p:sp>
+      <p:sp>
+        <p:nvSpPr>
+          <p:cNvPr id="11" name="Content Placeholder 10">
+            <a:extLst>
+              <a:ext uri="{FF2B5EF4-FFF2-40B4-BE49-F238E27FC236}">
+                <a16:creationId xmlns:a16="http://schemas.microsoft.com/office/drawing/2014/main" id="{41927FAB-67EE-444F-9E75-8A61DD6735EA}"/>
               </a:ext>
             </a:extLst>
           </p:cNvPr>
@@ -15763,7 +16475,45 @@
           <a:p>
             <a:r>
               <a:rPr lang="en-US" dirty="0"/>
-              <a:t>Meta-analyses can be conducted using a variety of techniques, including:</a:t>
+              <a:t>Open </a:t>
+            </a:r>
+            <a:r>
+              <a:rPr lang="en-US" i="1" dirty="0"/>
+              <a:t>R</a:t>
+            </a:r>
+            <a:r>
+              <a:rPr lang="en-US" dirty="0"/>
+              <a:t> or </a:t>
+            </a:r>
+            <a:r>
+              <a:rPr lang="en-US" i="1" dirty="0" err="1"/>
+              <a:t>Rstudio</a:t>
+            </a:r>
+            <a:r>
+              <a:rPr lang="en-US" dirty="0"/>
+              <a:t> </a:t>
+            </a:r>
+          </a:p>
+          <a:p>
+            <a:endParaRPr lang="en-US" dirty="0"/>
+          </a:p>
+          <a:p>
+            <a:r>
+              <a:rPr lang="en-US" dirty="0"/>
+              <a:t>Go to the following URL:</a:t>
+            </a:r>
+          </a:p>
+          <a:p>
+            <a:pPr lvl="1"/>
+            <a:r>
+              <a:rPr lang="en-US" dirty="0">
+                <a:hlinkClick r:id="rId2"/>
+              </a:rPr>
+              <a:t>https://tmober.github.io/meta-workshop/example-meta-script.html</a:t>
+            </a:r>
+            <a:r>
+              <a:rPr lang="en-US" dirty="0"/>
+              <a:t> </a:t>
             </a:r>
           </a:p>
           <a:p>
@@ -15771,86 +16521,48 @@
             <a:endParaRPr lang="en-US" dirty="0"/>
           </a:p>
           <a:p>
-            <a:pPr lvl="1"/>
             <a:r>
               <a:rPr lang="en-US" dirty="0"/>
-              <a:t>Longitudinal meta-analysis (</a:t>
-            </a:r>
-            <a:r>
-              <a:rPr lang="en-US" dirty="0">
-                <a:hlinkClick r:id="rId3"/>
-              </a:rPr>
-              <a:t>metafor in R</a:t>
-            </a:r>
-            <a:r>
-              <a:rPr lang="en-US" dirty="0"/>
-              <a:t>)</a:t>
-            </a:r>
-          </a:p>
-          <a:p>
-            <a:pPr lvl="1"/>
-            <a:endParaRPr lang="en-US" dirty="0"/>
-          </a:p>
-          <a:p>
-            <a:pPr lvl="1"/>
-            <a:r>
-              <a:rPr lang="en-US" dirty="0"/>
-              <a:t>Structural Equation Modeling Meta-analysis (</a:t>
-            </a:r>
-            <a:r>
-              <a:rPr lang="en-US" dirty="0">
-                <a:hlinkClick r:id="rId4"/>
-              </a:rPr>
-              <a:t>metaSEM in R</a:t>
-            </a:r>
-            <a:r>
-              <a:rPr lang="en-US" dirty="0"/>
-              <a:t>)</a:t>
-            </a:r>
-          </a:p>
-          <a:p>
-            <a:pPr lvl="1"/>
-            <a:endParaRPr lang="en-US" dirty="0"/>
-          </a:p>
-          <a:p>
-            <a:pPr lvl="1"/>
-            <a:r>
-              <a:rPr lang="en-US" dirty="0"/>
-              <a:t>Bayesian meta-analysis (</a:t>
-            </a:r>
-            <a:r>
-              <a:rPr lang="en-US" dirty="0">
-                <a:hlinkClick r:id="rId5"/>
-              </a:rPr>
-              <a:t>JASP software</a:t>
-            </a:r>
-            <a:r>
-              <a:rPr lang="en-US" dirty="0"/>
-              <a:t>)</a:t>
-            </a:r>
-          </a:p>
-          <a:p>
-            <a:pPr lvl="1"/>
-            <a:endParaRPr lang="en-US" dirty="0"/>
-          </a:p>
-          <a:p>
-            <a:r>
-              <a:rPr lang="en-US" dirty="0"/>
-              <a:t>More new methods are constantly evolving!</a:t>
-            </a:r>
-          </a:p>
-          <a:p>
-            <a:pPr lvl="1"/>
-            <a:endParaRPr lang="en-US" dirty="0"/>
-          </a:p>
-        </p:txBody>
-      </p:sp>
-      <p:sp>
-        <p:nvSpPr>
-          <p:cNvPr id="4" name="Slide Number Placeholder 3">
-            <a:extLst>
-              <a:ext uri="{FF2B5EF4-FFF2-40B4-BE49-F238E27FC236}">
-                <a16:creationId xmlns:a16="http://schemas.microsoft.com/office/drawing/2014/main" id="{DB3E25E8-E879-8B43-B4F6-5DB517A7B86B}"/>
+              <a:t>Download the script and take a moment to install/load the required packages into your R library</a:t>
+            </a:r>
+          </a:p>
+        </p:txBody>
+      </p:sp>
+      <p:pic>
+        <p:nvPicPr>
+          <p:cNvPr id="12" name="Content Placeholder 7">
+            <a:extLst>
+              <a:ext uri="{FF2B5EF4-FFF2-40B4-BE49-F238E27FC236}">
+                <a16:creationId xmlns:a16="http://schemas.microsoft.com/office/drawing/2014/main" id="{C9BDC661-A53A-7F45-9933-E7A705D491F1}"/>
+              </a:ext>
+            </a:extLst>
+          </p:cNvPr>
+          <p:cNvPicPr>
+            <a:picLocks noChangeAspect="1"/>
+          </p:cNvPicPr>
+          <p:nvPr/>
+        </p:nvPicPr>
+        <p:blipFill rotWithShape="1">
+          <a:blip r:embed="rId3"/>
+          <a:srcRect t="15048" b="27913"/>
+          <a:stretch/>
+        </p:blipFill>
+        <p:spPr>
+          <a:xfrm>
+            <a:off x="9838591" y="230188"/>
+            <a:ext cx="2129866" cy="1214846"/>
+          </a:xfrm>
+          <a:prstGeom prst="rect">
+            <a:avLst/>
+          </a:prstGeom>
+        </p:spPr>
+      </p:pic>
+      <p:sp>
+        <p:nvSpPr>
+          <p:cNvPr id="3" name="Slide Number Placeholder 2">
+            <a:extLst>
+              <a:ext uri="{FF2B5EF4-FFF2-40B4-BE49-F238E27FC236}">
+                <a16:creationId xmlns:a16="http://schemas.microsoft.com/office/drawing/2014/main" id="{4618D91E-575B-0F45-B2A3-08BBEEB41068}"/>
               </a:ext>
             </a:extLst>
           </p:cNvPr>
@@ -15877,7 +16589,7 @@
     </p:spTree>
     <p:extLst>
       <p:ext uri="{BB962C8B-B14F-4D97-AF65-F5344CB8AC3E}">
-        <p14:creationId xmlns:p14="http://schemas.microsoft.com/office/powerpoint/2010/main" val="1112766340"/>
+        <p14:creationId xmlns:p14="http://schemas.microsoft.com/office/powerpoint/2010/main" val="1387883484"/>
       </p:ext>
     </p:extLst>
   </p:cSld>
@@ -15906,7 +16618,13 @@
       </p:grpSpPr>
       <p:sp>
         <p:nvSpPr>
-          <p:cNvPr id="2" name="Title 1"/>
+          <p:cNvPr id="2" name="Title 1">
+            <a:extLst>
+              <a:ext uri="{FF2B5EF4-FFF2-40B4-BE49-F238E27FC236}">
+                <a16:creationId xmlns:a16="http://schemas.microsoft.com/office/drawing/2014/main" id="{6158C228-6CC8-2B4D-B8E5-6834FF61067D}"/>
+              </a:ext>
+            </a:extLst>
+          </p:cNvPr>
           <p:cNvSpPr>
             <a:spLocks noGrp="1"/>
           </p:cNvSpPr>
@@ -15916,45 +16634,119 @@
         </p:nvSpPr>
         <p:spPr/>
         <p:txBody>
-          <a:bodyPr>
-            <a:normAutofit/>
-          </a:bodyPr>
-          <a:lstStyle/>
-          <a:p>
-            <a:r>
-              <a:rPr lang="en-GB" dirty="0">
-                <a:ea typeface="SimSun" panose="02010600030101010101" pitchFamily="2" charset="-122"/>
-                <a:cs typeface="Times New Roman" panose="02020603050405020304" pitchFamily="18" charset="0"/>
+          <a:bodyPr/>
+          <a:lstStyle/>
+          <a:p>
+            <a:r>
+              <a:rPr lang="en-US" dirty="0"/>
+              <a:t>Other types of meta-analyses</a:t>
+            </a:r>
+          </a:p>
+        </p:txBody>
+      </p:sp>
+      <p:sp>
+        <p:nvSpPr>
+          <p:cNvPr id="3" name="Content Placeholder 2">
+            <a:extLst>
+              <a:ext uri="{FF2B5EF4-FFF2-40B4-BE49-F238E27FC236}">
+                <a16:creationId xmlns:a16="http://schemas.microsoft.com/office/drawing/2014/main" id="{95A82C37-B8B8-464F-A8A2-4F8E525B6850}"/>
+              </a:ext>
+            </a:extLst>
+          </p:cNvPr>
+          <p:cNvSpPr>
+            <a:spLocks noGrp="1"/>
+          </p:cNvSpPr>
+          <p:nvPr>
+            <p:ph idx="1"/>
+          </p:nvPr>
+        </p:nvSpPr>
+        <p:spPr/>
+        <p:txBody>
+          <a:bodyPr/>
+          <a:lstStyle/>
+          <a:p>
+            <a:r>
+              <a:rPr lang="en-US" dirty="0"/>
+              <a:t>Meta-analyses can be conducted using a variety of techniques, including:</a:t>
+            </a:r>
+          </a:p>
+          <a:p>
+            <a:pPr lvl="1"/>
+            <a:endParaRPr lang="en-US" dirty="0"/>
+          </a:p>
+          <a:p>
+            <a:pPr lvl="1"/>
+            <a:r>
+              <a:rPr lang="en-US" dirty="0"/>
+              <a:t>Longitudinal meta-analysis (</a:t>
+            </a:r>
+            <a:r>
+              <a:rPr lang="en-US" dirty="0">
+                <a:hlinkClick r:id="rId3"/>
               </a:rPr>
-              <a:t>Reporting Results</a:t>
-            </a:r>
-            <a:endParaRPr lang="en-GB" dirty="0"/>
-          </a:p>
-        </p:txBody>
-      </p:sp>
-      <p:sp>
-        <p:nvSpPr>
-          <p:cNvPr id="3" name="Text Placeholder 2">
-            <a:extLst>
-              <a:ext uri="{FF2B5EF4-FFF2-40B4-BE49-F238E27FC236}">
-                <a16:creationId xmlns:a16="http://schemas.microsoft.com/office/drawing/2014/main" id="{ECE2A6F8-6277-1F43-937B-D430DFAFA42F}"/>
-              </a:ext>
-            </a:extLst>
-          </p:cNvPr>
-          <p:cNvSpPr>
-            <a:spLocks noGrp="1"/>
-          </p:cNvSpPr>
-          <p:nvPr>
-            <p:ph type="body" idx="1"/>
-          </p:nvPr>
-        </p:nvSpPr>
-        <p:spPr/>
-        <p:txBody>
-          <a:bodyPr/>
-          <a:lstStyle/>
-          <a:p>
+              <a:t>metafor in R</a:t>
+            </a:r>
+            <a:r>
+              <a:rPr lang="en-US" dirty="0"/>
+              <a:t>)</a:t>
+            </a:r>
+          </a:p>
+          <a:p>
+            <a:pPr lvl="1"/>
             <a:endParaRPr lang="en-US" dirty="0"/>
           </a:p>
+          <a:p>
+            <a:pPr lvl="1"/>
+            <a:r>
+              <a:rPr lang="en-US" dirty="0"/>
+              <a:t>Structural Equation Modeling Meta-analysis (</a:t>
+            </a:r>
+            <a:r>
+              <a:rPr lang="en-US" dirty="0">
+                <a:hlinkClick r:id="rId4"/>
+              </a:rPr>
+              <a:t>metaSEM in R</a:t>
+            </a:r>
+            <a:r>
+              <a:rPr lang="en-US" dirty="0"/>
+              <a:t>)</a:t>
+            </a:r>
+          </a:p>
+          <a:p>
+            <a:pPr lvl="1"/>
+            <a:endParaRPr lang="en-US" dirty="0"/>
+          </a:p>
+          <a:p>
+            <a:pPr lvl="1"/>
+            <a:r>
+              <a:rPr lang="en-US" dirty="0"/>
+              <a:t>Bayesian meta-analysis (</a:t>
+            </a:r>
+            <a:r>
+              <a:rPr lang="en-US" dirty="0">
+                <a:hlinkClick r:id="rId5"/>
+              </a:rPr>
+              <a:t>JASP software</a:t>
+            </a:r>
+            <a:r>
+              <a:rPr lang="en-US" dirty="0"/>
+              <a:t>)</a:t>
+            </a:r>
+          </a:p>
+          <a:p>
+            <a:pPr lvl="1"/>
+            <a:endParaRPr lang="en-US" dirty="0"/>
+          </a:p>
+          <a:p>
+            <a:r>
+              <a:rPr lang="en-US" dirty="0"/>
+              <a:t>More new methods are constantly evolving!</a:t>
+            </a:r>
+          </a:p>
+          <a:p>
+            <a:pPr lvl="1"/>
+            <a:endParaRPr lang="en-US" dirty="0"/>
+          </a:p>
         </p:txBody>
       </p:sp>
       <p:sp>
@@ -15962,7 +16754,7 @@
           <p:cNvPr id="4" name="Slide Number Placeholder 3">
             <a:extLst>
               <a:ext uri="{FF2B5EF4-FFF2-40B4-BE49-F238E27FC236}">
-                <a16:creationId xmlns:a16="http://schemas.microsoft.com/office/drawing/2014/main" id="{9A6FB26C-7539-D14E-8C63-0A45AC60056C}"/>
+                <a16:creationId xmlns:a16="http://schemas.microsoft.com/office/drawing/2014/main" id="{DB3E25E8-E879-8B43-B4F6-5DB517A7B86B}"/>
               </a:ext>
             </a:extLst>
           </p:cNvPr>
@@ -15989,7 +16781,7 @@
     </p:spTree>
     <p:extLst>
       <p:ext uri="{BB962C8B-B14F-4D97-AF65-F5344CB8AC3E}">
-        <p14:creationId xmlns:p14="http://schemas.microsoft.com/office/powerpoint/2010/main" val="1663166079"/>
+        <p14:creationId xmlns:p14="http://schemas.microsoft.com/office/powerpoint/2010/main" val="1112766340"/>
       </p:ext>
     </p:extLst>
   </p:cSld>
@@ -16018,15 +16810,9 @@
       </p:grpSpPr>
       <p:sp>
         <p:nvSpPr>
-          <p:cNvPr id="108546" name="Rectangle 2">
-            <a:extLst>
-              <a:ext uri="{FF2B5EF4-FFF2-40B4-BE49-F238E27FC236}">
-                <a16:creationId xmlns:a16="http://schemas.microsoft.com/office/drawing/2014/main" id="{D0636248-4CC9-7F4D-9503-4297A31F8082}"/>
-              </a:ext>
-            </a:extLst>
-          </p:cNvPr>
-          <p:cNvSpPr>
-            <a:spLocks noGrp="1" noChangeArrowheads="1"/>
+          <p:cNvPr id="2" name="Title 1"/>
+          <p:cNvSpPr>
+            <a:spLocks noGrp="1"/>
           </p:cNvSpPr>
           <p:nvPr>
             <p:ph type="title"/>
@@ -16034,141 +16820,53 @@
         </p:nvSpPr>
         <p:spPr/>
         <p:txBody>
-          <a:bodyPr/>
-          <a:lstStyle/>
-          <a:p>
-            <a:r>
-              <a:rPr lang="en-US" altLang="en-US" dirty="0"/>
-              <a:t>Manuscript Preparation</a:t>
-            </a:r>
-          </a:p>
-        </p:txBody>
-      </p:sp>
-      <p:sp>
-        <p:nvSpPr>
-          <p:cNvPr id="108547" name="Rectangle 3">
-            <a:extLst>
-              <a:ext uri="{FF2B5EF4-FFF2-40B4-BE49-F238E27FC236}">
-                <a16:creationId xmlns:a16="http://schemas.microsoft.com/office/drawing/2014/main" id="{6CC9FA01-D8F1-EE49-82A0-D7419AA85913}"/>
-              </a:ext>
-            </a:extLst>
-          </p:cNvPr>
-          <p:cNvSpPr>
-            <a:spLocks noGrp="1" noChangeArrowheads="1"/>
-          </p:cNvSpPr>
-          <p:nvPr>
-            <p:ph idx="1"/>
-          </p:nvPr>
-        </p:nvSpPr>
-        <p:spPr/>
-        <p:txBody>
           <a:bodyPr>
-            <a:noAutofit/>
+            <a:normAutofit/>
           </a:bodyPr>
           <a:lstStyle/>
           <a:p>
-            <a:pPr>
-              <a:lnSpc>
-                <a:spcPct val="120000"/>
-              </a:lnSpc>
-              <a:spcBef>
-                <a:spcPts val="0"/>
-              </a:spcBef>
-            </a:pPr>
-            <a:r>
-              <a:rPr lang="en-US" altLang="en-US" dirty="0"/>
-              <a:t>Somewhat different based on discipline, but ultimately, a typical manuscript describing a meta-analysis should include:</a:t>
-            </a:r>
-          </a:p>
-          <a:p>
-            <a:pPr lvl="1">
-              <a:lnSpc>
-                <a:spcPct val="120000"/>
-              </a:lnSpc>
-              <a:spcBef>
-                <a:spcPts val="0"/>
-              </a:spcBef>
-            </a:pPr>
-            <a:r>
-              <a:rPr lang="en-US" altLang="en-US" sz="2800" dirty="0"/>
-              <a:t>Introduction</a:t>
-            </a:r>
-          </a:p>
-          <a:p>
-            <a:pPr lvl="2">
-              <a:lnSpc>
-                <a:spcPct val="120000"/>
-              </a:lnSpc>
-              <a:spcBef>
-                <a:spcPts val="0"/>
-              </a:spcBef>
-            </a:pPr>
-            <a:r>
-              <a:rPr lang="en-US" altLang="en-US" sz="2200" dirty="0"/>
-              <a:t>Justifies why the review/meta-analysis was conducted</a:t>
-            </a:r>
-          </a:p>
-          <a:p>
-            <a:pPr lvl="2">
-              <a:lnSpc>
-                <a:spcPct val="120000"/>
-              </a:lnSpc>
-              <a:spcBef>
-                <a:spcPts val="0"/>
-              </a:spcBef>
-            </a:pPr>
-            <a:endParaRPr lang="en-US" altLang="en-US" sz="2200" dirty="0"/>
-          </a:p>
-          <a:p>
-            <a:pPr lvl="1">
-              <a:lnSpc>
-                <a:spcPct val="120000"/>
-              </a:lnSpc>
-              <a:spcBef>
-                <a:spcPts val="0"/>
-              </a:spcBef>
-            </a:pPr>
-            <a:r>
-              <a:rPr lang="en-US" altLang="en-US" sz="2800" dirty="0"/>
-              <a:t>Methods</a:t>
-            </a:r>
-          </a:p>
-          <a:p>
-            <a:pPr lvl="2">
-              <a:lnSpc>
-                <a:spcPct val="120000"/>
-              </a:lnSpc>
-              <a:spcBef>
-                <a:spcPts val="0"/>
-              </a:spcBef>
-            </a:pPr>
-            <a:r>
-              <a:rPr lang="en-US" altLang="en-US" sz="2200" dirty="0"/>
-              <a:t>Describe the literature search, specifically the databases used, and if the search was restricted in any way.</a:t>
-            </a:r>
-          </a:p>
-          <a:p>
-            <a:pPr lvl="2">
-              <a:lnSpc>
-                <a:spcPct val="120000"/>
-              </a:lnSpc>
-              <a:spcBef>
-                <a:spcPts val="0"/>
-              </a:spcBef>
-            </a:pPr>
-            <a:r>
-              <a:rPr lang="en-US" altLang="en-US" sz="2200" dirty="0"/>
-              <a:t>The selection process for articles, quality assessment, methods of data abstraction, and synthesis.</a:t>
-            </a:r>
-          </a:p>
-        </p:txBody>
-      </p:sp>
-      <p:sp>
-        <p:nvSpPr>
-          <p:cNvPr id="2" name="Slide Number Placeholder 1">
-            <a:extLst>
-              <a:ext uri="{FF2B5EF4-FFF2-40B4-BE49-F238E27FC236}">
-                <a16:creationId xmlns:a16="http://schemas.microsoft.com/office/drawing/2014/main" id="{0FAACA59-54A1-EE41-A618-F68DBDA59AF4}"/>
+            <a:r>
+              <a:rPr lang="en-GB" dirty="0">
+                <a:ea typeface="SimSun" panose="02010600030101010101" pitchFamily="2" charset="-122"/>
+                <a:cs typeface="Times New Roman" panose="02020603050405020304" pitchFamily="18" charset="0"/>
+              </a:rPr>
+              <a:t>Reporting Results</a:t>
+            </a:r>
+            <a:endParaRPr lang="en-GB" dirty="0"/>
+          </a:p>
+        </p:txBody>
+      </p:sp>
+      <p:sp>
+        <p:nvSpPr>
+          <p:cNvPr id="3" name="Text Placeholder 2">
+            <a:extLst>
+              <a:ext uri="{FF2B5EF4-FFF2-40B4-BE49-F238E27FC236}">
+                <a16:creationId xmlns:a16="http://schemas.microsoft.com/office/drawing/2014/main" id="{ECE2A6F8-6277-1F43-937B-D430DFAFA42F}"/>
+              </a:ext>
+            </a:extLst>
+          </p:cNvPr>
+          <p:cNvSpPr>
+            <a:spLocks noGrp="1"/>
+          </p:cNvSpPr>
+          <p:nvPr>
+            <p:ph type="body" idx="1"/>
+          </p:nvPr>
+        </p:nvSpPr>
+        <p:spPr/>
+        <p:txBody>
+          <a:bodyPr/>
+          <a:lstStyle/>
+          <a:p>
+            <a:endParaRPr lang="en-US" dirty="0"/>
+          </a:p>
+        </p:txBody>
+      </p:sp>
+      <p:sp>
+        <p:nvSpPr>
+          <p:cNvPr id="4" name="Slide Number Placeholder 3">
+            <a:extLst>
+              <a:ext uri="{FF2B5EF4-FFF2-40B4-BE49-F238E27FC236}">
+                <a16:creationId xmlns:a16="http://schemas.microsoft.com/office/drawing/2014/main" id="{9A6FB26C-7539-D14E-8C63-0A45AC60056C}"/>
               </a:ext>
             </a:extLst>
           </p:cNvPr>
@@ -16193,6 +16891,11 @@
         </p:txBody>
       </p:sp>
     </p:spTree>
+    <p:extLst>
+      <p:ext uri="{BB962C8B-B14F-4D97-AF65-F5344CB8AC3E}">
+        <p14:creationId xmlns:p14="http://schemas.microsoft.com/office/powerpoint/2010/main" val="1663166079"/>
+      </p:ext>
+    </p:extLst>
   </p:cSld>
   <p:clrMapOvr>
     <a:masterClrMapping/>
@@ -16268,52 +16971,98 @@
           </a:bodyPr>
           <a:lstStyle/>
           <a:p>
-            <a:r>
-              <a:rPr lang="en-US" altLang="en-US" sz="3200" dirty="0"/>
-              <a:t>Results</a:t>
-            </a:r>
-          </a:p>
-          <a:p>
-            <a:pPr lvl="1"/>
-            <a:r>
-              <a:rPr lang="en-US" altLang="en-US" sz="2600" dirty="0"/>
-              <a:t>Include a flow chart of studies included</a:t>
-            </a:r>
-          </a:p>
-          <a:p>
-            <a:pPr lvl="1"/>
-            <a:r>
-              <a:rPr lang="en-US" altLang="en-US" sz="2600" dirty="0"/>
-              <a:t>Include a Table that lists all effect size estimates and key study variables</a:t>
-            </a:r>
-          </a:p>
-          <a:p>
-            <a:pPr lvl="1"/>
-            <a:r>
-              <a:rPr lang="en-US" altLang="en-US" sz="2600" dirty="0"/>
-              <a:t>A figure displaying the results from each individual study (forest plot), results of heterogeneity testing, overall summary statistic, and results of a sensitivity analysis and meta-regression, if performed.</a:t>
-            </a:r>
-          </a:p>
-          <a:p>
-            <a:pPr marL="457200" lvl="1" indent="0">
-              <a:buNone/>
+            <a:pPr>
+              <a:lnSpc>
+                <a:spcPct val="120000"/>
+              </a:lnSpc>
+              <a:spcBef>
+                <a:spcPts val="0"/>
+              </a:spcBef>
             </a:pPr>
             <a:r>
-              <a:rPr lang="en-US" altLang="en-US" sz="2600" dirty="0"/>
-              <a:t> </a:t>
-            </a:r>
-          </a:p>
-          <a:p>
-            <a:r>
-              <a:rPr lang="en-US" altLang="en-US" sz="3200" dirty="0"/>
-              <a:t>Discussion</a:t>
-            </a:r>
-          </a:p>
-          <a:p>
-            <a:pPr lvl="1"/>
-            <a:r>
-              <a:rPr lang="en-US" altLang="en-US" sz="2600" dirty="0"/>
-              <a:t>Explains how the findings advance an understanding of the topic</a:t>
+              <a:rPr lang="en-US" altLang="en-US" dirty="0"/>
+              <a:t>Somewhat different based on discipline, but ultimately, a typical manuscript describing a meta-analysis should include:</a:t>
+            </a:r>
+          </a:p>
+          <a:p>
+            <a:pPr lvl="1">
+              <a:lnSpc>
+                <a:spcPct val="120000"/>
+              </a:lnSpc>
+              <a:spcBef>
+                <a:spcPts val="0"/>
+              </a:spcBef>
+            </a:pPr>
+            <a:r>
+              <a:rPr lang="en-US" altLang="en-US" sz="2800" dirty="0"/>
+              <a:t>Introduction</a:t>
+            </a:r>
+          </a:p>
+          <a:p>
+            <a:pPr lvl="2">
+              <a:lnSpc>
+                <a:spcPct val="120000"/>
+              </a:lnSpc>
+              <a:spcBef>
+                <a:spcPts val="0"/>
+              </a:spcBef>
+            </a:pPr>
+            <a:r>
+              <a:rPr lang="en-US" altLang="en-US" sz="2200" dirty="0"/>
+              <a:t>Justifies why the review/meta-analysis was conducted</a:t>
+            </a:r>
+          </a:p>
+          <a:p>
+            <a:pPr lvl="2">
+              <a:lnSpc>
+                <a:spcPct val="120000"/>
+              </a:lnSpc>
+              <a:spcBef>
+                <a:spcPts val="0"/>
+              </a:spcBef>
+            </a:pPr>
+            <a:endParaRPr lang="en-US" altLang="en-US" sz="2200" dirty="0"/>
+          </a:p>
+          <a:p>
+            <a:pPr lvl="1">
+              <a:lnSpc>
+                <a:spcPct val="120000"/>
+              </a:lnSpc>
+              <a:spcBef>
+                <a:spcPts val="0"/>
+              </a:spcBef>
+            </a:pPr>
+            <a:r>
+              <a:rPr lang="en-US" altLang="en-US" sz="2800" dirty="0"/>
+              <a:t>Methods</a:t>
+            </a:r>
+          </a:p>
+          <a:p>
+            <a:pPr lvl="2">
+              <a:lnSpc>
+                <a:spcPct val="120000"/>
+              </a:lnSpc>
+              <a:spcBef>
+                <a:spcPts val="0"/>
+              </a:spcBef>
+            </a:pPr>
+            <a:r>
+              <a:rPr lang="en-US" altLang="en-US" sz="2200" dirty="0"/>
+              <a:t>Describe the literature search, specifically the databases used, and if the search was restricted in any way.</a:t>
+            </a:r>
+          </a:p>
+          <a:p>
+            <a:pPr lvl="2">
+              <a:lnSpc>
+                <a:spcPct val="120000"/>
+              </a:lnSpc>
+              <a:spcBef>
+                <a:spcPts val="0"/>
+              </a:spcBef>
+            </a:pPr>
+            <a:r>
+              <a:rPr lang="en-US" altLang="en-US" sz="2200" dirty="0"/>
+              <a:t>The selection process for articles, quality assessment, methods of data abstraction, and synthesis.</a:t>
             </a:r>
           </a:p>
         </p:txBody>
@@ -16323,7 +17072,7 @@
           <p:cNvPr id="2" name="Slide Number Placeholder 1">
             <a:extLst>
               <a:ext uri="{FF2B5EF4-FFF2-40B4-BE49-F238E27FC236}">
-                <a16:creationId xmlns:a16="http://schemas.microsoft.com/office/drawing/2014/main" id="{89EFDD8F-02CE-FF41-A01B-9DE6666AB587}"/>
+                <a16:creationId xmlns:a16="http://schemas.microsoft.com/office/drawing/2014/main" id="{0FAACA59-54A1-EE41-A618-F68DBDA59AF4}"/>
               </a:ext>
             </a:extLst>
           </p:cNvPr>
@@ -16348,11 +17097,6 @@
         </p:txBody>
       </p:sp>
     </p:spTree>
-    <p:extLst>
-      <p:ext uri="{BB962C8B-B14F-4D97-AF65-F5344CB8AC3E}">
-        <p14:creationId xmlns:p14="http://schemas.microsoft.com/office/powerpoint/2010/main" val="3108365171"/>
-      </p:ext>
-    </p:extLst>
   </p:cSld>
   <p:clrMapOvr>
     <a:masterClrMapping/>
@@ -16379,15 +17123,15 @@
       </p:grpSpPr>
       <p:sp>
         <p:nvSpPr>
-          <p:cNvPr id="2" name="Title 1">
-            <a:extLst>
-              <a:ext uri="{FF2B5EF4-FFF2-40B4-BE49-F238E27FC236}">
-                <a16:creationId xmlns:a16="http://schemas.microsoft.com/office/drawing/2014/main" id="{774AC840-F59E-1147-AD02-B4E369D86060}"/>
-              </a:ext>
-            </a:extLst>
-          </p:cNvPr>
-          <p:cNvSpPr>
-            <a:spLocks noGrp="1"/>
+          <p:cNvPr id="108546" name="Rectangle 2">
+            <a:extLst>
+              <a:ext uri="{FF2B5EF4-FFF2-40B4-BE49-F238E27FC236}">
+                <a16:creationId xmlns:a16="http://schemas.microsoft.com/office/drawing/2014/main" id="{D0636248-4CC9-7F4D-9503-4297A31F8082}"/>
+              </a:ext>
+            </a:extLst>
+          </p:cNvPr>
+          <p:cNvSpPr>
+            <a:spLocks noGrp="1" noChangeArrowheads="1"/>
           </p:cNvSpPr>
           <p:nvPr>
             <p:ph type="title"/>
@@ -16399,23 +17143,23 @@
           <a:lstStyle/>
           <a:p>
             <a:r>
-              <a:rPr lang="en-US" dirty="0"/>
-              <a:t>Strive for Openness</a:t>
-            </a:r>
-          </a:p>
-        </p:txBody>
-      </p:sp>
-      <p:sp>
-        <p:nvSpPr>
-          <p:cNvPr id="3" name="Content Placeholder 2">
-            <a:extLst>
-              <a:ext uri="{FF2B5EF4-FFF2-40B4-BE49-F238E27FC236}">
-                <a16:creationId xmlns:a16="http://schemas.microsoft.com/office/drawing/2014/main" id="{C9282D46-2F75-BA49-A08A-C3BEDB038B06}"/>
-              </a:ext>
-            </a:extLst>
-          </p:cNvPr>
-          <p:cNvSpPr>
-            <a:spLocks noGrp="1"/>
+              <a:rPr lang="en-US" altLang="en-US" dirty="0"/>
+              <a:t>Manuscript Preparation</a:t>
+            </a:r>
+          </a:p>
+        </p:txBody>
+      </p:sp>
+      <p:sp>
+        <p:nvSpPr>
+          <p:cNvPr id="108547" name="Rectangle 3">
+            <a:extLst>
+              <a:ext uri="{FF2B5EF4-FFF2-40B4-BE49-F238E27FC236}">
+                <a16:creationId xmlns:a16="http://schemas.microsoft.com/office/drawing/2014/main" id="{6CC9FA01-D8F1-EE49-82A0-D7419AA85913}"/>
+              </a:ext>
+            </a:extLst>
+          </p:cNvPr>
+          <p:cNvSpPr>
+            <a:spLocks noGrp="1" noChangeArrowheads="1"/>
           </p:cNvSpPr>
           <p:nvPr>
             <p:ph idx="1"/>
@@ -16423,34 +17167,67 @@
         </p:nvSpPr>
         <p:spPr/>
         <p:txBody>
-          <a:bodyPr/>
-          <a:lstStyle/>
-          <a:p>
-            <a:r>
-              <a:rPr lang="en-US" dirty="0"/>
-              <a:t>Consider making data and analysis script available via an online repository (e.g., Open Science Framework)</a:t>
-            </a:r>
-          </a:p>
-          <a:p>
-            <a:endParaRPr lang="en-US" dirty="0"/>
-          </a:p>
-          <a:p>
-            <a:r>
-              <a:rPr lang="en-US" dirty="0"/>
-              <a:t>Update any pre-registrations and note status and any major deviations from protocol</a:t>
-            </a:r>
-          </a:p>
-          <a:p>
-            <a:endParaRPr lang="en-US" dirty="0"/>
-          </a:p>
-        </p:txBody>
-      </p:sp>
-      <p:sp>
-        <p:nvSpPr>
-          <p:cNvPr id="4" name="Slide Number Placeholder 3">
-            <a:extLst>
-              <a:ext uri="{FF2B5EF4-FFF2-40B4-BE49-F238E27FC236}">
-                <a16:creationId xmlns:a16="http://schemas.microsoft.com/office/drawing/2014/main" id="{04CBB7FC-F07C-DC49-8EA5-A1F68AE12248}"/>
+          <a:bodyPr>
+            <a:noAutofit/>
+          </a:bodyPr>
+          <a:lstStyle/>
+          <a:p>
+            <a:r>
+              <a:rPr lang="en-US" altLang="en-US" sz="3200" dirty="0"/>
+              <a:t>Results</a:t>
+            </a:r>
+          </a:p>
+          <a:p>
+            <a:pPr lvl="1"/>
+            <a:r>
+              <a:rPr lang="en-US" altLang="en-US" sz="2600" dirty="0"/>
+              <a:t>Include a flow chart of studies included</a:t>
+            </a:r>
+          </a:p>
+          <a:p>
+            <a:pPr lvl="1"/>
+            <a:r>
+              <a:rPr lang="en-US" altLang="en-US" sz="2600" dirty="0"/>
+              <a:t>Include a Table that lists all effect size estimates and key study variables</a:t>
+            </a:r>
+          </a:p>
+          <a:p>
+            <a:pPr lvl="1"/>
+            <a:r>
+              <a:rPr lang="en-US" altLang="en-US" sz="2600" dirty="0"/>
+              <a:t>A figure displaying the results from each individual study (forest plot), results of heterogeneity testing, overall summary statistic, and results of a sensitivity analysis and meta-regression, if performed.</a:t>
+            </a:r>
+          </a:p>
+          <a:p>
+            <a:pPr marL="457200" lvl="1" indent="0">
+              <a:buNone/>
+            </a:pPr>
+            <a:r>
+              <a:rPr lang="en-US" altLang="en-US" sz="2600" dirty="0"/>
+              <a:t> </a:t>
+            </a:r>
+          </a:p>
+          <a:p>
+            <a:r>
+              <a:rPr lang="en-US" altLang="en-US" sz="3200" dirty="0"/>
+              <a:t>Discussion</a:t>
+            </a:r>
+          </a:p>
+          <a:p>
+            <a:pPr lvl="1"/>
+            <a:r>
+              <a:rPr lang="en-US" altLang="en-US" sz="2600" dirty="0"/>
+              <a:t>Explains how the findings advance an understanding of the topic</a:t>
+            </a:r>
+          </a:p>
+        </p:txBody>
+      </p:sp>
+      <p:sp>
+        <p:nvSpPr>
+          <p:cNvPr id="2" name="Slide Number Placeholder 1">
+            <a:extLst>
+              <a:ext uri="{FF2B5EF4-FFF2-40B4-BE49-F238E27FC236}">
+                <a16:creationId xmlns:a16="http://schemas.microsoft.com/office/drawing/2014/main" id="{89EFDD8F-02CE-FF41-A01B-9DE6666AB587}"/>
               </a:ext>
             </a:extLst>
           </p:cNvPr>
@@ -16477,7 +17254,7 @@
     </p:spTree>
     <p:extLst>
       <p:ext uri="{BB962C8B-B14F-4D97-AF65-F5344CB8AC3E}">
-        <p14:creationId xmlns:p14="http://schemas.microsoft.com/office/powerpoint/2010/main" val="3070779231"/>
+        <p14:creationId xmlns:p14="http://schemas.microsoft.com/office/powerpoint/2010/main" val="3108365171"/>
       </p:ext>
     </p:extLst>
   </p:cSld>
@@ -16527,7 +17304,7 @@
           <a:p>
             <a:r>
               <a:rPr lang="en-US" dirty="0"/>
-              <a:t>Additional Online Resources</a:t>
+              <a:t>Strive for Openness</a:t>
             </a:r>
           </a:p>
         </p:txBody>
@@ -16555,41 +17332,21 @@
           <a:p>
             <a:r>
               <a:rPr lang="en-US" dirty="0"/>
-              <a:t>Coursera: </a:t>
-            </a:r>
-            <a:r>
-              <a:rPr lang="en-US" dirty="0">
-                <a:hlinkClick r:id="rId2"/>
-              </a:rPr>
-              <a:t>https://www.coursera.org/learn/systematic-review</a:t>
-            </a:r>
+              <a:t>Consider making data and analysis script available via an online repository (e.g., Open Science Framework)</a:t>
+            </a:r>
+          </a:p>
+          <a:p>
+            <a:endParaRPr lang="en-US" dirty="0"/>
+          </a:p>
+          <a:p>
             <a:r>
               <a:rPr lang="en-US" dirty="0"/>
-              <a:t> </a:t>
+              <a:t>Update any pre-registrations and note status and any major deviations from protocol</a:t>
             </a:r>
           </a:p>
           <a:p>
             <a:endParaRPr lang="en-US" dirty="0"/>
           </a:p>
-          <a:p>
-            <a:r>
-              <a:rPr lang="en-US" dirty="0"/>
-              <a:t>Cochrane Learning: </a:t>
-            </a:r>
-            <a:r>
-              <a:rPr lang="en-US" dirty="0">
-                <a:hlinkClick r:id="rId3"/>
-              </a:rPr>
-              <a:t>https://training.cochrane.org/interactivelearning</a:t>
-            </a:r>
-            <a:r>
-              <a:rPr lang="en-US" dirty="0"/>
-              <a:t> </a:t>
-            </a:r>
-          </a:p>
-          <a:p>
-            <a:endParaRPr lang="en-US" dirty="0"/>
-          </a:p>
         </p:txBody>
       </p:sp>
       <p:sp>
@@ -16597,7 +17354,7 @@
           <p:cNvPr id="4" name="Slide Number Placeholder 3">
             <a:extLst>
               <a:ext uri="{FF2B5EF4-FFF2-40B4-BE49-F238E27FC236}">
-                <a16:creationId xmlns:a16="http://schemas.microsoft.com/office/drawing/2014/main" id="{FB7BEE0C-0517-3A48-86D4-A36D1CDA285D}"/>
+                <a16:creationId xmlns:a16="http://schemas.microsoft.com/office/drawing/2014/main" id="{04CBB7FC-F07C-DC49-8EA5-A1F68AE12248}"/>
               </a:ext>
             </a:extLst>
           </p:cNvPr>
@@ -16624,7 +17381,7 @@
     </p:spTree>
     <p:extLst>
       <p:ext uri="{BB962C8B-B14F-4D97-AF65-F5344CB8AC3E}">
-        <p14:creationId xmlns:p14="http://schemas.microsoft.com/office/powerpoint/2010/main" val="656725369"/>
+        <p14:creationId xmlns:p14="http://schemas.microsoft.com/office/powerpoint/2010/main" val="3070779231"/>
       </p:ext>
     </p:extLst>
   </p:cSld>
@@ -16656,7 +17413,7 @@
           <p:cNvPr id="2" name="Title 1">
             <a:extLst>
               <a:ext uri="{FF2B5EF4-FFF2-40B4-BE49-F238E27FC236}">
-                <a16:creationId xmlns:a16="http://schemas.microsoft.com/office/drawing/2014/main" id="{315BEDF6-8379-644B-9BF8-33C830931C71}"/>
+                <a16:creationId xmlns:a16="http://schemas.microsoft.com/office/drawing/2014/main" id="{774AC840-F59E-1147-AD02-B4E369D86060}"/>
               </a:ext>
             </a:extLst>
           </p:cNvPr>
@@ -16674,25 +17431,25 @@
           <a:p>
             <a:r>
               <a:rPr lang="en-US" dirty="0"/>
-              <a:t>Questions?</a:t>
-            </a:r>
-          </a:p>
-        </p:txBody>
-      </p:sp>
-      <p:sp>
-        <p:nvSpPr>
-          <p:cNvPr id="3" name="Text Placeholder 2">
-            <a:extLst>
-              <a:ext uri="{FF2B5EF4-FFF2-40B4-BE49-F238E27FC236}">
-                <a16:creationId xmlns:a16="http://schemas.microsoft.com/office/drawing/2014/main" id="{DD00EF4B-327F-2343-8146-57584E164DE8}"/>
-              </a:ext>
-            </a:extLst>
-          </p:cNvPr>
-          <p:cNvSpPr>
-            <a:spLocks noGrp="1"/>
-          </p:cNvSpPr>
-          <p:nvPr>
-            <p:ph type="body" idx="1"/>
+              <a:t>Additional Online Resources</a:t>
+            </a:r>
+          </a:p>
+        </p:txBody>
+      </p:sp>
+      <p:sp>
+        <p:nvSpPr>
+          <p:cNvPr id="3" name="Content Placeholder 2">
+            <a:extLst>
+              <a:ext uri="{FF2B5EF4-FFF2-40B4-BE49-F238E27FC236}">
+                <a16:creationId xmlns:a16="http://schemas.microsoft.com/office/drawing/2014/main" id="{C9282D46-2F75-BA49-A08A-C3BEDB038B06}"/>
+              </a:ext>
+            </a:extLst>
+          </p:cNvPr>
+          <p:cNvSpPr>
+            <a:spLocks noGrp="1"/>
+          </p:cNvSpPr>
+          <p:nvPr>
+            <p:ph idx="1"/>
           </p:nvPr>
         </p:nvSpPr>
         <p:spPr/>
@@ -16702,8 +17459,40 @@
           <a:p>
             <a:r>
               <a:rPr lang="en-US" dirty="0"/>
-              <a:t>We’ll pause here for questions about either Part 1 (Systematic review) or Part 2 (Meta-analysis)</a:t>
-            </a:r>
+              <a:t>Coursera: </a:t>
+            </a:r>
+            <a:r>
+              <a:rPr lang="en-US" dirty="0">
+                <a:hlinkClick r:id="rId2"/>
+              </a:rPr>
+              <a:t>https://www.coursera.org/learn/systematic-review</a:t>
+            </a:r>
+            <a:r>
+              <a:rPr lang="en-US" dirty="0"/>
+              <a:t> </a:t>
+            </a:r>
+          </a:p>
+          <a:p>
+            <a:endParaRPr lang="en-US" dirty="0"/>
+          </a:p>
+          <a:p>
+            <a:r>
+              <a:rPr lang="en-US" dirty="0"/>
+              <a:t>Cochrane Learning: </a:t>
+            </a:r>
+            <a:r>
+              <a:rPr lang="en-US" dirty="0">
+                <a:hlinkClick r:id="rId3"/>
+              </a:rPr>
+              <a:t>https://training.cochrane.org/interactivelearning</a:t>
+            </a:r>
+            <a:r>
+              <a:rPr lang="en-US" dirty="0"/>
+              <a:t> </a:t>
+            </a:r>
+          </a:p>
+          <a:p>
+            <a:endParaRPr lang="en-US" dirty="0"/>
           </a:p>
         </p:txBody>
       </p:sp>
@@ -16712,7 +17501,7 @@
           <p:cNvPr id="4" name="Slide Number Placeholder 3">
             <a:extLst>
               <a:ext uri="{FF2B5EF4-FFF2-40B4-BE49-F238E27FC236}">
-                <a16:creationId xmlns:a16="http://schemas.microsoft.com/office/drawing/2014/main" id="{EFC89E5D-00D5-8A46-AD43-8CA58A9E964F}"/>
+                <a16:creationId xmlns:a16="http://schemas.microsoft.com/office/drawing/2014/main" id="{FB7BEE0C-0517-3A48-86D4-A36D1CDA285D}"/>
               </a:ext>
             </a:extLst>
           </p:cNvPr>
@@ -16739,7 +17528,7 @@
     </p:spTree>
     <p:extLst>
       <p:ext uri="{BB962C8B-B14F-4D97-AF65-F5344CB8AC3E}">
-        <p14:creationId xmlns:p14="http://schemas.microsoft.com/office/powerpoint/2010/main" val="1527477434"/>
+        <p14:creationId xmlns:p14="http://schemas.microsoft.com/office/powerpoint/2010/main" val="656725369"/>
       </p:ext>
     </p:extLst>
   </p:cSld>
@@ -16768,15 +17557,15 @@
       </p:grpSpPr>
       <p:sp>
         <p:nvSpPr>
-          <p:cNvPr id="2" name="Title 1">
-            <a:extLst>
-              <a:ext uri="{FF2B5EF4-FFF2-40B4-BE49-F238E27FC236}">
-                <a16:creationId xmlns:a16="http://schemas.microsoft.com/office/drawing/2014/main" id="{81BD902D-B0EC-A342-B3B8-DCA6FD52523B}"/>
-              </a:ext>
-            </a:extLst>
-          </p:cNvPr>
-          <p:cNvSpPr>
-            <a:spLocks noGrp="1"/>
+          <p:cNvPr id="65538" name="Rectangle 2">
+            <a:extLst>
+              <a:ext uri="{FF2B5EF4-FFF2-40B4-BE49-F238E27FC236}">
+                <a16:creationId xmlns:a16="http://schemas.microsoft.com/office/drawing/2014/main" id="{664EEE48-B53E-A141-B5D7-22136A25693A}"/>
+              </a:ext>
+            </a:extLst>
+          </p:cNvPr>
+          <p:cNvSpPr>
+            <a:spLocks noGrp="1" noChangeArrowheads="1"/>
           </p:cNvSpPr>
           <p:nvPr>
             <p:ph type="title"/>
@@ -16784,47 +17573,79 @@
         </p:nvSpPr>
         <p:spPr/>
         <p:txBody>
-          <a:bodyPr/>
-          <a:lstStyle/>
+          <a:bodyPr>
+            <a:normAutofit/>
+          </a:bodyPr>
+          <a:lstStyle/>
+          <a:p>
+            <a:r>
+              <a:rPr lang="en-US" altLang="en-US" dirty="0"/>
+              <a:t>When can data from a systematic review be synthesized in a meta-analysis?</a:t>
+            </a:r>
+          </a:p>
+        </p:txBody>
+      </p:sp>
+      <p:sp>
+        <p:nvSpPr>
+          <p:cNvPr id="65539" name="Rectangle 3">
+            <a:extLst>
+              <a:ext uri="{FF2B5EF4-FFF2-40B4-BE49-F238E27FC236}">
+                <a16:creationId xmlns:a16="http://schemas.microsoft.com/office/drawing/2014/main" id="{6E83FA28-6864-7E49-BAA3-872AEDAE2594}"/>
+              </a:ext>
+            </a:extLst>
+          </p:cNvPr>
+          <p:cNvSpPr>
+            <a:spLocks noGrp="1" noChangeArrowheads="1"/>
+          </p:cNvSpPr>
+          <p:nvPr>
+            <p:ph idx="1"/>
+          </p:nvPr>
+        </p:nvSpPr>
+        <p:spPr/>
+        <p:txBody>
+          <a:bodyPr/>
+          <a:lstStyle/>
+          <a:p>
+            <a:r>
+              <a:rPr lang="en-US" altLang="en-US" sz="2400" dirty="0"/>
+              <a:t>When data are NOT too sparse, of too low quality or too heterogeneous </a:t>
+            </a:r>
+          </a:p>
+          <a:p>
+            <a:pPr lvl="1"/>
+            <a:r>
+              <a:rPr lang="en-US" altLang="en-US" sz="2000" dirty="0"/>
+              <a:t>For example: </a:t>
+            </a:r>
+            <a:r>
+              <a:rPr lang="en-GB" altLang="en-US" dirty="0"/>
+              <a:t>the patients, interventions and outcomes in each of the included studies are sufficiently similar</a:t>
+            </a:r>
+          </a:p>
+          <a:p>
+            <a:endParaRPr lang="en-GB" altLang="en-US" dirty="0"/>
+          </a:p>
           <a:p>
             <a:r>
               <a:rPr lang="en-US" dirty="0"/>
-              <a:t>Effect size estimates</a:t>
-            </a:r>
-          </a:p>
-        </p:txBody>
-      </p:sp>
-      <p:sp>
-        <p:nvSpPr>
-          <p:cNvPr id="3" name="Text Placeholder 2">
-            <a:extLst>
-              <a:ext uri="{FF2B5EF4-FFF2-40B4-BE49-F238E27FC236}">
-                <a16:creationId xmlns:a16="http://schemas.microsoft.com/office/drawing/2014/main" id="{CC5669BD-D86B-AC47-9CC0-C7EA6AB1454F}"/>
-              </a:ext>
-            </a:extLst>
-          </p:cNvPr>
-          <p:cNvSpPr>
-            <a:spLocks noGrp="1"/>
-          </p:cNvSpPr>
-          <p:nvPr>
-            <p:ph type="body" idx="1"/>
-          </p:nvPr>
-        </p:nvSpPr>
-        <p:spPr/>
-        <p:txBody>
-          <a:bodyPr/>
-          <a:lstStyle/>
-          <a:p>
-            <a:endParaRPr lang="en-US" dirty="0"/>
-          </a:p>
-        </p:txBody>
-      </p:sp>
-      <p:sp>
-        <p:nvSpPr>
-          <p:cNvPr id="4" name="Slide Number Placeholder 3">
-            <a:extLst>
-              <a:ext uri="{FF2B5EF4-FFF2-40B4-BE49-F238E27FC236}">
-                <a16:creationId xmlns:a16="http://schemas.microsoft.com/office/drawing/2014/main" id="{8ACBC3FC-679F-1548-A6F4-FBC1DEE55F87}"/>
+              <a:t>Meta-analyses may or may not follow a systematic review</a:t>
+            </a:r>
+          </a:p>
+          <a:p>
+            <a:pPr lvl="1"/>
+            <a:r>
+              <a:rPr lang="en-US" dirty="0"/>
+              <a:t>Selective meta-analysis v. systematic review + meta-analysis</a:t>
+            </a:r>
+          </a:p>
+        </p:txBody>
+      </p:sp>
+      <p:sp>
+        <p:nvSpPr>
+          <p:cNvPr id="2" name="Slide Number Placeholder 1">
+            <a:extLst>
+              <a:ext uri="{FF2B5EF4-FFF2-40B4-BE49-F238E27FC236}">
+                <a16:creationId xmlns:a16="http://schemas.microsoft.com/office/drawing/2014/main" id="{02A1D370-415E-3D49-94E7-C6237689D5DB}"/>
               </a:ext>
             </a:extLst>
           </p:cNvPr>
@@ -16849,9 +17670,119 @@
         </p:txBody>
       </p:sp>
     </p:spTree>
+  </p:cSld>
+  <p:clrMapOvr>
+    <a:masterClrMapping/>
+  </p:clrMapOvr>
+</p:sld>
+</file>
+
+<file path=ppt/slides/slide50.xml><?xml version="1.0" encoding="utf-8"?>
+<p:sld xmlns:a="http://schemas.openxmlformats.org/drawingml/2006/main" xmlns:r="http://schemas.openxmlformats.org/officeDocument/2006/relationships" xmlns:p="http://schemas.openxmlformats.org/presentationml/2006/main">
+  <p:cSld>
+    <p:spTree>
+      <p:nvGrpSpPr>
+        <p:cNvPr id="1" name=""/>
+        <p:cNvGrpSpPr/>
+        <p:nvPr/>
+      </p:nvGrpSpPr>
+      <p:grpSpPr>
+        <a:xfrm>
+          <a:off x="0" y="0"/>
+          <a:ext cx="0" cy="0"/>
+          <a:chOff x="0" y="0"/>
+          <a:chExt cx="0" cy="0"/>
+        </a:xfrm>
+      </p:grpSpPr>
+      <p:sp>
+        <p:nvSpPr>
+          <p:cNvPr id="2" name="Title 1">
+            <a:extLst>
+              <a:ext uri="{FF2B5EF4-FFF2-40B4-BE49-F238E27FC236}">
+                <a16:creationId xmlns:a16="http://schemas.microsoft.com/office/drawing/2014/main" id="{315BEDF6-8379-644B-9BF8-33C830931C71}"/>
+              </a:ext>
+            </a:extLst>
+          </p:cNvPr>
+          <p:cNvSpPr>
+            <a:spLocks noGrp="1"/>
+          </p:cNvSpPr>
+          <p:nvPr>
+            <p:ph type="title"/>
+          </p:nvPr>
+        </p:nvSpPr>
+        <p:spPr/>
+        <p:txBody>
+          <a:bodyPr/>
+          <a:lstStyle/>
+          <a:p>
+            <a:r>
+              <a:rPr lang="en-US" dirty="0"/>
+              <a:t>Questions?</a:t>
+            </a:r>
+          </a:p>
+        </p:txBody>
+      </p:sp>
+      <p:sp>
+        <p:nvSpPr>
+          <p:cNvPr id="3" name="Text Placeholder 2">
+            <a:extLst>
+              <a:ext uri="{FF2B5EF4-FFF2-40B4-BE49-F238E27FC236}">
+                <a16:creationId xmlns:a16="http://schemas.microsoft.com/office/drawing/2014/main" id="{DD00EF4B-327F-2343-8146-57584E164DE8}"/>
+              </a:ext>
+            </a:extLst>
+          </p:cNvPr>
+          <p:cNvSpPr>
+            <a:spLocks noGrp="1"/>
+          </p:cNvSpPr>
+          <p:nvPr>
+            <p:ph type="body" idx="1"/>
+          </p:nvPr>
+        </p:nvSpPr>
+        <p:spPr/>
+        <p:txBody>
+          <a:bodyPr/>
+          <a:lstStyle/>
+          <a:p>
+            <a:r>
+              <a:rPr lang="en-US" dirty="0"/>
+              <a:t>We’ll pause here for questions about either Part 1 (Systematic review) or Part 2 (Meta-analysis)</a:t>
+            </a:r>
+          </a:p>
+        </p:txBody>
+      </p:sp>
+      <p:sp>
+        <p:nvSpPr>
+          <p:cNvPr id="4" name="Slide Number Placeholder 3">
+            <a:extLst>
+              <a:ext uri="{FF2B5EF4-FFF2-40B4-BE49-F238E27FC236}">
+                <a16:creationId xmlns:a16="http://schemas.microsoft.com/office/drawing/2014/main" id="{EFC89E5D-00D5-8A46-AD43-8CA58A9E964F}"/>
+              </a:ext>
+            </a:extLst>
+          </p:cNvPr>
+          <p:cNvSpPr>
+            <a:spLocks noGrp="1"/>
+          </p:cNvSpPr>
+          <p:nvPr>
+            <p:ph type="sldNum" sz="quarter" idx="12"/>
+          </p:nvPr>
+        </p:nvSpPr>
+        <p:spPr/>
+        <p:txBody>
+          <a:bodyPr/>
+          <a:lstStyle/>
+          <a:p>
+            <a:fld id="{284273DD-104E-A841-819D-72454FA280E2}" type="slidenum">
+              <a:rPr lang="en-US" smtClean="0"/>
+              <a:t>49</a:t>
+            </a:fld>
+            <a:endParaRPr lang="en-US" dirty="0"/>
+          </a:p>
+        </p:txBody>
+      </p:sp>
+    </p:spTree>
     <p:extLst>
       <p:ext uri="{BB962C8B-B14F-4D97-AF65-F5344CB8AC3E}">
-        <p14:creationId xmlns:p14="http://schemas.microsoft.com/office/powerpoint/2010/main" val="979542859"/>
+        <p14:creationId xmlns:p14="http://schemas.microsoft.com/office/powerpoint/2010/main" val="1527477434"/>
       </p:ext>
     </p:extLst>
   </p:cSld>
@@ -16880,7 +17811,13 @@
       </p:grpSpPr>
       <p:sp>
         <p:nvSpPr>
-          <p:cNvPr id="2" name="Title 1"/>
+          <p:cNvPr id="2" name="Title 1">
+            <a:extLst>
+              <a:ext uri="{FF2B5EF4-FFF2-40B4-BE49-F238E27FC236}">
+                <a16:creationId xmlns:a16="http://schemas.microsoft.com/office/drawing/2014/main" id="{81BD902D-B0EC-A342-B3B8-DCA6FD52523B}"/>
+              </a:ext>
+            </a:extLst>
+          </p:cNvPr>
           <p:cNvSpPr>
             <a:spLocks noGrp="1"/>
           </p:cNvSpPr>
@@ -16894,65 +17831,34 @@
           <a:lstStyle/>
           <a:p>
             <a:r>
-              <a:rPr lang="en-AU" dirty="0"/>
-              <a:t>Decide on the appropriate effect size</a:t>
-            </a:r>
-          </a:p>
-        </p:txBody>
-      </p:sp>
-      <p:sp>
-        <p:nvSpPr>
-          <p:cNvPr id="3" name="Content Placeholder 2"/>
-          <p:cNvSpPr>
-            <a:spLocks noGrp="1"/>
-          </p:cNvSpPr>
-          <p:nvPr>
-            <p:ph idx="1"/>
-          </p:nvPr>
-        </p:nvSpPr>
-        <p:spPr/>
-        <p:txBody>
-          <a:bodyPr/>
-          <a:lstStyle/>
-          <a:p>
-            <a:r>
-              <a:rPr lang="en-AU" dirty="0"/>
-              <a:t>When developing the protocol you should identify the effect size(s) that are most appropriate to the research question</a:t>
-            </a:r>
-          </a:p>
-          <a:p>
-            <a:endParaRPr lang="en-AU" dirty="0"/>
-          </a:p>
-          <a:p>
-            <a:r>
-              <a:rPr lang="en-AU" dirty="0"/>
-              <a:t>Within behavioural science commonly used effect sizes include</a:t>
-            </a:r>
-          </a:p>
-          <a:p>
-            <a:pPr lvl="1"/>
-            <a:r>
-              <a:rPr lang="en-AU" dirty="0"/>
-              <a:t>Correlations</a:t>
-            </a:r>
-          </a:p>
-          <a:p>
-            <a:pPr lvl="1"/>
-            <a:r>
-              <a:rPr lang="en-AU" dirty="0"/>
-              <a:t>Standardized mean differences</a:t>
-            </a:r>
-          </a:p>
-          <a:p>
-            <a:pPr lvl="1"/>
-            <a:r>
-              <a:rPr lang="en-AU" dirty="0"/>
-              <a:t>Odds ratios</a:t>
-            </a:r>
-          </a:p>
-          <a:p>
-            <a:pPr lvl="1"/>
-            <a:endParaRPr lang="en-AU" dirty="0"/>
+              <a:rPr lang="en-US" dirty="0"/>
+              <a:t>Effect size estimates</a:t>
+            </a:r>
+          </a:p>
+        </p:txBody>
+      </p:sp>
+      <p:sp>
+        <p:nvSpPr>
+          <p:cNvPr id="3" name="Text Placeholder 2">
+            <a:extLst>
+              <a:ext uri="{FF2B5EF4-FFF2-40B4-BE49-F238E27FC236}">
+                <a16:creationId xmlns:a16="http://schemas.microsoft.com/office/drawing/2014/main" id="{CC5669BD-D86B-AC47-9CC0-C7EA6AB1454F}"/>
+              </a:ext>
+            </a:extLst>
+          </p:cNvPr>
+          <p:cNvSpPr>
+            <a:spLocks noGrp="1"/>
+          </p:cNvSpPr>
+          <p:nvPr>
+            <p:ph type="body" idx="1"/>
+          </p:nvPr>
+        </p:nvSpPr>
+        <p:spPr/>
+        <p:txBody>
+          <a:bodyPr/>
+          <a:lstStyle/>
+          <a:p>
+            <a:endParaRPr lang="en-US" dirty="0"/>
           </a:p>
         </p:txBody>
       </p:sp>
@@ -16961,7 +17867,7 @@
           <p:cNvPr id="4" name="Slide Number Placeholder 3">
             <a:extLst>
               <a:ext uri="{FF2B5EF4-FFF2-40B4-BE49-F238E27FC236}">
-                <a16:creationId xmlns:a16="http://schemas.microsoft.com/office/drawing/2014/main" id="{C778EE08-4D39-9941-BA2B-B7B671BC9458}"/>
+                <a16:creationId xmlns:a16="http://schemas.microsoft.com/office/drawing/2014/main" id="{8ACBC3FC-679F-1548-A6F4-FBC1DEE55F87}"/>
               </a:ext>
             </a:extLst>
           </p:cNvPr>
@@ -16988,7 +17894,7 @@
     </p:spTree>
     <p:extLst>
       <p:ext uri="{BB962C8B-B14F-4D97-AF65-F5344CB8AC3E}">
-        <p14:creationId xmlns:p14="http://schemas.microsoft.com/office/powerpoint/2010/main" val="4098903622"/>
+        <p14:creationId xmlns:p14="http://schemas.microsoft.com/office/powerpoint/2010/main" val="979542859"/>
       </p:ext>
     </p:extLst>
   </p:cSld>
@@ -17032,7 +17938,7 @@
           <a:p>
             <a:r>
               <a:rPr lang="en-AU" dirty="0"/>
-              <a:t>Data for correlations</a:t>
+              <a:t>Decide on the appropriate effect size</a:t>
             </a:r>
           </a:p>
         </p:txBody>
@@ -17054,50 +17960,42 @@
           <a:p>
             <a:r>
               <a:rPr lang="en-AU" dirty="0"/>
-              <a:t>r and N</a:t>
-            </a:r>
+              <a:t>When developing the protocol you should identify the effect size(s) that are most appropriate to the research question</a:t>
+            </a:r>
+          </a:p>
+          <a:p>
+            <a:endParaRPr lang="en-AU" dirty="0"/>
           </a:p>
           <a:p>
             <a:r>
               <a:rPr lang="en-AU" dirty="0"/>
-              <a:t>r and SE</a:t>
-            </a:r>
-          </a:p>
-          <a:p>
+              <a:t>Within behavioural science commonly used effect sizes include</a:t>
+            </a:r>
+          </a:p>
+          <a:p>
+            <a:pPr lvl="1"/>
             <a:r>
               <a:rPr lang="en-AU" dirty="0"/>
-              <a:t>r and variance</a:t>
-            </a:r>
-          </a:p>
-          <a:p>
+              <a:t>Correlations</a:t>
+            </a:r>
+          </a:p>
+          <a:p>
+            <a:pPr lvl="1"/>
             <a:r>
               <a:rPr lang="en-AU" dirty="0"/>
-              <a:t>Fisher’s Z and N</a:t>
-            </a:r>
-          </a:p>
-          <a:p>
+              <a:t>Standardized mean differences</a:t>
+            </a:r>
+          </a:p>
+          <a:p>
+            <a:pPr lvl="1"/>
             <a:r>
               <a:rPr lang="en-AU" dirty="0"/>
-              <a:t>Fisher’s Z and SE</a:t>
-            </a:r>
-          </a:p>
-          <a:p>
-            <a:r>
-              <a:rPr lang="en-AU" dirty="0"/>
-              <a:t>r and t value</a:t>
-            </a:r>
-          </a:p>
-          <a:p>
-            <a:r>
-              <a:rPr lang="en-AU" dirty="0"/>
-              <a:t>t value and sample size (for correlation)</a:t>
-            </a:r>
-          </a:p>
-          <a:p>
-            <a:r>
-              <a:rPr lang="en-AU" dirty="0"/>
-              <a:t>p value and sample size (for correlation)</a:t>
-            </a:r>
+              <a:t>Odds ratios</a:t>
+            </a:r>
+          </a:p>
+          <a:p>
+            <a:pPr lvl="1"/>
+            <a:endParaRPr lang="en-AU" dirty="0"/>
           </a:p>
         </p:txBody>
       </p:sp>
@@ -17106,7 +18004,7 @@
           <p:cNvPr id="4" name="Slide Number Placeholder 3">
             <a:extLst>
               <a:ext uri="{FF2B5EF4-FFF2-40B4-BE49-F238E27FC236}">
-                <a16:creationId xmlns:a16="http://schemas.microsoft.com/office/drawing/2014/main" id="{80380A38-E649-1D43-A6AD-43E2F4504703}"/>
+                <a16:creationId xmlns:a16="http://schemas.microsoft.com/office/drawing/2014/main" id="{C778EE08-4D39-9941-BA2B-B7B671BC9458}"/>
               </a:ext>
             </a:extLst>
           </p:cNvPr>
@@ -17133,7 +18031,7 @@
     </p:spTree>
     <p:extLst>
       <p:ext uri="{BB962C8B-B14F-4D97-AF65-F5344CB8AC3E}">
-        <p14:creationId xmlns:p14="http://schemas.microsoft.com/office/powerpoint/2010/main" val="880507833"/>
+        <p14:creationId xmlns:p14="http://schemas.microsoft.com/office/powerpoint/2010/main" val="4098903622"/>
       </p:ext>
     </p:extLst>
   </p:cSld>
@@ -17177,7 +18075,7 @@
           <a:p>
             <a:r>
               <a:rPr lang="en-AU" dirty="0"/>
-              <a:t>Data for standardised mean differences</a:t>
+              <a:t>Data for correlations</a:t>
             </a:r>
           </a:p>
         </p:txBody>
@@ -17199,31 +18097,49 @@
           <a:p>
             <a:r>
               <a:rPr lang="en-AU" dirty="0"/>
-              <a:t>Mean, SD or SE, and N for each group</a:t>
+              <a:t>r and N</a:t>
             </a:r>
           </a:p>
           <a:p>
             <a:r>
               <a:rPr lang="en-AU" dirty="0"/>
-              <a:t>d and confidence interval</a:t>
+              <a:t>r and SE</a:t>
             </a:r>
           </a:p>
           <a:p>
             <a:r>
               <a:rPr lang="en-AU" dirty="0"/>
-              <a:t>d and variance</a:t>
+              <a:t>r and variance</a:t>
             </a:r>
           </a:p>
           <a:p>
             <a:r>
               <a:rPr lang="en-AU" dirty="0"/>
-              <a:t>p value and n</a:t>
+              <a:t>Fisher’s Z and N</a:t>
             </a:r>
           </a:p>
           <a:p>
             <a:r>
               <a:rPr lang="en-AU" dirty="0"/>
-              <a:t>And much more…</a:t>
+              <a:t>Fisher’s Z and SE</a:t>
+            </a:r>
+          </a:p>
+          <a:p>
+            <a:r>
+              <a:rPr lang="en-AU" dirty="0"/>
+              <a:t>r and t value</a:t>
+            </a:r>
+          </a:p>
+          <a:p>
+            <a:r>
+              <a:rPr lang="en-AU" dirty="0"/>
+              <a:t>t value and sample size (for correlation)</a:t>
+            </a:r>
+          </a:p>
+          <a:p>
+            <a:r>
+              <a:rPr lang="en-AU" dirty="0"/>
+              <a:t>p value and sample size (for correlation)</a:t>
             </a:r>
           </a:p>
         </p:txBody>
@@ -17233,7 +18149,7 @@
           <p:cNvPr id="4" name="Slide Number Placeholder 3">
             <a:extLst>
               <a:ext uri="{FF2B5EF4-FFF2-40B4-BE49-F238E27FC236}">
-                <a16:creationId xmlns:a16="http://schemas.microsoft.com/office/drawing/2014/main" id="{8AC0F022-748B-0446-BD19-0656E0C3A83C}"/>
+                <a16:creationId xmlns:a16="http://schemas.microsoft.com/office/drawing/2014/main" id="{80380A38-E649-1D43-A6AD-43E2F4504703}"/>
               </a:ext>
             </a:extLst>
           </p:cNvPr>
@@ -17260,7 +18176,7 @@
     </p:spTree>
     <p:extLst>
       <p:ext uri="{BB962C8B-B14F-4D97-AF65-F5344CB8AC3E}">
-        <p14:creationId xmlns:p14="http://schemas.microsoft.com/office/powerpoint/2010/main" val="912810512"/>
+        <p14:creationId xmlns:p14="http://schemas.microsoft.com/office/powerpoint/2010/main" val="880507833"/>
       </p:ext>
     </p:extLst>
   </p:cSld>
@@ -17304,7 +18220,7 @@
           <a:p>
             <a:r>
               <a:rPr lang="en-AU" dirty="0"/>
-              <a:t>Data for odds ratios</a:t>
+              <a:t>Data for standardized mean differences</a:t>
             </a:r>
           </a:p>
         </p:txBody>
@@ -17326,25 +18242,25 @@
           <a:p>
             <a:r>
               <a:rPr lang="en-AU" dirty="0"/>
-              <a:t>2 x 2 frequency table</a:t>
+              <a:t>Mean, SD or SE, and N for each group</a:t>
             </a:r>
           </a:p>
           <a:p>
             <a:r>
               <a:rPr lang="en-AU" dirty="0"/>
-              <a:t>Odds ratio and confidence intervals</a:t>
+              <a:t>d and confidence interval</a:t>
             </a:r>
           </a:p>
           <a:p>
             <a:r>
               <a:rPr lang="en-AU" dirty="0"/>
-              <a:t>Risk difference</a:t>
+              <a:t>d and variance</a:t>
             </a:r>
           </a:p>
           <a:p>
             <a:r>
               <a:rPr lang="en-AU" dirty="0"/>
-              <a:t>Risk ratio</a:t>
+              <a:t>p value and n</a:t>
             </a:r>
           </a:p>
           <a:p>
@@ -17353,68 +18269,14 @@
               <a:t>And much more…</a:t>
             </a:r>
           </a:p>
-          <a:p>
-            <a:endParaRPr lang="en-AU" dirty="0"/>
-          </a:p>
-          <a:p>
-            <a:endParaRPr lang="en-AU" dirty="0"/>
-          </a:p>
-          <a:p>
-            <a:pPr marL="0" indent="0">
-              <a:buNone/>
-            </a:pPr>
-            <a:endParaRPr lang="en-AU" dirty="0"/>
-          </a:p>
-        </p:txBody>
-      </p:sp>
-      <p:sp>
-        <p:nvSpPr>
-          <p:cNvPr id="4" name="TextBox 3">
-            <a:extLst>
-              <a:ext uri="{FF2B5EF4-FFF2-40B4-BE49-F238E27FC236}">
-                <a16:creationId xmlns:a16="http://schemas.microsoft.com/office/drawing/2014/main" id="{CB98F9BC-620F-5D44-9956-10D3A3D15964}"/>
-              </a:ext>
-            </a:extLst>
-          </p:cNvPr>
-          <p:cNvSpPr txBox="1"/>
-          <p:nvPr/>
-        </p:nvSpPr>
-        <p:spPr>
-          <a:xfrm>
-            <a:off x="695597" y="5988734"/>
-            <a:ext cx="10800806" cy="646331"/>
-          </a:xfrm>
-          <a:prstGeom prst="rect">
-            <a:avLst/>
-          </a:prstGeom>
-          <a:noFill/>
-        </p:spPr>
-        <p:txBody>
-          <a:bodyPr wrap="square" rtlCol="0">
-            <a:spAutoFit/>
-          </a:bodyPr>
-          <a:lstStyle/>
-          <a:p>
-            <a:r>
-              <a:rPr lang="en-US" dirty="0">
-                <a:solidFill>
-                  <a:schemeClr val="tx1">
-                    <a:lumMod val="50000"/>
-                    <a:lumOff val="50000"/>
-                  </a:schemeClr>
-                </a:solidFill>
-              </a:rPr>
-              <a:t>Meta-analyses involving odds ratios are very common in meta-analyses involving health and medicine outcomes, though less common in meta-analyses with social, behavioral, or educational outcomes.</a:t>
-            </a:r>
-          </a:p>
-        </p:txBody>
-      </p:sp>
-      <p:sp>
-        <p:nvSpPr>
-          <p:cNvPr id="5" name="Slide Number Placeholder 4">
-            <a:extLst>
-              <a:ext uri="{FF2B5EF4-FFF2-40B4-BE49-F238E27FC236}">
-                <a16:creationId xmlns:a16="http://schemas.microsoft.com/office/drawing/2014/main" id="{319DBEAF-88F8-284A-A5D1-32805AF0DFE0}"/>
+        </p:txBody>
+      </p:sp>
+      <p:sp>
+        <p:nvSpPr>
+          <p:cNvPr id="4" name="Slide Number Placeholder 3">
+            <a:extLst>
+              <a:ext uri="{FF2B5EF4-FFF2-40B4-BE49-F238E27FC236}">
+                <a16:creationId xmlns:a16="http://schemas.microsoft.com/office/drawing/2014/main" id="{8AC0F022-748B-0446-BD19-0656E0C3A83C}"/>
               </a:ext>
             </a:extLst>
           </p:cNvPr>
@@ -17441,7 +18303,7 @@
     </p:spTree>
     <p:extLst>
       <p:ext uri="{BB962C8B-B14F-4D97-AF65-F5344CB8AC3E}">
-        <p14:creationId xmlns:p14="http://schemas.microsoft.com/office/powerpoint/2010/main" val="2686632758"/>
+        <p14:creationId xmlns:p14="http://schemas.microsoft.com/office/powerpoint/2010/main" val="912810512"/>
       </p:ext>
     </p:extLst>
   </p:cSld>
